--- a/docs/comercial/brochure.pptx
+++ b/docs/comercial/brochure.pptx
@@ -6,9 +6,10 @@
   </p:sldMasterIdLst>
   <p:sldIdLst>
     <p:sldId id="256" r:id="rId2"/>
-    <p:sldId id="257" r:id="rId3"/>
-    <p:sldId id="258" r:id="rId4"/>
-    <p:sldId id="259" r:id="rId5"/>
+    <p:sldId id="260" r:id="rId3"/>
+    <p:sldId id="257" r:id="rId4"/>
+    <p:sldId id="258" r:id="rId5"/>
+    <p:sldId id="259" r:id="rId6"/>
   </p:sldIdLst>
   <p:sldSz cx="9144000" cy="6858000" type="screen4x3"/>
   <p:notesSz cx="6858000" cy="9144000"/>
@@ -4702,66 +4703,41 @@
           <a:chExt cx="0" cy="0"/>
         </a:xfrm>
       </p:grpSpPr>
-      <p:sp>
-        <p:nvSpPr>
-          <p:cNvPr id="3" name="2 Marcador de contenido"/>
-          <p:cNvSpPr>
-            <a:spLocks noGrp="1"/>
-          </p:cNvSpPr>
+      <p:pic>
+        <p:nvPicPr>
+          <p:cNvPr id="1026" name="Picture 2"/>
+          <p:cNvPicPr>
+            <a:picLocks noGrp="1" noChangeAspect="1" noChangeArrowheads="1"/>
+          </p:cNvPicPr>
           <p:nvPr>
             <p:ph idx="1"/>
           </p:nvPr>
-        </p:nvSpPr>
-        <p:spPr/>
-        <p:txBody>
-          <a:bodyPr>
-            <a:noAutofit/>
-          </a:bodyPr>
-          <a:lstStyle/>
-          <a:p>
-            <a:pPr algn="just"/>
-            <a:r>
-              <a:rPr lang="es-CL" sz="2300" dirty="0" smtClean="0"/>
-              <a:t>En virtud de la especificación de la SVS sobre la divulgación de la información que no esta directamente reflejada en los EE.FF. Nuestra compañía ha elaborando una solución potente y robusta que permite a las Compañías Aseguradoras implantar una solución concreta la problemática asociada  al proceso de las Revelaciones. </a:t>
-            </a:r>
-          </a:p>
-          <a:p>
-            <a:pPr algn="just"/>
-            <a:endParaRPr lang="es-CL" sz="2300" dirty="0" smtClean="0"/>
-          </a:p>
-          <a:p>
-            <a:pPr algn="just"/>
-            <a:r>
-              <a:rPr lang="es-CL" sz="2300" dirty="0" smtClean="0"/>
-              <a:t>Este producto proporciona una respuesta concreta a los procesos de obtención, administración, gestión y almacenamiento integral de toda la información involucrada en las Revelaciones según la norma IFRS.</a:t>
-            </a:r>
-            <a:endParaRPr lang="es-CL" sz="2300" dirty="0"/>
-          </a:p>
-        </p:txBody>
-      </p:sp>
-      <p:sp>
-        <p:nvSpPr>
-          <p:cNvPr id="2" name="1 Título"/>
-          <p:cNvSpPr>
-            <a:spLocks noGrp="1"/>
-          </p:cNvSpPr>
-          <p:nvPr>
-            <p:ph type="title"/>
-          </p:nvPr>
-        </p:nvSpPr>
-        <p:spPr/>
-        <p:txBody>
-          <a:bodyPr/>
-          <a:lstStyle/>
-          <a:p>
-            <a:r>
-              <a:rPr lang="es-CL" dirty="0" smtClean="0"/>
-              <a:t>Introducción</a:t>
-            </a:r>
-            <a:endParaRPr lang="es-CL" dirty="0"/>
-          </a:p>
-        </p:txBody>
-      </p:sp>
+        </p:nvPicPr>
+        <p:blipFill>
+          <a:blip r:embed="rId2"/>
+          <a:srcRect/>
+          <a:stretch>
+            <a:fillRect/>
+          </a:stretch>
+        </p:blipFill>
+        <p:spPr bwMode="auto">
+          <a:xfrm>
+            <a:off x="428596" y="1500174"/>
+            <a:ext cx="8229600" cy="3548185"/>
+          </a:xfrm>
+          <a:prstGeom prst="rect">
+            <a:avLst/>
+          </a:prstGeom>
+          <a:noFill/>
+          <a:ln w="9525">
+            <a:noFill/>
+            <a:miter lim="800000"/>
+            <a:headEnd/>
+            <a:tailEnd/>
+          </a:ln>
+          <a:effectLst/>
+        </p:spPr>
+      </p:pic>
     </p:spTree>
   </p:cSld>
   <p:clrMapOvr>
@@ -4796,7 +4772,7 @@
       </p:grpSpPr>
       <p:sp>
         <p:nvSpPr>
-          <p:cNvPr id="2" name="1 Marcador de contenido"/>
+          <p:cNvPr id="3" name="2 Marcador de contenido"/>
           <p:cNvSpPr>
             <a:spLocks noGrp="1"/>
           </p:cNvSpPr>
@@ -4807,37 +4783,14 @@
         <p:spPr/>
         <p:txBody>
           <a:bodyPr>
-            <a:normAutofit/>
+            <a:noAutofit/>
           </a:bodyPr>
           <a:lstStyle/>
           <a:p>
             <a:pPr algn="just"/>
             <a:r>
               <a:rPr lang="es-CL" sz="2300" dirty="0" smtClean="0"/>
-              <a:t>AppRev posee características únicas que lo hacen un software exclusivo en el mercado Chileno.</a:t>
-            </a:r>
-            <a:br>
-              <a:rPr lang="es-CL" sz="2300" dirty="0" smtClean="0"/>
-            </a:br>
-            <a:endParaRPr lang="es-CL" sz="2300" dirty="0" smtClean="0"/>
-          </a:p>
-          <a:p>
-            <a:pPr algn="just"/>
-            <a:r>
-              <a:rPr lang="es-CL" sz="2300" dirty="0" smtClean="0"/>
-              <a:t>Elimina en un 100% de la organización, </a:t>
-            </a:r>
-            <a:r>
-              <a:rPr lang="es-CL" sz="2300" dirty="0" smtClean="0"/>
-              <a:t>el almacenamiento </a:t>
-            </a:r>
-            <a:r>
-              <a:rPr lang="es-CL" sz="2300" dirty="0" smtClean="0"/>
-              <a:t>y gestión de </a:t>
-            </a:r>
-            <a:r>
-              <a:rPr lang="es-CL" sz="2300" dirty="0" smtClean="0"/>
-              <a:t>información  en Hojas de Calculo.</a:t>
+              <a:t>En virtud de la especificación de la SVS sobre la divulgación de la información que no esta directamente reflejada en los EE.FF. Nuestra compañía ha elaborando una solución potente y robusta que permite a las Compañías Aseguradoras implantar una solución concreta la problemática asociada  al proceso de las Revelaciones. </a:t>
             </a:r>
           </a:p>
           <a:p>
@@ -4848,18 +4801,15 @@
             <a:pPr algn="just"/>
             <a:r>
               <a:rPr lang="es-CL" sz="2300" dirty="0" smtClean="0"/>
-              <a:t>Se adapta sin problemas a las distintas especificaciones de la normativa permitiendo superar sin dificultades las problemáticas asociadas a la alta tasa de variabilidad en el formato de las Revelaciones.</a:t>
-            </a:r>
-          </a:p>
-          <a:p>
-            <a:pPr algn="just"/>
-            <a:endParaRPr lang="es-CL" sz="2300" dirty="0" smtClean="0"/>
-          </a:p>
-        </p:txBody>
-      </p:sp>
-      <p:sp>
-        <p:nvSpPr>
-          <p:cNvPr id="3" name="2 Título"/>
+              <a:t>Este producto proporciona una respuesta concreta a los procesos de obtención, administración, gestión y almacenamiento integral de toda la información involucrada en las Revelaciones según la norma IFRS.</a:t>
+            </a:r>
+            <a:endParaRPr lang="es-CL" sz="2300" dirty="0"/>
+          </a:p>
+        </p:txBody>
+      </p:sp>
+      <p:sp>
+        <p:nvSpPr>
+          <p:cNvPr id="2" name="1 Título"/>
           <p:cNvSpPr>
             <a:spLocks noGrp="1"/>
           </p:cNvSpPr>
@@ -4874,7 +4824,7 @@
           <a:p>
             <a:r>
               <a:rPr lang="es-CL" dirty="0" smtClean="0"/>
-              <a:t>Ventajas</a:t>
+              <a:t>Introducción</a:t>
             </a:r>
             <a:endParaRPr lang="es-CL" dirty="0"/>
           </a:p>
@@ -4896,6 +4846,124 @@
 </file>
 
 <file path=ppt/slides/slide4.xml><?xml version="1.0" encoding="utf-8"?>
+<p:sld xmlns:a="http://schemas.openxmlformats.org/drawingml/2006/main" xmlns:r="http://schemas.openxmlformats.org/officeDocument/2006/relationships" xmlns:p="http://schemas.openxmlformats.org/presentationml/2006/main">
+  <p:cSld>
+    <p:spTree>
+      <p:nvGrpSpPr>
+        <p:cNvPr id="1" name=""/>
+        <p:cNvGrpSpPr/>
+        <p:nvPr/>
+      </p:nvGrpSpPr>
+      <p:grpSpPr>
+        <a:xfrm>
+          <a:off x="0" y="0"/>
+          <a:ext cx="0" cy="0"/>
+          <a:chOff x="0" y="0"/>
+          <a:chExt cx="0" cy="0"/>
+        </a:xfrm>
+      </p:grpSpPr>
+      <p:sp>
+        <p:nvSpPr>
+          <p:cNvPr id="2" name="1 Marcador de contenido"/>
+          <p:cNvSpPr>
+            <a:spLocks noGrp="1"/>
+          </p:cNvSpPr>
+          <p:nvPr>
+            <p:ph idx="1"/>
+          </p:nvPr>
+        </p:nvSpPr>
+        <p:spPr/>
+        <p:txBody>
+          <a:bodyPr>
+            <a:normAutofit/>
+          </a:bodyPr>
+          <a:lstStyle/>
+          <a:p>
+            <a:pPr algn="just"/>
+            <a:r>
+              <a:rPr lang="es-CL" sz="2300" dirty="0" smtClean="0"/>
+              <a:t>AppRev posee características únicas que lo hacen un software exclusivo en el mercado Chileno.</a:t>
+            </a:r>
+            <a:br>
+              <a:rPr lang="es-CL" sz="2300" dirty="0" smtClean="0"/>
+            </a:br>
+            <a:endParaRPr lang="es-CL" sz="2300" dirty="0" smtClean="0"/>
+          </a:p>
+          <a:p>
+            <a:pPr algn="just"/>
+            <a:r>
+              <a:rPr lang="es-CL" sz="2300" dirty="0" smtClean="0"/>
+              <a:t>Elimina en un 100% de la organización, </a:t>
+            </a:r>
+            <a:r>
+              <a:rPr lang="es-CL" sz="2300" dirty="0" smtClean="0"/>
+              <a:t>el almacenamiento </a:t>
+            </a:r>
+            <a:r>
+              <a:rPr lang="es-CL" sz="2300" dirty="0" smtClean="0"/>
+              <a:t>y gestión de </a:t>
+            </a:r>
+            <a:r>
+              <a:rPr lang="es-CL" sz="2300" dirty="0" smtClean="0"/>
+              <a:t>información  en Hojas de Calculo.</a:t>
+            </a:r>
+          </a:p>
+          <a:p>
+            <a:pPr algn="just"/>
+            <a:endParaRPr lang="es-CL" sz="2300" dirty="0" smtClean="0"/>
+          </a:p>
+          <a:p>
+            <a:pPr algn="just"/>
+            <a:r>
+              <a:rPr lang="es-CL" sz="2300" dirty="0" smtClean="0"/>
+              <a:t>Se adapta sin problemas a las distintas especificaciones de la normativa permitiendo superar sin dificultades las problemáticas asociadas a la alta tasa de variabilidad en el formato de las Revelaciones.</a:t>
+            </a:r>
+          </a:p>
+          <a:p>
+            <a:pPr algn="just"/>
+            <a:endParaRPr lang="es-CL" sz="2300" dirty="0" smtClean="0"/>
+          </a:p>
+        </p:txBody>
+      </p:sp>
+      <p:sp>
+        <p:nvSpPr>
+          <p:cNvPr id="3" name="2 Título"/>
+          <p:cNvSpPr>
+            <a:spLocks noGrp="1"/>
+          </p:cNvSpPr>
+          <p:nvPr>
+            <p:ph type="title"/>
+          </p:nvPr>
+        </p:nvSpPr>
+        <p:spPr/>
+        <p:txBody>
+          <a:bodyPr/>
+          <a:lstStyle/>
+          <a:p>
+            <a:r>
+              <a:rPr lang="es-CL" dirty="0" smtClean="0"/>
+              <a:t>Ventajas</a:t>
+            </a:r>
+            <a:endParaRPr lang="es-CL" dirty="0"/>
+          </a:p>
+        </p:txBody>
+      </p:sp>
+    </p:spTree>
+  </p:cSld>
+  <p:clrMapOvr>
+    <a:masterClrMapping/>
+  </p:clrMapOvr>
+  <p:timing>
+    <p:tnLst>
+      <p:par>
+        <p:cTn id="1" dur="indefinite" restart="never" nodeType="tmRoot"/>
+      </p:par>
+    </p:tnLst>
+  </p:timing>
+</p:sld>
+</file>
+
+<file path=ppt/slides/slide5.xml><?xml version="1.0" encoding="utf-8"?>
 <p:sld xmlns:a="http://schemas.openxmlformats.org/drawingml/2006/main" xmlns:r="http://schemas.openxmlformats.org/officeDocument/2006/relationships" xmlns:p="http://schemas.openxmlformats.org/presentationml/2006/main">
   <p:cSld>
     <p:spTree>

--- a/docs/comercial/brochure.pptx
+++ b/docs/comercial/brochure.pptx
@@ -736,6 +736,7 @@
           <a:p>
             <a:fld id="{DE3A2F4D-761B-49FA-B2B4-D6F123DD324B}" type="datetimeFigureOut">
               <a:rPr lang="es-CL" smtClean="0"/>
+              <a:pPr/>
               <a:t>26-07-2012</a:t>
             </a:fld>
             <a:endParaRPr lang="es-CL"/>
@@ -798,6 +799,7 @@
           <a:p>
             <a:fld id="{F07DD2EE-D33A-4348-BBC7-4548EDDA8197}" type="slidenum">
               <a:rPr lang="es-CL" smtClean="0"/>
+              <a:pPr/>
               <a:t>‹Nº›</a:t>
             </a:fld>
             <a:endParaRPr lang="es-CL"/>
@@ -932,6 +934,7 @@
           <a:p>
             <a:fld id="{DE3A2F4D-761B-49FA-B2B4-D6F123DD324B}" type="datetimeFigureOut">
               <a:rPr lang="es-CL" smtClean="0"/>
+              <a:pPr/>
               <a:t>26-07-2012</a:t>
             </a:fld>
             <a:endParaRPr lang="es-CL"/>
@@ -978,6 +981,7 @@
           <a:p>
             <a:fld id="{F07DD2EE-D33A-4348-BBC7-4548EDDA8197}" type="slidenum">
               <a:rPr lang="es-CL" smtClean="0"/>
+              <a:pPr/>
               <a:t>‹Nº›</a:t>
             </a:fld>
             <a:endParaRPr lang="es-CL"/>
@@ -1117,6 +1121,7 @@
           <a:p>
             <a:fld id="{DE3A2F4D-761B-49FA-B2B4-D6F123DD324B}" type="datetimeFigureOut">
               <a:rPr lang="es-CL" smtClean="0"/>
+              <a:pPr/>
               <a:t>26-07-2012</a:t>
             </a:fld>
             <a:endParaRPr lang="es-CL"/>
@@ -1163,6 +1168,7 @@
           <a:p>
             <a:fld id="{F07DD2EE-D33A-4348-BBC7-4548EDDA8197}" type="slidenum">
               <a:rPr lang="es-CL" smtClean="0"/>
+              <a:pPr/>
               <a:t>‹Nº›</a:t>
             </a:fld>
             <a:endParaRPr lang="es-CL"/>
@@ -1267,6 +1273,7 @@
           <a:p>
             <a:fld id="{DE3A2F4D-761B-49FA-B2B4-D6F123DD324B}" type="datetimeFigureOut">
               <a:rPr lang="es-CL" smtClean="0"/>
+              <a:pPr/>
               <a:t>26-07-2012</a:t>
             </a:fld>
             <a:endParaRPr lang="es-CL"/>
@@ -1313,6 +1320,7 @@
           <a:p>
             <a:fld id="{F07DD2EE-D33A-4348-BBC7-4548EDDA8197}" type="slidenum">
               <a:rPr lang="es-CL" smtClean="0"/>
+              <a:pPr/>
               <a:t>‹Nº›</a:t>
             </a:fld>
             <a:endParaRPr lang="es-CL"/>
@@ -1522,6 +1530,7 @@
           <a:p>
             <a:fld id="{DE3A2F4D-761B-49FA-B2B4-D6F123DD324B}" type="datetimeFigureOut">
               <a:rPr lang="es-CL" smtClean="0"/>
+              <a:pPr/>
               <a:t>26-07-2012</a:t>
             </a:fld>
             <a:endParaRPr lang="es-CL"/>
@@ -1568,6 +1577,7 @@
           <a:p>
             <a:fld id="{F07DD2EE-D33A-4348-BBC7-4548EDDA8197}" type="slidenum">
               <a:rPr lang="es-CL" smtClean="0"/>
+              <a:pPr/>
               <a:t>‹Nº›</a:t>
             </a:fld>
             <a:endParaRPr lang="es-CL"/>
@@ -1931,6 +1941,7 @@
           <a:p>
             <a:fld id="{DE3A2F4D-761B-49FA-B2B4-D6F123DD324B}" type="datetimeFigureOut">
               <a:rPr lang="es-CL" smtClean="0"/>
+              <a:pPr/>
               <a:t>26-07-2012</a:t>
             </a:fld>
             <a:endParaRPr lang="es-CL"/>
@@ -1977,6 +1988,7 @@
           <a:p>
             <a:fld id="{F07DD2EE-D33A-4348-BBC7-4548EDDA8197}" type="slidenum">
               <a:rPr lang="es-CL" smtClean="0"/>
+              <a:pPr/>
               <a:t>‹Nº›</a:t>
             </a:fld>
             <a:endParaRPr lang="es-CL"/>
@@ -2377,6 +2389,7 @@
           <a:p>
             <a:fld id="{DE3A2F4D-761B-49FA-B2B4-D6F123DD324B}" type="datetimeFigureOut">
               <a:rPr lang="es-CL" smtClean="0"/>
+              <a:pPr/>
               <a:t>26-07-2012</a:t>
             </a:fld>
             <a:endParaRPr lang="es-CL"/>
@@ -2423,6 +2436,7 @@
           <a:p>
             <a:fld id="{F07DD2EE-D33A-4348-BBC7-4548EDDA8197}" type="slidenum">
               <a:rPr lang="es-CL" smtClean="0"/>
+              <a:pPr/>
               <a:t>‹Nº›</a:t>
             </a:fld>
             <a:endParaRPr lang="es-CL"/>
@@ -2478,6 +2492,7 @@
           <a:p>
             <a:fld id="{DE3A2F4D-761B-49FA-B2B4-D6F123DD324B}" type="datetimeFigureOut">
               <a:rPr lang="es-CL" smtClean="0"/>
+              <a:pPr/>
               <a:t>26-07-2012</a:t>
             </a:fld>
             <a:endParaRPr lang="es-CL"/>
@@ -2524,6 +2539,7 @@
           <a:p>
             <a:fld id="{F07DD2EE-D33A-4348-BBC7-4548EDDA8197}" type="slidenum">
               <a:rPr lang="es-CL" smtClean="0"/>
+              <a:pPr/>
               <a:t>‹Nº›</a:t>
             </a:fld>
             <a:endParaRPr lang="es-CL"/>
@@ -2599,6 +2615,7 @@
           <a:p>
             <a:fld id="{DE3A2F4D-761B-49FA-B2B4-D6F123DD324B}" type="datetimeFigureOut">
               <a:rPr lang="es-CL" smtClean="0"/>
+              <a:pPr/>
               <a:t>26-07-2012</a:t>
             </a:fld>
             <a:endParaRPr lang="es-CL"/>
@@ -2645,6 +2662,7 @@
           <a:p>
             <a:fld id="{F07DD2EE-D33A-4348-BBC7-4548EDDA8197}" type="slidenum">
               <a:rPr lang="es-CL" smtClean="0"/>
+              <a:pPr/>
               <a:t>‹Nº›</a:t>
             </a:fld>
             <a:endParaRPr lang="es-CL"/>
@@ -2873,6 +2891,7 @@
           <a:p>
             <a:fld id="{DE3A2F4D-761B-49FA-B2B4-D6F123DD324B}" type="datetimeFigureOut">
               <a:rPr lang="es-CL" smtClean="0"/>
+              <a:pPr/>
               <a:t>26-07-2012</a:t>
             </a:fld>
             <a:endParaRPr lang="es-CL"/>
@@ -2919,6 +2938,7 @@
           <a:p>
             <a:fld id="{F07DD2EE-D33A-4348-BBC7-4548EDDA8197}" type="slidenum">
               <a:rPr lang="es-CL" smtClean="0"/>
+              <a:pPr/>
               <a:t>‹Nº›</a:t>
             </a:fld>
             <a:endParaRPr lang="es-CL"/>
@@ -3078,6 +3098,7 @@
           <a:p>
             <a:fld id="{DE3A2F4D-761B-49FA-B2B4-D6F123DD324B}" type="datetimeFigureOut">
               <a:rPr lang="es-CL" smtClean="0"/>
+              <a:pPr/>
               <a:t>26-07-2012</a:t>
             </a:fld>
             <a:endParaRPr lang="es-CL"/>
@@ -3143,6 +3164,7 @@
           <a:p>
             <a:fld id="{F07DD2EE-D33A-4348-BBC7-4548EDDA8197}" type="slidenum">
               <a:rPr lang="es-CL" smtClean="0"/>
+              <a:pPr/>
               <a:t>‹Nº›</a:t>
             </a:fld>
             <a:endParaRPr lang="es-CL"/>
@@ -4187,6 +4209,7 @@
           <a:p>
             <a:fld id="{DE3A2F4D-761B-49FA-B2B4-D6F123DD324B}" type="datetimeFigureOut">
               <a:rPr lang="es-CL" smtClean="0"/>
+              <a:pPr/>
               <a:t>26-07-2012</a:t>
             </a:fld>
             <a:endParaRPr lang="es-CL"/>
@@ -4263,6 +4286,7 @@
           <a:p>
             <a:fld id="{F07DD2EE-D33A-4348-BBC7-4548EDDA8197}" type="slidenum">
               <a:rPr lang="es-CL" smtClean="0"/>
+              <a:pPr/>
               <a:t>‹Nº›</a:t>
             </a:fld>
             <a:endParaRPr lang="es-CL"/>
@@ -4625,23 +4649,7 @@
             </a:br>
             <a:r>
               <a:rPr lang="es-CL" sz="2400" dirty="0" smtClean="0"/>
-              <a:t>Software de gestión de Revelaciones y </a:t>
-            </a:r>
-            <a:r>
-              <a:rPr lang="es-CL" sz="2400" dirty="0" smtClean="0"/>
-              <a:t>Estados Financieros y</a:t>
-            </a:r>
-            <a:r>
-              <a:rPr lang="es-CL" sz="2400" dirty="0" smtClean="0"/>
-              <a:t> </a:t>
-            </a:r>
-            <a:r>
-              <a:rPr lang="es-CL" sz="2400" dirty="0" smtClean="0"/>
-              <a:t>para las Entidades </a:t>
-            </a:r>
-            <a:r>
-              <a:rPr lang="es-CL" sz="2400" dirty="0" smtClean="0"/>
-              <a:t>Aseguradoras</a:t>
+              <a:t>Software de gestión de Revelaciones y Estados Financieros y para las Entidades Aseguradoras</a:t>
             </a:r>
             <a:endParaRPr lang="es-CL" dirty="0"/>
           </a:p>
@@ -4705,13 +4713,11 @@
       </p:grpSpPr>
       <p:pic>
         <p:nvPicPr>
-          <p:cNvPr id="1026" name="Picture 2"/>
+          <p:cNvPr id="1027" name="Picture 3"/>
           <p:cNvPicPr>
-            <a:picLocks noGrp="1" noChangeAspect="1" noChangeArrowheads="1"/>
+            <a:picLocks noChangeAspect="1" noChangeArrowheads="1"/>
           </p:cNvPicPr>
-          <p:nvPr>
-            <p:ph idx="1"/>
-          </p:nvPr>
+          <p:nvPr/>
         </p:nvPicPr>
         <p:blipFill>
           <a:blip r:embed="rId2"/>
@@ -4722,20 +4728,127 @@
         </p:blipFill>
         <p:spPr bwMode="auto">
           <a:xfrm>
-            <a:off x="428596" y="1500174"/>
-            <a:ext cx="8229600" cy="3548185"/>
+            <a:off x="4500562" y="3214686"/>
+            <a:ext cx="4076709" cy="3441285"/>
           </a:xfrm>
           <a:prstGeom prst="rect">
             <a:avLst/>
           </a:prstGeom>
-          <a:noFill/>
-          <a:ln w="9525">
+          <a:ln>
             <a:noFill/>
-            <a:miter lim="800000"/>
-            <a:headEnd/>
-            <a:tailEnd/>
           </a:ln>
-          <a:effectLst/>
+          <a:effectLst>
+            <a:outerShdw blurRad="292100" dist="139700" dir="2700000" algn="tl" rotWithShape="0">
+              <a:srgbClr val="333333">
+                <a:alpha val="65000"/>
+              </a:srgbClr>
+            </a:outerShdw>
+          </a:effectLst>
+        </p:spPr>
+      </p:pic>
+      <p:pic>
+        <p:nvPicPr>
+          <p:cNvPr id="1028" name="Picture 4"/>
+          <p:cNvPicPr>
+            <a:picLocks noChangeAspect="1" noChangeArrowheads="1"/>
+          </p:cNvPicPr>
+          <p:nvPr/>
+        </p:nvPicPr>
+        <p:blipFill>
+          <a:blip r:embed="rId3"/>
+          <a:srcRect/>
+          <a:stretch>
+            <a:fillRect/>
+          </a:stretch>
+        </p:blipFill>
+        <p:spPr bwMode="auto">
+          <a:xfrm>
+            <a:off x="4714876" y="500042"/>
+            <a:ext cx="4161311" cy="2357454"/>
+          </a:xfrm>
+          <a:prstGeom prst="rect">
+            <a:avLst/>
+          </a:prstGeom>
+          <a:ln>
+            <a:noFill/>
+          </a:ln>
+          <a:effectLst>
+            <a:outerShdw blurRad="292100" dist="139700" dir="2700000" algn="tl" rotWithShape="0">
+              <a:srgbClr val="333333">
+                <a:alpha val="65000"/>
+              </a:srgbClr>
+            </a:outerShdw>
+          </a:effectLst>
+        </p:spPr>
+      </p:pic>
+      <p:pic>
+        <p:nvPicPr>
+          <p:cNvPr id="1029" name="Picture 5"/>
+          <p:cNvPicPr>
+            <a:picLocks noChangeAspect="1" noChangeArrowheads="1"/>
+          </p:cNvPicPr>
+          <p:nvPr/>
+        </p:nvPicPr>
+        <p:blipFill>
+          <a:blip r:embed="rId4"/>
+          <a:srcRect/>
+          <a:stretch>
+            <a:fillRect/>
+          </a:stretch>
+        </p:blipFill>
+        <p:spPr bwMode="auto">
+          <a:xfrm>
+            <a:off x="571472" y="4143380"/>
+            <a:ext cx="3571900" cy="1434999"/>
+          </a:xfrm>
+          <a:prstGeom prst="rect">
+            <a:avLst/>
+          </a:prstGeom>
+          <a:ln>
+            <a:noFill/>
+          </a:ln>
+          <a:effectLst>
+            <a:outerShdw blurRad="292100" dist="139700" dir="2700000" algn="tl" rotWithShape="0">
+              <a:srgbClr val="333333">
+                <a:alpha val="65000"/>
+              </a:srgbClr>
+            </a:outerShdw>
+          </a:effectLst>
+        </p:spPr>
+      </p:pic>
+      <p:pic>
+        <p:nvPicPr>
+          <p:cNvPr id="1030" name="Picture 6"/>
+          <p:cNvPicPr>
+            <a:picLocks noChangeAspect="1" noChangeArrowheads="1"/>
+          </p:cNvPicPr>
+          <p:nvPr/>
+        </p:nvPicPr>
+        <p:blipFill>
+          <a:blip r:embed="rId5"/>
+          <a:srcRect l="21799"/>
+          <a:stretch>
+            <a:fillRect/>
+          </a:stretch>
+        </p:blipFill>
+        <p:spPr bwMode="auto">
+          <a:xfrm>
+            <a:off x="285720" y="285728"/>
+            <a:ext cx="4100391" cy="3509973"/>
+          </a:xfrm>
+          <a:prstGeom prst="rect">
+            <a:avLst/>
+          </a:prstGeom>
+          <a:ln>
+            <a:noFill/>
+          </a:ln>
+          <a:effectLst>
+            <a:outerShdw blurRad="292100" dist="139700" dir="2700000" algn="tl" rotWithShape="0">
+              <a:srgbClr val="333333">
+                <a:alpha val="65000"/>
+              </a:srgbClr>
+            </a:outerShdw>
+          </a:effectLst>
         </p:spPr>
       </p:pic>
     </p:spTree>
@@ -4893,19 +5006,7 @@
             <a:pPr algn="just"/>
             <a:r>
               <a:rPr lang="es-CL" sz="2300" dirty="0" smtClean="0"/>
-              <a:t>Elimina en un 100% de la organización, </a:t>
-            </a:r>
-            <a:r>
-              <a:rPr lang="es-CL" sz="2300" dirty="0" smtClean="0"/>
-              <a:t>el almacenamiento </a:t>
-            </a:r>
-            <a:r>
-              <a:rPr lang="es-CL" sz="2300" dirty="0" smtClean="0"/>
-              <a:t>y gestión de </a:t>
-            </a:r>
-            <a:r>
-              <a:rPr lang="es-CL" sz="2300" dirty="0" smtClean="0"/>
-              <a:t>información  en Hojas de Calculo.</a:t>
+              <a:t>Elimina en un 100% de la organización, el almacenamiento y gestión de información  en Hojas de Calculo.</a:t>
             </a:r>
           </a:p>
           <a:p>

--- a/docs/comercial/brochure.pptx
+++ b/docs/comercial/brochure.pptx
@@ -6,10 +6,11 @@
   </p:sldMasterIdLst>
   <p:sldIdLst>
     <p:sldId id="256" r:id="rId2"/>
-    <p:sldId id="260" r:id="rId3"/>
-    <p:sldId id="257" r:id="rId4"/>
+    <p:sldId id="257" r:id="rId3"/>
+    <p:sldId id="261" r:id="rId4"/>
     <p:sldId id="258" r:id="rId5"/>
     <p:sldId id="259" r:id="rId6"/>
+    <p:sldId id="260" r:id="rId7"/>
   </p:sldIdLst>
   <p:sldSz cx="9144000" cy="6858000" type="screen4x3"/>
   <p:notesSz cx="6858000" cy="9144000"/>
@@ -737,7 +738,7 @@
             <a:fld id="{DE3A2F4D-761B-49FA-B2B4-D6F123DD324B}" type="datetimeFigureOut">
               <a:rPr lang="es-CL" smtClean="0"/>
               <a:pPr/>
-              <a:t>26-07-2012</a:t>
+              <a:t>27-07-2012</a:t>
             </a:fld>
             <a:endParaRPr lang="es-CL"/>
           </a:p>
@@ -935,7 +936,7 @@
             <a:fld id="{DE3A2F4D-761B-49FA-B2B4-D6F123DD324B}" type="datetimeFigureOut">
               <a:rPr lang="es-CL" smtClean="0"/>
               <a:pPr/>
-              <a:t>26-07-2012</a:t>
+              <a:t>27-07-2012</a:t>
             </a:fld>
             <a:endParaRPr lang="es-CL"/>
           </a:p>
@@ -1122,7 +1123,7 @@
             <a:fld id="{DE3A2F4D-761B-49FA-B2B4-D6F123DD324B}" type="datetimeFigureOut">
               <a:rPr lang="es-CL" smtClean="0"/>
               <a:pPr/>
-              <a:t>26-07-2012</a:t>
+              <a:t>27-07-2012</a:t>
             </a:fld>
             <a:endParaRPr lang="es-CL"/>
           </a:p>
@@ -1274,7 +1275,7 @@
             <a:fld id="{DE3A2F4D-761B-49FA-B2B4-D6F123DD324B}" type="datetimeFigureOut">
               <a:rPr lang="es-CL" smtClean="0"/>
               <a:pPr/>
-              <a:t>26-07-2012</a:t>
+              <a:t>27-07-2012</a:t>
             </a:fld>
             <a:endParaRPr lang="es-CL"/>
           </a:p>
@@ -1531,7 +1532,7 @@
             <a:fld id="{DE3A2F4D-761B-49FA-B2B4-D6F123DD324B}" type="datetimeFigureOut">
               <a:rPr lang="es-CL" smtClean="0"/>
               <a:pPr/>
-              <a:t>26-07-2012</a:t>
+              <a:t>27-07-2012</a:t>
             </a:fld>
             <a:endParaRPr lang="es-CL"/>
           </a:p>
@@ -1942,7 +1943,7 @@
             <a:fld id="{DE3A2F4D-761B-49FA-B2B4-D6F123DD324B}" type="datetimeFigureOut">
               <a:rPr lang="es-CL" smtClean="0"/>
               <a:pPr/>
-              <a:t>26-07-2012</a:t>
+              <a:t>27-07-2012</a:t>
             </a:fld>
             <a:endParaRPr lang="es-CL"/>
           </a:p>
@@ -2390,7 +2391,7 @@
             <a:fld id="{DE3A2F4D-761B-49FA-B2B4-D6F123DD324B}" type="datetimeFigureOut">
               <a:rPr lang="es-CL" smtClean="0"/>
               <a:pPr/>
-              <a:t>26-07-2012</a:t>
+              <a:t>27-07-2012</a:t>
             </a:fld>
             <a:endParaRPr lang="es-CL"/>
           </a:p>
@@ -2493,7 +2494,7 @@
             <a:fld id="{DE3A2F4D-761B-49FA-B2B4-D6F123DD324B}" type="datetimeFigureOut">
               <a:rPr lang="es-CL" smtClean="0"/>
               <a:pPr/>
-              <a:t>26-07-2012</a:t>
+              <a:t>27-07-2012</a:t>
             </a:fld>
             <a:endParaRPr lang="es-CL"/>
           </a:p>
@@ -2616,7 +2617,7 @@
             <a:fld id="{DE3A2F4D-761B-49FA-B2B4-D6F123DD324B}" type="datetimeFigureOut">
               <a:rPr lang="es-CL" smtClean="0"/>
               <a:pPr/>
-              <a:t>26-07-2012</a:t>
+              <a:t>27-07-2012</a:t>
             </a:fld>
             <a:endParaRPr lang="es-CL"/>
           </a:p>
@@ -2892,7 +2893,7 @@
             <a:fld id="{DE3A2F4D-761B-49FA-B2B4-D6F123DD324B}" type="datetimeFigureOut">
               <a:rPr lang="es-CL" smtClean="0"/>
               <a:pPr/>
-              <a:t>26-07-2012</a:t>
+              <a:t>27-07-2012</a:t>
             </a:fld>
             <a:endParaRPr lang="es-CL"/>
           </a:p>
@@ -3099,7 +3100,7 @@
             <a:fld id="{DE3A2F4D-761B-49FA-B2B4-D6F123DD324B}" type="datetimeFigureOut">
               <a:rPr lang="es-CL" smtClean="0"/>
               <a:pPr/>
-              <a:t>26-07-2012</a:t>
+              <a:t>27-07-2012</a:t>
             </a:fld>
             <a:endParaRPr lang="es-CL"/>
           </a:p>
@@ -4210,7 +4211,7 @@
             <a:fld id="{DE3A2F4D-761B-49FA-B2B4-D6F123DD324B}" type="datetimeFigureOut">
               <a:rPr lang="es-CL" smtClean="0"/>
               <a:pPr/>
-              <a:t>26-07-2012</a:t>
+              <a:t>27-07-2012</a:t>
             </a:fld>
             <a:endParaRPr lang="es-CL"/>
           </a:p>
@@ -4649,7 +4650,15 @@
             </a:br>
             <a:r>
               <a:rPr lang="es-CL" sz="2400" dirty="0" smtClean="0"/>
-              <a:t>Software de gestión de Revelaciones y Estados Financieros y para las Entidades Aseguradoras</a:t>
+              <a:t>Software de gestión de Revelaciones y Estados Financieros </a:t>
+            </a:r>
+            <a:r>
+              <a:rPr lang="es-CL" sz="2400" dirty="0" smtClean="0"/>
+              <a:t>para Entidades </a:t>
+            </a:r>
+            <a:r>
+              <a:rPr lang="es-CL" sz="2400" dirty="0" smtClean="0"/>
+              <a:t>Aseguradoras</a:t>
             </a:r>
             <a:endParaRPr lang="es-CL" dirty="0"/>
           </a:p>
@@ -4711,6 +4720,360 @@
           <a:chExt cx="0" cy="0"/>
         </a:xfrm>
       </p:grpSpPr>
+      <p:sp>
+        <p:nvSpPr>
+          <p:cNvPr id="3" name="2 Marcador de contenido"/>
+          <p:cNvSpPr>
+            <a:spLocks noGrp="1"/>
+          </p:cNvSpPr>
+          <p:nvPr>
+            <p:ph idx="1"/>
+          </p:nvPr>
+        </p:nvSpPr>
+        <p:spPr/>
+        <p:txBody>
+          <a:bodyPr>
+            <a:noAutofit/>
+          </a:bodyPr>
+          <a:lstStyle/>
+          <a:p>
+            <a:pPr algn="just"/>
+            <a:r>
+              <a:rPr lang="es-CL" sz="2300" dirty="0" smtClean="0"/>
+              <a:t>Según la normativa Súper Intendencia de Valores y Seguros. </a:t>
+            </a:r>
+            <a:r>
+              <a:rPr lang="es-CL" sz="2300" dirty="0" smtClean="0"/>
+              <a:t>Los estados financieros deberán prepararse de acuerdo a las Normas Internacionales de Información Financiera emitidas por la International Accounting Standard Board (IASB).</a:t>
+            </a:r>
+          </a:p>
+          <a:p>
+            <a:pPr algn="just"/>
+            <a:endParaRPr lang="es-CL" sz="2300" dirty="0" smtClean="0"/>
+          </a:p>
+          <a:p>
+            <a:pPr algn="just"/>
+            <a:r>
+              <a:rPr lang="es-CL" sz="2300" dirty="0" smtClean="0"/>
+              <a:t>Adicionalmente la SVS especifica que las entidades aseguradoras deben divulgar información que no esta directamente reflejada en dichos Estados Financieros. Esta información llamada Revelaciones deberá ser presentada con carácter de obligatoria.</a:t>
+            </a:r>
+          </a:p>
+          <a:p>
+            <a:pPr algn="just"/>
+            <a:endParaRPr lang="es-CL" sz="2300" dirty="0" smtClean="0"/>
+          </a:p>
+        </p:txBody>
+      </p:sp>
+      <p:sp>
+        <p:nvSpPr>
+          <p:cNvPr id="2" name="1 Título"/>
+          <p:cNvSpPr>
+            <a:spLocks noGrp="1"/>
+          </p:cNvSpPr>
+          <p:nvPr>
+            <p:ph type="title"/>
+          </p:nvPr>
+        </p:nvSpPr>
+        <p:spPr/>
+        <p:txBody>
+          <a:bodyPr/>
+          <a:lstStyle/>
+          <a:p>
+            <a:r>
+              <a:rPr lang="es-CL" dirty="0" smtClean="0"/>
+              <a:t>Introducción</a:t>
+            </a:r>
+            <a:endParaRPr lang="es-CL" dirty="0"/>
+          </a:p>
+        </p:txBody>
+      </p:sp>
+    </p:spTree>
+  </p:cSld>
+  <p:clrMapOvr>
+    <a:masterClrMapping/>
+  </p:clrMapOvr>
+  <p:timing>
+    <p:tnLst>
+      <p:par>
+        <p:cTn id="1" dur="indefinite" restart="never" nodeType="tmRoot"/>
+      </p:par>
+    </p:tnLst>
+  </p:timing>
+</p:sld>
+</file>
+
+<file path=ppt/slides/slide3.xml><?xml version="1.0" encoding="utf-8"?>
+<p:sld xmlns:a="http://schemas.openxmlformats.org/drawingml/2006/main" xmlns:r="http://schemas.openxmlformats.org/officeDocument/2006/relationships" xmlns:p="http://schemas.openxmlformats.org/presentationml/2006/main">
+  <p:cSld>
+    <p:spTree>
+      <p:nvGrpSpPr>
+        <p:cNvPr id="1" name=""/>
+        <p:cNvGrpSpPr/>
+        <p:nvPr/>
+      </p:nvGrpSpPr>
+      <p:grpSpPr>
+        <a:xfrm>
+          <a:off x="0" y="0"/>
+          <a:ext cx="0" cy="0"/>
+          <a:chOff x="0" y="0"/>
+          <a:chExt cx="0" cy="0"/>
+        </a:xfrm>
+      </p:grpSpPr>
+      <p:sp>
+        <p:nvSpPr>
+          <p:cNvPr id="2" name="1 Marcador de contenido"/>
+          <p:cNvSpPr>
+            <a:spLocks noGrp="1"/>
+          </p:cNvSpPr>
+          <p:nvPr>
+            <p:ph idx="1"/>
+          </p:nvPr>
+        </p:nvSpPr>
+        <p:spPr/>
+        <p:txBody>
+          <a:bodyPr/>
+          <a:lstStyle/>
+          <a:p>
+            <a:r>
+              <a:rPr lang="es-CL" dirty="0" smtClean="0"/>
+              <a:t>Desde su Nacimiento existen 3  </a:t>
+            </a:r>
+            <a:endParaRPr lang="es-CL" dirty="0"/>
+          </a:p>
+        </p:txBody>
+      </p:sp>
+      <p:sp>
+        <p:nvSpPr>
+          <p:cNvPr id="3" name="2 Título"/>
+          <p:cNvSpPr>
+            <a:spLocks noGrp="1"/>
+          </p:cNvSpPr>
+          <p:nvPr>
+            <p:ph type="title"/>
+          </p:nvPr>
+        </p:nvSpPr>
+        <p:spPr/>
+        <p:txBody>
+          <a:bodyPr/>
+          <a:lstStyle/>
+          <a:p>
+            <a:endParaRPr lang="es-CL"/>
+          </a:p>
+        </p:txBody>
+      </p:sp>
+    </p:spTree>
+  </p:cSld>
+  <p:clrMapOvr>
+    <a:masterClrMapping/>
+  </p:clrMapOvr>
+  <p:timing>
+    <p:tnLst>
+      <p:par>
+        <p:cTn id="1" dur="indefinite" restart="never" nodeType="tmRoot"/>
+      </p:par>
+    </p:tnLst>
+  </p:timing>
+</p:sld>
+</file>
+
+<file path=ppt/slides/slide4.xml><?xml version="1.0" encoding="utf-8"?>
+<p:sld xmlns:a="http://schemas.openxmlformats.org/drawingml/2006/main" xmlns:r="http://schemas.openxmlformats.org/officeDocument/2006/relationships" xmlns:p="http://schemas.openxmlformats.org/presentationml/2006/main">
+  <p:cSld>
+    <p:spTree>
+      <p:nvGrpSpPr>
+        <p:cNvPr id="1" name=""/>
+        <p:cNvGrpSpPr/>
+        <p:nvPr/>
+      </p:nvGrpSpPr>
+      <p:grpSpPr>
+        <a:xfrm>
+          <a:off x="0" y="0"/>
+          <a:ext cx="0" cy="0"/>
+          <a:chOff x="0" y="0"/>
+          <a:chExt cx="0" cy="0"/>
+        </a:xfrm>
+      </p:grpSpPr>
+      <p:sp>
+        <p:nvSpPr>
+          <p:cNvPr id="2" name="1 Marcador de contenido"/>
+          <p:cNvSpPr>
+            <a:spLocks noGrp="1"/>
+          </p:cNvSpPr>
+          <p:nvPr>
+            <p:ph idx="1"/>
+          </p:nvPr>
+        </p:nvSpPr>
+        <p:spPr/>
+        <p:txBody>
+          <a:bodyPr>
+            <a:normAutofit/>
+          </a:bodyPr>
+          <a:lstStyle/>
+          <a:p>
+            <a:pPr algn="just"/>
+            <a:r>
+              <a:rPr lang="es-CL" sz="2300" dirty="0" smtClean="0"/>
+              <a:t>AppRev posee características únicas que lo hacen un software exclusivo en el mercado Chileno.</a:t>
+            </a:r>
+            <a:br>
+              <a:rPr lang="es-CL" sz="2300" dirty="0" smtClean="0"/>
+            </a:br>
+            <a:endParaRPr lang="es-CL" sz="2300" dirty="0" smtClean="0"/>
+          </a:p>
+          <a:p>
+            <a:pPr algn="just"/>
+            <a:r>
+              <a:rPr lang="es-CL" sz="2300" dirty="0" smtClean="0"/>
+              <a:t>Elimina en un 100% de la organización, el almacenamiento y gestión de información  en Hojas de Calculo.</a:t>
+            </a:r>
+          </a:p>
+          <a:p>
+            <a:pPr algn="just"/>
+            <a:endParaRPr lang="es-CL" sz="2300" dirty="0" smtClean="0"/>
+          </a:p>
+          <a:p>
+            <a:pPr algn="just"/>
+            <a:r>
+              <a:rPr lang="es-CL" sz="2300" dirty="0" smtClean="0"/>
+              <a:t>Se adapta sin problemas a las distintas especificaciones de la normativa permitiendo superar sin dificultades las problemáticas asociadas a la alta tasa de variabilidad en el formato de las Revelaciones.</a:t>
+            </a:r>
+          </a:p>
+          <a:p>
+            <a:pPr algn="just"/>
+            <a:endParaRPr lang="es-CL" sz="2300" dirty="0" smtClean="0"/>
+          </a:p>
+        </p:txBody>
+      </p:sp>
+      <p:sp>
+        <p:nvSpPr>
+          <p:cNvPr id="3" name="2 Título"/>
+          <p:cNvSpPr>
+            <a:spLocks noGrp="1"/>
+          </p:cNvSpPr>
+          <p:nvPr>
+            <p:ph type="title"/>
+          </p:nvPr>
+        </p:nvSpPr>
+        <p:spPr/>
+        <p:txBody>
+          <a:bodyPr/>
+          <a:lstStyle/>
+          <a:p>
+            <a:r>
+              <a:rPr lang="es-CL" dirty="0" smtClean="0"/>
+              <a:t>Ventajas</a:t>
+            </a:r>
+            <a:endParaRPr lang="es-CL" dirty="0"/>
+          </a:p>
+        </p:txBody>
+      </p:sp>
+    </p:spTree>
+  </p:cSld>
+  <p:clrMapOvr>
+    <a:masterClrMapping/>
+  </p:clrMapOvr>
+  <p:timing>
+    <p:tnLst>
+      <p:par>
+        <p:cTn id="1" dur="indefinite" restart="never" nodeType="tmRoot"/>
+      </p:par>
+    </p:tnLst>
+  </p:timing>
+</p:sld>
+</file>
+
+<file path=ppt/slides/slide5.xml><?xml version="1.0" encoding="utf-8"?>
+<p:sld xmlns:a="http://schemas.openxmlformats.org/drawingml/2006/main" xmlns:r="http://schemas.openxmlformats.org/officeDocument/2006/relationships" xmlns:p="http://schemas.openxmlformats.org/presentationml/2006/main">
+  <p:cSld>
+    <p:spTree>
+      <p:nvGrpSpPr>
+        <p:cNvPr id="1" name=""/>
+        <p:cNvGrpSpPr/>
+        <p:nvPr/>
+      </p:nvGrpSpPr>
+      <p:grpSpPr>
+        <a:xfrm>
+          <a:off x="0" y="0"/>
+          <a:ext cx="0" cy="0"/>
+          <a:chOff x="0" y="0"/>
+          <a:chExt cx="0" cy="0"/>
+        </a:xfrm>
+      </p:grpSpPr>
+      <p:sp>
+        <p:nvSpPr>
+          <p:cNvPr id="2" name="1 Marcador de contenido"/>
+          <p:cNvSpPr>
+            <a:spLocks noGrp="1"/>
+          </p:cNvSpPr>
+          <p:nvPr>
+            <p:ph idx="1"/>
+          </p:nvPr>
+        </p:nvSpPr>
+        <p:spPr/>
+        <p:txBody>
+          <a:bodyPr/>
+          <a:lstStyle/>
+          <a:p>
+            <a:pPr algn="just"/>
+            <a:r>
+              <a:rPr lang="es-CL" dirty="0" smtClean="0"/>
+              <a:t>Proporciona herramientas de Control que permiten tener una visión amplia sobre el estado del completitud de la información para los periodos informados.</a:t>
+            </a:r>
+            <a:endParaRPr lang="es-CL" dirty="0"/>
+          </a:p>
+        </p:txBody>
+      </p:sp>
+      <p:sp>
+        <p:nvSpPr>
+          <p:cNvPr id="3" name="2 Título"/>
+          <p:cNvSpPr>
+            <a:spLocks noGrp="1"/>
+          </p:cNvSpPr>
+          <p:nvPr>
+            <p:ph type="title"/>
+          </p:nvPr>
+        </p:nvSpPr>
+        <p:spPr/>
+        <p:txBody>
+          <a:bodyPr/>
+          <a:lstStyle/>
+          <a:p>
+            <a:endParaRPr lang="es-CL"/>
+          </a:p>
+        </p:txBody>
+      </p:sp>
+    </p:spTree>
+  </p:cSld>
+  <p:clrMapOvr>
+    <a:masterClrMapping/>
+  </p:clrMapOvr>
+  <p:timing>
+    <p:tnLst>
+      <p:par>
+        <p:cTn id="1" dur="indefinite" restart="never" nodeType="tmRoot"/>
+      </p:par>
+    </p:tnLst>
+  </p:timing>
+</p:sld>
+</file>
+
+<file path=ppt/slides/slide6.xml><?xml version="1.0" encoding="utf-8"?>
+<p:sld xmlns:a="http://schemas.openxmlformats.org/drawingml/2006/main" xmlns:r="http://schemas.openxmlformats.org/officeDocument/2006/relationships" xmlns:p="http://schemas.openxmlformats.org/presentationml/2006/main">
+  <p:cSld>
+    <p:spTree>
+      <p:nvGrpSpPr>
+        <p:cNvPr id="1" name=""/>
+        <p:cNvGrpSpPr/>
+        <p:nvPr/>
+      </p:nvGrpSpPr>
+      <p:grpSpPr>
+        <a:xfrm>
+          <a:off x="0" y="0"/>
+          <a:ext cx="0" cy="0"/>
+          <a:chOff x="0" y="0"/>
+          <a:chExt cx="0" cy="0"/>
+        </a:xfrm>
+      </p:grpSpPr>
       <p:pic>
         <p:nvPicPr>
           <p:cNvPr id="1027" name="Picture 3"/>
@@ -4721,15 +5084,15 @@
         </p:nvPicPr>
         <p:blipFill>
           <a:blip r:embed="rId2"/>
-          <a:srcRect/>
+          <a:srcRect b="6584"/>
           <a:stretch>
             <a:fillRect/>
           </a:stretch>
         </p:blipFill>
         <p:spPr bwMode="auto">
           <a:xfrm>
-            <a:off x="4500562" y="3214686"/>
-            <a:ext cx="4076709" cy="3441285"/>
+            <a:off x="4067191" y="3286124"/>
+            <a:ext cx="4076709" cy="3214710"/>
           </a:xfrm>
           <a:prstGeom prst="rect">
             <a:avLst/>
@@ -4763,7 +5126,7 @@
         </p:blipFill>
         <p:spPr bwMode="auto">
           <a:xfrm>
-            <a:off x="4714876" y="500042"/>
+            <a:off x="4714876" y="714356"/>
             <a:ext cx="4161311" cy="2357454"/>
           </a:xfrm>
           <a:prstGeom prst="rect">
@@ -4791,15 +5154,15 @@
         </p:nvPicPr>
         <p:blipFill>
           <a:blip r:embed="rId4"/>
-          <a:srcRect/>
+          <a:srcRect r="6000"/>
           <a:stretch>
             <a:fillRect/>
           </a:stretch>
         </p:blipFill>
         <p:spPr bwMode="auto">
           <a:xfrm>
-            <a:off x="571472" y="4143380"/>
-            <a:ext cx="3571900" cy="1434999"/>
+            <a:off x="357158" y="4143380"/>
+            <a:ext cx="3357586" cy="1434999"/>
           </a:xfrm>
           <a:prstGeom prst="rect">
             <a:avLst/>
@@ -4826,15 +5189,15 @@
         </p:nvPicPr>
         <p:blipFill>
           <a:blip r:embed="rId5"/>
-          <a:srcRect l="21799"/>
+          <a:srcRect l="21799" t="2035" b="14518"/>
           <a:stretch>
             <a:fillRect/>
           </a:stretch>
         </p:blipFill>
         <p:spPr bwMode="auto">
           <a:xfrm>
-            <a:off x="285720" y="285728"/>
-            <a:ext cx="4100391" cy="3509973"/>
+            <a:off x="428596" y="285728"/>
+            <a:ext cx="4100391" cy="2928958"/>
           </a:xfrm>
           <a:prstGeom prst="rect">
             <a:avLst/>
@@ -4851,279 +5214,6 @@
           </a:effectLst>
         </p:spPr>
       </p:pic>
-    </p:spTree>
-  </p:cSld>
-  <p:clrMapOvr>
-    <a:masterClrMapping/>
-  </p:clrMapOvr>
-  <p:timing>
-    <p:tnLst>
-      <p:par>
-        <p:cTn id="1" dur="indefinite" restart="never" nodeType="tmRoot"/>
-      </p:par>
-    </p:tnLst>
-  </p:timing>
-</p:sld>
-</file>
-
-<file path=ppt/slides/slide3.xml><?xml version="1.0" encoding="utf-8"?>
-<p:sld xmlns:a="http://schemas.openxmlformats.org/drawingml/2006/main" xmlns:r="http://schemas.openxmlformats.org/officeDocument/2006/relationships" xmlns:p="http://schemas.openxmlformats.org/presentationml/2006/main">
-  <p:cSld>
-    <p:spTree>
-      <p:nvGrpSpPr>
-        <p:cNvPr id="1" name=""/>
-        <p:cNvGrpSpPr/>
-        <p:nvPr/>
-      </p:nvGrpSpPr>
-      <p:grpSpPr>
-        <a:xfrm>
-          <a:off x="0" y="0"/>
-          <a:ext cx="0" cy="0"/>
-          <a:chOff x="0" y="0"/>
-          <a:chExt cx="0" cy="0"/>
-        </a:xfrm>
-      </p:grpSpPr>
-      <p:sp>
-        <p:nvSpPr>
-          <p:cNvPr id="3" name="2 Marcador de contenido"/>
-          <p:cNvSpPr>
-            <a:spLocks noGrp="1"/>
-          </p:cNvSpPr>
-          <p:nvPr>
-            <p:ph idx="1"/>
-          </p:nvPr>
-        </p:nvSpPr>
-        <p:spPr/>
-        <p:txBody>
-          <a:bodyPr>
-            <a:noAutofit/>
-          </a:bodyPr>
-          <a:lstStyle/>
-          <a:p>
-            <a:pPr algn="just"/>
-            <a:r>
-              <a:rPr lang="es-CL" sz="2300" dirty="0" smtClean="0"/>
-              <a:t>En virtud de la especificación de la SVS sobre la divulgación de la información que no esta directamente reflejada en los EE.FF. Nuestra compañía ha elaborando una solución potente y robusta que permite a las Compañías Aseguradoras implantar una solución concreta la problemática asociada  al proceso de las Revelaciones. </a:t>
-            </a:r>
-          </a:p>
-          <a:p>
-            <a:pPr algn="just"/>
-            <a:endParaRPr lang="es-CL" sz="2300" dirty="0" smtClean="0"/>
-          </a:p>
-          <a:p>
-            <a:pPr algn="just"/>
-            <a:r>
-              <a:rPr lang="es-CL" sz="2300" dirty="0" smtClean="0"/>
-              <a:t>Este producto proporciona una respuesta concreta a los procesos de obtención, administración, gestión y almacenamiento integral de toda la información involucrada en las Revelaciones según la norma IFRS.</a:t>
-            </a:r>
-            <a:endParaRPr lang="es-CL" sz="2300" dirty="0"/>
-          </a:p>
-        </p:txBody>
-      </p:sp>
-      <p:sp>
-        <p:nvSpPr>
-          <p:cNvPr id="2" name="1 Título"/>
-          <p:cNvSpPr>
-            <a:spLocks noGrp="1"/>
-          </p:cNvSpPr>
-          <p:nvPr>
-            <p:ph type="title"/>
-          </p:nvPr>
-        </p:nvSpPr>
-        <p:spPr/>
-        <p:txBody>
-          <a:bodyPr/>
-          <a:lstStyle/>
-          <a:p>
-            <a:r>
-              <a:rPr lang="es-CL" dirty="0" smtClean="0"/>
-              <a:t>Introducción</a:t>
-            </a:r>
-            <a:endParaRPr lang="es-CL" dirty="0"/>
-          </a:p>
-        </p:txBody>
-      </p:sp>
-    </p:spTree>
-  </p:cSld>
-  <p:clrMapOvr>
-    <a:masterClrMapping/>
-  </p:clrMapOvr>
-  <p:timing>
-    <p:tnLst>
-      <p:par>
-        <p:cTn id="1" dur="indefinite" restart="never" nodeType="tmRoot"/>
-      </p:par>
-    </p:tnLst>
-  </p:timing>
-</p:sld>
-</file>
-
-<file path=ppt/slides/slide4.xml><?xml version="1.0" encoding="utf-8"?>
-<p:sld xmlns:a="http://schemas.openxmlformats.org/drawingml/2006/main" xmlns:r="http://schemas.openxmlformats.org/officeDocument/2006/relationships" xmlns:p="http://schemas.openxmlformats.org/presentationml/2006/main">
-  <p:cSld>
-    <p:spTree>
-      <p:nvGrpSpPr>
-        <p:cNvPr id="1" name=""/>
-        <p:cNvGrpSpPr/>
-        <p:nvPr/>
-      </p:nvGrpSpPr>
-      <p:grpSpPr>
-        <a:xfrm>
-          <a:off x="0" y="0"/>
-          <a:ext cx="0" cy="0"/>
-          <a:chOff x="0" y="0"/>
-          <a:chExt cx="0" cy="0"/>
-        </a:xfrm>
-      </p:grpSpPr>
-      <p:sp>
-        <p:nvSpPr>
-          <p:cNvPr id="2" name="1 Marcador de contenido"/>
-          <p:cNvSpPr>
-            <a:spLocks noGrp="1"/>
-          </p:cNvSpPr>
-          <p:nvPr>
-            <p:ph idx="1"/>
-          </p:nvPr>
-        </p:nvSpPr>
-        <p:spPr/>
-        <p:txBody>
-          <a:bodyPr>
-            <a:normAutofit/>
-          </a:bodyPr>
-          <a:lstStyle/>
-          <a:p>
-            <a:pPr algn="just"/>
-            <a:r>
-              <a:rPr lang="es-CL" sz="2300" dirty="0" smtClean="0"/>
-              <a:t>AppRev posee características únicas que lo hacen un software exclusivo en el mercado Chileno.</a:t>
-            </a:r>
-            <a:br>
-              <a:rPr lang="es-CL" sz="2300" dirty="0" smtClean="0"/>
-            </a:br>
-            <a:endParaRPr lang="es-CL" sz="2300" dirty="0" smtClean="0"/>
-          </a:p>
-          <a:p>
-            <a:pPr algn="just"/>
-            <a:r>
-              <a:rPr lang="es-CL" sz="2300" dirty="0" smtClean="0"/>
-              <a:t>Elimina en un 100% de la organización, el almacenamiento y gestión de información  en Hojas de Calculo.</a:t>
-            </a:r>
-          </a:p>
-          <a:p>
-            <a:pPr algn="just"/>
-            <a:endParaRPr lang="es-CL" sz="2300" dirty="0" smtClean="0"/>
-          </a:p>
-          <a:p>
-            <a:pPr algn="just"/>
-            <a:r>
-              <a:rPr lang="es-CL" sz="2300" dirty="0" smtClean="0"/>
-              <a:t>Se adapta sin problemas a las distintas especificaciones de la normativa permitiendo superar sin dificultades las problemáticas asociadas a la alta tasa de variabilidad en el formato de las Revelaciones.</a:t>
-            </a:r>
-          </a:p>
-          <a:p>
-            <a:pPr algn="just"/>
-            <a:endParaRPr lang="es-CL" sz="2300" dirty="0" smtClean="0"/>
-          </a:p>
-        </p:txBody>
-      </p:sp>
-      <p:sp>
-        <p:nvSpPr>
-          <p:cNvPr id="3" name="2 Título"/>
-          <p:cNvSpPr>
-            <a:spLocks noGrp="1"/>
-          </p:cNvSpPr>
-          <p:nvPr>
-            <p:ph type="title"/>
-          </p:nvPr>
-        </p:nvSpPr>
-        <p:spPr/>
-        <p:txBody>
-          <a:bodyPr/>
-          <a:lstStyle/>
-          <a:p>
-            <a:r>
-              <a:rPr lang="es-CL" dirty="0" smtClean="0"/>
-              <a:t>Ventajas</a:t>
-            </a:r>
-            <a:endParaRPr lang="es-CL" dirty="0"/>
-          </a:p>
-        </p:txBody>
-      </p:sp>
-    </p:spTree>
-  </p:cSld>
-  <p:clrMapOvr>
-    <a:masterClrMapping/>
-  </p:clrMapOvr>
-  <p:timing>
-    <p:tnLst>
-      <p:par>
-        <p:cTn id="1" dur="indefinite" restart="never" nodeType="tmRoot"/>
-      </p:par>
-    </p:tnLst>
-  </p:timing>
-</p:sld>
-</file>
-
-<file path=ppt/slides/slide5.xml><?xml version="1.0" encoding="utf-8"?>
-<p:sld xmlns:a="http://schemas.openxmlformats.org/drawingml/2006/main" xmlns:r="http://schemas.openxmlformats.org/officeDocument/2006/relationships" xmlns:p="http://schemas.openxmlformats.org/presentationml/2006/main">
-  <p:cSld>
-    <p:spTree>
-      <p:nvGrpSpPr>
-        <p:cNvPr id="1" name=""/>
-        <p:cNvGrpSpPr/>
-        <p:nvPr/>
-      </p:nvGrpSpPr>
-      <p:grpSpPr>
-        <a:xfrm>
-          <a:off x="0" y="0"/>
-          <a:ext cx="0" cy="0"/>
-          <a:chOff x="0" y="0"/>
-          <a:chExt cx="0" cy="0"/>
-        </a:xfrm>
-      </p:grpSpPr>
-      <p:sp>
-        <p:nvSpPr>
-          <p:cNvPr id="2" name="1 Marcador de contenido"/>
-          <p:cNvSpPr>
-            <a:spLocks noGrp="1"/>
-          </p:cNvSpPr>
-          <p:nvPr>
-            <p:ph idx="1"/>
-          </p:nvPr>
-        </p:nvSpPr>
-        <p:spPr/>
-        <p:txBody>
-          <a:bodyPr/>
-          <a:lstStyle/>
-          <a:p>
-            <a:pPr algn="just"/>
-            <a:r>
-              <a:rPr lang="es-CL" dirty="0" smtClean="0"/>
-              <a:t>Proporciona herramientas de Control que permiten tener una visión amplia sobre el estado del completitud de la información para los periodos informados.</a:t>
-            </a:r>
-            <a:endParaRPr lang="es-CL" dirty="0"/>
-          </a:p>
-        </p:txBody>
-      </p:sp>
-      <p:sp>
-        <p:nvSpPr>
-          <p:cNvPr id="3" name="2 Título"/>
-          <p:cNvSpPr>
-            <a:spLocks noGrp="1"/>
-          </p:cNvSpPr>
-          <p:nvPr>
-            <p:ph type="title"/>
-          </p:nvPr>
-        </p:nvSpPr>
-        <p:spPr/>
-        <p:txBody>
-          <a:bodyPr/>
-          <a:lstStyle/>
-          <a:p>
-            <a:endParaRPr lang="es-CL"/>
-          </a:p>
-        </p:txBody>
-      </p:sp>
     </p:spTree>
   </p:cSld>
   <p:clrMapOvr>

--- a/docs/comercial/brochure.pptx
+++ b/docs/comercial/brochure.pptx
@@ -4650,15 +4650,7 @@
             </a:br>
             <a:r>
               <a:rPr lang="es-CL" sz="2400" dirty="0" smtClean="0"/>
-              <a:t>Software de gestión de Revelaciones y Estados Financieros </a:t>
-            </a:r>
-            <a:r>
-              <a:rPr lang="es-CL" sz="2400" dirty="0" smtClean="0"/>
-              <a:t>para Entidades </a:t>
-            </a:r>
-            <a:r>
-              <a:rPr lang="es-CL" sz="2400" dirty="0" smtClean="0"/>
-              <a:t>Aseguradoras</a:t>
+              <a:t>Software de gestión de Revelaciones y Estados Financieros para Entidades Aseguradoras</a:t>
             </a:r>
             <a:endParaRPr lang="es-CL" dirty="0"/>
           </a:p>
@@ -4740,11 +4732,7 @@
             <a:pPr algn="just"/>
             <a:r>
               <a:rPr lang="es-CL" sz="2300" dirty="0" smtClean="0"/>
-              <a:t>Según la normativa Súper Intendencia de Valores y Seguros. </a:t>
-            </a:r>
-            <a:r>
-              <a:rPr lang="es-CL" sz="2300" dirty="0" smtClean="0"/>
-              <a:t>Los estados financieros deberán prepararse de acuerdo a las Normas Internacionales de Información Financiera emitidas por la International Accounting Standard Board (IASB).</a:t>
+              <a:t>Según la normativa Súper Intendencia de Valores y Seguros. Los estados financieros deberán prepararse de acuerdo a las Normas Internacionales de Información Financiera emitidas por la International Accounting Standard Board (IASB).</a:t>
             </a:r>
           </a:p>
           <a:p>
@@ -4829,35 +4817,43 @@
             <p:ph idx="1"/>
           </p:nvPr>
         </p:nvSpPr>
-        <p:spPr/>
-        <p:txBody>
-          <a:bodyPr/>
+        <p:spPr>
+          <a:xfrm>
+            <a:off x="457200" y="620688"/>
+            <a:ext cx="8229600" cy="5386603"/>
+          </a:xfrm>
+        </p:spPr>
+        <p:txBody>
+          <a:bodyPr>
+            <a:normAutofit fontScale="92500" lnSpcReduction="10000"/>
+          </a:bodyPr>
           <a:lstStyle/>
           <a:p>
+            <a:pPr algn="just"/>
             <a:r>
               <a:rPr lang="es-CL" dirty="0" smtClean="0"/>
-              <a:t>Desde su Nacimiento existen 3  </a:t>
+              <a:t>Desde </a:t>
+            </a:r>
+            <a:r>
+              <a:rPr lang="es-CL" dirty="0" smtClean="0"/>
+              <a:t>el nacimiento de la normativa con la circular 2022, </a:t>
+            </a:r>
+            <a:r>
+              <a:rPr lang="es-CL" dirty="0" smtClean="0"/>
+              <a:t>existen hasta la fecha 3 modificaciones en las estructuras y contenido de las revelaciones, lo que implica un alto porcentaje de variabilidad de la información que se debe presentar.</a:t>
+            </a:r>
+          </a:p>
+          <a:p>
+            <a:pPr algn="just"/>
+            <a:endParaRPr lang="es-CL" dirty="0" smtClean="0"/>
+          </a:p>
+          <a:p>
+            <a:pPr algn="just"/>
+            <a:r>
+              <a:rPr lang="es-CL" dirty="0" smtClean="0"/>
+              <a:t>Tomando en cuenta esta y otras atenuantes nuestra Compañía ha desarrollado un producto que se ajusta a todos los posibles escenarios impuestos por la SVS, brindando una capacidad de adaptación único a la hora de enfrentar los cambios en los modelos de entrega de la información de Revelaciones y Estados Financieros.</a:t>
             </a:r>
             <a:endParaRPr lang="es-CL" dirty="0"/>
-          </a:p>
-        </p:txBody>
-      </p:sp>
-      <p:sp>
-        <p:nvSpPr>
-          <p:cNvPr id="3" name="2 Título"/>
-          <p:cNvSpPr>
-            <a:spLocks noGrp="1"/>
-          </p:cNvSpPr>
-          <p:nvPr>
-            <p:ph type="title"/>
-          </p:nvPr>
-        </p:nvSpPr>
-        <p:spPr/>
-        <p:txBody>
-          <a:bodyPr/>
-          <a:lstStyle/>
-          <a:p>
-            <a:endParaRPr lang="es-CL"/>
           </a:p>
         </p:txBody>
       </p:sp>

--- a/docs/comercial/brochure.pptx
+++ b/docs/comercial/brochure.pptx
@@ -4732,7 +4732,23 @@
             <a:pPr algn="just"/>
             <a:r>
               <a:rPr lang="es-CL" sz="2300" dirty="0" smtClean="0"/>
-              <a:t>Según la normativa Súper Intendencia de Valores y Seguros. Los estados financieros deberán prepararse de acuerdo a las Normas Internacionales de Información Financiera emitidas por la International Accounting Standard Board (IASB).</a:t>
+              <a:t>Según la normativa </a:t>
+            </a:r>
+            <a:r>
+              <a:rPr lang="es-CL" sz="2300" dirty="0" smtClean="0"/>
+              <a:t>de la Súper </a:t>
+            </a:r>
+            <a:r>
+              <a:rPr lang="es-CL" sz="2300" dirty="0" smtClean="0"/>
+              <a:t>Intendencia de Valores y Seguros. Los estados financieros deberán prepararse de acuerdo a las Normas Internacionales de Información </a:t>
+            </a:r>
+            <a:r>
+              <a:rPr lang="es-CL" sz="2300" dirty="0" smtClean="0"/>
+              <a:t>Financiera (IFRS) emitidas por la International Accounting Standard Board (IASB</a:t>
+            </a:r>
+            <a:r>
+              <a:rPr lang="es-CL" sz="2300" dirty="0" smtClean="0"/>
+              <a:t>).</a:t>
             </a:r>
           </a:p>
           <a:p>
@@ -4769,7 +4785,7 @@
           <a:p>
             <a:r>
               <a:rPr lang="es-CL" dirty="0" smtClean="0"/>
-              <a:t>Introducción</a:t>
+              <a:t>La necesidad</a:t>
             </a:r>
             <a:endParaRPr lang="es-CL" dirty="0"/>
           </a:p>
@@ -4819,41 +4835,97 @@
         </p:nvSpPr>
         <p:spPr>
           <a:xfrm>
-            <a:off x="457200" y="620688"/>
+            <a:off x="428596" y="500042"/>
             <a:ext cx="8229600" cy="5386603"/>
           </a:xfrm>
         </p:spPr>
         <p:txBody>
           <a:bodyPr>
-            <a:normAutofit fontScale="92500" lnSpcReduction="10000"/>
+            <a:noAutofit/>
           </a:bodyPr>
           <a:lstStyle/>
           <a:p>
             <a:pPr algn="just"/>
             <a:r>
-              <a:rPr lang="es-CL" dirty="0" smtClean="0"/>
-              <a:t>Desde </a:t>
-            </a:r>
-            <a:r>
-              <a:rPr lang="es-CL" dirty="0" smtClean="0"/>
-              <a:t>el nacimiento de la normativa con la circular 2022, </a:t>
-            </a:r>
-            <a:r>
-              <a:rPr lang="es-CL" dirty="0" smtClean="0"/>
-              <a:t>existen hasta la fecha 3 modificaciones en las estructuras y contenido de las revelaciones, lo que implica un alto porcentaje de variabilidad de la información que se debe presentar.</a:t>
+              <a:rPr lang="es-CL" sz="2200" dirty="0" smtClean="0"/>
+              <a:t>Desde el nacimiento de la normativa con la circular </a:t>
+            </a:r>
+            <a:r>
+              <a:rPr lang="es-CL" sz="2200" dirty="0" smtClean="0"/>
+              <a:t>2022 en Mayo del 2011, </a:t>
+            </a:r>
+            <a:r>
+              <a:rPr lang="es-CL" sz="2200" dirty="0" smtClean="0"/>
+              <a:t>existen hasta la fecha 3 modificaciones en </a:t>
+            </a:r>
+            <a:r>
+              <a:rPr lang="es-CL" sz="2200" dirty="0" smtClean="0"/>
+              <a:t>la definición de la normativa impactando directamente en la estructura </a:t>
+            </a:r>
+            <a:r>
+              <a:rPr lang="es-CL" sz="2200" dirty="0" smtClean="0"/>
+              <a:t>y contenido </a:t>
+            </a:r>
+            <a:r>
+              <a:rPr lang="es-CL" sz="2200" dirty="0" smtClean="0"/>
+              <a:t>de</a:t>
+            </a:r>
+            <a:r>
+              <a:rPr lang="es-CL" sz="2200" dirty="0" smtClean="0"/>
+              <a:t> las R</a:t>
+            </a:r>
+            <a:r>
+              <a:rPr lang="es-CL" sz="2200" dirty="0" smtClean="0"/>
+              <a:t>evelaciones. Esto implica </a:t>
+            </a:r>
+            <a:r>
+              <a:rPr lang="es-CL" sz="2200" dirty="0" smtClean="0"/>
+              <a:t>un alto porcentaje de variabilidad de la información que se debe </a:t>
+            </a:r>
+            <a:r>
+              <a:rPr lang="es-CL" sz="2200" dirty="0" smtClean="0"/>
+              <a:t>preparar y presentar</a:t>
+            </a:r>
+            <a:r>
+              <a:rPr lang="es-CL" sz="2200" dirty="0" smtClean="0"/>
+              <a:t>.</a:t>
             </a:r>
           </a:p>
           <a:p>
             <a:pPr algn="just"/>
-            <a:endParaRPr lang="es-CL" dirty="0" smtClean="0"/>
+            <a:endParaRPr lang="es-CL" sz="2200" dirty="0" smtClean="0"/>
           </a:p>
           <a:p>
             <a:pPr algn="just"/>
             <a:r>
-              <a:rPr lang="es-CL" dirty="0" smtClean="0"/>
-              <a:t>Tomando en cuenta esta y otras atenuantes nuestra Compañía ha desarrollado un producto que se ajusta a todos los posibles escenarios impuestos por la SVS, brindando una capacidad de adaptación único a la hora de enfrentar los cambios en los modelos de entrega de la información de Revelaciones y Estados Financieros.</a:t>
-            </a:r>
-            <a:endParaRPr lang="es-CL" dirty="0"/>
+              <a:rPr lang="es-CL" sz="2200" dirty="0" smtClean="0"/>
+              <a:t>Tomando en cuenta esta y otras atenuantes nuestra Compañía ha desarrollado un </a:t>
+            </a:r>
+            <a:r>
+              <a:rPr lang="es-CL" sz="2200" dirty="0" smtClean="0"/>
+              <a:t>producto totalmente </a:t>
+            </a:r>
+            <a:r>
+              <a:rPr lang="es-CL" sz="2200" u="sng" dirty="0" smtClean="0"/>
+              <a:t>versátil</a:t>
+            </a:r>
+            <a:r>
+              <a:rPr lang="es-CL" sz="2200" dirty="0" smtClean="0"/>
+              <a:t> </a:t>
+            </a:r>
+            <a:r>
+              <a:rPr lang="es-CL" sz="2200" dirty="0" smtClean="0"/>
+              <a:t>que se ajusta a todos los posibles escenarios impuestos por la </a:t>
+            </a:r>
+            <a:r>
+              <a:rPr lang="es-CL" sz="2200" dirty="0" smtClean="0"/>
+              <a:t>Súper Intendencia de Valores y Seguros, </a:t>
+            </a:r>
+            <a:r>
+              <a:rPr lang="es-CL" sz="2200" dirty="0" smtClean="0"/>
+              <a:t>brindando una capacidad de adaptación único a la hora de enfrentar los cambios en los modelos de entrega de la información de Revelaciones y Estados Financieros.</a:t>
+            </a:r>
+            <a:endParaRPr lang="es-CL" sz="2200" dirty="0"/>
           </a:p>
         </p:txBody>
       </p:sp>
@@ -4906,21 +4978,50 @@
           </a:bodyPr>
           <a:lstStyle/>
           <a:p>
+            <a:r>
+              <a:rPr lang="es-CL" sz="2300" dirty="0" smtClean="0"/>
+              <a:t>Totalmente Versátil, se </a:t>
+            </a:r>
+            <a:r>
+              <a:rPr lang="es-CL" sz="2300" dirty="0" smtClean="0"/>
+              <a:t>adapta sin problemas a las distintas especificaciones de la normativa permitiendo superar sin dificultades las problemáticas asociadas </a:t>
+            </a:r>
+            <a:r>
+              <a:rPr lang="es-CL" sz="2300" dirty="0" smtClean="0"/>
+              <a:t>los cambios sobre forma y contenido de </a:t>
+            </a:r>
+            <a:r>
+              <a:rPr lang="es-CL" sz="2300" dirty="0" smtClean="0"/>
+              <a:t>las Revelaciones</a:t>
+            </a:r>
+            <a:r>
+              <a:rPr lang="es-CL" sz="2300" dirty="0" smtClean="0"/>
+              <a:t>.</a:t>
+            </a:r>
+          </a:p>
+          <a:p>
             <a:pPr algn="just"/>
             <a:r>
               <a:rPr lang="es-CL" sz="2300" dirty="0" smtClean="0"/>
-              <a:t>AppRev posee características únicas que lo hacen un software exclusivo en el mercado Chileno.</a:t>
-            </a:r>
-            <a:br>
+              <a:t>Interfaz </a:t>
+            </a:r>
+            <a:r>
               <a:rPr lang="es-CL" sz="2300" dirty="0" smtClean="0"/>
-            </a:br>
-            <a:endParaRPr lang="es-CL" sz="2300" dirty="0" smtClean="0"/>
+              <a:t>Amigable y Usable.</a:t>
+            </a:r>
           </a:p>
           <a:p>
             <a:pPr algn="just"/>
             <a:r>
               <a:rPr lang="es-CL" sz="2300" dirty="0" smtClean="0"/>
-              <a:t>Elimina en un 100% de la organización, el almacenamiento y gestión de información  en Hojas de Calculo.</a:t>
+              <a:t>Configurable y parametrizable.</a:t>
+            </a:r>
+          </a:p>
+          <a:p>
+            <a:pPr algn="just"/>
+            <a:r>
+              <a:rPr lang="es-CL" sz="2300" dirty="0" smtClean="0"/>
+              <a:t>Disponible en Intranet 100% Web.</a:t>
             </a:r>
           </a:p>
           <a:p>
@@ -4929,15 +5030,20 @@
           </a:p>
           <a:p>
             <a:pPr algn="just"/>
-            <a:r>
-              <a:rPr lang="es-CL" sz="2300" dirty="0" smtClean="0"/>
-              <a:t>Se adapta sin problemas a las distintas especificaciones de la normativa permitiendo superar sin dificultades las problemáticas asociadas a la alta tasa de variabilidad en el formato de las Revelaciones.</a:t>
-            </a:r>
+            <a:endParaRPr lang="es-CL" sz="2300" dirty="0" smtClean="0"/>
           </a:p>
           <a:p>
             <a:pPr algn="just"/>
             <a:endParaRPr lang="es-CL" sz="2300" dirty="0" smtClean="0"/>
           </a:p>
+          <a:p>
+            <a:pPr algn="just"/>
+            <a:endParaRPr lang="es-CL" sz="2300" dirty="0" smtClean="0"/>
+          </a:p>
+          <a:p>
+            <a:pPr algn="just"/>
+            <a:endParaRPr lang="es-CL" sz="2300" dirty="0" smtClean="0"/>
+          </a:p>
         </p:txBody>
       </p:sp>
       <p:sp>
@@ -4957,7 +5063,7 @@
           <a:p>
             <a:r>
               <a:rPr lang="es-CL" dirty="0" smtClean="0"/>
-              <a:t>Ventajas</a:t>
+              <a:t>Principales Características</a:t>
             </a:r>
             <a:endParaRPr lang="es-CL" dirty="0"/>
           </a:p>
@@ -5005,36 +5111,47 @@
             <p:ph idx="1"/>
           </p:nvPr>
         </p:nvSpPr>
-        <p:spPr/>
-        <p:txBody>
-          <a:bodyPr/>
+        <p:spPr>
+          <a:xfrm>
+            <a:off x="428596" y="428604"/>
+            <a:ext cx="8229600" cy="4525963"/>
+          </a:xfrm>
+        </p:spPr>
+        <p:txBody>
+          <a:bodyPr>
+            <a:normAutofit/>
+          </a:bodyPr>
           <a:lstStyle/>
           <a:p>
             <a:pPr algn="just"/>
             <a:r>
-              <a:rPr lang="es-CL" dirty="0" smtClean="0"/>
-              <a:t>Proporciona herramientas de Control que permiten tener una visión amplia sobre el estado del completitud de la información para los periodos informados.</a:t>
-            </a:r>
-            <a:endParaRPr lang="es-CL" dirty="0"/>
-          </a:p>
-        </p:txBody>
-      </p:sp>
-      <p:sp>
-        <p:nvSpPr>
-          <p:cNvPr id="3" name="2 Título"/>
-          <p:cNvSpPr>
-            <a:spLocks noGrp="1"/>
-          </p:cNvSpPr>
-          <p:nvPr>
-            <p:ph type="title"/>
-          </p:nvPr>
-        </p:nvSpPr>
-        <p:spPr/>
-        <p:txBody>
-          <a:bodyPr/>
-          <a:lstStyle/>
-          <a:p>
-            <a:endParaRPr lang="es-CL"/>
+              <a:rPr lang="es-CL" sz="2300" dirty="0" smtClean="0"/>
+              <a:t>Proporciona herramientas de Control que permiten tener una visión amplia sobre el estado del completitud de la información para los periodos informados</a:t>
+            </a:r>
+            <a:r>
+              <a:rPr lang="es-CL" sz="2300" dirty="0" smtClean="0"/>
+              <a:t>.</a:t>
+            </a:r>
+          </a:p>
+          <a:p>
+            <a:pPr algn="just"/>
+            <a:endParaRPr lang="es-CL" sz="2300" dirty="0" smtClean="0"/>
+          </a:p>
+          <a:p>
+            <a:pPr algn="just"/>
+            <a:r>
+              <a:rPr lang="es-CL" sz="2300" dirty="0" smtClean="0"/>
+              <a:t>Este producto </a:t>
+            </a:r>
+            <a:r>
+              <a:rPr lang="es-CL" sz="2300" dirty="0" smtClean="0"/>
+              <a:t>entrega una solución </a:t>
+            </a:r>
+            <a:r>
+              <a:rPr lang="es-CL" sz="2300" dirty="0" smtClean="0"/>
+              <a:t>concreta a los procesos de obtención, administración, gestión y almacenamiento integral de toda la información involucrada en las Revelaciones según la norma IFRS.</a:t>
+            </a:r>
+            <a:endParaRPr lang="es-CL" sz="2300" dirty="0"/>
           </a:p>
         </p:txBody>
       </p:sp>

--- a/docs/comercial/brochure.pptx
+++ b/docs/comercial/brochure.pptx
@@ -6,11 +6,19 @@
   </p:sldMasterIdLst>
   <p:sldIdLst>
     <p:sldId id="256" r:id="rId2"/>
-    <p:sldId id="257" r:id="rId3"/>
-    <p:sldId id="261" r:id="rId4"/>
-    <p:sldId id="258" r:id="rId5"/>
-    <p:sldId id="259" r:id="rId6"/>
-    <p:sldId id="260" r:id="rId7"/>
+    <p:sldId id="262" r:id="rId3"/>
+    <p:sldId id="263" r:id="rId4"/>
+    <p:sldId id="264" r:id="rId5"/>
+    <p:sldId id="265" r:id="rId6"/>
+    <p:sldId id="257" r:id="rId7"/>
+    <p:sldId id="261" r:id="rId8"/>
+    <p:sldId id="258" r:id="rId9"/>
+    <p:sldId id="259" r:id="rId10"/>
+    <p:sldId id="266" r:id="rId11"/>
+    <p:sldId id="267" r:id="rId12"/>
+    <p:sldId id="268" r:id="rId13"/>
+    <p:sldId id="269" r:id="rId14"/>
+    <p:sldId id="260" r:id="rId15"/>
   </p:sldIdLst>
   <p:sldSz cx="9144000" cy="6858000" type="screen4x3"/>
   <p:notesSz cx="6858000" cy="9144000"/>
@@ -738,7 +746,7 @@
             <a:fld id="{DE3A2F4D-761B-49FA-B2B4-D6F123DD324B}" type="datetimeFigureOut">
               <a:rPr lang="es-CL" smtClean="0"/>
               <a:pPr/>
-              <a:t>27-07-2012</a:t>
+              <a:t>29-07-2012</a:t>
             </a:fld>
             <a:endParaRPr lang="es-CL"/>
           </a:p>
@@ -812,6 +820,9 @@
   <p:clrMapOvr>
     <a:masterClrMapping/>
   </p:clrMapOvr>
+  <p:transition spd="slow">
+    <p:fade/>
+  </p:transition>
 </p:sldLayout>
 </file>
 
@@ -936,7 +947,7 @@
             <a:fld id="{DE3A2F4D-761B-49FA-B2B4-D6F123DD324B}" type="datetimeFigureOut">
               <a:rPr lang="es-CL" smtClean="0"/>
               <a:pPr/>
-              <a:t>27-07-2012</a:t>
+              <a:t>29-07-2012</a:t>
             </a:fld>
             <a:endParaRPr lang="es-CL"/>
           </a:p>
@@ -994,6 +1005,9 @@
   <p:clrMapOvr>
     <a:masterClrMapping/>
   </p:clrMapOvr>
+  <p:transition spd="slow">
+    <p:fade/>
+  </p:transition>
 </p:sldLayout>
 </file>
 
@@ -1123,7 +1137,7 @@
             <a:fld id="{DE3A2F4D-761B-49FA-B2B4-D6F123DD324B}" type="datetimeFigureOut">
               <a:rPr lang="es-CL" smtClean="0"/>
               <a:pPr/>
-              <a:t>27-07-2012</a:t>
+              <a:t>29-07-2012</a:t>
             </a:fld>
             <a:endParaRPr lang="es-CL"/>
           </a:p>
@@ -1181,6 +1195,9 @@
   <p:clrMapOvr>
     <a:masterClrMapping/>
   </p:clrMapOvr>
+  <p:transition spd="slow">
+    <p:fade/>
+  </p:transition>
 </p:sldLayout>
 </file>
 
@@ -1275,7 +1292,7 @@
             <a:fld id="{DE3A2F4D-761B-49FA-B2B4-D6F123DD324B}" type="datetimeFigureOut">
               <a:rPr lang="es-CL" smtClean="0"/>
               <a:pPr/>
-              <a:t>27-07-2012</a:t>
+              <a:t>29-07-2012</a:t>
             </a:fld>
             <a:endParaRPr lang="es-CL"/>
           </a:p>
@@ -1358,6 +1375,9 @@
   <p:clrMapOvr>
     <a:masterClrMapping/>
   </p:clrMapOvr>
+  <p:transition spd="slow">
+    <p:fade/>
+  </p:transition>
 </p:sldLayout>
 </file>
 
@@ -1532,7 +1552,7 @@
             <a:fld id="{DE3A2F4D-761B-49FA-B2B4-D6F123DD324B}" type="datetimeFigureOut">
               <a:rPr lang="es-CL" smtClean="0"/>
               <a:pPr/>
-              <a:t>27-07-2012</a:t>
+              <a:t>29-07-2012</a:t>
             </a:fld>
             <a:endParaRPr lang="es-CL"/>
           </a:p>
@@ -1750,6 +1770,9 @@
   <p:clrMapOvr>
     <a:overrideClrMapping bg1="dk1" tx1="lt1" bg2="dk2" tx2="lt2" accent1="accent1" accent2="accent2" accent3="accent3" accent4="accent4" accent5="accent5" accent6="accent6" hlink="hlink" folHlink="folHlink"/>
   </p:clrMapOvr>
+  <p:transition spd="slow">
+    <p:fade/>
+  </p:transition>
 </p:sldLayout>
 </file>
 
@@ -1943,7 +1966,7 @@
             <a:fld id="{DE3A2F4D-761B-49FA-B2B4-D6F123DD324B}" type="datetimeFigureOut">
               <a:rPr lang="es-CL" smtClean="0"/>
               <a:pPr/>
-              <a:t>27-07-2012</a:t>
+              <a:t>29-07-2012</a:t>
             </a:fld>
             <a:endParaRPr lang="es-CL"/>
           </a:p>
@@ -2026,6 +2049,9 @@
   <p:clrMapOvr>
     <a:overrideClrMapping bg1="dk1" tx1="lt1" bg2="dk2" tx2="lt2" accent1="accent1" accent2="accent2" accent3="accent3" accent4="accent4" accent5="accent5" accent6="accent6" hlink="hlink" folHlink="folHlink"/>
   </p:clrMapOvr>
+  <p:transition spd="slow">
+    <p:fade/>
+  </p:transition>
 </p:sldLayout>
 </file>
 
@@ -2391,7 +2417,7 @@
             <a:fld id="{DE3A2F4D-761B-49FA-B2B4-D6F123DD324B}" type="datetimeFigureOut">
               <a:rPr lang="es-CL" smtClean="0"/>
               <a:pPr/>
-              <a:t>27-07-2012</a:t>
+              <a:t>29-07-2012</a:t>
             </a:fld>
             <a:endParaRPr lang="es-CL"/>
           </a:p>
@@ -2449,6 +2475,9 @@
   <p:clrMapOvr>
     <a:overrideClrMapping bg1="lt1" tx1="dk1" bg2="lt2" tx2="dk2" accent1="accent1" accent2="accent2" accent3="accent3" accent4="accent4" accent5="accent5" accent6="accent6" hlink="hlink" folHlink="folHlink"/>
   </p:clrMapOvr>
+  <p:transition spd="slow">
+    <p:fade/>
+  </p:transition>
 </p:sldLayout>
 </file>
 
@@ -2494,7 +2523,7 @@
             <a:fld id="{DE3A2F4D-761B-49FA-B2B4-D6F123DD324B}" type="datetimeFigureOut">
               <a:rPr lang="es-CL" smtClean="0"/>
               <a:pPr/>
-              <a:t>27-07-2012</a:t>
+              <a:t>29-07-2012</a:t>
             </a:fld>
             <a:endParaRPr lang="es-CL"/>
           </a:p>
@@ -2577,6 +2606,9 @@
   <p:clrMapOvr>
     <a:overrideClrMapping bg1="dk1" tx1="lt1" bg2="dk2" tx2="lt2" accent1="accent1" accent2="accent2" accent3="accent3" accent4="accent4" accent5="accent5" accent6="accent6" hlink="hlink" folHlink="folHlink"/>
   </p:clrMapOvr>
+  <p:transition spd="slow">
+    <p:fade/>
+  </p:transition>
 </p:sldLayout>
 </file>
 
@@ -2617,7 +2649,7 @@
             <a:fld id="{DE3A2F4D-761B-49FA-B2B4-D6F123DD324B}" type="datetimeFigureOut">
               <a:rPr lang="es-CL" smtClean="0"/>
               <a:pPr/>
-              <a:t>27-07-2012</a:t>
+              <a:t>29-07-2012</a:t>
             </a:fld>
             <a:endParaRPr lang="es-CL"/>
           </a:p>
@@ -2675,6 +2707,9 @@
   <p:clrMapOvr>
     <a:masterClrMapping/>
   </p:clrMapOvr>
+  <p:transition spd="slow">
+    <p:fade/>
+  </p:transition>
 </p:sldLayout>
 </file>
 
@@ -2893,7 +2928,7 @@
             <a:fld id="{DE3A2F4D-761B-49FA-B2B4-D6F123DD324B}" type="datetimeFigureOut">
               <a:rPr lang="es-CL" smtClean="0"/>
               <a:pPr/>
-              <a:t>27-07-2012</a:t>
+              <a:t>29-07-2012</a:t>
             </a:fld>
             <a:endParaRPr lang="es-CL"/>
           </a:p>
@@ -2951,6 +2986,9 @@
   <p:clrMapOvr>
     <a:overrideClrMapping bg1="lt1" tx1="dk1" bg2="lt2" tx2="dk2" accent1="accent1" accent2="accent2" accent3="accent3" accent4="accent4" accent5="accent5" accent6="accent6" hlink="hlink" folHlink="folHlink"/>
   </p:clrMapOvr>
+  <p:transition spd="slow">
+    <p:fade/>
+  </p:transition>
 </p:sldLayout>
 </file>
 
@@ -3100,7 +3138,7 @@
             <a:fld id="{DE3A2F4D-761B-49FA-B2B4-D6F123DD324B}" type="datetimeFigureOut">
               <a:rPr lang="es-CL" smtClean="0"/>
               <a:pPr/>
-              <a:t>27-07-2012</a:t>
+              <a:t>29-07-2012</a:t>
             </a:fld>
             <a:endParaRPr lang="es-CL"/>
           </a:p>
@@ -3715,6 +3753,9 @@
   <p:clrMapOvr>
     <a:overrideClrMapping bg1="dk1" tx1="lt1" bg2="dk2" tx2="lt2" accent1="accent1" accent2="accent2" accent3="accent3" accent4="accent4" accent5="accent5" accent6="accent6" hlink="hlink" folHlink="folHlink"/>
   </p:clrMapOvr>
+  <p:transition spd="slow">
+    <p:fade/>
+  </p:transition>
 </p:sldLayout>
 </file>
 
@@ -4211,7 +4252,7 @@
             <a:fld id="{DE3A2F4D-761B-49FA-B2B4-D6F123DD324B}" type="datetimeFigureOut">
               <a:rPr lang="es-CL" smtClean="0"/>
               <a:pPr/>
-              <a:t>27-07-2012</a:t>
+              <a:t>29-07-2012</a:t>
             </a:fld>
             <a:endParaRPr lang="es-CL"/>
           </a:p>
@@ -4310,6 +4351,9 @@
     <p:sldLayoutId id="2147483670" r:id="rId10"/>
     <p:sldLayoutId id="2147483671" r:id="rId11"/>
   </p:sldLayoutIdLst>
+  <p:transition spd="slow">
+    <p:fade/>
+  </p:transition>
   <p:txStyles>
     <p:titleStyle>
       <a:lvl1pPr algn="l" rtl="0" eaLnBrk="1" latinLnBrk="0" hangingPunct="1">
@@ -4685,6 +4729,9 @@
   <p:clrMapOvr>
     <a:masterClrMapping/>
   </p:clrMapOvr>
+  <p:transition spd="slow">
+    <p:fade/>
+  </p:transition>
   <p:timing>
     <p:tnLst>
       <p:par>
@@ -4695,7 +4742,7 @@
 </p:sld>
 </file>
 
-<file path=ppt/slides/slide2.xml><?xml version="1.0" encoding="utf-8"?>
+<file path=ppt/slides/slide10.xml><?xml version="1.0" encoding="utf-8"?>
 <p:sld xmlns:a="http://schemas.openxmlformats.org/drawingml/2006/main" xmlns:r="http://schemas.openxmlformats.org/officeDocument/2006/relationships" xmlns:p="http://schemas.openxmlformats.org/presentationml/2006/main">
   <p:cSld>
     <p:spTree>
@@ -4714,68 +4761,12 @@
       </p:grpSpPr>
       <p:sp>
         <p:nvSpPr>
-          <p:cNvPr id="3" name="2 Marcador de contenido"/>
+          <p:cNvPr id="2" name="1 Marcador de contenido"/>
           <p:cNvSpPr>
             <a:spLocks noGrp="1"/>
           </p:cNvSpPr>
           <p:nvPr>
             <p:ph idx="1"/>
-          </p:nvPr>
-        </p:nvSpPr>
-        <p:spPr/>
-        <p:txBody>
-          <a:bodyPr>
-            <a:noAutofit/>
-          </a:bodyPr>
-          <a:lstStyle/>
-          <a:p>
-            <a:pPr algn="just"/>
-            <a:r>
-              <a:rPr lang="es-CL" sz="2300" dirty="0" smtClean="0"/>
-              <a:t>Según la normativa </a:t>
-            </a:r>
-            <a:r>
-              <a:rPr lang="es-CL" sz="2300" dirty="0" smtClean="0"/>
-              <a:t>de la Súper </a:t>
-            </a:r>
-            <a:r>
-              <a:rPr lang="es-CL" sz="2300" dirty="0" smtClean="0"/>
-              <a:t>Intendencia de Valores y Seguros. Los estados financieros deberán prepararse de acuerdo a las Normas Internacionales de Información </a:t>
-            </a:r>
-            <a:r>
-              <a:rPr lang="es-CL" sz="2300" dirty="0" smtClean="0"/>
-              <a:t>Financiera (IFRS) emitidas por la International Accounting Standard Board (IASB</a:t>
-            </a:r>
-            <a:r>
-              <a:rPr lang="es-CL" sz="2300" dirty="0" smtClean="0"/>
-              <a:t>).</a:t>
-            </a:r>
-          </a:p>
-          <a:p>
-            <a:pPr algn="just"/>
-            <a:endParaRPr lang="es-CL" sz="2300" dirty="0" smtClean="0"/>
-          </a:p>
-          <a:p>
-            <a:pPr algn="just"/>
-            <a:r>
-              <a:rPr lang="es-CL" sz="2300" dirty="0" smtClean="0"/>
-              <a:t>Adicionalmente la SVS especifica que las entidades aseguradoras deben divulgar información que no esta directamente reflejada en dichos Estados Financieros. Esta información llamada Revelaciones deberá ser presentada con carácter de obligatoria.</a:t>
-            </a:r>
-          </a:p>
-          <a:p>
-            <a:pPr algn="just"/>
-            <a:endParaRPr lang="es-CL" sz="2300" dirty="0" smtClean="0"/>
-          </a:p>
-        </p:txBody>
-      </p:sp>
-      <p:sp>
-        <p:nvSpPr>
-          <p:cNvPr id="2" name="1 Título"/>
-          <p:cNvSpPr>
-            <a:spLocks noGrp="1"/>
-          </p:cNvSpPr>
-          <p:nvPr>
-            <p:ph type="title"/>
           </p:nvPr>
         </p:nvSpPr>
         <p:spPr/>
@@ -4783,19 +4774,97 @@
           <a:bodyPr/>
           <a:lstStyle/>
           <a:p>
+            <a:pPr algn="just"/>
+            <a:r>
+              <a:rPr lang="es-CL" dirty="0" smtClean="0">
+                <a:effectLst>
+                  <a:outerShdw blurRad="38100" dist="38100" dir="2700000" algn="tl">
+                    <a:srgbClr val="000000">
+                      <a:alpha val="43137"/>
+                    </a:srgbClr>
+                  </a:outerShdw>
+                </a:effectLst>
+              </a:rPr>
+              <a:t>Configurador de Estructuras</a:t>
+            </a:r>
             <a:r>
               <a:rPr lang="es-CL" dirty="0" smtClean="0"/>
-              <a:t>La necesidad</a:t>
+              <a:t>: Este modulo proporciona la capacidad de configurar dinámicamente las estructuras de Información según la normativa de la SVS.</a:t>
             </a:r>
             <a:endParaRPr lang="es-CL" dirty="0"/>
           </a:p>
         </p:txBody>
       </p:sp>
+      <p:sp>
+        <p:nvSpPr>
+          <p:cNvPr id="3" name="2 Título"/>
+          <p:cNvSpPr>
+            <a:spLocks noGrp="1"/>
+          </p:cNvSpPr>
+          <p:nvPr>
+            <p:ph type="title"/>
+          </p:nvPr>
+        </p:nvSpPr>
+        <p:spPr/>
+        <p:txBody>
+          <a:bodyPr/>
+          <a:lstStyle/>
+          <a:p>
+            <a:r>
+              <a:rPr lang="es-CL" dirty="0" err="1" smtClean="0"/>
+              <a:t>Modulos</a:t>
+            </a:r>
+            <a:r>
+              <a:rPr lang="es-CL" dirty="0" smtClean="0"/>
+              <a:t>.</a:t>
+            </a:r>
+            <a:endParaRPr lang="es-CL" dirty="0"/>
+          </a:p>
+        </p:txBody>
+      </p:sp>
+      <p:pic>
+        <p:nvPicPr>
+          <p:cNvPr id="4" name="Picture 6"/>
+          <p:cNvPicPr>
+            <a:picLocks noChangeAspect="1" noChangeArrowheads="1"/>
+          </p:cNvPicPr>
+          <p:nvPr/>
+        </p:nvPicPr>
+        <p:blipFill>
+          <a:blip r:embed="rId2"/>
+          <a:srcRect l="21799" t="2035" b="14518"/>
+          <a:stretch>
+            <a:fillRect/>
+          </a:stretch>
+        </p:blipFill>
+        <p:spPr bwMode="auto">
+          <a:xfrm>
+            <a:off x="3786182" y="3357562"/>
+            <a:ext cx="4100391" cy="2928958"/>
+          </a:xfrm>
+          <a:prstGeom prst="rect">
+            <a:avLst/>
+          </a:prstGeom>
+          <a:ln>
+            <a:noFill/>
+          </a:ln>
+          <a:effectLst>
+            <a:outerShdw blurRad="292100" dist="139700" dir="2700000" algn="tl" rotWithShape="0">
+              <a:srgbClr val="333333">
+                <a:alpha val="65000"/>
+              </a:srgbClr>
+            </a:outerShdw>
+          </a:effectLst>
+        </p:spPr>
+      </p:pic>
     </p:spTree>
   </p:cSld>
   <p:clrMapOvr>
     <a:masterClrMapping/>
   </p:clrMapOvr>
+  <p:transition spd="slow">
+    <p:fade/>
+  </p:transition>
   <p:timing>
     <p:tnLst>
       <p:par>
@@ -4806,7 +4875,7 @@
 </p:sld>
 </file>
 
-<file path=ppt/slides/slide3.xml><?xml version="1.0" encoding="utf-8"?>
+<file path=ppt/slides/slide11.xml><?xml version="1.0" encoding="utf-8"?>
 <p:sld xmlns:a="http://schemas.openxmlformats.org/drawingml/2006/main" xmlns:r="http://schemas.openxmlformats.org/officeDocument/2006/relationships" xmlns:p="http://schemas.openxmlformats.org/presentationml/2006/main">
   <p:cSld>
     <p:spTree>
@@ -4835,105 +4904,78 @@
         </p:nvSpPr>
         <p:spPr>
           <a:xfrm>
-            <a:off x="428596" y="500042"/>
-            <a:ext cx="8229600" cy="5386603"/>
+            <a:off x="428596" y="428604"/>
+            <a:ext cx="8229600" cy="5786478"/>
           </a:xfrm>
         </p:spPr>
         <p:txBody>
-          <a:bodyPr>
-            <a:noAutofit/>
-          </a:bodyPr>
+          <a:bodyPr/>
           <a:lstStyle/>
           <a:p>
             <a:pPr algn="just"/>
             <a:r>
-              <a:rPr lang="es-CL" sz="2200" dirty="0" smtClean="0"/>
-              <a:t>Desde el nacimiento de la normativa con la circular </a:t>
-            </a:r>
-            <a:r>
-              <a:rPr lang="es-CL" sz="2200" dirty="0" smtClean="0"/>
-              <a:t>2022 en Mayo del 2011, </a:t>
-            </a:r>
-            <a:r>
-              <a:rPr lang="es-CL" sz="2200" dirty="0" smtClean="0"/>
-              <a:t>existen hasta la fecha 3 modificaciones en </a:t>
-            </a:r>
-            <a:r>
-              <a:rPr lang="es-CL" sz="2200" dirty="0" smtClean="0"/>
-              <a:t>la definición de la normativa impactando directamente en la estructura </a:t>
-            </a:r>
-            <a:r>
-              <a:rPr lang="es-CL" sz="2200" dirty="0" smtClean="0"/>
-              <a:t>y contenido </a:t>
-            </a:r>
-            <a:r>
-              <a:rPr lang="es-CL" sz="2200" dirty="0" smtClean="0"/>
-              <a:t>de</a:t>
-            </a:r>
-            <a:r>
-              <a:rPr lang="es-CL" sz="2200" dirty="0" smtClean="0"/>
-              <a:t> las R</a:t>
-            </a:r>
-            <a:r>
-              <a:rPr lang="es-CL" sz="2200" dirty="0" smtClean="0"/>
-              <a:t>evelaciones. Esto implica </a:t>
-            </a:r>
-            <a:r>
-              <a:rPr lang="es-CL" sz="2200" dirty="0" smtClean="0"/>
-              <a:t>un alto porcentaje de variabilidad de la información que se debe </a:t>
-            </a:r>
-            <a:r>
-              <a:rPr lang="es-CL" sz="2200" dirty="0" smtClean="0"/>
-              <a:t>preparar y presentar</a:t>
-            </a:r>
-            <a:r>
-              <a:rPr lang="es-CL" sz="2200" dirty="0" smtClean="0"/>
-              <a:t>.</a:t>
-            </a:r>
-          </a:p>
-          <a:p>
-            <a:pPr algn="just"/>
-            <a:endParaRPr lang="es-CL" sz="2200" dirty="0" smtClean="0"/>
-          </a:p>
-          <a:p>
-            <a:pPr algn="just"/>
-            <a:r>
-              <a:rPr lang="es-CL" sz="2200" dirty="0" smtClean="0"/>
-              <a:t>Tomando en cuenta esta y otras atenuantes nuestra Compañía ha desarrollado un </a:t>
-            </a:r>
-            <a:r>
-              <a:rPr lang="es-CL" sz="2200" dirty="0" smtClean="0"/>
-              <a:t>producto totalmente </a:t>
-            </a:r>
-            <a:r>
-              <a:rPr lang="es-CL" sz="2200" u="sng" dirty="0" smtClean="0"/>
-              <a:t>versátil</a:t>
-            </a:r>
-            <a:r>
-              <a:rPr lang="es-CL" sz="2200" dirty="0" smtClean="0"/>
-              <a:t> </a:t>
-            </a:r>
-            <a:r>
-              <a:rPr lang="es-CL" sz="2200" dirty="0" smtClean="0"/>
-              <a:t>que se ajusta a todos los posibles escenarios impuestos por la </a:t>
-            </a:r>
-            <a:r>
-              <a:rPr lang="es-CL" sz="2200" dirty="0" smtClean="0"/>
-              <a:t>Súper Intendencia de Valores y Seguros, </a:t>
-            </a:r>
-            <a:r>
-              <a:rPr lang="es-CL" sz="2200" dirty="0" smtClean="0"/>
-              <a:t>brindando una capacidad de adaptación único a la hora de enfrentar los cambios en los modelos de entrega de la información de Revelaciones y Estados Financieros.</a:t>
-            </a:r>
-            <a:endParaRPr lang="es-CL" sz="2200" dirty="0"/>
-          </a:p>
-        </p:txBody>
-      </p:sp>
+              <a:rPr lang="es-CL" dirty="0" smtClean="0">
+                <a:effectLst>
+                  <a:outerShdw blurRad="38100" dist="38100" dir="2700000" algn="tl">
+                    <a:srgbClr val="000000">
+                      <a:alpha val="43137"/>
+                    </a:srgbClr>
+                  </a:outerShdw>
+                </a:effectLst>
+              </a:rPr>
+              <a:t>Configurador de Formulas de Calculo</a:t>
+            </a:r>
+            <a:r>
+              <a:rPr lang="es-CL" dirty="0" smtClean="0"/>
+              <a:t>: Este permite configurar las operatorias necesarias entre los campos de cada Cuadro, esto es necesario para establecer las sumas y restas de cada Revelación.</a:t>
+            </a:r>
+            <a:endParaRPr lang="es-CL" dirty="0"/>
+          </a:p>
+        </p:txBody>
+      </p:sp>
+      <p:pic>
+        <p:nvPicPr>
+          <p:cNvPr id="4" name="Picture 4"/>
+          <p:cNvPicPr>
+            <a:picLocks noChangeAspect="1" noChangeArrowheads="1"/>
+          </p:cNvPicPr>
+          <p:nvPr/>
+        </p:nvPicPr>
+        <p:blipFill>
+          <a:blip r:embed="rId2"/>
+          <a:srcRect/>
+          <a:stretch>
+            <a:fillRect/>
+          </a:stretch>
+        </p:blipFill>
+        <p:spPr bwMode="auto">
+          <a:xfrm>
+            <a:off x="2571736" y="2714620"/>
+            <a:ext cx="5929354" cy="3359081"/>
+          </a:xfrm>
+          <a:prstGeom prst="rect">
+            <a:avLst/>
+          </a:prstGeom>
+          <a:ln>
+            <a:noFill/>
+          </a:ln>
+          <a:effectLst>
+            <a:outerShdw blurRad="292100" dist="139700" dir="2700000" algn="tl" rotWithShape="0">
+              <a:srgbClr val="333333">
+                <a:alpha val="65000"/>
+              </a:srgbClr>
+            </a:outerShdw>
+          </a:effectLst>
+        </p:spPr>
+      </p:pic>
     </p:spTree>
   </p:cSld>
   <p:clrMapOvr>
     <a:masterClrMapping/>
   </p:clrMapOvr>
+  <p:transition spd="slow">
+    <p:fade/>
+  </p:transition>
   <p:timing>
     <p:tnLst>
       <p:par>
@@ -4944,7 +4986,7 @@
 </p:sld>
 </file>
 
-<file path=ppt/slides/slide4.xml><?xml version="1.0" encoding="utf-8"?>
+<file path=ppt/slides/slide12.xml><?xml version="1.0" encoding="utf-8"?>
 <p:sld xmlns:a="http://schemas.openxmlformats.org/drawingml/2006/main" xmlns:r="http://schemas.openxmlformats.org/officeDocument/2006/relationships" xmlns:p="http://schemas.openxmlformats.org/presentationml/2006/main">
   <p:cSld>
     <p:spTree>
@@ -4971,99 +5013,32 @@
             <p:ph idx="1"/>
           </p:nvPr>
         </p:nvSpPr>
-        <p:spPr/>
-        <p:txBody>
-          <a:bodyPr>
-            <a:normAutofit/>
-          </a:bodyPr>
-          <a:lstStyle/>
-          <a:p>
-            <a:r>
-              <a:rPr lang="es-CL" sz="2300" dirty="0" smtClean="0"/>
-              <a:t>Totalmente Versátil, se </a:t>
-            </a:r>
-            <a:r>
-              <a:rPr lang="es-CL" sz="2300" dirty="0" smtClean="0"/>
-              <a:t>adapta sin problemas a las distintas especificaciones de la normativa permitiendo superar sin dificultades las problemáticas asociadas </a:t>
-            </a:r>
-            <a:r>
-              <a:rPr lang="es-CL" sz="2300" dirty="0" smtClean="0"/>
-              <a:t>los cambios sobre forma y contenido de </a:t>
-            </a:r>
-            <a:r>
-              <a:rPr lang="es-CL" sz="2300" dirty="0" smtClean="0"/>
-              <a:t>las Revelaciones</a:t>
-            </a:r>
-            <a:r>
-              <a:rPr lang="es-CL" sz="2300" dirty="0" smtClean="0"/>
-              <a:t>.</a:t>
-            </a:r>
-          </a:p>
-          <a:p>
-            <a:pPr algn="just"/>
-            <a:r>
-              <a:rPr lang="es-CL" sz="2300" dirty="0" smtClean="0"/>
-              <a:t>Interfaz </a:t>
-            </a:r>
-            <a:r>
-              <a:rPr lang="es-CL" sz="2300" dirty="0" smtClean="0"/>
-              <a:t>Amigable y Usable.</a:t>
-            </a:r>
-          </a:p>
-          <a:p>
-            <a:pPr algn="just"/>
-            <a:r>
-              <a:rPr lang="es-CL" sz="2300" dirty="0" smtClean="0"/>
-              <a:t>Configurable y parametrizable.</a:t>
-            </a:r>
-          </a:p>
-          <a:p>
-            <a:pPr algn="just"/>
-            <a:r>
-              <a:rPr lang="es-CL" sz="2300" dirty="0" smtClean="0"/>
-              <a:t>Disponible en Intranet 100% Web.</a:t>
-            </a:r>
-          </a:p>
-          <a:p>
-            <a:pPr algn="just"/>
-            <a:endParaRPr lang="es-CL" sz="2300" dirty="0" smtClean="0"/>
-          </a:p>
-          <a:p>
-            <a:pPr algn="just"/>
-            <a:endParaRPr lang="es-CL" sz="2300" dirty="0" smtClean="0"/>
-          </a:p>
-          <a:p>
-            <a:pPr algn="just"/>
-            <a:endParaRPr lang="es-CL" sz="2300" dirty="0" smtClean="0"/>
-          </a:p>
-          <a:p>
-            <a:pPr algn="just"/>
-            <a:endParaRPr lang="es-CL" sz="2300" dirty="0" smtClean="0"/>
-          </a:p>
-          <a:p>
-            <a:pPr algn="just"/>
-            <a:endParaRPr lang="es-CL" sz="2300" dirty="0" smtClean="0"/>
-          </a:p>
-        </p:txBody>
-      </p:sp>
-      <p:sp>
-        <p:nvSpPr>
-          <p:cNvPr id="3" name="2 Título"/>
-          <p:cNvSpPr>
-            <a:spLocks noGrp="1"/>
-          </p:cNvSpPr>
-          <p:nvPr>
-            <p:ph type="title"/>
-          </p:nvPr>
-        </p:nvSpPr>
-        <p:spPr/>
+        <p:spPr>
+          <a:xfrm>
+            <a:off x="428596" y="428604"/>
+            <a:ext cx="8229600" cy="5786478"/>
+          </a:xfrm>
+        </p:spPr>
         <p:txBody>
           <a:bodyPr/>
           <a:lstStyle/>
           <a:p>
+            <a:pPr algn="just"/>
+            <a:r>
+              <a:rPr lang="es-CL" dirty="0" smtClean="0">
+                <a:effectLst>
+                  <a:outerShdw blurRad="38100" dist="38100" dir="2700000" algn="tl">
+                    <a:srgbClr val="000000">
+                      <a:alpha val="43137"/>
+                    </a:srgbClr>
+                  </a:outerShdw>
+                </a:effectLst>
+              </a:rPr>
+              <a:t>Cargador y Validador de Estados Financieros</a:t>
+            </a:r>
             <a:r>
               <a:rPr lang="es-CL" dirty="0" smtClean="0"/>
-              <a:t>Principales Características</a:t>
+              <a:t>: El cargador de EE.FF. Esta pensado para Ingresar al Sistema los Estados Financieros correspondientes al periodo y realizar las respectivas validaciones de las Revelaciones contra los valores de los Estados Financieros.</a:t>
             </a:r>
             <a:endParaRPr lang="es-CL" dirty="0"/>
           </a:p>
@@ -5074,6 +5049,9 @@
   <p:clrMapOvr>
     <a:masterClrMapping/>
   </p:clrMapOvr>
+  <p:transition spd="slow">
+    <p:fade/>
+  </p:transition>
   <p:timing>
     <p:tnLst>
       <p:par>
@@ -5084,7 +5062,7 @@
 </p:sld>
 </file>
 
-<file path=ppt/slides/slide5.xml><?xml version="1.0" encoding="utf-8"?>
+<file path=ppt/slides/slide13.xml><?xml version="1.0" encoding="utf-8"?>
 <p:sld xmlns:a="http://schemas.openxmlformats.org/drawingml/2006/main" xmlns:r="http://schemas.openxmlformats.org/officeDocument/2006/relationships" xmlns:p="http://schemas.openxmlformats.org/presentationml/2006/main">
   <p:cSld>
     <p:spTree>
@@ -5114,52 +5092,77 @@
         <p:spPr>
           <a:xfrm>
             <a:off x="428596" y="428604"/>
-            <a:ext cx="8229600" cy="4525963"/>
+            <a:ext cx="8229600" cy="5786478"/>
           </a:xfrm>
         </p:spPr>
         <p:txBody>
-          <a:bodyPr>
-            <a:normAutofit/>
-          </a:bodyPr>
+          <a:bodyPr/>
           <a:lstStyle/>
           <a:p>
             <a:pPr algn="just"/>
             <a:r>
-              <a:rPr lang="es-CL" sz="2300" dirty="0" smtClean="0"/>
-              <a:t>Proporciona herramientas de Control que permiten tener una visión amplia sobre el estado del completitud de la información para los periodos informados</a:t>
-            </a:r>
-            <a:r>
-              <a:rPr lang="es-CL" sz="2300" dirty="0" smtClean="0"/>
-              <a:t>.</a:t>
-            </a:r>
-          </a:p>
-          <a:p>
-            <a:pPr algn="just"/>
-            <a:endParaRPr lang="es-CL" sz="2300" dirty="0" smtClean="0"/>
-          </a:p>
-          <a:p>
-            <a:pPr algn="just"/>
-            <a:r>
-              <a:rPr lang="es-CL" sz="2300" dirty="0" smtClean="0"/>
-              <a:t>Este producto </a:t>
-            </a:r>
-            <a:r>
-              <a:rPr lang="es-CL" sz="2300" dirty="0" smtClean="0"/>
-              <a:t>entrega una solución </a:t>
-            </a:r>
-            <a:r>
-              <a:rPr lang="es-CL" sz="2300" dirty="0" smtClean="0"/>
-              <a:t>concreta a los procesos de obtención, administración, gestión y almacenamiento integral de toda la información involucrada en las Revelaciones según la norma IFRS.</a:t>
-            </a:r>
-            <a:endParaRPr lang="es-CL" sz="2300" dirty="0"/>
-          </a:p>
-        </p:txBody>
-      </p:sp>
+              <a:rPr lang="es-CL" dirty="0" smtClean="0">
+                <a:effectLst>
+                  <a:outerShdw blurRad="38100" dist="38100" dir="2700000" algn="tl">
+                    <a:srgbClr val="000000">
+                      <a:alpha val="43137"/>
+                    </a:srgbClr>
+                  </a:outerShdw>
+                </a:effectLst>
+              </a:rPr>
+              <a:t>Flujo de Aprobación</a:t>
+            </a:r>
+            <a:r>
+              <a:rPr lang="es-CL" dirty="0" smtClean="0"/>
+              <a:t>: Permite establecer un Flujo que controla el ingreso de la información para los periodos.</a:t>
+            </a:r>
+            <a:endParaRPr lang="es-CL" dirty="0"/>
+          </a:p>
+        </p:txBody>
+      </p:sp>
+      <p:pic>
+        <p:nvPicPr>
+          <p:cNvPr id="3" name="Picture 3"/>
+          <p:cNvPicPr>
+            <a:picLocks noChangeAspect="1" noChangeArrowheads="1"/>
+          </p:cNvPicPr>
+          <p:nvPr/>
+        </p:nvPicPr>
+        <p:blipFill>
+          <a:blip r:embed="rId2"/>
+          <a:srcRect b="6584"/>
+          <a:stretch>
+            <a:fillRect/>
+          </a:stretch>
+        </p:blipFill>
+        <p:spPr bwMode="auto">
+          <a:xfrm>
+            <a:off x="3643306" y="2357430"/>
+            <a:ext cx="4892051" cy="3857652"/>
+          </a:xfrm>
+          <a:prstGeom prst="rect">
+            <a:avLst/>
+          </a:prstGeom>
+          <a:ln>
+            <a:noFill/>
+          </a:ln>
+          <a:effectLst>
+            <a:outerShdw blurRad="292100" dist="139700" dir="2700000" algn="tl" rotWithShape="0">
+              <a:srgbClr val="333333">
+                <a:alpha val="65000"/>
+              </a:srgbClr>
+            </a:outerShdw>
+          </a:effectLst>
+        </p:spPr>
+      </p:pic>
     </p:spTree>
   </p:cSld>
   <p:clrMapOvr>
     <a:masterClrMapping/>
   </p:clrMapOvr>
+  <p:transition spd="slow">
+    <p:fade/>
+  </p:transition>
   <p:timing>
     <p:tnLst>
       <p:par>
@@ -5170,7 +5173,7 @@
 </p:sld>
 </file>
 
-<file path=ppt/slides/slide6.xml><?xml version="1.0" encoding="utf-8"?>
+<file path=ppt/slides/slide14.xml><?xml version="1.0" encoding="utf-8"?>
 <p:sld xmlns:a="http://schemas.openxmlformats.org/drawingml/2006/main" xmlns:r="http://schemas.openxmlformats.org/officeDocument/2006/relationships" xmlns:p="http://schemas.openxmlformats.org/presentationml/2006/main">
   <p:cSld>
     <p:spTree>
@@ -5332,6 +5335,1170 @@
   <p:clrMapOvr>
     <a:masterClrMapping/>
   </p:clrMapOvr>
+  <p:transition spd="slow">
+    <p:fade/>
+  </p:transition>
+  <p:timing>
+    <p:tnLst>
+      <p:par>
+        <p:cTn id="1" dur="indefinite" restart="never" nodeType="tmRoot"/>
+      </p:par>
+    </p:tnLst>
+  </p:timing>
+</p:sld>
+</file>
+
+<file path=ppt/slides/slide2.xml><?xml version="1.0" encoding="utf-8"?>
+<p:sld xmlns:a="http://schemas.openxmlformats.org/drawingml/2006/main" xmlns:r="http://schemas.openxmlformats.org/officeDocument/2006/relationships" xmlns:p="http://schemas.openxmlformats.org/presentationml/2006/main">
+  <p:cSld>
+    <p:spTree>
+      <p:nvGrpSpPr>
+        <p:cNvPr id="1" name=""/>
+        <p:cNvGrpSpPr/>
+        <p:nvPr/>
+      </p:nvGrpSpPr>
+      <p:grpSpPr>
+        <a:xfrm>
+          <a:off x="0" y="0"/>
+          <a:ext cx="0" cy="0"/>
+          <a:chOff x="0" y="0"/>
+          <a:chExt cx="0" cy="0"/>
+        </a:xfrm>
+      </p:grpSpPr>
+      <p:sp>
+        <p:nvSpPr>
+          <p:cNvPr id="2" name="1 Marcador de contenido"/>
+          <p:cNvSpPr>
+            <a:spLocks noGrp="1"/>
+          </p:cNvSpPr>
+          <p:nvPr>
+            <p:ph idx="1"/>
+          </p:nvPr>
+        </p:nvSpPr>
+        <p:spPr/>
+        <p:txBody>
+          <a:bodyPr>
+            <a:normAutofit fontScale="92500"/>
+          </a:bodyPr>
+          <a:lstStyle/>
+          <a:p>
+            <a:pPr algn="just">
+              <a:lnSpc>
+                <a:spcPct val="90000"/>
+              </a:lnSpc>
+              <a:spcBef>
+                <a:spcPct val="20000"/>
+              </a:spcBef>
+            </a:pPr>
+            <a:r>
+              <a:rPr lang="es-ES" sz="2300" dirty="0" smtClean="0"/>
+              <a:t>Bytesoft es una empresa chilena</a:t>
+            </a:r>
+            <a:r>
+              <a:rPr lang="es-MX" sz="2300" dirty="0" smtClean="0"/>
+              <a:t>, del área de las Tecnologías de la Información, con 18 años en el mercado Nacional.</a:t>
+            </a:r>
+            <a:endParaRPr lang="es-ES" sz="2300" dirty="0" smtClean="0"/>
+          </a:p>
+          <a:p>
+            <a:pPr algn="just">
+              <a:lnSpc>
+                <a:spcPct val="90000"/>
+              </a:lnSpc>
+              <a:spcBef>
+                <a:spcPct val="20000"/>
+              </a:spcBef>
+            </a:pPr>
+            <a:endParaRPr lang="es-MX" sz="2300" dirty="0" smtClean="0"/>
+          </a:p>
+          <a:p>
+            <a:pPr algn="just">
+              <a:lnSpc>
+                <a:spcPct val="90000"/>
+              </a:lnSpc>
+              <a:spcBef>
+                <a:spcPct val="20000"/>
+              </a:spcBef>
+            </a:pPr>
+            <a:r>
+              <a:rPr lang="es-MX" sz="2300" dirty="0" smtClean="0"/>
+              <a:t>Posee</a:t>
+            </a:r>
+            <a:r>
+              <a:rPr lang="es-ES" sz="2300" dirty="0" smtClean="0"/>
+              <a:t> una sólida trayectoria profesional</a:t>
+            </a:r>
+            <a:r>
+              <a:rPr lang="es-MX" sz="2300" dirty="0" smtClean="0"/>
+              <a:t>, en áreas de Desarrollo de Software y Consultoría.</a:t>
+            </a:r>
+          </a:p>
+          <a:p>
+            <a:pPr algn="just">
+              <a:lnSpc>
+                <a:spcPct val="90000"/>
+              </a:lnSpc>
+              <a:spcBef>
+                <a:spcPct val="20000"/>
+              </a:spcBef>
+            </a:pPr>
+            <a:endParaRPr lang="es-MX" sz="2300" dirty="0" smtClean="0"/>
+          </a:p>
+          <a:p>
+            <a:pPr algn="just">
+              <a:lnSpc>
+                <a:spcPct val="90000"/>
+              </a:lnSpc>
+              <a:spcBef>
+                <a:spcPct val="20000"/>
+              </a:spcBef>
+            </a:pPr>
+            <a:r>
+              <a:rPr lang="es-MX" sz="2300" dirty="0" smtClean="0"/>
+              <a:t>Actualmente, su línea de productos incorpora, desarrollo de Proyectos de Software específicamente en Arquitecturas JEE (Java Enterprise Edition), Consultoría Tecnológica y Funcional en Módulos SAP R3, Desarrollo de Productos de Software y venta e implementación de Infraestructura, a objeto de </a:t>
+            </a:r>
+            <a:r>
+              <a:rPr lang="es-ES" sz="2300" dirty="0" smtClean="0"/>
+              <a:t>proveer</a:t>
+            </a:r>
+            <a:r>
+              <a:rPr lang="es-MX" sz="2300" dirty="0" smtClean="0"/>
+              <a:t> </a:t>
+            </a:r>
+            <a:r>
+              <a:rPr lang="es-ES" sz="2300" dirty="0" smtClean="0"/>
+              <a:t> soluciones integrales de </a:t>
+            </a:r>
+            <a:r>
+              <a:rPr lang="es-MX" sz="2300" dirty="0" smtClean="0"/>
+              <a:t>tecnología de la Información (TI).</a:t>
+            </a:r>
+            <a:endParaRPr lang="es-ES" sz="2300" dirty="0" smtClean="0"/>
+          </a:p>
+          <a:p>
+            <a:endParaRPr lang="es-CL" dirty="0"/>
+          </a:p>
+        </p:txBody>
+      </p:sp>
+      <p:sp>
+        <p:nvSpPr>
+          <p:cNvPr id="3" name="2 Título"/>
+          <p:cNvSpPr>
+            <a:spLocks noGrp="1"/>
+          </p:cNvSpPr>
+          <p:nvPr>
+            <p:ph type="title"/>
+          </p:nvPr>
+        </p:nvSpPr>
+        <p:spPr/>
+        <p:txBody>
+          <a:bodyPr/>
+          <a:lstStyle/>
+          <a:p>
+            <a:r>
+              <a:rPr lang="es-CL" dirty="0" smtClean="0"/>
+              <a:t>Nuestra Empresa</a:t>
+            </a:r>
+            <a:endParaRPr lang="es-CL" dirty="0"/>
+          </a:p>
+        </p:txBody>
+      </p:sp>
+    </p:spTree>
+  </p:cSld>
+  <p:clrMapOvr>
+    <a:masterClrMapping/>
+  </p:clrMapOvr>
+  <p:transition spd="slow">
+    <p:fade/>
+  </p:transition>
+  <p:timing>
+    <p:tnLst>
+      <p:par>
+        <p:cTn id="1" dur="indefinite" restart="never" nodeType="tmRoot"/>
+      </p:par>
+    </p:tnLst>
+  </p:timing>
+</p:sld>
+</file>
+
+<file path=ppt/slides/slide3.xml><?xml version="1.0" encoding="utf-8"?>
+<p:sld xmlns:a="http://schemas.openxmlformats.org/drawingml/2006/main" xmlns:r="http://schemas.openxmlformats.org/officeDocument/2006/relationships" xmlns:p="http://schemas.openxmlformats.org/presentationml/2006/main">
+  <p:cSld>
+    <p:spTree>
+      <p:nvGrpSpPr>
+        <p:cNvPr id="1" name=""/>
+        <p:cNvGrpSpPr/>
+        <p:nvPr/>
+      </p:nvGrpSpPr>
+      <p:grpSpPr>
+        <a:xfrm>
+          <a:off x="0" y="0"/>
+          <a:ext cx="0" cy="0"/>
+          <a:chOff x="0" y="0"/>
+          <a:chExt cx="0" cy="0"/>
+        </a:xfrm>
+      </p:grpSpPr>
+      <p:sp>
+        <p:nvSpPr>
+          <p:cNvPr id="2" name="1 Marcador de contenido"/>
+          <p:cNvSpPr>
+            <a:spLocks noGrp="1"/>
+          </p:cNvSpPr>
+          <p:nvPr>
+            <p:ph idx="1"/>
+          </p:nvPr>
+        </p:nvSpPr>
+        <p:spPr/>
+        <p:txBody>
+          <a:bodyPr/>
+          <a:lstStyle/>
+          <a:p>
+            <a:r>
+              <a:rPr lang="es-MX" sz="2300" dirty="0" smtClean="0"/>
+              <a:t>Agregar valor  y confianza a nuestros clientes, a través de soluciones tecnológicas que permitan hacer más eficiente la gestión del negocio de la empresa. </a:t>
+            </a:r>
+          </a:p>
+          <a:p>
+            <a:endParaRPr lang="es-CL" dirty="0"/>
+          </a:p>
+        </p:txBody>
+      </p:sp>
+      <p:sp>
+        <p:nvSpPr>
+          <p:cNvPr id="3" name="2 Título"/>
+          <p:cNvSpPr>
+            <a:spLocks noGrp="1"/>
+          </p:cNvSpPr>
+          <p:nvPr>
+            <p:ph type="title"/>
+          </p:nvPr>
+        </p:nvSpPr>
+        <p:spPr/>
+        <p:txBody>
+          <a:bodyPr/>
+          <a:lstStyle/>
+          <a:p>
+            <a:r>
+              <a:rPr lang="es-CL" dirty="0" smtClean="0"/>
+              <a:t>Nuestra </a:t>
+            </a:r>
+            <a:r>
+              <a:rPr lang="es-CL" dirty="0" err="1" smtClean="0"/>
+              <a:t>Mision</a:t>
+            </a:r>
+            <a:endParaRPr lang="es-CL" dirty="0"/>
+          </a:p>
+        </p:txBody>
+      </p:sp>
+      <p:pic>
+        <p:nvPicPr>
+          <p:cNvPr id="4" name="Picture 33" descr="5323_030818_79376"/>
+          <p:cNvPicPr>
+            <a:picLocks noChangeAspect="1" noChangeArrowheads="1"/>
+          </p:cNvPicPr>
+          <p:nvPr/>
+        </p:nvPicPr>
+        <p:blipFill>
+          <a:blip r:embed="rId2"/>
+          <a:srcRect/>
+          <a:stretch>
+            <a:fillRect/>
+          </a:stretch>
+        </p:blipFill>
+        <p:spPr bwMode="auto">
+          <a:xfrm>
+            <a:off x="6143636" y="3214686"/>
+            <a:ext cx="2286000" cy="1524000"/>
+          </a:xfrm>
+          <a:prstGeom prst="rect">
+            <a:avLst/>
+          </a:prstGeom>
+          <a:solidFill>
+            <a:srgbClr val="FFFFFF">
+              <a:shade val="85000"/>
+            </a:srgbClr>
+          </a:solidFill>
+          <a:ln w="88900" cap="sq">
+            <a:solidFill>
+              <a:srgbClr val="FFFFFF"/>
+            </a:solidFill>
+            <a:miter lim="800000"/>
+          </a:ln>
+          <a:effectLst>
+            <a:outerShdw blurRad="55000" dist="18000" dir="5400000" algn="tl" rotWithShape="0">
+              <a:srgbClr val="000000">
+                <a:alpha val="40000"/>
+              </a:srgbClr>
+            </a:outerShdw>
+          </a:effectLst>
+          <a:scene3d>
+            <a:camera prst="orthographicFront"/>
+            <a:lightRig rig="twoPt" dir="t">
+              <a:rot lat="0" lon="0" rev="7200000"/>
+            </a:lightRig>
+          </a:scene3d>
+          <a:sp3d>
+            <a:bevelT w="25400" h="19050"/>
+            <a:contourClr>
+              <a:srgbClr val="FFFFFF"/>
+            </a:contourClr>
+          </a:sp3d>
+        </p:spPr>
+      </p:pic>
+      <p:pic>
+        <p:nvPicPr>
+          <p:cNvPr id="5" name="Picture 32" descr="10197006"/>
+          <p:cNvPicPr>
+            <a:picLocks noChangeAspect="1" noChangeArrowheads="1"/>
+          </p:cNvPicPr>
+          <p:nvPr/>
+        </p:nvPicPr>
+        <p:blipFill>
+          <a:blip r:embed="rId3"/>
+          <a:srcRect/>
+          <a:stretch>
+            <a:fillRect/>
+          </a:stretch>
+        </p:blipFill>
+        <p:spPr bwMode="auto">
+          <a:xfrm>
+            <a:off x="3500446" y="4429132"/>
+            <a:ext cx="2286000" cy="1524000"/>
+          </a:xfrm>
+          <a:prstGeom prst="rect">
+            <a:avLst/>
+          </a:prstGeom>
+          <a:solidFill>
+            <a:srgbClr val="FFFFFF">
+              <a:shade val="85000"/>
+            </a:srgbClr>
+          </a:solidFill>
+          <a:ln w="88900" cap="sq">
+            <a:solidFill>
+              <a:srgbClr val="FFFFFF"/>
+            </a:solidFill>
+            <a:miter lim="800000"/>
+          </a:ln>
+          <a:effectLst>
+            <a:outerShdw blurRad="55000" dist="18000" dir="5400000" algn="tl" rotWithShape="0">
+              <a:srgbClr val="000000">
+                <a:alpha val="40000"/>
+              </a:srgbClr>
+            </a:outerShdw>
+          </a:effectLst>
+          <a:scene3d>
+            <a:camera prst="orthographicFront"/>
+            <a:lightRig rig="twoPt" dir="t">
+              <a:rot lat="0" lon="0" rev="7200000"/>
+            </a:lightRig>
+          </a:scene3d>
+          <a:sp3d>
+            <a:bevelT w="25400" h="19050"/>
+            <a:contourClr>
+              <a:srgbClr val="FFFFFF"/>
+            </a:contourClr>
+          </a:sp3d>
+        </p:spPr>
+      </p:pic>
+    </p:spTree>
+  </p:cSld>
+  <p:clrMapOvr>
+    <a:masterClrMapping/>
+  </p:clrMapOvr>
+  <p:transition spd="slow">
+    <p:fade/>
+  </p:transition>
+  <p:timing>
+    <p:tnLst>
+      <p:par>
+        <p:cTn id="1" dur="indefinite" restart="never" nodeType="tmRoot"/>
+      </p:par>
+    </p:tnLst>
+  </p:timing>
+</p:sld>
+</file>
+
+<file path=ppt/slides/slide4.xml><?xml version="1.0" encoding="utf-8"?>
+<p:sld xmlns:a="http://schemas.openxmlformats.org/drawingml/2006/main" xmlns:r="http://schemas.openxmlformats.org/officeDocument/2006/relationships" xmlns:p="http://schemas.openxmlformats.org/presentationml/2006/main">
+  <p:cSld>
+    <p:spTree>
+      <p:nvGrpSpPr>
+        <p:cNvPr id="1" name=""/>
+        <p:cNvGrpSpPr/>
+        <p:nvPr/>
+      </p:nvGrpSpPr>
+      <p:grpSpPr>
+        <a:xfrm>
+          <a:off x="0" y="0"/>
+          <a:ext cx="0" cy="0"/>
+          <a:chOff x="0" y="0"/>
+          <a:chExt cx="0" cy="0"/>
+        </a:xfrm>
+      </p:grpSpPr>
+      <p:sp>
+        <p:nvSpPr>
+          <p:cNvPr id="2" name="1 Marcador de contenido"/>
+          <p:cNvSpPr>
+            <a:spLocks noGrp="1"/>
+          </p:cNvSpPr>
+          <p:nvPr>
+            <p:ph idx="1"/>
+          </p:nvPr>
+        </p:nvSpPr>
+        <p:spPr/>
+        <p:txBody>
+          <a:bodyPr>
+            <a:normAutofit/>
+          </a:bodyPr>
+          <a:lstStyle/>
+          <a:p>
+            <a:r>
+              <a:rPr lang="es-CL" sz="2300" dirty="0" smtClean="0"/>
+              <a:t>Excelente Capacidad Técnica .</a:t>
+            </a:r>
+          </a:p>
+          <a:p>
+            <a:r>
+              <a:rPr lang="es-CL" sz="2300" dirty="0" smtClean="0"/>
+              <a:t>Alta Vocación de Servicio – Confianza.</a:t>
+            </a:r>
+          </a:p>
+          <a:p>
+            <a:r>
+              <a:rPr lang="es-CL" sz="2300" dirty="0" smtClean="0"/>
+              <a:t>Acceso a los distintos Fabricantes de  Infraestructura, Software y Soluciones.</a:t>
+            </a:r>
+          </a:p>
+          <a:p>
+            <a:r>
+              <a:rPr lang="es-CL" sz="2300" dirty="0" smtClean="0"/>
+              <a:t>Aplicación de Mejores Prácticas en la Industria.</a:t>
+            </a:r>
+          </a:p>
+          <a:p>
+            <a:r>
+              <a:rPr lang="es-CL" sz="2300" dirty="0" smtClean="0"/>
+              <a:t>Establecimiento de relaciones de largo plazo con nuestros Clientes – Credibilidad.</a:t>
+            </a:r>
+          </a:p>
+        </p:txBody>
+      </p:sp>
+      <p:sp>
+        <p:nvSpPr>
+          <p:cNvPr id="3" name="2 Título"/>
+          <p:cNvSpPr>
+            <a:spLocks noGrp="1"/>
+          </p:cNvSpPr>
+          <p:nvPr>
+            <p:ph type="title"/>
+          </p:nvPr>
+        </p:nvSpPr>
+        <p:spPr/>
+        <p:txBody>
+          <a:bodyPr>
+            <a:normAutofit/>
+          </a:bodyPr>
+          <a:lstStyle/>
+          <a:p>
+            <a:r>
+              <a:rPr lang="en-US" sz="4400" dirty="0" smtClean="0"/>
+              <a:t>Elementos </a:t>
+            </a:r>
+            <a:r>
+              <a:rPr lang="en-US" sz="4400" dirty="0" err="1" smtClean="0"/>
+              <a:t>Diferenciadores</a:t>
+            </a:r>
+            <a:endParaRPr lang="es-CL" dirty="0"/>
+          </a:p>
+        </p:txBody>
+      </p:sp>
+      <p:pic>
+        <p:nvPicPr>
+          <p:cNvPr id="4" name="Picture 12" descr="10189325"/>
+          <p:cNvPicPr>
+            <a:picLocks noChangeAspect="1" noChangeArrowheads="1"/>
+          </p:cNvPicPr>
+          <p:nvPr/>
+        </p:nvPicPr>
+        <p:blipFill>
+          <a:blip r:embed="rId2"/>
+          <a:srcRect/>
+          <a:stretch>
+            <a:fillRect/>
+          </a:stretch>
+        </p:blipFill>
+        <p:spPr>
+          <a:xfrm>
+            <a:off x="6000760" y="4500570"/>
+            <a:ext cx="2286000" cy="1524000"/>
+          </a:xfrm>
+          <a:prstGeom prst="rect">
+            <a:avLst/>
+          </a:prstGeom>
+          <a:solidFill>
+            <a:srgbClr val="FFFFFF">
+              <a:shade val="85000"/>
+            </a:srgbClr>
+          </a:solidFill>
+          <a:ln w="88900" cap="sq">
+            <a:solidFill>
+              <a:srgbClr val="FFFFFF"/>
+            </a:solidFill>
+            <a:miter lim="800000"/>
+          </a:ln>
+          <a:effectLst>
+            <a:outerShdw blurRad="55000" dist="18000" dir="5400000" algn="tl" rotWithShape="0">
+              <a:srgbClr val="000000">
+                <a:alpha val="40000"/>
+              </a:srgbClr>
+            </a:outerShdw>
+          </a:effectLst>
+          <a:scene3d>
+            <a:camera prst="orthographicFront"/>
+            <a:lightRig rig="twoPt" dir="t">
+              <a:rot lat="0" lon="0" rev="7200000"/>
+            </a:lightRig>
+          </a:scene3d>
+          <a:sp3d>
+            <a:bevelT w="25400" h="19050"/>
+            <a:contourClr>
+              <a:srgbClr val="FFFFFF"/>
+            </a:contourClr>
+          </a:sp3d>
+        </p:spPr>
+      </p:pic>
+    </p:spTree>
+  </p:cSld>
+  <p:clrMapOvr>
+    <a:masterClrMapping/>
+  </p:clrMapOvr>
+  <p:transition spd="slow">
+    <p:fade/>
+  </p:transition>
+  <p:timing>
+    <p:tnLst>
+      <p:par>
+        <p:cTn id="1" dur="indefinite" restart="never" nodeType="tmRoot"/>
+      </p:par>
+    </p:tnLst>
+  </p:timing>
+</p:sld>
+</file>
+
+<file path=ppt/slides/slide5.xml><?xml version="1.0" encoding="utf-8"?>
+<p:sld xmlns:a="http://schemas.openxmlformats.org/drawingml/2006/main" xmlns:r="http://schemas.openxmlformats.org/officeDocument/2006/relationships" xmlns:p="http://schemas.openxmlformats.org/presentationml/2006/main">
+  <p:cSld>
+    <p:spTree>
+      <p:nvGrpSpPr>
+        <p:cNvPr id="1" name=""/>
+        <p:cNvGrpSpPr/>
+        <p:nvPr/>
+      </p:nvGrpSpPr>
+      <p:grpSpPr>
+        <a:xfrm>
+          <a:off x="0" y="0"/>
+          <a:ext cx="0" cy="0"/>
+          <a:chOff x="0" y="0"/>
+          <a:chExt cx="0" cy="0"/>
+        </a:xfrm>
+      </p:grpSpPr>
+      <p:sp>
+        <p:nvSpPr>
+          <p:cNvPr id="2" name="1 Marcador de contenido"/>
+          <p:cNvSpPr>
+            <a:spLocks noGrp="1"/>
+          </p:cNvSpPr>
+          <p:nvPr>
+            <p:ph idx="1"/>
+          </p:nvPr>
+        </p:nvSpPr>
+        <p:spPr/>
+        <p:txBody>
+          <a:bodyPr/>
+          <a:lstStyle/>
+          <a:p>
+            <a:r>
+              <a:rPr lang="es-CL" sz="2300" dirty="0" smtClean="0"/>
+              <a:t>Adecuada relación Costo/Beneficio.</a:t>
+            </a:r>
+          </a:p>
+          <a:p>
+            <a:r>
+              <a:rPr lang="es-CL" sz="2300" dirty="0" smtClean="0"/>
+              <a:t>Optimizar los recursos y su utilización.</a:t>
+            </a:r>
+          </a:p>
+          <a:p>
+            <a:r>
+              <a:rPr lang="es-CL" sz="2300" dirty="0" smtClean="0"/>
+              <a:t>Calidad - aumento de productividad derivado del incremento de niveles de servicio.</a:t>
+            </a:r>
+          </a:p>
+          <a:p>
+            <a:r>
+              <a:rPr lang="es-CL" sz="2300" dirty="0" smtClean="0"/>
+              <a:t>Innovación- acelerar la adopción de nuevas  Tecnologías</a:t>
+            </a:r>
+          </a:p>
+          <a:p>
+            <a:pPr>
+              <a:buNone/>
+            </a:pPr>
+            <a:endParaRPr lang="es-CL" dirty="0"/>
+          </a:p>
+        </p:txBody>
+      </p:sp>
+      <p:sp>
+        <p:nvSpPr>
+          <p:cNvPr id="3" name="2 Título"/>
+          <p:cNvSpPr>
+            <a:spLocks noGrp="1"/>
+          </p:cNvSpPr>
+          <p:nvPr>
+            <p:ph type="title"/>
+          </p:nvPr>
+        </p:nvSpPr>
+        <p:spPr/>
+        <p:txBody>
+          <a:bodyPr>
+            <a:normAutofit/>
+          </a:bodyPr>
+          <a:lstStyle/>
+          <a:p>
+            <a:r>
+              <a:rPr lang="es-CL" sz="4400" dirty="0" smtClean="0"/>
+              <a:t>Beneficios para el Cliente</a:t>
+            </a:r>
+            <a:endParaRPr lang="es-CL" dirty="0"/>
+          </a:p>
+        </p:txBody>
+      </p:sp>
+      <p:pic>
+        <p:nvPicPr>
+          <p:cNvPr id="4" name="Picture 40" descr="5344_031121_118471"/>
+          <p:cNvPicPr>
+            <a:picLocks noChangeAspect="1" noChangeArrowheads="1"/>
+          </p:cNvPicPr>
+          <p:nvPr/>
+        </p:nvPicPr>
+        <p:blipFill>
+          <a:blip r:embed="rId2"/>
+          <a:srcRect/>
+          <a:stretch>
+            <a:fillRect/>
+          </a:stretch>
+        </p:blipFill>
+        <p:spPr bwMode="auto">
+          <a:xfrm>
+            <a:off x="3286116" y="3762388"/>
+            <a:ext cx="2286000" cy="1524000"/>
+          </a:xfrm>
+          <a:prstGeom prst="rect">
+            <a:avLst/>
+          </a:prstGeom>
+          <a:solidFill>
+            <a:srgbClr val="FFFFFF">
+              <a:shade val="85000"/>
+            </a:srgbClr>
+          </a:solidFill>
+          <a:ln w="88900" cap="sq">
+            <a:solidFill>
+              <a:srgbClr val="FFFFFF"/>
+            </a:solidFill>
+            <a:miter lim="800000"/>
+          </a:ln>
+          <a:effectLst>
+            <a:outerShdw blurRad="55000" dist="18000" dir="5400000" algn="tl" rotWithShape="0">
+              <a:srgbClr val="000000">
+                <a:alpha val="40000"/>
+              </a:srgbClr>
+            </a:outerShdw>
+          </a:effectLst>
+          <a:scene3d>
+            <a:camera prst="orthographicFront"/>
+            <a:lightRig rig="twoPt" dir="t">
+              <a:rot lat="0" lon="0" rev="7200000"/>
+            </a:lightRig>
+          </a:scene3d>
+          <a:sp3d>
+            <a:bevelT w="25400" h="19050"/>
+            <a:contourClr>
+              <a:srgbClr val="FFFFFF"/>
+            </a:contourClr>
+          </a:sp3d>
+        </p:spPr>
+      </p:pic>
+      <p:pic>
+        <p:nvPicPr>
+          <p:cNvPr id="5" name="Picture 41" descr="5344_031121_118470"/>
+          <p:cNvPicPr>
+            <a:picLocks noChangeAspect="1" noChangeArrowheads="1"/>
+          </p:cNvPicPr>
+          <p:nvPr/>
+        </p:nvPicPr>
+        <p:blipFill>
+          <a:blip r:embed="rId3"/>
+          <a:srcRect/>
+          <a:stretch>
+            <a:fillRect/>
+          </a:stretch>
+        </p:blipFill>
+        <p:spPr bwMode="auto">
+          <a:xfrm>
+            <a:off x="6072198" y="5000636"/>
+            <a:ext cx="2286000" cy="1458913"/>
+          </a:xfrm>
+          <a:prstGeom prst="rect">
+            <a:avLst/>
+          </a:prstGeom>
+          <a:solidFill>
+            <a:srgbClr val="FFFFFF">
+              <a:shade val="85000"/>
+            </a:srgbClr>
+          </a:solidFill>
+          <a:ln w="88900" cap="sq">
+            <a:solidFill>
+              <a:srgbClr val="FFFFFF"/>
+            </a:solidFill>
+            <a:miter lim="800000"/>
+          </a:ln>
+          <a:effectLst>
+            <a:outerShdw blurRad="55000" dist="18000" dir="5400000" algn="tl" rotWithShape="0">
+              <a:srgbClr val="000000">
+                <a:alpha val="40000"/>
+              </a:srgbClr>
+            </a:outerShdw>
+          </a:effectLst>
+          <a:scene3d>
+            <a:camera prst="orthographicFront"/>
+            <a:lightRig rig="twoPt" dir="t">
+              <a:rot lat="0" lon="0" rev="7200000"/>
+            </a:lightRig>
+          </a:scene3d>
+          <a:sp3d>
+            <a:bevelT w="25400" h="19050"/>
+            <a:contourClr>
+              <a:srgbClr val="FFFFFF"/>
+            </a:contourClr>
+          </a:sp3d>
+        </p:spPr>
+      </p:pic>
+    </p:spTree>
+  </p:cSld>
+  <p:clrMapOvr>
+    <a:masterClrMapping/>
+  </p:clrMapOvr>
+  <p:transition spd="slow">
+    <p:fade/>
+  </p:transition>
+  <p:timing>
+    <p:tnLst>
+      <p:par>
+        <p:cTn id="1" dur="indefinite" restart="never" nodeType="tmRoot"/>
+      </p:par>
+    </p:tnLst>
+  </p:timing>
+</p:sld>
+</file>
+
+<file path=ppt/slides/slide6.xml><?xml version="1.0" encoding="utf-8"?>
+<p:sld xmlns:a="http://schemas.openxmlformats.org/drawingml/2006/main" xmlns:r="http://schemas.openxmlformats.org/officeDocument/2006/relationships" xmlns:p="http://schemas.openxmlformats.org/presentationml/2006/main">
+  <p:cSld>
+    <p:spTree>
+      <p:nvGrpSpPr>
+        <p:cNvPr id="1" name=""/>
+        <p:cNvGrpSpPr/>
+        <p:nvPr/>
+      </p:nvGrpSpPr>
+      <p:grpSpPr>
+        <a:xfrm>
+          <a:off x="0" y="0"/>
+          <a:ext cx="0" cy="0"/>
+          <a:chOff x="0" y="0"/>
+          <a:chExt cx="0" cy="0"/>
+        </a:xfrm>
+      </p:grpSpPr>
+      <p:sp>
+        <p:nvSpPr>
+          <p:cNvPr id="3" name="2 Marcador de contenido"/>
+          <p:cNvSpPr>
+            <a:spLocks noGrp="1"/>
+          </p:cNvSpPr>
+          <p:nvPr>
+            <p:ph idx="1"/>
+          </p:nvPr>
+        </p:nvSpPr>
+        <p:spPr/>
+        <p:txBody>
+          <a:bodyPr>
+            <a:noAutofit/>
+          </a:bodyPr>
+          <a:lstStyle/>
+          <a:p>
+            <a:pPr algn="just"/>
+            <a:r>
+              <a:rPr lang="es-CL" sz="2300" dirty="0" smtClean="0"/>
+              <a:t>Según la normativa de la Súper Intendencia de Valores y Seguros. Los estados financieros deberán prepararse de acuerdo a las Normas Internacionales de Información Financiera (IFRS) emitidas por la International Accounting Standard Board (IASB).</a:t>
+            </a:r>
+          </a:p>
+          <a:p>
+            <a:pPr algn="just"/>
+            <a:endParaRPr lang="es-CL" sz="2300" dirty="0" smtClean="0"/>
+          </a:p>
+          <a:p>
+            <a:pPr algn="just"/>
+            <a:r>
+              <a:rPr lang="es-CL" sz="2300" dirty="0" smtClean="0"/>
+              <a:t>Adicionalmente la SVS especifica que las entidades aseguradoras deben divulgar información que no esta directamente reflejada en dichos Estados Financieros. Esta información llamada Revelaciones deberá ser presentada con carácter de obligatoria.</a:t>
+            </a:r>
+          </a:p>
+          <a:p>
+            <a:pPr algn="just"/>
+            <a:endParaRPr lang="es-CL" sz="2300" dirty="0" smtClean="0"/>
+          </a:p>
+        </p:txBody>
+      </p:sp>
+      <p:sp>
+        <p:nvSpPr>
+          <p:cNvPr id="2" name="1 Título"/>
+          <p:cNvSpPr>
+            <a:spLocks noGrp="1"/>
+          </p:cNvSpPr>
+          <p:nvPr>
+            <p:ph type="title"/>
+          </p:nvPr>
+        </p:nvSpPr>
+        <p:spPr/>
+        <p:txBody>
+          <a:bodyPr>
+            <a:normAutofit fontScale="90000"/>
+          </a:bodyPr>
+          <a:lstStyle/>
+          <a:p>
+            <a:r>
+              <a:rPr lang="es-CL" dirty="0" smtClean="0"/>
+              <a:t>El Problema de las Revelaciones, los EE.FF y el XBRL.</a:t>
+            </a:r>
+            <a:endParaRPr lang="es-CL" dirty="0"/>
+          </a:p>
+        </p:txBody>
+      </p:sp>
+    </p:spTree>
+  </p:cSld>
+  <p:clrMapOvr>
+    <a:masterClrMapping/>
+  </p:clrMapOvr>
+  <p:transition spd="slow">
+    <p:fade/>
+  </p:transition>
+  <p:timing>
+    <p:tnLst>
+      <p:par>
+        <p:cTn id="1" dur="indefinite" restart="never" nodeType="tmRoot"/>
+      </p:par>
+    </p:tnLst>
+  </p:timing>
+</p:sld>
+</file>
+
+<file path=ppt/slides/slide7.xml><?xml version="1.0" encoding="utf-8"?>
+<p:sld xmlns:a="http://schemas.openxmlformats.org/drawingml/2006/main" xmlns:r="http://schemas.openxmlformats.org/officeDocument/2006/relationships" xmlns:p="http://schemas.openxmlformats.org/presentationml/2006/main">
+  <p:cSld>
+    <p:spTree>
+      <p:nvGrpSpPr>
+        <p:cNvPr id="1" name=""/>
+        <p:cNvGrpSpPr/>
+        <p:nvPr/>
+      </p:nvGrpSpPr>
+      <p:grpSpPr>
+        <a:xfrm>
+          <a:off x="0" y="0"/>
+          <a:ext cx="0" cy="0"/>
+          <a:chOff x="0" y="0"/>
+          <a:chExt cx="0" cy="0"/>
+        </a:xfrm>
+      </p:grpSpPr>
+      <p:sp>
+        <p:nvSpPr>
+          <p:cNvPr id="2" name="1 Marcador de contenido"/>
+          <p:cNvSpPr>
+            <a:spLocks noGrp="1"/>
+          </p:cNvSpPr>
+          <p:nvPr>
+            <p:ph idx="1"/>
+          </p:nvPr>
+        </p:nvSpPr>
+        <p:spPr>
+          <a:xfrm>
+            <a:off x="428596" y="500042"/>
+            <a:ext cx="8229600" cy="5386603"/>
+          </a:xfrm>
+        </p:spPr>
+        <p:txBody>
+          <a:bodyPr>
+            <a:noAutofit/>
+          </a:bodyPr>
+          <a:lstStyle/>
+          <a:p>
+            <a:pPr algn="just"/>
+            <a:r>
+              <a:rPr lang="es-CL" sz="2200" dirty="0" smtClean="0"/>
+              <a:t>Desde el nacimiento de la normativa con la circular 2022 en Mayo del 2011, existen hasta la fecha 3 modificaciones en la definición de la normativa impactando directamente en la estructura y contenido de las Revelaciones. Esto implica un alto porcentaje de variabilidad de la información que se debe preparar y presentar.</a:t>
+            </a:r>
+          </a:p>
+          <a:p>
+            <a:pPr algn="just"/>
+            <a:endParaRPr lang="es-CL" sz="2200" dirty="0" smtClean="0"/>
+          </a:p>
+          <a:p>
+            <a:pPr algn="just"/>
+            <a:r>
+              <a:rPr lang="es-CL" sz="2200" dirty="0" smtClean="0"/>
+              <a:t>Tomando en cuenta esta y otras atenuantes nuestra Compañía ha desarrollado un producto totalmente </a:t>
+            </a:r>
+            <a:r>
+              <a:rPr lang="es-CL" sz="2200" u="sng" dirty="0" smtClean="0"/>
+              <a:t>versátil</a:t>
+            </a:r>
+            <a:r>
+              <a:rPr lang="es-CL" sz="2200" dirty="0" smtClean="0"/>
+              <a:t> que se ajusta a todos los posibles escenarios impuestos por la Súper Intendencia de Valores y Seguros, brindando una capacidad de adaptación único a la hora de enfrentar los cambios en los modelos de entrega de la información de Revelaciones, Estados Financieros y Generación de XBRL.</a:t>
+            </a:r>
+            <a:endParaRPr lang="es-CL" sz="2200" dirty="0"/>
+          </a:p>
+        </p:txBody>
+      </p:sp>
+    </p:spTree>
+  </p:cSld>
+  <p:clrMapOvr>
+    <a:masterClrMapping/>
+  </p:clrMapOvr>
+  <p:transition spd="slow">
+    <p:fade/>
+  </p:transition>
+  <p:timing>
+    <p:tnLst>
+      <p:par>
+        <p:cTn id="1" dur="indefinite" restart="never" nodeType="tmRoot"/>
+      </p:par>
+    </p:tnLst>
+  </p:timing>
+</p:sld>
+</file>
+
+<file path=ppt/slides/slide8.xml><?xml version="1.0" encoding="utf-8"?>
+<p:sld xmlns:a="http://schemas.openxmlformats.org/drawingml/2006/main" xmlns:r="http://schemas.openxmlformats.org/officeDocument/2006/relationships" xmlns:p="http://schemas.openxmlformats.org/presentationml/2006/main">
+  <p:cSld>
+    <p:spTree>
+      <p:nvGrpSpPr>
+        <p:cNvPr id="1" name=""/>
+        <p:cNvGrpSpPr/>
+        <p:nvPr/>
+      </p:nvGrpSpPr>
+      <p:grpSpPr>
+        <a:xfrm>
+          <a:off x="0" y="0"/>
+          <a:ext cx="0" cy="0"/>
+          <a:chOff x="0" y="0"/>
+          <a:chExt cx="0" cy="0"/>
+        </a:xfrm>
+      </p:grpSpPr>
+      <p:sp>
+        <p:nvSpPr>
+          <p:cNvPr id="2" name="1 Marcador de contenido"/>
+          <p:cNvSpPr>
+            <a:spLocks noGrp="1"/>
+          </p:cNvSpPr>
+          <p:nvPr>
+            <p:ph idx="1"/>
+          </p:nvPr>
+        </p:nvSpPr>
+        <p:spPr/>
+        <p:txBody>
+          <a:bodyPr>
+            <a:normAutofit lnSpcReduction="10000"/>
+          </a:bodyPr>
+          <a:lstStyle/>
+          <a:p>
+            <a:pPr algn="just"/>
+            <a:r>
+              <a:rPr lang="es-CL" sz="2300" dirty="0" smtClean="0"/>
+              <a:t>Totalmente Versátil, se adapta sin problemas a las distintas especificaciones de la normativa permitiendo superar sin dificultades las problemáticas asociadas los cambios sobre forma y contenido de las Revelaciones.</a:t>
+            </a:r>
+          </a:p>
+          <a:p>
+            <a:pPr algn="just"/>
+            <a:r>
+              <a:rPr lang="es-CL" sz="2300" dirty="0" smtClean="0"/>
+              <a:t>Posee su propio modulo de </a:t>
+            </a:r>
+            <a:r>
+              <a:rPr lang="es-CL" sz="2300" dirty="0" smtClean="0">
+                <a:effectLst>
+                  <a:outerShdw blurRad="38100" dist="38100" dir="2700000" algn="tl">
+                    <a:srgbClr val="000000">
+                      <a:alpha val="43137"/>
+                    </a:srgbClr>
+                  </a:outerShdw>
+                </a:effectLst>
+              </a:rPr>
+              <a:t>Generación de XBRL</a:t>
+            </a:r>
+            <a:r>
+              <a:rPr lang="es-CL" sz="2300" dirty="0" smtClean="0"/>
+              <a:t> el cual independiza a la empresa de los proveedores externos al momento de generar el envió de XBRL a la SVS.</a:t>
+            </a:r>
+          </a:p>
+          <a:p>
+            <a:pPr algn="just"/>
+            <a:r>
+              <a:rPr lang="es-CL" sz="2300" dirty="0" smtClean="0"/>
+              <a:t>Proporciona herramientas de Control que permiten tener una visión amplia sobre el estado del completitud de los datos para los periodos informados.</a:t>
+            </a:r>
+          </a:p>
+          <a:p>
+            <a:endParaRPr lang="es-CL" sz="2300" dirty="0" smtClean="0"/>
+          </a:p>
+          <a:p>
+            <a:pPr algn="just"/>
+            <a:endParaRPr lang="es-CL" sz="2300" dirty="0" smtClean="0"/>
+          </a:p>
+          <a:p>
+            <a:pPr algn="just"/>
+            <a:endParaRPr lang="es-CL" sz="2300" dirty="0" smtClean="0"/>
+          </a:p>
+          <a:p>
+            <a:pPr algn="just"/>
+            <a:endParaRPr lang="es-CL" sz="2300" dirty="0" smtClean="0"/>
+          </a:p>
+          <a:p>
+            <a:pPr algn="just"/>
+            <a:endParaRPr lang="es-CL" sz="2300" dirty="0" smtClean="0"/>
+          </a:p>
+          <a:p>
+            <a:pPr algn="just"/>
+            <a:endParaRPr lang="es-CL" sz="2300" dirty="0" smtClean="0"/>
+          </a:p>
+        </p:txBody>
+      </p:sp>
+      <p:sp>
+        <p:nvSpPr>
+          <p:cNvPr id="3" name="2 Título"/>
+          <p:cNvSpPr>
+            <a:spLocks noGrp="1"/>
+          </p:cNvSpPr>
+          <p:nvPr>
+            <p:ph type="title"/>
+          </p:nvPr>
+        </p:nvSpPr>
+        <p:spPr/>
+        <p:txBody>
+          <a:bodyPr/>
+          <a:lstStyle/>
+          <a:p>
+            <a:r>
+              <a:rPr lang="es-CL" dirty="0" smtClean="0"/>
+              <a:t>Principales Características</a:t>
+            </a:r>
+            <a:endParaRPr lang="es-CL" dirty="0"/>
+          </a:p>
+        </p:txBody>
+      </p:sp>
+    </p:spTree>
+  </p:cSld>
+  <p:clrMapOvr>
+    <a:masterClrMapping/>
+  </p:clrMapOvr>
+  <p:transition spd="slow">
+    <p:fade/>
+  </p:transition>
+  <p:timing>
+    <p:tnLst>
+      <p:par>
+        <p:cTn id="1" dur="indefinite" restart="never" nodeType="tmRoot"/>
+      </p:par>
+    </p:tnLst>
+  </p:timing>
+</p:sld>
+</file>
+
+<file path=ppt/slides/slide9.xml><?xml version="1.0" encoding="utf-8"?>
+<p:sld xmlns:a="http://schemas.openxmlformats.org/drawingml/2006/main" xmlns:r="http://schemas.openxmlformats.org/officeDocument/2006/relationships" xmlns:p="http://schemas.openxmlformats.org/presentationml/2006/main">
+  <p:cSld>
+    <p:spTree>
+      <p:nvGrpSpPr>
+        <p:cNvPr id="1" name=""/>
+        <p:cNvGrpSpPr/>
+        <p:nvPr/>
+      </p:nvGrpSpPr>
+      <p:grpSpPr>
+        <a:xfrm>
+          <a:off x="0" y="0"/>
+          <a:ext cx="0" cy="0"/>
+          <a:chOff x="0" y="0"/>
+          <a:chExt cx="0" cy="0"/>
+        </a:xfrm>
+      </p:grpSpPr>
+      <p:sp>
+        <p:nvSpPr>
+          <p:cNvPr id="2" name="1 Marcador de contenido"/>
+          <p:cNvSpPr>
+            <a:spLocks noGrp="1"/>
+          </p:cNvSpPr>
+          <p:nvPr>
+            <p:ph idx="1"/>
+          </p:nvPr>
+        </p:nvSpPr>
+        <p:spPr>
+          <a:xfrm>
+            <a:off x="428596" y="571480"/>
+            <a:ext cx="8229600" cy="4525963"/>
+          </a:xfrm>
+        </p:spPr>
+        <p:txBody>
+          <a:bodyPr>
+            <a:normAutofit/>
+          </a:bodyPr>
+          <a:lstStyle/>
+          <a:p>
+            <a:pPr algn="just"/>
+            <a:r>
+              <a:rPr lang="es-CL" sz="2300" dirty="0" smtClean="0"/>
+              <a:t>Interfaz Amigable y Usable.</a:t>
+            </a:r>
+          </a:p>
+          <a:p>
+            <a:pPr algn="just"/>
+            <a:r>
+              <a:rPr lang="es-CL" sz="2300" dirty="0" smtClean="0"/>
+              <a:t>Configurable y parametrizable.</a:t>
+            </a:r>
+          </a:p>
+          <a:p>
+            <a:pPr algn="just"/>
+            <a:r>
+              <a:rPr lang="es-CL" sz="2300" dirty="0" smtClean="0"/>
+              <a:t>Disponible en Intranet y 100% Web.</a:t>
+            </a:r>
+          </a:p>
+          <a:p>
+            <a:pPr algn="just"/>
+            <a:r>
+              <a:rPr lang="es-CL" sz="2300" dirty="0" smtClean="0"/>
+              <a:t>Este producto entrega una solución concreta a los procesos de obtención, administración, gestión y almacenamiento integral de toda la información involucrada en las Revelaciones según la norma IFRS.</a:t>
+            </a:r>
+            <a:endParaRPr lang="es-CL" sz="2300" dirty="0"/>
+          </a:p>
+        </p:txBody>
+      </p:sp>
+    </p:spTree>
+  </p:cSld>
+  <p:clrMapOvr>
+    <a:masterClrMapping/>
+  </p:clrMapOvr>
+  <p:transition spd="slow">
+    <p:fade/>
+  </p:transition>
   <p:timing>
     <p:tnLst>
       <p:par>

--- a/docs/comercial/brochure.pptx
+++ b/docs/comercial/brochure.pptx
@@ -8,8 +8,8 @@
     <p:sldId id="256" r:id="rId2"/>
     <p:sldId id="262" r:id="rId3"/>
     <p:sldId id="263" r:id="rId4"/>
-    <p:sldId id="264" r:id="rId5"/>
-    <p:sldId id="265" r:id="rId6"/>
+    <p:sldId id="276" r:id="rId5"/>
+    <p:sldId id="264" r:id="rId6"/>
     <p:sldId id="257" r:id="rId7"/>
     <p:sldId id="261" r:id="rId8"/>
     <p:sldId id="258" r:id="rId9"/>
@@ -18,7 +18,14 @@
     <p:sldId id="267" r:id="rId12"/>
     <p:sldId id="268" r:id="rId13"/>
     <p:sldId id="269" r:id="rId14"/>
-    <p:sldId id="260" r:id="rId15"/>
+    <p:sldId id="275" r:id="rId15"/>
+    <p:sldId id="270" r:id="rId16"/>
+    <p:sldId id="271" r:id="rId17"/>
+    <p:sldId id="272" r:id="rId18"/>
+    <p:sldId id="273" r:id="rId19"/>
+    <p:sldId id="274" r:id="rId20"/>
+    <p:sldId id="277" r:id="rId21"/>
+    <p:sldId id="260" r:id="rId22"/>
   </p:sldIdLst>
   <p:sldSz cx="9144000" cy="6858000" type="screen4x3"/>
   <p:notesSz cx="6858000" cy="9144000"/>
@@ -746,7 +753,7 @@
             <a:fld id="{DE3A2F4D-761B-49FA-B2B4-D6F123DD324B}" type="datetimeFigureOut">
               <a:rPr lang="es-CL" smtClean="0"/>
               <a:pPr/>
-              <a:t>29-07-2012</a:t>
+              <a:t>30-07-2012</a:t>
             </a:fld>
             <a:endParaRPr lang="es-CL"/>
           </a:p>
@@ -947,7 +954,7 @@
             <a:fld id="{DE3A2F4D-761B-49FA-B2B4-D6F123DD324B}" type="datetimeFigureOut">
               <a:rPr lang="es-CL" smtClean="0"/>
               <a:pPr/>
-              <a:t>29-07-2012</a:t>
+              <a:t>30-07-2012</a:t>
             </a:fld>
             <a:endParaRPr lang="es-CL"/>
           </a:p>
@@ -1137,7 +1144,7 @@
             <a:fld id="{DE3A2F4D-761B-49FA-B2B4-D6F123DD324B}" type="datetimeFigureOut">
               <a:rPr lang="es-CL" smtClean="0"/>
               <a:pPr/>
-              <a:t>29-07-2012</a:t>
+              <a:t>30-07-2012</a:t>
             </a:fld>
             <a:endParaRPr lang="es-CL"/>
           </a:p>
@@ -1292,7 +1299,7 @@
             <a:fld id="{DE3A2F4D-761B-49FA-B2B4-D6F123DD324B}" type="datetimeFigureOut">
               <a:rPr lang="es-CL" smtClean="0"/>
               <a:pPr/>
-              <a:t>29-07-2012</a:t>
+              <a:t>30-07-2012</a:t>
             </a:fld>
             <a:endParaRPr lang="es-CL"/>
           </a:p>
@@ -1552,7 +1559,7 @@
             <a:fld id="{DE3A2F4D-761B-49FA-B2B4-D6F123DD324B}" type="datetimeFigureOut">
               <a:rPr lang="es-CL" smtClean="0"/>
               <a:pPr/>
-              <a:t>29-07-2012</a:t>
+              <a:t>30-07-2012</a:t>
             </a:fld>
             <a:endParaRPr lang="es-CL"/>
           </a:p>
@@ -1966,7 +1973,7 @@
             <a:fld id="{DE3A2F4D-761B-49FA-B2B4-D6F123DD324B}" type="datetimeFigureOut">
               <a:rPr lang="es-CL" smtClean="0"/>
               <a:pPr/>
-              <a:t>29-07-2012</a:t>
+              <a:t>30-07-2012</a:t>
             </a:fld>
             <a:endParaRPr lang="es-CL"/>
           </a:p>
@@ -2417,7 +2424,7 @@
             <a:fld id="{DE3A2F4D-761B-49FA-B2B4-D6F123DD324B}" type="datetimeFigureOut">
               <a:rPr lang="es-CL" smtClean="0"/>
               <a:pPr/>
-              <a:t>29-07-2012</a:t>
+              <a:t>30-07-2012</a:t>
             </a:fld>
             <a:endParaRPr lang="es-CL"/>
           </a:p>
@@ -2523,7 +2530,7 @@
             <a:fld id="{DE3A2F4D-761B-49FA-B2B4-D6F123DD324B}" type="datetimeFigureOut">
               <a:rPr lang="es-CL" smtClean="0"/>
               <a:pPr/>
-              <a:t>29-07-2012</a:t>
+              <a:t>30-07-2012</a:t>
             </a:fld>
             <a:endParaRPr lang="es-CL"/>
           </a:p>
@@ -2649,7 +2656,7 @@
             <a:fld id="{DE3A2F4D-761B-49FA-B2B4-D6F123DD324B}" type="datetimeFigureOut">
               <a:rPr lang="es-CL" smtClean="0"/>
               <a:pPr/>
-              <a:t>29-07-2012</a:t>
+              <a:t>30-07-2012</a:t>
             </a:fld>
             <a:endParaRPr lang="es-CL"/>
           </a:p>
@@ -2928,7 +2935,7 @@
             <a:fld id="{DE3A2F4D-761B-49FA-B2B4-D6F123DD324B}" type="datetimeFigureOut">
               <a:rPr lang="es-CL" smtClean="0"/>
               <a:pPr/>
-              <a:t>29-07-2012</a:t>
+              <a:t>30-07-2012</a:t>
             </a:fld>
             <a:endParaRPr lang="es-CL"/>
           </a:p>
@@ -3138,7 +3145,7 @@
             <a:fld id="{DE3A2F4D-761B-49FA-B2B4-D6F123DD324B}" type="datetimeFigureOut">
               <a:rPr lang="es-CL" smtClean="0"/>
               <a:pPr/>
-              <a:t>29-07-2012</a:t>
+              <a:t>30-07-2012</a:t>
             </a:fld>
             <a:endParaRPr lang="es-CL"/>
           </a:p>
@@ -4252,7 +4259,7 @@
             <a:fld id="{DE3A2F4D-761B-49FA-B2B4-D6F123DD324B}" type="datetimeFigureOut">
               <a:rPr lang="es-CL" smtClean="0"/>
               <a:pPr/>
-              <a:t>29-07-2012</a:t>
+              <a:t>30-07-2012</a:t>
             </a:fld>
             <a:endParaRPr lang="es-CL"/>
           </a:p>
@@ -4687,10 +4694,34 @@
           <a:p>
             <a:r>
               <a:rPr lang="es-CL" dirty="0" smtClean="0"/>
-              <a:t>AppRev</a:t>
+              <a:t>EXFIDA </a:t>
+            </a:r>
+            <a:r>
+              <a:rPr lang="es-CL" sz="2000" dirty="0" smtClean="0"/>
+              <a:t>(</a:t>
+            </a:r>
+            <a:r>
+              <a:rPr lang="es-CL" sz="2000" dirty="0" err="1" smtClean="0"/>
+              <a:t>Exposure</a:t>
+            </a:r>
+            <a:r>
+              <a:rPr lang="es-CL" sz="2000" dirty="0" smtClean="0"/>
+              <a:t> </a:t>
+            </a:r>
+            <a:r>
+              <a:rPr lang="es-CL" sz="2000" dirty="0" err="1" smtClean="0"/>
+              <a:t>Finantial</a:t>
+            </a:r>
+            <a:r>
+              <a:rPr lang="es-CL" sz="2000" dirty="0" smtClean="0"/>
+              <a:t> Data)</a:t>
+            </a:r>
+            <a:r>
+              <a:rPr lang="es-CL" sz="5400" dirty="0" smtClean="0"/>
+              <a:t/>
             </a:r>
             <a:br>
-              <a:rPr lang="es-CL" dirty="0" smtClean="0"/>
+              <a:rPr lang="es-CL" sz="5400" dirty="0" smtClean="0"/>
             </a:br>
             <a:r>
               <a:rPr lang="es-CL" sz="2400" dirty="0" smtClean="0"/>
@@ -4789,7 +4820,15 @@
             </a:r>
             <a:r>
               <a:rPr lang="es-CL" dirty="0" smtClean="0"/>
-              <a:t>: Este modulo proporciona la capacidad de configurar dinámicamente las estructuras de Información según la normativa de la SVS.</a:t>
+              <a:t>: </a:t>
+            </a:r>
+            <a:r>
+              <a:rPr lang="es-CL" dirty="0" smtClean="0"/>
+              <a:t>Proporciona </a:t>
+            </a:r>
+            <a:r>
+              <a:rPr lang="es-CL" dirty="0" smtClean="0"/>
+              <a:t>la capacidad de configurar dinámicamente las estructuras de Información según la normativa de la SVS.</a:t>
             </a:r>
             <a:endParaRPr lang="es-CL" dirty="0"/>
           </a:p>
@@ -4811,8 +4850,8 @@
           <a:lstStyle/>
           <a:p>
             <a:r>
-              <a:rPr lang="es-CL" dirty="0" err="1" smtClean="0"/>
-              <a:t>Modulos</a:t>
+              <a:rPr lang="es-CL" sz="3200" dirty="0" smtClean="0"/>
+              <a:t>Módulos</a:t>
             </a:r>
             <a:r>
               <a:rPr lang="es-CL" dirty="0" smtClean="0"/>
@@ -4855,6 +4894,38 @@
               </a:srgbClr>
             </a:outerShdw>
           </a:effectLst>
+        </p:spPr>
+      </p:pic>
+      <p:pic>
+        <p:nvPicPr>
+          <p:cNvPr id="5" name="4 Imagen" descr="logo_top_byte.gif"/>
+          <p:cNvPicPr>
+            <a:picLocks noChangeAspect="1"/>
+          </p:cNvPicPr>
+          <p:nvPr/>
+        </p:nvPicPr>
+        <p:blipFill>
+          <a:blip r:embed="rId3">
+            <a:duotone>
+              <a:schemeClr val="bg2">
+                <a:shade val="45000"/>
+                <a:satMod val="135000"/>
+              </a:schemeClr>
+              <a:prstClr val="white"/>
+            </a:duotone>
+          </a:blip>
+          <a:stretch>
+            <a:fillRect/>
+          </a:stretch>
+        </p:blipFill>
+        <p:spPr>
+          <a:xfrm>
+            <a:off x="7572396" y="357166"/>
+            <a:ext cx="971550" cy="971550"/>
+          </a:xfrm>
+          <a:prstGeom prst="rect">
+            <a:avLst/>
+          </a:prstGeom>
         </p:spPr>
       </p:pic>
     </p:spTree>
@@ -4892,6 +4963,38 @@
           <a:chExt cx="0" cy="0"/>
         </a:xfrm>
       </p:grpSpPr>
+      <p:pic>
+        <p:nvPicPr>
+          <p:cNvPr id="5" name="4 Imagen" descr="logo_top_byte.gif"/>
+          <p:cNvPicPr>
+            <a:picLocks noChangeAspect="1"/>
+          </p:cNvPicPr>
+          <p:nvPr/>
+        </p:nvPicPr>
+        <p:blipFill>
+          <a:blip r:embed="rId2">
+            <a:duotone>
+              <a:schemeClr val="bg2">
+                <a:shade val="45000"/>
+                <a:satMod val="135000"/>
+              </a:schemeClr>
+              <a:prstClr val="white"/>
+            </a:duotone>
+          </a:blip>
+          <a:stretch>
+            <a:fillRect/>
+          </a:stretch>
+        </p:blipFill>
+        <p:spPr>
+          <a:xfrm>
+            <a:off x="7572396" y="357166"/>
+            <a:ext cx="971550" cy="971550"/>
+          </a:xfrm>
+          <a:prstGeom prst="rect">
+            <a:avLst/>
+          </a:prstGeom>
+        </p:spPr>
+      </p:pic>
       <p:sp>
         <p:nvSpPr>
           <p:cNvPr id="2" name="1 Marcador de contenido"/>
@@ -4927,7 +5030,15 @@
             </a:r>
             <a:r>
               <a:rPr lang="es-CL" dirty="0" smtClean="0"/>
-              <a:t>: Este permite configurar las operatorias necesarias entre los campos de cada Cuadro, esto es necesario para establecer las sumas y restas de cada Revelación.</a:t>
+              <a:t>: </a:t>
+            </a:r>
+            <a:r>
+              <a:rPr lang="es-CL" dirty="0" smtClean="0"/>
+              <a:t>Permite </a:t>
+            </a:r>
+            <a:r>
+              <a:rPr lang="es-CL" dirty="0" smtClean="0"/>
+              <a:t>configurar las operatorias necesarias entre los campos de cada Cuadro, esto es necesario para establecer las sumas y restas de cada Revelación.</a:t>
             </a:r>
             <a:endParaRPr lang="es-CL" dirty="0"/>
           </a:p>
@@ -4942,7 +5053,7 @@
           <p:nvPr/>
         </p:nvPicPr>
         <p:blipFill>
-          <a:blip r:embed="rId2"/>
+          <a:blip r:embed="rId3"/>
           <a:srcRect/>
           <a:stretch>
             <a:fillRect/>
@@ -5003,6 +5114,38 @@
           <a:chExt cx="0" cy="0"/>
         </a:xfrm>
       </p:grpSpPr>
+      <p:pic>
+        <p:nvPicPr>
+          <p:cNvPr id="3" name="2 Imagen" descr="logo_top_byte.gif"/>
+          <p:cNvPicPr>
+            <a:picLocks noChangeAspect="1"/>
+          </p:cNvPicPr>
+          <p:nvPr/>
+        </p:nvPicPr>
+        <p:blipFill>
+          <a:blip r:embed="rId2">
+            <a:duotone>
+              <a:schemeClr val="bg2">
+                <a:shade val="45000"/>
+                <a:satMod val="135000"/>
+              </a:schemeClr>
+              <a:prstClr val="white"/>
+            </a:duotone>
+          </a:blip>
+          <a:stretch>
+            <a:fillRect/>
+          </a:stretch>
+        </p:blipFill>
+        <p:spPr>
+          <a:xfrm>
+            <a:off x="7572396" y="357166"/>
+            <a:ext cx="971550" cy="971550"/>
+          </a:xfrm>
+          <a:prstGeom prst="rect">
+            <a:avLst/>
+          </a:prstGeom>
+        </p:spPr>
+      </p:pic>
       <p:sp>
         <p:nvSpPr>
           <p:cNvPr id="2" name="1 Marcador de contenido"/>
@@ -5079,6 +5222,38 @@
           <a:chExt cx="0" cy="0"/>
         </a:xfrm>
       </p:grpSpPr>
+      <p:pic>
+        <p:nvPicPr>
+          <p:cNvPr id="4" name="3 Imagen" descr="logo_top_byte.gif"/>
+          <p:cNvPicPr>
+            <a:picLocks noChangeAspect="1"/>
+          </p:cNvPicPr>
+          <p:nvPr/>
+        </p:nvPicPr>
+        <p:blipFill>
+          <a:blip r:embed="rId2">
+            <a:duotone>
+              <a:schemeClr val="bg2">
+                <a:shade val="45000"/>
+                <a:satMod val="135000"/>
+              </a:schemeClr>
+              <a:prstClr val="white"/>
+            </a:duotone>
+          </a:blip>
+          <a:stretch>
+            <a:fillRect/>
+          </a:stretch>
+        </p:blipFill>
+        <p:spPr>
+          <a:xfrm>
+            <a:off x="7572396" y="357166"/>
+            <a:ext cx="971550" cy="971550"/>
+          </a:xfrm>
+          <a:prstGeom prst="rect">
+            <a:avLst/>
+          </a:prstGeom>
+        </p:spPr>
+      </p:pic>
       <p:sp>
         <p:nvSpPr>
           <p:cNvPr id="2" name="1 Marcador de contenido"/>
@@ -5129,7 +5304,7 @@
           <p:nvPr/>
         </p:nvPicPr>
         <p:blipFill>
-          <a:blip r:embed="rId2"/>
+          <a:blip r:embed="rId3"/>
           <a:srcRect b="6584"/>
           <a:stretch>
             <a:fillRect/>
@@ -5192,23 +5367,249 @@
       </p:grpSpPr>
       <p:pic>
         <p:nvPicPr>
-          <p:cNvPr id="1027" name="Picture 3"/>
+          <p:cNvPr id="5" name="4 Imagen" descr="logo_top_byte.gif"/>
+          <p:cNvPicPr>
+            <a:picLocks noChangeAspect="1"/>
+          </p:cNvPicPr>
+          <p:nvPr/>
+        </p:nvPicPr>
+        <p:blipFill>
+          <a:blip r:embed="rId2">
+            <a:duotone>
+              <a:schemeClr val="bg2">
+                <a:shade val="45000"/>
+                <a:satMod val="135000"/>
+              </a:schemeClr>
+              <a:prstClr val="white"/>
+            </a:duotone>
+          </a:blip>
+          <a:stretch>
+            <a:fillRect/>
+          </a:stretch>
+        </p:blipFill>
+        <p:spPr>
+          <a:xfrm>
+            <a:off x="7572396" y="357166"/>
+            <a:ext cx="971550" cy="971550"/>
+          </a:xfrm>
+          <a:prstGeom prst="rect">
+            <a:avLst/>
+          </a:prstGeom>
+        </p:spPr>
+      </p:pic>
+      <p:sp>
+        <p:nvSpPr>
+          <p:cNvPr id="2" name="1 Marcador de contenido"/>
+          <p:cNvSpPr>
+            <a:spLocks noGrp="1"/>
+          </p:cNvSpPr>
+          <p:nvPr>
+            <p:ph idx="1"/>
+          </p:nvPr>
+        </p:nvSpPr>
+        <p:spPr>
+          <a:xfrm>
+            <a:off x="428596" y="428604"/>
+            <a:ext cx="8229600" cy="5786478"/>
+          </a:xfrm>
+        </p:spPr>
+        <p:txBody>
+          <a:bodyPr/>
+          <a:lstStyle/>
+          <a:p>
+            <a:pPr algn="just"/>
+            <a:r>
+              <a:rPr lang="es-CL" dirty="0" smtClean="0">
+                <a:effectLst>
+                  <a:outerShdw blurRad="38100" dist="38100" dir="2700000" algn="tl">
+                    <a:srgbClr val="000000">
+                      <a:alpha val="43137"/>
+                    </a:srgbClr>
+                  </a:outerShdw>
+                </a:effectLst>
+              </a:rPr>
+              <a:t>Apertura y Cierre de Período</a:t>
+            </a:r>
+            <a:r>
+              <a:rPr lang="es-CL" dirty="0" smtClean="0"/>
+              <a:t>: </a:t>
+            </a:r>
+            <a:r>
+              <a:rPr lang="es-CL" dirty="0" smtClean="0"/>
+              <a:t>Permite establecer un Flujo que controla el ingreso de la información para los periodos.</a:t>
+            </a:r>
+            <a:endParaRPr lang="es-CL" dirty="0"/>
+          </a:p>
+        </p:txBody>
+      </p:sp>
+      <p:pic>
+        <p:nvPicPr>
+          <p:cNvPr id="6146" name="Picture 2"/>
           <p:cNvPicPr>
             <a:picLocks noChangeAspect="1" noChangeArrowheads="1"/>
           </p:cNvPicPr>
           <p:nvPr/>
         </p:nvPicPr>
         <p:blipFill>
-          <a:blip r:embed="rId2"/>
-          <a:srcRect b="6584"/>
+          <a:blip r:embed="rId3"/>
+          <a:srcRect/>
           <a:stretch>
             <a:fillRect/>
           </a:stretch>
         </p:blipFill>
         <p:spPr bwMode="auto">
           <a:xfrm>
-            <a:off x="4067191" y="3286124"/>
-            <a:ext cx="4076709" cy="3214710"/>
+            <a:off x="1000100" y="2143116"/>
+            <a:ext cx="7261160" cy="3386145"/>
+          </a:xfrm>
+          <a:prstGeom prst="rect">
+            <a:avLst/>
+          </a:prstGeom>
+          <a:noFill/>
+          <a:ln w="9525">
+            <a:noFill/>
+            <a:miter lim="800000"/>
+            <a:headEnd/>
+            <a:tailEnd/>
+          </a:ln>
+          <a:effectLst/>
+        </p:spPr>
+      </p:pic>
+    </p:spTree>
+  </p:cSld>
+  <p:clrMapOvr>
+    <a:masterClrMapping/>
+  </p:clrMapOvr>
+  <p:transition spd="slow">
+    <p:fade/>
+  </p:transition>
+  <p:timing>
+    <p:tnLst>
+      <p:par>
+        <p:cTn id="1" dur="indefinite" restart="never" nodeType="tmRoot"/>
+      </p:par>
+    </p:tnLst>
+  </p:timing>
+</p:sld>
+</file>
+
+<file path=ppt/slides/slide15.xml><?xml version="1.0" encoding="utf-8"?>
+<p:sld xmlns:a="http://schemas.openxmlformats.org/drawingml/2006/main" xmlns:r="http://schemas.openxmlformats.org/officeDocument/2006/relationships" xmlns:p="http://schemas.openxmlformats.org/presentationml/2006/main">
+  <p:cSld>
+    <p:spTree>
+      <p:nvGrpSpPr>
+        <p:cNvPr id="1" name=""/>
+        <p:cNvGrpSpPr/>
+        <p:nvPr/>
+      </p:nvGrpSpPr>
+      <p:grpSpPr>
+        <a:xfrm>
+          <a:off x="0" y="0"/>
+          <a:ext cx="0" cy="0"/>
+          <a:chOff x="0" y="0"/>
+          <a:chExt cx="0" cy="0"/>
+        </a:xfrm>
+      </p:grpSpPr>
+      <p:pic>
+        <p:nvPicPr>
+          <p:cNvPr id="5" name="4 Imagen" descr="logo_top_byte.gif"/>
+          <p:cNvPicPr>
+            <a:picLocks noChangeAspect="1"/>
+          </p:cNvPicPr>
+          <p:nvPr/>
+        </p:nvPicPr>
+        <p:blipFill>
+          <a:blip r:embed="rId2">
+            <a:duotone>
+              <a:schemeClr val="bg2">
+                <a:shade val="45000"/>
+                <a:satMod val="135000"/>
+              </a:schemeClr>
+              <a:prstClr val="white"/>
+            </a:duotone>
+          </a:blip>
+          <a:stretch>
+            <a:fillRect/>
+          </a:stretch>
+        </p:blipFill>
+        <p:spPr>
+          <a:xfrm>
+            <a:off x="7572396" y="357166"/>
+            <a:ext cx="971550" cy="971550"/>
+          </a:xfrm>
+          <a:prstGeom prst="rect">
+            <a:avLst/>
+          </a:prstGeom>
+        </p:spPr>
+      </p:pic>
+      <p:sp>
+        <p:nvSpPr>
+          <p:cNvPr id="2" name="1 Marcador de contenido"/>
+          <p:cNvSpPr>
+            <a:spLocks noGrp="1"/>
+          </p:cNvSpPr>
+          <p:nvPr>
+            <p:ph idx="1"/>
+          </p:nvPr>
+        </p:nvSpPr>
+        <p:spPr>
+          <a:xfrm>
+            <a:off x="428596" y="428604"/>
+            <a:ext cx="8229600" cy="5786478"/>
+          </a:xfrm>
+        </p:spPr>
+        <p:txBody>
+          <a:bodyPr/>
+          <a:lstStyle/>
+          <a:p>
+            <a:pPr algn="just"/>
+            <a:r>
+              <a:rPr lang="es-CL" dirty="0" smtClean="0">
+                <a:effectLst>
+                  <a:outerShdw blurRad="38100" dist="38100" dir="2700000" algn="tl">
+                    <a:srgbClr val="000000">
+                      <a:alpha val="43137"/>
+                    </a:srgbClr>
+                  </a:outerShdw>
+                </a:effectLst>
+              </a:rPr>
+              <a:t>Proceso e Ingreso de Información</a:t>
+            </a:r>
+            <a:r>
+              <a:rPr lang="es-CL" dirty="0" smtClean="0"/>
+              <a:t>: </a:t>
+            </a:r>
+            <a:r>
+              <a:rPr lang="es-CL" dirty="0" smtClean="0"/>
+              <a:t>Permite </a:t>
+            </a:r>
+            <a:r>
+              <a:rPr lang="es-CL" dirty="0" smtClean="0"/>
+              <a:t>Realizar los ingresos de Información de las Revelaciones, validando dichos ingresos contra los estados financieros.</a:t>
+            </a:r>
+            <a:endParaRPr lang="es-CL" dirty="0"/>
+          </a:p>
+        </p:txBody>
+      </p:sp>
+      <p:pic>
+        <p:nvPicPr>
+          <p:cNvPr id="1026" name="Picture 2"/>
+          <p:cNvPicPr>
+            <a:picLocks noChangeAspect="1" noChangeArrowheads="1"/>
+          </p:cNvPicPr>
+          <p:nvPr/>
+        </p:nvPicPr>
+        <p:blipFill>
+          <a:blip r:embed="rId3"/>
+          <a:srcRect/>
+          <a:stretch>
+            <a:fillRect/>
+          </a:stretch>
+        </p:blipFill>
+        <p:spPr bwMode="auto">
+          <a:xfrm>
+            <a:off x="714348" y="2500306"/>
+            <a:ext cx="7888896" cy="3248029"/>
           </a:xfrm>
           <a:prstGeom prst="rect">
             <a:avLst/>
@@ -5225,9 +5626,131 @@
           </a:effectLst>
         </p:spPr>
       </p:pic>
+    </p:spTree>
+  </p:cSld>
+  <p:clrMapOvr>
+    <a:masterClrMapping/>
+  </p:clrMapOvr>
+  <p:transition spd="slow">
+    <p:fade/>
+  </p:transition>
+  <p:timing>
+    <p:tnLst>
+      <p:par>
+        <p:cTn id="1" dur="indefinite" restart="never" nodeType="tmRoot"/>
+      </p:par>
+    </p:tnLst>
+  </p:timing>
+</p:sld>
+</file>
+
+<file path=ppt/slides/slide16.xml><?xml version="1.0" encoding="utf-8"?>
+<p:sld xmlns:a="http://schemas.openxmlformats.org/drawingml/2006/main" xmlns:r="http://schemas.openxmlformats.org/officeDocument/2006/relationships" xmlns:p="http://schemas.openxmlformats.org/presentationml/2006/main">
+  <p:cSld>
+    <p:spTree>
+      <p:nvGrpSpPr>
+        <p:cNvPr id="1" name=""/>
+        <p:cNvGrpSpPr/>
+        <p:nvPr/>
+      </p:nvGrpSpPr>
+      <p:grpSpPr>
+        <a:xfrm>
+          <a:off x="0" y="0"/>
+          <a:ext cx="0" cy="0"/>
+          <a:chOff x="0" y="0"/>
+          <a:chExt cx="0" cy="0"/>
+        </a:xfrm>
+      </p:grpSpPr>
       <p:pic>
         <p:nvPicPr>
-          <p:cNvPr id="1028" name="Picture 4"/>
+          <p:cNvPr id="6" name="5 Imagen" descr="logo_top_byte.gif"/>
+          <p:cNvPicPr>
+            <a:picLocks noChangeAspect="1"/>
+          </p:cNvPicPr>
+          <p:nvPr/>
+        </p:nvPicPr>
+        <p:blipFill>
+          <a:blip r:embed="rId2">
+            <a:duotone>
+              <a:schemeClr val="bg2">
+                <a:shade val="45000"/>
+                <a:satMod val="135000"/>
+              </a:schemeClr>
+              <a:prstClr val="white"/>
+            </a:duotone>
+          </a:blip>
+          <a:stretch>
+            <a:fillRect/>
+          </a:stretch>
+        </p:blipFill>
+        <p:spPr>
+          <a:xfrm>
+            <a:off x="7572396" y="357166"/>
+            <a:ext cx="971550" cy="971550"/>
+          </a:xfrm>
+          <a:prstGeom prst="rect">
+            <a:avLst/>
+          </a:prstGeom>
+        </p:spPr>
+      </p:pic>
+      <p:sp>
+        <p:nvSpPr>
+          <p:cNvPr id="2" name="1 Marcador de contenido"/>
+          <p:cNvSpPr>
+            <a:spLocks noGrp="1"/>
+          </p:cNvSpPr>
+          <p:nvPr>
+            <p:ph idx="1"/>
+          </p:nvPr>
+        </p:nvSpPr>
+        <p:spPr>
+          <a:xfrm>
+            <a:off x="428596" y="428604"/>
+            <a:ext cx="8229600" cy="5786478"/>
+          </a:xfrm>
+        </p:spPr>
+        <p:txBody>
+          <a:bodyPr/>
+          <a:lstStyle/>
+          <a:p>
+            <a:pPr algn="just"/>
+            <a:r>
+              <a:rPr lang="es-CL" dirty="0" smtClean="0">
+                <a:effectLst>
+                  <a:outerShdw blurRad="38100" dist="38100" dir="2700000" algn="tl">
+                    <a:srgbClr val="000000">
+                      <a:alpha val="43137"/>
+                    </a:srgbClr>
+                  </a:outerShdw>
+                </a:effectLst>
+              </a:rPr>
+              <a:t>Perfilamiento</a:t>
+            </a:r>
+            <a:r>
+              <a:rPr lang="es-CL" dirty="0" smtClean="0"/>
+              <a:t>: Entre las diferentes opciones de perfilamiento se encuentran:</a:t>
+            </a:r>
+          </a:p>
+          <a:p>
+            <a:pPr lvl="1" algn="just"/>
+            <a:r>
+              <a:rPr lang="es-CL" dirty="0" smtClean="0"/>
+              <a:t>Administración de Usuarios, Grupos y Empresa.</a:t>
+            </a:r>
+          </a:p>
+          <a:p>
+            <a:pPr lvl="1" algn="just"/>
+            <a:r>
+              <a:rPr lang="es-CL" dirty="0" smtClean="0"/>
+              <a:t>Accesos y bloqueo de Sistema.</a:t>
+            </a:r>
+            <a:endParaRPr lang="es-CL" dirty="0" smtClean="0"/>
+          </a:p>
+        </p:txBody>
+      </p:sp>
+      <p:pic>
+        <p:nvPicPr>
+          <p:cNvPr id="2051" name="Picture 3"/>
           <p:cNvPicPr>
             <a:picLocks noChangeAspect="1" noChangeArrowheads="1"/>
           </p:cNvPicPr>
@@ -5242,8 +5765,8 @@
         </p:blipFill>
         <p:spPr bwMode="auto">
           <a:xfrm>
-            <a:off x="4714876" y="714356"/>
-            <a:ext cx="4161311" cy="2357454"/>
+            <a:off x="1643042" y="2285992"/>
+            <a:ext cx="6886888" cy="3643337"/>
           </a:xfrm>
           <a:prstGeom prst="rect">
             <a:avLst/>
@@ -5260,25 +5783,150 @@
           </a:effectLst>
         </p:spPr>
       </p:pic>
+    </p:spTree>
+  </p:cSld>
+  <p:clrMapOvr>
+    <a:masterClrMapping/>
+  </p:clrMapOvr>
+  <p:transition spd="slow">
+    <p:fade/>
+  </p:transition>
+  <p:timing>
+    <p:tnLst>
+      <p:par>
+        <p:cTn id="1" dur="indefinite" restart="never" nodeType="tmRoot"/>
+      </p:par>
+    </p:tnLst>
+  </p:timing>
+</p:sld>
+</file>
+
+<file path=ppt/slides/slide17.xml><?xml version="1.0" encoding="utf-8"?>
+<p:sld xmlns:a="http://schemas.openxmlformats.org/drawingml/2006/main" xmlns:r="http://schemas.openxmlformats.org/officeDocument/2006/relationships" xmlns:p="http://schemas.openxmlformats.org/presentationml/2006/main">
+  <p:cSld>
+    <p:spTree>
+      <p:nvGrpSpPr>
+        <p:cNvPr id="1" name=""/>
+        <p:cNvGrpSpPr/>
+        <p:nvPr/>
+      </p:nvGrpSpPr>
+      <p:grpSpPr>
+        <a:xfrm>
+          <a:off x="0" y="0"/>
+          <a:ext cx="0" cy="0"/>
+          <a:chOff x="0" y="0"/>
+          <a:chExt cx="0" cy="0"/>
+        </a:xfrm>
+      </p:grpSpPr>
       <p:pic>
         <p:nvPicPr>
-          <p:cNvPr id="1029" name="Picture 5"/>
+          <p:cNvPr id="6" name="5 Imagen" descr="logo_top_byte.gif"/>
+          <p:cNvPicPr>
+            <a:picLocks noChangeAspect="1"/>
+          </p:cNvPicPr>
+          <p:nvPr/>
+        </p:nvPicPr>
+        <p:blipFill>
+          <a:blip r:embed="rId2">
+            <a:duotone>
+              <a:schemeClr val="bg2">
+                <a:shade val="45000"/>
+                <a:satMod val="135000"/>
+              </a:schemeClr>
+              <a:prstClr val="white"/>
+            </a:duotone>
+          </a:blip>
+          <a:stretch>
+            <a:fillRect/>
+          </a:stretch>
+        </p:blipFill>
+        <p:spPr>
+          <a:xfrm>
+            <a:off x="7572396" y="357166"/>
+            <a:ext cx="971550" cy="971550"/>
+          </a:xfrm>
+          <a:prstGeom prst="rect">
+            <a:avLst/>
+          </a:prstGeom>
+          <a:noFill/>
+          <a:ln>
+            <a:noFill/>
+          </a:ln>
+        </p:spPr>
+      </p:pic>
+      <p:sp>
+        <p:nvSpPr>
+          <p:cNvPr id="2" name="1 Marcador de contenido"/>
+          <p:cNvSpPr>
+            <a:spLocks noGrp="1"/>
+          </p:cNvSpPr>
+          <p:nvPr>
+            <p:ph idx="1"/>
+          </p:nvPr>
+        </p:nvSpPr>
+        <p:spPr>
+          <a:xfrm>
+            <a:off x="428596" y="428604"/>
+            <a:ext cx="8229600" cy="5786478"/>
+          </a:xfrm>
+        </p:spPr>
+        <p:txBody>
+          <a:bodyPr/>
+          <a:lstStyle/>
+          <a:p>
+            <a:pPr algn="just"/>
+            <a:r>
+              <a:rPr lang="es-CL" dirty="0" smtClean="0">
+                <a:effectLst>
+                  <a:outerShdw blurRad="38100" dist="38100" dir="2700000" algn="tl">
+                    <a:srgbClr val="000000">
+                      <a:alpha val="43137"/>
+                    </a:srgbClr>
+                  </a:outerShdw>
+                </a:effectLst>
+              </a:rPr>
+              <a:t>Reportes</a:t>
+            </a:r>
+            <a:r>
+              <a:rPr lang="es-CL" dirty="0" smtClean="0"/>
+              <a:t>: EXFIDA cuenta con un completo módulo de reportes.</a:t>
+            </a:r>
+          </a:p>
+          <a:p>
+            <a:pPr lvl="2" algn="just"/>
+            <a:r>
+              <a:rPr lang="es-CL" dirty="0" smtClean="0"/>
+              <a:t>Consolidado Total de Revelaciones en MS Word.</a:t>
+            </a:r>
+          </a:p>
+          <a:p>
+            <a:pPr lvl="2" algn="just"/>
+            <a:r>
+              <a:rPr lang="es-CL" dirty="0" smtClean="0"/>
+              <a:t>Revelaciones en Formato MS Excel.</a:t>
+            </a:r>
+          </a:p>
+        </p:txBody>
+      </p:sp>
+      <p:pic>
+        <p:nvPicPr>
+          <p:cNvPr id="3075" name="Picture 3"/>
           <p:cNvPicPr>
             <a:picLocks noChangeAspect="1" noChangeArrowheads="1"/>
           </p:cNvPicPr>
           <p:nvPr/>
         </p:nvPicPr>
         <p:blipFill>
-          <a:blip r:embed="rId4"/>
-          <a:srcRect r="6000"/>
+          <a:blip r:embed="rId3"/>
+          <a:srcRect/>
           <a:stretch>
             <a:fillRect/>
           </a:stretch>
         </p:blipFill>
         <p:spPr bwMode="auto">
           <a:xfrm>
-            <a:off x="357158" y="4143380"/>
-            <a:ext cx="3357586" cy="1434999"/>
+            <a:off x="1071538" y="2486770"/>
+            <a:ext cx="7301984" cy="3228246"/>
           </a:xfrm>
           <a:prstGeom prst="rect">
             <a:avLst/>
@@ -5295,25 +5943,122 @@
           </a:effectLst>
         </p:spPr>
       </p:pic>
+    </p:spTree>
+  </p:cSld>
+  <p:clrMapOvr>
+    <a:masterClrMapping/>
+  </p:clrMapOvr>
+  <p:transition spd="slow">
+    <p:fade/>
+  </p:transition>
+  <p:timing>
+    <p:tnLst>
+      <p:par>
+        <p:cTn id="1" dur="indefinite" restart="never" nodeType="tmRoot"/>
+      </p:par>
+    </p:tnLst>
+  </p:timing>
+</p:sld>
+</file>
+
+<file path=ppt/slides/slide18.xml><?xml version="1.0" encoding="utf-8"?>
+<p:sld xmlns:a="http://schemas.openxmlformats.org/drawingml/2006/main" xmlns:r="http://schemas.openxmlformats.org/officeDocument/2006/relationships" xmlns:p="http://schemas.openxmlformats.org/presentationml/2006/main">
+  <p:cSld>
+    <p:spTree>
+      <p:nvGrpSpPr>
+        <p:cNvPr id="1" name=""/>
+        <p:cNvGrpSpPr/>
+        <p:nvPr/>
+      </p:nvGrpSpPr>
+      <p:grpSpPr>
+        <a:xfrm>
+          <a:off x="0" y="0"/>
+          <a:ext cx="0" cy="0"/>
+          <a:chOff x="0" y="0"/>
+          <a:chExt cx="0" cy="0"/>
+        </a:xfrm>
+      </p:grpSpPr>
       <p:pic>
         <p:nvPicPr>
-          <p:cNvPr id="1030" name="Picture 6"/>
+          <p:cNvPr id="8" name="7 Imagen" descr="logo_top_byte.gif"/>
+          <p:cNvPicPr>
+            <a:picLocks noChangeAspect="1"/>
+          </p:cNvPicPr>
+          <p:nvPr/>
+        </p:nvPicPr>
+        <p:blipFill>
+          <a:blip r:embed="rId2">
+            <a:duotone>
+              <a:schemeClr val="bg2">
+                <a:shade val="45000"/>
+                <a:satMod val="135000"/>
+              </a:schemeClr>
+              <a:prstClr val="white"/>
+            </a:duotone>
+          </a:blip>
+          <a:stretch>
+            <a:fillRect/>
+          </a:stretch>
+        </p:blipFill>
+        <p:spPr>
+          <a:xfrm>
+            <a:off x="7572396" y="357166"/>
+            <a:ext cx="971550" cy="971550"/>
+          </a:xfrm>
+          <a:prstGeom prst="rect">
+            <a:avLst/>
+          </a:prstGeom>
+        </p:spPr>
+      </p:pic>
+      <p:sp>
+        <p:nvSpPr>
+          <p:cNvPr id="2" name="1 Marcador de contenido"/>
+          <p:cNvSpPr>
+            <a:spLocks noGrp="1"/>
+          </p:cNvSpPr>
+          <p:nvPr>
+            <p:ph idx="1"/>
+          </p:nvPr>
+        </p:nvSpPr>
+        <p:spPr>
+          <a:xfrm>
+            <a:off x="428596" y="500042"/>
+            <a:ext cx="8229600" cy="5286412"/>
+          </a:xfrm>
+        </p:spPr>
+        <p:txBody>
+          <a:bodyPr>
+            <a:normAutofit/>
+          </a:bodyPr>
+          <a:lstStyle/>
+          <a:p>
+            <a:pPr marL="358775" lvl="2"/>
+            <a:r>
+              <a:rPr lang="es-CL" dirty="0" smtClean="0"/>
+              <a:t>Consolidado Total de Revelaciones en MS Word.</a:t>
+            </a:r>
+          </a:p>
+        </p:txBody>
+      </p:sp>
+      <p:pic>
+        <p:nvPicPr>
+          <p:cNvPr id="7" name="Picture 3"/>
           <p:cNvPicPr>
             <a:picLocks noChangeAspect="1" noChangeArrowheads="1"/>
           </p:cNvPicPr>
           <p:nvPr/>
         </p:nvPicPr>
         <p:blipFill>
-          <a:blip r:embed="rId5"/>
-          <a:srcRect l="21799" t="2035" b="14518"/>
+          <a:blip r:embed="rId3"/>
+          <a:srcRect/>
           <a:stretch>
             <a:fillRect/>
           </a:stretch>
         </p:blipFill>
         <p:spPr bwMode="auto">
           <a:xfrm>
-            <a:off x="428596" y="285728"/>
-            <a:ext cx="4100391" cy="2928958"/>
+            <a:off x="357158" y="1500174"/>
+            <a:ext cx="8290975" cy="3929090"/>
           </a:xfrm>
           <a:prstGeom prst="rect">
             <a:avLst/>
@@ -5336,6 +6081,137 @@
     <a:masterClrMapping/>
   </p:clrMapOvr>
   <p:transition spd="slow">
+    <p:fade/>
+  </p:transition>
+  <p:timing>
+    <p:tnLst>
+      <p:par>
+        <p:cTn id="1" dur="indefinite" restart="never" nodeType="tmRoot"/>
+      </p:par>
+    </p:tnLst>
+  </p:timing>
+</p:sld>
+</file>
+
+<file path=ppt/slides/slide19.xml><?xml version="1.0" encoding="utf-8"?>
+<p:sld xmlns:a="http://schemas.openxmlformats.org/drawingml/2006/main" xmlns:r="http://schemas.openxmlformats.org/officeDocument/2006/relationships" xmlns:p="http://schemas.openxmlformats.org/presentationml/2006/main">
+  <p:cSld>
+    <p:spTree>
+      <p:nvGrpSpPr>
+        <p:cNvPr id="1" name=""/>
+        <p:cNvGrpSpPr/>
+        <p:nvPr/>
+      </p:nvGrpSpPr>
+      <p:grpSpPr>
+        <a:xfrm>
+          <a:off x="0" y="0"/>
+          <a:ext cx="0" cy="0"/>
+          <a:chOff x="0" y="0"/>
+          <a:chExt cx="0" cy="0"/>
+        </a:xfrm>
+      </p:grpSpPr>
+      <p:pic>
+        <p:nvPicPr>
+          <p:cNvPr id="5" name="4 Imagen" descr="logo_top_byte.gif"/>
+          <p:cNvPicPr>
+            <a:picLocks noChangeAspect="1"/>
+          </p:cNvPicPr>
+          <p:nvPr/>
+        </p:nvPicPr>
+        <p:blipFill>
+          <a:blip r:embed="rId2">
+            <a:duotone>
+              <a:schemeClr val="bg2">
+                <a:shade val="45000"/>
+                <a:satMod val="135000"/>
+              </a:schemeClr>
+              <a:prstClr val="white"/>
+            </a:duotone>
+          </a:blip>
+          <a:stretch>
+            <a:fillRect/>
+          </a:stretch>
+        </p:blipFill>
+        <p:spPr>
+          <a:xfrm>
+            <a:off x="7572396" y="357166"/>
+            <a:ext cx="971550" cy="971550"/>
+          </a:xfrm>
+          <a:prstGeom prst="rect">
+            <a:avLst/>
+          </a:prstGeom>
+        </p:spPr>
+      </p:pic>
+      <p:sp>
+        <p:nvSpPr>
+          <p:cNvPr id="2" name="1 Marcador de contenido"/>
+          <p:cNvSpPr>
+            <a:spLocks noGrp="1"/>
+          </p:cNvSpPr>
+          <p:nvPr>
+            <p:ph idx="1"/>
+          </p:nvPr>
+        </p:nvSpPr>
+        <p:spPr>
+          <a:xfrm>
+            <a:off x="428596" y="500042"/>
+            <a:ext cx="8229600" cy="5286412"/>
+          </a:xfrm>
+        </p:spPr>
+        <p:txBody>
+          <a:bodyPr/>
+          <a:lstStyle/>
+          <a:p>
+            <a:pPr marL="357188" lvl="2" indent="-271463" algn="just"/>
+            <a:r>
+              <a:rPr lang="es-CL" dirty="0" smtClean="0"/>
+              <a:t>Revelaciones en Formato MS Excel.</a:t>
+            </a:r>
+            <a:endParaRPr lang="es-CL" dirty="0" smtClean="0"/>
+          </a:p>
+        </p:txBody>
+      </p:sp>
+      <p:pic>
+        <p:nvPicPr>
+          <p:cNvPr id="5122" name="Picture 2"/>
+          <p:cNvPicPr>
+            <a:picLocks noChangeAspect="1" noChangeArrowheads="1"/>
+          </p:cNvPicPr>
+          <p:nvPr/>
+        </p:nvPicPr>
+        <p:blipFill>
+          <a:blip r:embed="rId3"/>
+          <a:srcRect/>
+          <a:stretch>
+            <a:fillRect/>
+          </a:stretch>
+        </p:blipFill>
+        <p:spPr bwMode="auto">
+          <a:xfrm>
+            <a:off x="357158" y="1571612"/>
+            <a:ext cx="8297221" cy="3857652"/>
+          </a:xfrm>
+          <a:prstGeom prst="rect">
+            <a:avLst/>
+          </a:prstGeom>
+          <a:ln>
+            <a:noFill/>
+          </a:ln>
+          <a:effectLst>
+            <a:outerShdw blurRad="292100" dist="139700" dir="2700000" algn="tl" rotWithShape="0">
+              <a:srgbClr val="333333">
+                <a:alpha val="65000"/>
+              </a:srgbClr>
+            </a:outerShdw>
+          </a:effectLst>
+        </p:spPr>
+      </p:pic>
+    </p:spTree>
+  </p:cSld>
+  <p:clrMapOvr>
+    <a:masterClrMapping/>
+  </p:clrMapOvr>
+  <p:transition spd="slow" advClick="0">
     <p:fade/>
   </p:transition>
   <p:timing>
@@ -5365,6 +6241,38 @@
           <a:chExt cx="0" cy="0"/>
         </a:xfrm>
       </p:grpSpPr>
+      <p:pic>
+        <p:nvPicPr>
+          <p:cNvPr id="4" name="3 Imagen" descr="logo_top_byte.gif"/>
+          <p:cNvPicPr>
+            <a:picLocks noChangeAspect="1"/>
+          </p:cNvPicPr>
+          <p:nvPr/>
+        </p:nvPicPr>
+        <p:blipFill>
+          <a:blip r:embed="rId2">
+            <a:duotone>
+              <a:schemeClr val="bg2">
+                <a:shade val="45000"/>
+                <a:satMod val="135000"/>
+              </a:schemeClr>
+              <a:prstClr val="white"/>
+            </a:duotone>
+          </a:blip>
+          <a:stretch>
+            <a:fillRect/>
+          </a:stretch>
+        </p:blipFill>
+        <p:spPr>
+          <a:xfrm>
+            <a:off x="7572396" y="357166"/>
+            <a:ext cx="971550" cy="971550"/>
+          </a:xfrm>
+          <a:prstGeom prst="rect">
+            <a:avLst/>
+          </a:prstGeom>
+        </p:spPr>
+      </p:pic>
       <p:sp>
         <p:nvSpPr>
           <p:cNvPr id="2" name="1 Marcador de contenido"/>
@@ -5378,27 +6286,19 @@
         <p:spPr/>
         <p:txBody>
           <a:bodyPr>
-            <a:normAutofit fontScale="92500"/>
+            <a:normAutofit/>
           </a:bodyPr>
           <a:lstStyle/>
           <a:p>
-            <a:pPr algn="just">
-              <a:lnSpc>
-                <a:spcPct val="90000"/>
-              </a:lnSpc>
-              <a:spcBef>
-                <a:spcPct val="20000"/>
-              </a:spcBef>
-            </a:pPr>
-            <a:r>
-              <a:rPr lang="es-ES" sz="2300" dirty="0" smtClean="0"/>
-              <a:t>Bytesoft es una empresa chilena</a:t>
-            </a:r>
-            <a:r>
-              <a:rPr lang="es-MX" sz="2300" dirty="0" smtClean="0"/>
-              <a:t>, del área de las Tecnologías de la Información, con 18 años en el mercado Nacional.</a:t>
-            </a:r>
-            <a:endParaRPr lang="es-ES" sz="2300" dirty="0" smtClean="0"/>
+            <a:r>
+              <a:rPr lang="es-CL" sz="2300" dirty="0" smtClean="0"/>
+              <a:t>Somos una empresa chilena con 18 años de experiencia profesional en las áreas de desarrollo de software y consultoría</a:t>
+            </a:r>
+            <a:r>
+              <a:rPr lang="es-CL" sz="2300" dirty="0" smtClean="0"/>
+              <a:t>.</a:t>
+            </a:r>
+            <a:endParaRPr lang="es-MX" sz="2300" dirty="0" smtClean="0"/>
           </a:p>
           <a:p>
             <a:pPr algn="just">
@@ -5422,40 +6322,23 @@
             </a:pPr>
             <a:r>
               <a:rPr lang="es-MX" sz="2300" dirty="0" smtClean="0"/>
-              <a:t>Posee</a:t>
-            </a:r>
-            <a:r>
-              <a:rPr lang="es-ES" sz="2300" dirty="0" smtClean="0"/>
-              <a:t> una sólida trayectoria profesional</a:t>
+              <a:t>Actualmente, </a:t>
             </a:r>
             <a:r>
               <a:rPr lang="es-MX" sz="2300" dirty="0" smtClean="0"/>
-              <a:t>, en áreas de Desarrollo de Software y Consultoría.</a:t>
-            </a:r>
-          </a:p>
-          <a:p>
-            <a:pPr algn="just">
-              <a:lnSpc>
-                <a:spcPct val="90000"/>
-              </a:lnSpc>
-              <a:spcBef>
-                <a:spcPct val="20000"/>
-              </a:spcBef>
-            </a:pPr>
-            <a:endParaRPr lang="es-MX" sz="2300" dirty="0" smtClean="0"/>
-          </a:p>
-          <a:p>
-            <a:pPr algn="just">
-              <a:lnSpc>
-                <a:spcPct val="90000"/>
-              </a:lnSpc>
-              <a:spcBef>
-                <a:spcPct val="20000"/>
-              </a:spcBef>
-            </a:pPr>
+              <a:t>en nuestra </a:t>
+            </a:r>
             <a:r>
               <a:rPr lang="es-MX" sz="2300" dirty="0" smtClean="0"/>
-              <a:t>Actualmente, su línea de productos incorpora, desarrollo de Proyectos de Software específicamente en Arquitecturas JEE (Java Enterprise Edition), Consultoría Tecnológica y Funcional en Módulos SAP R3, Desarrollo de Productos de Software y venta e implementación de Infraestructura, a objeto de </a:t>
+              <a:t>línea de productos </a:t>
+            </a:r>
+            <a:r>
+              <a:rPr lang="es-MX" sz="2300" dirty="0" smtClean="0"/>
+              <a:t>ofrecemos, </a:t>
+            </a:r>
+            <a:r>
+              <a:rPr lang="es-MX" sz="2300" dirty="0" smtClean="0"/>
+              <a:t>desarrollo de Proyectos de Software específicamente en Arquitecturas JEE (Java Enterprise Edition), Consultoría Tecnológica y Funcional en Módulos SAP R3, Desarrollo de Productos de Software y venta e implementación de Infraestructura, a objeto de </a:t>
             </a:r>
             <a:r>
               <a:rPr lang="es-ES" sz="2300" dirty="0" smtClean="0"/>
@@ -5471,7 +6354,11 @@
             </a:r>
             <a:r>
               <a:rPr lang="es-MX" sz="2300" dirty="0" smtClean="0"/>
-              <a:t>tecnología de la Información (TI).</a:t>
+              <a:t>tecnología de la Información (TI</a:t>
+            </a:r>
+            <a:r>
+              <a:rPr lang="es-MX" sz="2300" dirty="0" smtClean="0"/>
+              <a:t>).</a:t>
             </a:r>
             <a:endParaRPr lang="es-ES" sz="2300" dirty="0" smtClean="0"/>
           </a:p>
@@ -5496,13 +6383,329 @@
           <a:lstStyle/>
           <a:p>
             <a:r>
-              <a:rPr lang="es-CL" dirty="0" smtClean="0"/>
-              <a:t>Nuestra Empresa</a:t>
-            </a:r>
-            <a:endParaRPr lang="es-CL" dirty="0"/>
-          </a:p>
-        </p:txBody>
-      </p:sp>
+              <a:rPr lang="es-CL" sz="3200" dirty="0" smtClean="0"/>
+              <a:t>Nuestra </a:t>
+            </a:r>
+            <a:r>
+              <a:rPr lang="es-CL" sz="3200" dirty="0" smtClean="0"/>
+              <a:t>Empresa.</a:t>
+            </a:r>
+            <a:endParaRPr lang="es-CL" sz="3200" dirty="0"/>
+          </a:p>
+        </p:txBody>
+      </p:sp>
+    </p:spTree>
+  </p:cSld>
+  <p:clrMapOvr>
+    <a:masterClrMapping/>
+  </p:clrMapOvr>
+  <p:transition spd="slow">
+    <p:fade/>
+  </p:transition>
+  <p:timing>
+    <p:tnLst>
+      <p:par>
+        <p:cTn id="1" dur="indefinite" restart="never" nodeType="tmRoot"/>
+      </p:par>
+    </p:tnLst>
+  </p:timing>
+</p:sld>
+</file>
+
+<file path=ppt/slides/slide20.xml><?xml version="1.0" encoding="utf-8"?>
+<p:sld xmlns:a="http://schemas.openxmlformats.org/drawingml/2006/main" xmlns:r="http://schemas.openxmlformats.org/officeDocument/2006/relationships" xmlns:p="http://schemas.openxmlformats.org/presentationml/2006/main">
+  <p:cSld>
+    <p:spTree>
+      <p:nvGrpSpPr>
+        <p:cNvPr id="1" name=""/>
+        <p:cNvGrpSpPr/>
+        <p:nvPr/>
+      </p:nvGrpSpPr>
+      <p:grpSpPr>
+        <a:xfrm>
+          <a:off x="0" y="0"/>
+          <a:ext cx="0" cy="0"/>
+          <a:chOff x="0" y="0"/>
+          <a:chExt cx="0" cy="0"/>
+        </a:xfrm>
+      </p:grpSpPr>
+      <p:pic>
+        <p:nvPicPr>
+          <p:cNvPr id="7171" name="Picture 3"/>
+          <p:cNvPicPr>
+            <a:picLocks noChangeAspect="1" noChangeArrowheads="1"/>
+          </p:cNvPicPr>
+          <p:nvPr/>
+        </p:nvPicPr>
+        <p:blipFill>
+          <a:blip r:embed="rId2"/>
+          <a:srcRect r="37316"/>
+          <a:stretch>
+            <a:fillRect/>
+          </a:stretch>
+        </p:blipFill>
+        <p:spPr bwMode="auto">
+          <a:xfrm>
+            <a:off x="357158" y="2567004"/>
+            <a:ext cx="8143932" cy="3219450"/>
+          </a:xfrm>
+          <a:prstGeom prst="rect">
+            <a:avLst/>
+          </a:prstGeom>
+          <a:ln>
+            <a:noFill/>
+          </a:ln>
+          <a:effectLst>
+            <a:outerShdw blurRad="292100" dist="139700" dir="2700000" algn="tl" rotWithShape="0">
+              <a:srgbClr val="333333">
+                <a:alpha val="65000"/>
+              </a:srgbClr>
+            </a:outerShdw>
+          </a:effectLst>
+        </p:spPr>
+      </p:pic>
+      <p:pic>
+        <p:nvPicPr>
+          <p:cNvPr id="7173" name="Picture 5"/>
+          <p:cNvPicPr>
+            <a:picLocks noChangeAspect="1" noChangeArrowheads="1"/>
+          </p:cNvPicPr>
+          <p:nvPr/>
+        </p:nvPicPr>
+        <p:blipFill>
+          <a:blip r:embed="rId3"/>
+          <a:srcRect/>
+          <a:stretch>
+            <a:fillRect/>
+          </a:stretch>
+        </p:blipFill>
+        <p:spPr bwMode="auto">
+          <a:xfrm>
+            <a:off x="357158" y="428604"/>
+            <a:ext cx="8072494" cy="1883582"/>
+          </a:xfrm>
+          <a:prstGeom prst="rect">
+            <a:avLst/>
+          </a:prstGeom>
+          <a:ln>
+            <a:noFill/>
+          </a:ln>
+          <a:effectLst>
+            <a:outerShdw blurRad="292100" dist="139700" dir="2700000" algn="tl" rotWithShape="0">
+              <a:srgbClr val="333333">
+                <a:alpha val="65000"/>
+              </a:srgbClr>
+            </a:outerShdw>
+          </a:effectLst>
+        </p:spPr>
+      </p:pic>
+    </p:spTree>
+  </p:cSld>
+  <p:clrMapOvr>
+    <a:masterClrMapping/>
+  </p:clrMapOvr>
+  <p:transition spd="slow">
+    <p:fade/>
+  </p:transition>
+  <p:timing>
+    <p:tnLst>
+      <p:par>
+        <p:cTn id="1" dur="indefinite" restart="never" nodeType="tmRoot"/>
+      </p:par>
+    </p:tnLst>
+  </p:timing>
+</p:sld>
+</file>
+
+<file path=ppt/slides/slide21.xml><?xml version="1.0" encoding="utf-8"?>
+<p:sld xmlns:a="http://schemas.openxmlformats.org/drawingml/2006/main" xmlns:r="http://schemas.openxmlformats.org/officeDocument/2006/relationships" xmlns:p="http://schemas.openxmlformats.org/presentationml/2006/main">
+  <p:cSld>
+    <p:spTree>
+      <p:nvGrpSpPr>
+        <p:cNvPr id="1" name=""/>
+        <p:cNvGrpSpPr/>
+        <p:nvPr/>
+      </p:nvGrpSpPr>
+      <p:grpSpPr>
+        <a:xfrm>
+          <a:off x="0" y="0"/>
+          <a:ext cx="0" cy="0"/>
+          <a:chOff x="0" y="0"/>
+          <a:chExt cx="0" cy="0"/>
+        </a:xfrm>
+      </p:grpSpPr>
+      <p:pic>
+        <p:nvPicPr>
+          <p:cNvPr id="6" name="5 Imagen" descr="logo_top_byte.gif"/>
+          <p:cNvPicPr>
+            <a:picLocks noChangeAspect="1"/>
+          </p:cNvPicPr>
+          <p:nvPr/>
+        </p:nvPicPr>
+        <p:blipFill>
+          <a:blip r:embed="rId2">
+            <a:duotone>
+              <a:schemeClr val="bg2">
+                <a:shade val="45000"/>
+                <a:satMod val="135000"/>
+              </a:schemeClr>
+              <a:prstClr val="white"/>
+            </a:duotone>
+          </a:blip>
+          <a:stretch>
+            <a:fillRect/>
+          </a:stretch>
+        </p:blipFill>
+        <p:spPr>
+          <a:xfrm>
+            <a:off x="7572396" y="357166"/>
+            <a:ext cx="971550" cy="971550"/>
+          </a:xfrm>
+          <a:prstGeom prst="rect">
+            <a:avLst/>
+          </a:prstGeom>
+        </p:spPr>
+      </p:pic>
+      <p:pic>
+        <p:nvPicPr>
+          <p:cNvPr id="1027" name="Picture 3"/>
+          <p:cNvPicPr>
+            <a:picLocks noChangeAspect="1" noChangeArrowheads="1"/>
+          </p:cNvPicPr>
+          <p:nvPr/>
+        </p:nvPicPr>
+        <p:blipFill>
+          <a:blip r:embed="rId3"/>
+          <a:srcRect b="6584"/>
+          <a:stretch>
+            <a:fillRect/>
+          </a:stretch>
+        </p:blipFill>
+        <p:spPr bwMode="auto">
+          <a:xfrm>
+            <a:off x="4067191" y="3286124"/>
+            <a:ext cx="4076709" cy="3214710"/>
+          </a:xfrm>
+          <a:prstGeom prst="rect">
+            <a:avLst/>
+          </a:prstGeom>
+          <a:ln>
+            <a:noFill/>
+          </a:ln>
+          <a:effectLst>
+            <a:outerShdw blurRad="292100" dist="139700" dir="2700000" algn="tl" rotWithShape="0">
+              <a:srgbClr val="333333">
+                <a:alpha val="65000"/>
+              </a:srgbClr>
+            </a:outerShdw>
+          </a:effectLst>
+        </p:spPr>
+      </p:pic>
+      <p:pic>
+        <p:nvPicPr>
+          <p:cNvPr id="1028" name="Picture 4"/>
+          <p:cNvPicPr>
+            <a:picLocks noChangeAspect="1" noChangeArrowheads="1"/>
+          </p:cNvPicPr>
+          <p:nvPr/>
+        </p:nvPicPr>
+        <p:blipFill>
+          <a:blip r:embed="rId4"/>
+          <a:srcRect/>
+          <a:stretch>
+            <a:fillRect/>
+          </a:stretch>
+        </p:blipFill>
+        <p:spPr bwMode="auto">
+          <a:xfrm>
+            <a:off x="4714876" y="714356"/>
+            <a:ext cx="4161311" cy="2357454"/>
+          </a:xfrm>
+          <a:prstGeom prst="rect">
+            <a:avLst/>
+          </a:prstGeom>
+          <a:ln>
+            <a:noFill/>
+          </a:ln>
+          <a:effectLst>
+            <a:outerShdw blurRad="292100" dist="139700" dir="2700000" algn="tl" rotWithShape="0">
+              <a:srgbClr val="333333">
+                <a:alpha val="65000"/>
+              </a:srgbClr>
+            </a:outerShdw>
+          </a:effectLst>
+        </p:spPr>
+      </p:pic>
+      <p:pic>
+        <p:nvPicPr>
+          <p:cNvPr id="1029" name="Picture 5"/>
+          <p:cNvPicPr>
+            <a:picLocks noChangeAspect="1" noChangeArrowheads="1"/>
+          </p:cNvPicPr>
+          <p:nvPr/>
+        </p:nvPicPr>
+        <p:blipFill>
+          <a:blip r:embed="rId5"/>
+          <a:srcRect r="6000"/>
+          <a:stretch>
+            <a:fillRect/>
+          </a:stretch>
+        </p:blipFill>
+        <p:spPr bwMode="auto">
+          <a:xfrm>
+            <a:off x="357158" y="4143380"/>
+            <a:ext cx="3357586" cy="1434999"/>
+          </a:xfrm>
+          <a:prstGeom prst="rect">
+            <a:avLst/>
+          </a:prstGeom>
+          <a:ln>
+            <a:noFill/>
+          </a:ln>
+          <a:effectLst>
+            <a:outerShdw blurRad="292100" dist="139700" dir="2700000" algn="tl" rotWithShape="0">
+              <a:srgbClr val="333333">
+                <a:alpha val="65000"/>
+              </a:srgbClr>
+            </a:outerShdw>
+          </a:effectLst>
+        </p:spPr>
+      </p:pic>
+      <p:pic>
+        <p:nvPicPr>
+          <p:cNvPr id="1030" name="Picture 6"/>
+          <p:cNvPicPr>
+            <a:picLocks noChangeAspect="1" noChangeArrowheads="1"/>
+          </p:cNvPicPr>
+          <p:nvPr/>
+        </p:nvPicPr>
+        <p:blipFill>
+          <a:blip r:embed="rId6"/>
+          <a:srcRect l="21799" t="2035" b="14518"/>
+          <a:stretch>
+            <a:fillRect/>
+          </a:stretch>
+        </p:blipFill>
+        <p:spPr bwMode="auto">
+          <a:xfrm>
+            <a:off x="428596" y="285728"/>
+            <a:ext cx="4100391" cy="2928958"/>
+          </a:xfrm>
+          <a:prstGeom prst="rect">
+            <a:avLst/>
+          </a:prstGeom>
+          <a:ln>
+            <a:noFill/>
+          </a:ln>
+          <a:effectLst>
+            <a:outerShdw blurRad="292100" dist="139700" dir="2700000" algn="tl" rotWithShape="0">
+              <a:srgbClr val="333333">
+                <a:alpha val="65000"/>
+              </a:srgbClr>
+            </a:outerShdw>
+          </a:effectLst>
+        </p:spPr>
+      </p:pic>
     </p:spTree>
   </p:cSld>
   <p:clrMapOvr>
@@ -5550,12 +6753,74 @@
         </p:nvSpPr>
         <p:spPr/>
         <p:txBody>
-          <a:bodyPr/>
+          <a:bodyPr>
+            <a:normAutofit lnSpcReduction="10000"/>
+          </a:bodyPr>
           <a:lstStyle/>
           <a:p>
             <a:r>
-              <a:rPr lang="es-MX" sz="2300" dirty="0" smtClean="0"/>
-              <a:t>Agregar valor  y confianza a nuestros clientes, a través de soluciones tecnológicas que permitan hacer más eficiente la gestión del negocio de la empresa. </a:t>
+              <a:rPr lang="es-CL" sz="2300" dirty="0" smtClean="0"/>
+              <a:t>Queremos ganarnos su confianza, a través de soluciones tecnológicas que permitan hacer más eficiente la gestión del negocio de </a:t>
+            </a:r>
+            <a:r>
+              <a:rPr lang="es-CL" sz="2300" dirty="0" smtClean="0"/>
+              <a:t>su Empresa </a:t>
+            </a:r>
+            <a:r>
+              <a:rPr lang="es-CL" sz="2300" dirty="0" smtClean="0"/>
+              <a:t>y brindándole a su </a:t>
+            </a:r>
+            <a:r>
+              <a:rPr lang="es-CL" sz="2300" dirty="0" smtClean="0"/>
+              <a:t>Compañía </a:t>
+            </a:r>
+            <a:r>
+              <a:rPr lang="es-CL" sz="2300" dirty="0" smtClean="0"/>
+              <a:t>siempre un </a:t>
+            </a:r>
+            <a:r>
+              <a:rPr lang="es-CL" sz="2300" dirty="0" smtClean="0"/>
+              <a:t>valor agregado.</a:t>
+            </a:r>
+            <a:r>
+              <a:rPr lang="es-CL" sz="2400" dirty="0" smtClean="0"/>
+              <a:t/>
+            </a:r>
+            <a:br>
+              <a:rPr lang="es-CL" sz="2400" dirty="0" smtClean="0"/>
+            </a:br>
+            <a:endParaRPr lang="es-CL" sz="2400" dirty="0" smtClean="0"/>
+          </a:p>
+          <a:p>
+            <a:pPr lvl="2" algn="just"/>
+            <a:r>
+              <a:rPr lang="es-CL" sz="2000" dirty="0" smtClean="0"/>
+              <a:t>Adecuamos lo mejor posible la relación Costo/Beneficio.</a:t>
+            </a:r>
+          </a:p>
+          <a:p>
+            <a:pPr lvl="2" algn="just"/>
+            <a:r>
+              <a:rPr lang="es-CL" sz="2000" dirty="0" smtClean="0"/>
+              <a:t>Optimizamos la utilización de los recursos y su utilización.</a:t>
+            </a:r>
+          </a:p>
+          <a:p>
+            <a:pPr lvl="2" algn="just"/>
+            <a:r>
+              <a:rPr lang="es-CL" sz="2000" dirty="0" smtClean="0"/>
+              <a:t>Aumentamos la </a:t>
+            </a:r>
+            <a:r>
+              <a:rPr lang="es-CL" sz="2000" dirty="0" smtClean="0"/>
+              <a:t>productividad derivado del incremento de niveles de servicio.</a:t>
+            </a:r>
+          </a:p>
+          <a:p>
+            <a:pPr lvl="2" algn="just"/>
+            <a:r>
+              <a:rPr lang="es-CL" sz="2000" dirty="0" smtClean="0"/>
+              <a:t>Buscamos la innovación en la adopción de nuevas tecnologías.</a:t>
             </a:r>
           </a:p>
           <a:p>
@@ -5575,129 +6840,49 @@
         </p:nvSpPr>
         <p:spPr/>
         <p:txBody>
-          <a:bodyPr/>
+          <a:bodyPr>
+            <a:normAutofit/>
+          </a:bodyPr>
           <a:lstStyle/>
           <a:p>
             <a:r>
-              <a:rPr lang="es-CL" dirty="0" smtClean="0"/>
-              <a:t>Nuestra </a:t>
-            </a:r>
-            <a:r>
-              <a:rPr lang="es-CL" dirty="0" err="1" smtClean="0"/>
-              <a:t>Mision</a:t>
-            </a:r>
-            <a:endParaRPr lang="es-CL" dirty="0"/>
+              <a:rPr lang="es-CL" sz="3200" dirty="0" smtClean="0"/>
+              <a:t>Nuestro Enfoque.</a:t>
+            </a:r>
+            <a:endParaRPr lang="es-CL" sz="3200" dirty="0"/>
           </a:p>
         </p:txBody>
       </p:sp>
       <p:pic>
         <p:nvPicPr>
-          <p:cNvPr id="4" name="Picture 33" descr="5323_030818_79376"/>
+          <p:cNvPr id="6" name="5 Imagen" descr="logo_top_byte.gif"/>
           <p:cNvPicPr>
-            <a:picLocks noChangeAspect="1" noChangeArrowheads="1"/>
+            <a:picLocks noChangeAspect="1"/>
           </p:cNvPicPr>
           <p:nvPr/>
         </p:nvPicPr>
         <p:blipFill>
-          <a:blip r:embed="rId2"/>
-          <a:srcRect/>
+          <a:blip r:embed="rId2">
+            <a:duotone>
+              <a:schemeClr val="bg2">
+                <a:shade val="45000"/>
+                <a:satMod val="135000"/>
+              </a:schemeClr>
+              <a:prstClr val="white"/>
+            </a:duotone>
+          </a:blip>
           <a:stretch>
             <a:fillRect/>
           </a:stretch>
         </p:blipFill>
-        <p:spPr bwMode="auto">
-          <a:xfrm>
-            <a:off x="6143636" y="3214686"/>
-            <a:ext cx="2286000" cy="1524000"/>
+        <p:spPr>
+          <a:xfrm>
+            <a:off x="7572396" y="357166"/>
+            <a:ext cx="971550" cy="971550"/>
           </a:xfrm>
           <a:prstGeom prst="rect">
             <a:avLst/>
           </a:prstGeom>
-          <a:solidFill>
-            <a:srgbClr val="FFFFFF">
-              <a:shade val="85000"/>
-            </a:srgbClr>
-          </a:solidFill>
-          <a:ln w="88900" cap="sq">
-            <a:solidFill>
-              <a:srgbClr val="FFFFFF"/>
-            </a:solidFill>
-            <a:miter lim="800000"/>
-          </a:ln>
-          <a:effectLst>
-            <a:outerShdw blurRad="55000" dist="18000" dir="5400000" algn="tl" rotWithShape="0">
-              <a:srgbClr val="000000">
-                <a:alpha val="40000"/>
-              </a:srgbClr>
-            </a:outerShdw>
-          </a:effectLst>
-          <a:scene3d>
-            <a:camera prst="orthographicFront"/>
-            <a:lightRig rig="twoPt" dir="t">
-              <a:rot lat="0" lon="0" rev="7200000"/>
-            </a:lightRig>
-          </a:scene3d>
-          <a:sp3d>
-            <a:bevelT w="25400" h="19050"/>
-            <a:contourClr>
-              <a:srgbClr val="FFFFFF"/>
-            </a:contourClr>
-          </a:sp3d>
-        </p:spPr>
-      </p:pic>
-      <p:pic>
-        <p:nvPicPr>
-          <p:cNvPr id="5" name="Picture 32" descr="10197006"/>
-          <p:cNvPicPr>
-            <a:picLocks noChangeAspect="1" noChangeArrowheads="1"/>
-          </p:cNvPicPr>
-          <p:nvPr/>
-        </p:nvPicPr>
-        <p:blipFill>
-          <a:blip r:embed="rId3"/>
-          <a:srcRect/>
-          <a:stretch>
-            <a:fillRect/>
-          </a:stretch>
-        </p:blipFill>
-        <p:spPr bwMode="auto">
-          <a:xfrm>
-            <a:off x="3500446" y="4429132"/>
-            <a:ext cx="2286000" cy="1524000"/>
-          </a:xfrm>
-          <a:prstGeom prst="rect">
-            <a:avLst/>
-          </a:prstGeom>
-          <a:solidFill>
-            <a:srgbClr val="FFFFFF">
-              <a:shade val="85000"/>
-            </a:srgbClr>
-          </a:solidFill>
-          <a:ln w="88900" cap="sq">
-            <a:solidFill>
-              <a:srgbClr val="FFFFFF"/>
-            </a:solidFill>
-            <a:miter lim="800000"/>
-          </a:ln>
-          <a:effectLst>
-            <a:outerShdw blurRad="55000" dist="18000" dir="5400000" algn="tl" rotWithShape="0">
-              <a:srgbClr val="000000">
-                <a:alpha val="40000"/>
-              </a:srgbClr>
-            </a:outerShdw>
-          </a:effectLst>
-          <a:scene3d>
-            <a:camera prst="orthographicFront"/>
-            <a:lightRig rig="twoPt" dir="t">
-              <a:rot lat="0" lon="0" rev="7200000"/>
-            </a:lightRig>
-          </a:scene3d>
-          <a:sp3d>
-            <a:bevelT w="25400" h="19050"/>
-            <a:contourClr>
-              <a:srgbClr val="FFFFFF"/>
-            </a:contourClr>
-          </a:sp3d>
         </p:spPr>
       </p:pic>
     </p:spTree>
@@ -5752,34 +6937,38 @@
           </a:bodyPr>
           <a:lstStyle/>
           <a:p>
-            <a:r>
-              <a:rPr lang="es-CL" sz="2300" dirty="0" smtClean="0"/>
-              <a:t>Excelente Capacidad Técnica .</a:t>
-            </a:r>
-          </a:p>
-          <a:p>
-            <a:r>
-              <a:rPr lang="es-CL" sz="2300" dirty="0" smtClean="0"/>
-              <a:t>Alta Vocación de Servicio – Confianza.</a:t>
-            </a:r>
-          </a:p>
-          <a:p>
-            <a:r>
-              <a:rPr lang="es-CL" sz="2300" dirty="0" smtClean="0"/>
-              <a:t>Acceso a los distintos Fabricantes de  Infraestructura, Software y Soluciones.</a:t>
-            </a:r>
-          </a:p>
-          <a:p>
-            <a:r>
-              <a:rPr lang="es-CL" sz="2300" dirty="0" smtClean="0"/>
-              <a:t>Aplicación de Mejores Prácticas en la Industria.</a:t>
-            </a:r>
-          </a:p>
-          <a:p>
-            <a:r>
-              <a:rPr lang="es-CL" sz="2300" dirty="0" smtClean="0"/>
-              <a:t>Establecimiento de relaciones de largo plazo con nuestros Clientes – Credibilidad.</a:t>
-            </a:r>
+            <a:pPr lvl="0"/>
+            <a:r>
+              <a:rPr lang="es-CL" sz="2400" dirty="0" smtClean="0"/>
+              <a:t>Profesionales con excelente calidad técnica y humana.</a:t>
+            </a:r>
+          </a:p>
+          <a:p>
+            <a:pPr lvl="0"/>
+            <a:r>
+              <a:rPr lang="es-CL" sz="2400" dirty="0" smtClean="0"/>
+              <a:t>Nuestra vocación es el servicio.</a:t>
+            </a:r>
+          </a:p>
+          <a:p>
+            <a:pPr lvl="0"/>
+            <a:r>
+              <a:rPr lang="es-CL" sz="2400" dirty="0" smtClean="0"/>
+              <a:t>En nuestros procesos productivos aplicamos las mejores prácticas de la industria.</a:t>
+            </a:r>
+          </a:p>
+          <a:p>
+            <a:pPr lvl="0"/>
+            <a:r>
+              <a:rPr lang="es-CL" sz="2400" dirty="0" smtClean="0"/>
+              <a:t>Queremos que nuestra relación con nuestros clientes sea duradera.</a:t>
+            </a:r>
+          </a:p>
+          <a:p>
+            <a:pPr>
+              <a:buNone/>
+            </a:pPr>
+            <a:endParaRPr lang="es-CL" dirty="0"/>
           </a:p>
         </p:txBody>
       </p:sp>
@@ -5801,20 +6990,20 @@
           <a:lstStyle/>
           <a:p>
             <a:r>
-              <a:rPr lang="en-US" sz="4400" dirty="0" smtClean="0"/>
-              <a:t>Elementos </a:t>
-            </a:r>
-            <a:r>
-              <a:rPr lang="en-US" sz="4400" dirty="0" err="1" smtClean="0"/>
-              <a:t>Diferenciadores</a:t>
-            </a:r>
-            <a:endParaRPr lang="es-CL" dirty="0"/>
+              <a:rPr lang="es-CL" sz="3200" dirty="0" smtClean="0"/>
+              <a:t>Nuestra </a:t>
+            </a:r>
+            <a:r>
+              <a:rPr lang="es-CL" sz="3200" dirty="0" smtClean="0"/>
+              <a:t>Fuerza.</a:t>
+            </a:r>
+            <a:endParaRPr lang="es-CL" sz="3200" dirty="0"/>
           </a:p>
         </p:txBody>
       </p:sp>
       <p:pic>
         <p:nvPicPr>
-          <p:cNvPr id="4" name="Picture 12" descr="10189325"/>
+          <p:cNvPr id="4" name="Picture 32" descr="10197006"/>
           <p:cNvPicPr>
             <a:picLocks noChangeAspect="1" noChangeArrowheads="1"/>
           </p:cNvPicPr>
@@ -5827,44 +7016,56 @@
             <a:fillRect/>
           </a:stretch>
         </p:blipFill>
-        <p:spPr>
-          <a:xfrm>
-            <a:off x="6000760" y="4500570"/>
+        <p:spPr bwMode="auto">
+          <a:xfrm>
+            <a:off x="5562600" y="4343400"/>
             <a:ext cx="2286000" cy="1524000"/>
           </a:xfrm>
           <a:prstGeom prst="rect">
             <a:avLst/>
           </a:prstGeom>
-          <a:solidFill>
-            <a:srgbClr val="FFFFFF">
-              <a:shade val="85000"/>
-            </a:srgbClr>
-          </a:solidFill>
-          <a:ln w="88900" cap="sq">
-            <a:solidFill>
-              <a:srgbClr val="FFFFFF"/>
-            </a:solidFill>
-            <a:miter lim="800000"/>
+          <a:ln>
+            <a:noFill/>
           </a:ln>
           <a:effectLst>
-            <a:outerShdw blurRad="55000" dist="18000" dir="5400000" algn="tl" rotWithShape="0">
-              <a:srgbClr val="000000">
-                <a:alpha val="40000"/>
+            <a:outerShdw blurRad="292100" dist="139700" dir="2700000" algn="tl" rotWithShape="0">
+              <a:srgbClr val="333333">
+                <a:alpha val="65000"/>
               </a:srgbClr>
             </a:outerShdw>
           </a:effectLst>
-          <a:scene3d>
-            <a:camera prst="orthographicFront"/>
-            <a:lightRig rig="twoPt" dir="t">
-              <a:rot lat="0" lon="0" rev="7200000"/>
-            </a:lightRig>
-          </a:scene3d>
-          <a:sp3d>
-            <a:bevelT w="25400" h="19050"/>
-            <a:contourClr>
-              <a:srgbClr val="FFFFFF"/>
-            </a:contourClr>
-          </a:sp3d>
+        </p:spPr>
+      </p:pic>
+      <p:pic>
+        <p:nvPicPr>
+          <p:cNvPr id="5" name="4 Imagen" descr="logo_top_byte.gif"/>
+          <p:cNvPicPr>
+            <a:picLocks noChangeAspect="1"/>
+          </p:cNvPicPr>
+          <p:nvPr/>
+        </p:nvPicPr>
+        <p:blipFill>
+          <a:blip r:embed="rId3">
+            <a:duotone>
+              <a:schemeClr val="bg2">
+                <a:shade val="45000"/>
+                <a:satMod val="135000"/>
+              </a:schemeClr>
+              <a:prstClr val="white"/>
+            </a:duotone>
+          </a:blip>
+          <a:stretch>
+            <a:fillRect/>
+          </a:stretch>
+        </p:blipFill>
+        <p:spPr>
+          <a:xfrm>
+            <a:off x="7572396" y="357166"/>
+            <a:ext cx="971550" cy="971550"/>
+          </a:xfrm>
+          <a:prstGeom prst="rect">
+            <a:avLst/>
+          </a:prstGeom>
         </p:spPr>
       </p:pic>
     </p:spTree>
@@ -5904,52 +7105,6 @@
       </p:grpSpPr>
       <p:sp>
         <p:nvSpPr>
-          <p:cNvPr id="2" name="1 Marcador de contenido"/>
-          <p:cNvSpPr>
-            <a:spLocks noGrp="1"/>
-          </p:cNvSpPr>
-          <p:nvPr>
-            <p:ph idx="1"/>
-          </p:nvPr>
-        </p:nvSpPr>
-        <p:spPr/>
-        <p:txBody>
-          <a:bodyPr/>
-          <a:lstStyle/>
-          <a:p>
-            <a:r>
-              <a:rPr lang="es-CL" sz="2300" dirty="0" smtClean="0"/>
-              <a:t>Adecuada relación Costo/Beneficio.</a:t>
-            </a:r>
-          </a:p>
-          <a:p>
-            <a:r>
-              <a:rPr lang="es-CL" sz="2300" dirty="0" smtClean="0"/>
-              <a:t>Optimizar los recursos y su utilización.</a:t>
-            </a:r>
-          </a:p>
-          <a:p>
-            <a:r>
-              <a:rPr lang="es-CL" sz="2300" dirty="0" smtClean="0"/>
-              <a:t>Calidad - aumento de productividad derivado del incremento de niveles de servicio.</a:t>
-            </a:r>
-          </a:p>
-          <a:p>
-            <a:r>
-              <a:rPr lang="es-CL" sz="2300" dirty="0" smtClean="0"/>
-              <a:t>Innovación- acelerar la adopción de nuevas  Tecnologías</a:t>
-            </a:r>
-          </a:p>
-          <a:p>
-            <a:pPr>
-              <a:buNone/>
-            </a:pPr>
-            <a:endParaRPr lang="es-CL" dirty="0"/>
-          </a:p>
-        </p:txBody>
-      </p:sp>
-      <p:sp>
-        <p:nvSpPr>
           <p:cNvPr id="3" name="2 Título"/>
           <p:cNvSpPr>
             <a:spLocks noGrp="1"/>
@@ -5958,7 +7113,12 @@
             <p:ph type="title"/>
           </p:nvPr>
         </p:nvSpPr>
-        <p:spPr/>
+        <p:spPr>
+          <a:xfrm>
+            <a:off x="642910" y="2928934"/>
+            <a:ext cx="8229600" cy="1143000"/>
+          </a:xfrm>
+        </p:spPr>
         <p:txBody>
           <a:bodyPr>
             <a:normAutofit/>
@@ -5966,23 +7126,31 @@
           <a:lstStyle/>
           <a:p>
             <a:r>
-              <a:rPr lang="es-CL" sz="4400" dirty="0" smtClean="0"/>
-              <a:t>Beneficios para el Cliente</a:t>
-            </a:r>
-            <a:endParaRPr lang="es-CL" dirty="0"/>
+              <a:rPr lang="es-CL" sz="3200" dirty="0" smtClean="0"/>
+              <a:t>Nuestras </a:t>
+            </a:r>
+            <a:r>
+              <a:rPr lang="es-CL" sz="3200" dirty="0" smtClean="0"/>
+              <a:t>Alianzas.</a:t>
+            </a:r>
+            <a:endParaRPr lang="es-CL" sz="3200" dirty="0"/>
           </a:p>
         </p:txBody>
       </p:sp>
       <p:pic>
         <p:nvPicPr>
-          <p:cNvPr id="4" name="Picture 40" descr="5344_031121_118471"/>
-          <p:cNvPicPr>
-            <a:picLocks noChangeAspect="1" noChangeArrowheads="1"/>
-          </p:cNvPicPr>
+          <p:cNvPr id="12" name="11 Imagen" descr="Codelco Chile"/>
+          <p:cNvPicPr/>
           <p:nvPr/>
         </p:nvPicPr>
         <p:blipFill>
-          <a:blip r:embed="rId2"/>
+          <a:blip r:embed="rId2" cstate="print">
+            <a:extLst>
+              <a:ext uri="{28A0092B-C50C-407E-A947-70E740481C1C}">
+                <a14:useLocalDpi xmlns="" xmlns:wpc="http://schemas.microsoft.com/office/word/2010/wordprocessingCanvas" xmlns:mc="http://schemas.openxmlformats.org/markup-compatibility/2006" xmlns:o="urn:schemas-microsoft-com:office:office" xmlns:m="http://schemas.openxmlformats.org/officeDocument/2006/math" xmlns:v="urn:schemas-microsoft-com:vml" xmlns:wp14="http://schemas.microsoft.com/office/word/2010/wordprocessingDrawing" xmlns:wp="http://schemas.openxmlformats.org/drawingml/2006/wordprocessingDrawing" xmlns:w10="urn:schemas-microsoft-com:office:word" xmlns:w="http://schemas.openxmlformats.org/wordprocessingml/2006/main" xmlns:w14="http://schemas.microsoft.com/office/word/2010/wordml" xmlns:wpg="http://schemas.microsoft.com/office/word/2010/wordprocessingGroup" xmlns:wpi="http://schemas.microsoft.com/office/word/2010/wordprocessingInk" xmlns:wne="http://schemas.microsoft.com/office/word/2006/wordml" xmlns:wps="http://schemas.microsoft.com/office/word/2010/wordprocessingShape" xmlns:a14="http://schemas.microsoft.com/office/drawing/2010/main" xmlns:pic="http://schemas.openxmlformats.org/drawingml/2006/picture" xmlns:lc="http://schemas.openxmlformats.org/drawingml/2006/lockedCanvas" val="0"/>
+              </a:ext>
+            </a:extLst>
+          </a:blip>
           <a:srcRect/>
           <a:stretch>
             <a:fillRect/>
@@ -5990,54 +7158,38 @@
         </p:blipFill>
         <p:spPr bwMode="auto">
           <a:xfrm>
-            <a:off x="3286116" y="3762388"/>
-            <a:ext cx="2286000" cy="1524000"/>
+            <a:off x="571472" y="1643050"/>
+            <a:ext cx="1529542" cy="781396"/>
           </a:xfrm>
           <a:prstGeom prst="rect">
             <a:avLst/>
           </a:prstGeom>
-          <a:solidFill>
-            <a:srgbClr val="FFFFFF">
-              <a:shade val="85000"/>
-            </a:srgbClr>
-          </a:solidFill>
-          <a:ln w="88900" cap="sq">
-            <a:solidFill>
-              <a:srgbClr val="FFFFFF"/>
-            </a:solidFill>
-            <a:miter lim="800000"/>
+          <a:ln>
+            <a:noFill/>
           </a:ln>
           <a:effectLst>
-            <a:outerShdw blurRad="55000" dist="18000" dir="5400000" algn="tl" rotWithShape="0">
-              <a:srgbClr val="000000">
-                <a:alpha val="40000"/>
+            <a:outerShdw blurRad="292100" dist="139700" dir="2700000" algn="tl" rotWithShape="0">
+              <a:srgbClr val="333333">
+                <a:alpha val="65000"/>
               </a:srgbClr>
             </a:outerShdw>
           </a:effectLst>
-          <a:scene3d>
-            <a:camera prst="orthographicFront"/>
-            <a:lightRig rig="twoPt" dir="t">
-              <a:rot lat="0" lon="0" rev="7200000"/>
-            </a:lightRig>
-          </a:scene3d>
-          <a:sp3d>
-            <a:bevelT w="25400" h="19050"/>
-            <a:contourClr>
-              <a:srgbClr val="FFFFFF"/>
-            </a:contourClr>
-          </a:sp3d>
         </p:spPr>
       </p:pic>
       <p:pic>
         <p:nvPicPr>
-          <p:cNvPr id="5" name="Picture 41" descr="5344_031121_118470"/>
-          <p:cNvPicPr>
-            <a:picLocks noChangeAspect="1" noChangeArrowheads="1"/>
-          </p:cNvPicPr>
+          <p:cNvPr id="14" name="13 Imagen" descr="Ministerio de Educación"/>
+          <p:cNvPicPr/>
           <p:nvPr/>
         </p:nvPicPr>
         <p:blipFill>
-          <a:blip r:embed="rId3"/>
+          <a:blip r:embed="rId3" cstate="print">
+            <a:extLst>
+              <a:ext uri="{28A0092B-C50C-407E-A947-70E740481C1C}">
+                <a14:useLocalDpi xmlns="" xmlns:wpc="http://schemas.microsoft.com/office/word/2010/wordprocessingCanvas" xmlns:mc="http://schemas.openxmlformats.org/markup-compatibility/2006" xmlns:o="urn:schemas-microsoft-com:office:office" xmlns:m="http://schemas.openxmlformats.org/officeDocument/2006/math" xmlns:v="urn:schemas-microsoft-com:vml" xmlns:wp14="http://schemas.microsoft.com/office/word/2010/wordprocessingDrawing" xmlns:wp="http://schemas.openxmlformats.org/drawingml/2006/wordprocessingDrawing" xmlns:w10="urn:schemas-microsoft-com:office:word" xmlns:w="http://schemas.openxmlformats.org/wordprocessingml/2006/main" xmlns:w14="http://schemas.microsoft.com/office/word/2010/wordml" xmlns:wpg="http://schemas.microsoft.com/office/word/2010/wordprocessingGroup" xmlns:wpi="http://schemas.microsoft.com/office/word/2010/wordprocessingInk" xmlns:wne="http://schemas.microsoft.com/office/word/2006/wordml" xmlns:wps="http://schemas.microsoft.com/office/word/2010/wordprocessingShape" xmlns:a14="http://schemas.microsoft.com/office/drawing/2010/main" xmlns:pic="http://schemas.openxmlformats.org/drawingml/2006/picture" xmlns:lc="http://schemas.openxmlformats.org/drawingml/2006/lockedCanvas" val="0"/>
+              </a:ext>
+            </a:extLst>
+          </a:blip>
           <a:srcRect/>
           <a:stretch>
             <a:fillRect/>
@@ -6045,42 +7197,330 @@
         </p:blipFill>
         <p:spPr bwMode="auto">
           <a:xfrm>
-            <a:off x="6072198" y="5000636"/>
-            <a:ext cx="2286000" cy="1458913"/>
+            <a:off x="2571736" y="1643050"/>
+            <a:ext cx="1604356" cy="798022"/>
           </a:xfrm>
           <a:prstGeom prst="rect">
             <a:avLst/>
           </a:prstGeom>
-          <a:solidFill>
-            <a:srgbClr val="FFFFFF">
-              <a:shade val="85000"/>
-            </a:srgbClr>
-          </a:solidFill>
-          <a:ln w="88900" cap="sq">
-            <a:solidFill>
-              <a:srgbClr val="FFFFFF"/>
-            </a:solidFill>
-            <a:miter lim="800000"/>
+          <a:ln>
+            <a:noFill/>
           </a:ln>
           <a:effectLst>
-            <a:outerShdw blurRad="55000" dist="18000" dir="5400000" algn="tl" rotWithShape="0">
-              <a:srgbClr val="000000">
-                <a:alpha val="40000"/>
+            <a:outerShdw blurRad="292100" dist="139700" dir="2700000" algn="tl" rotWithShape="0">
+              <a:srgbClr val="333333">
+                <a:alpha val="65000"/>
               </a:srgbClr>
             </a:outerShdw>
           </a:effectLst>
-          <a:scene3d>
-            <a:camera prst="orthographicFront"/>
-            <a:lightRig rig="twoPt" dir="t">
-              <a:rot lat="0" lon="0" rev="7200000"/>
-            </a:lightRig>
-          </a:scene3d>
-          <a:sp3d>
-            <a:bevelT w="25400" h="19050"/>
-            <a:contourClr>
-              <a:srgbClr val="FFFFFF"/>
-            </a:contourClr>
-          </a:sp3d>
+        </p:spPr>
+      </p:pic>
+      <p:pic>
+        <p:nvPicPr>
+          <p:cNvPr id="15" name="14 Imagen" descr="banco Edwards"/>
+          <p:cNvPicPr/>
+          <p:nvPr/>
+        </p:nvPicPr>
+        <p:blipFill>
+          <a:blip r:embed="rId4" cstate="print">
+            <a:extLst>
+              <a:ext uri="{28A0092B-C50C-407E-A947-70E740481C1C}">
+                <a14:useLocalDpi xmlns="" xmlns:wpc="http://schemas.microsoft.com/office/word/2010/wordprocessingCanvas" xmlns:mc="http://schemas.openxmlformats.org/markup-compatibility/2006" xmlns:o="urn:schemas-microsoft-com:office:office" xmlns:m="http://schemas.openxmlformats.org/officeDocument/2006/math" xmlns:v="urn:schemas-microsoft-com:vml" xmlns:wp14="http://schemas.microsoft.com/office/word/2010/wordprocessingDrawing" xmlns:wp="http://schemas.openxmlformats.org/drawingml/2006/wordprocessingDrawing" xmlns:w10="urn:schemas-microsoft-com:office:word" xmlns:w="http://schemas.openxmlformats.org/wordprocessingml/2006/main" xmlns:w14="http://schemas.microsoft.com/office/word/2010/wordml" xmlns:wpg="http://schemas.microsoft.com/office/word/2010/wordprocessingGroup" xmlns:wpi="http://schemas.microsoft.com/office/word/2010/wordprocessingInk" xmlns:wne="http://schemas.microsoft.com/office/word/2006/wordml" xmlns:wps="http://schemas.microsoft.com/office/word/2010/wordprocessingShape" xmlns:a14="http://schemas.microsoft.com/office/drawing/2010/main" xmlns:pic="http://schemas.openxmlformats.org/drawingml/2006/picture" xmlns:lc="http://schemas.openxmlformats.org/drawingml/2006/lockedCanvas" val="0"/>
+              </a:ext>
+            </a:extLst>
+          </a:blip>
+          <a:srcRect/>
+          <a:stretch>
+            <a:fillRect/>
+          </a:stretch>
+        </p:blipFill>
+        <p:spPr bwMode="auto">
+          <a:xfrm>
+            <a:off x="4643438" y="1643050"/>
+            <a:ext cx="1512916" cy="814648"/>
+          </a:xfrm>
+          <a:prstGeom prst="rect">
+            <a:avLst/>
+          </a:prstGeom>
+          <a:ln>
+            <a:noFill/>
+          </a:ln>
+          <a:effectLst>
+            <a:outerShdw blurRad="292100" dist="139700" dir="2700000" algn="tl" rotWithShape="0">
+              <a:srgbClr val="333333">
+                <a:alpha val="65000"/>
+              </a:srgbClr>
+            </a:outerShdw>
+          </a:effectLst>
+        </p:spPr>
+      </p:pic>
+      <p:pic>
+        <p:nvPicPr>
+          <p:cNvPr id="16" name="15 Imagen" descr="Italpasta S.A"/>
+          <p:cNvPicPr/>
+          <p:nvPr/>
+        </p:nvPicPr>
+        <p:blipFill>
+          <a:blip r:embed="rId5" cstate="print">
+            <a:extLst>
+              <a:ext uri="{28A0092B-C50C-407E-A947-70E740481C1C}">
+                <a14:useLocalDpi xmlns="" xmlns:wpc="http://schemas.microsoft.com/office/word/2010/wordprocessingCanvas" xmlns:mc="http://schemas.openxmlformats.org/markup-compatibility/2006" xmlns:o="urn:schemas-microsoft-com:office:office" xmlns:m="http://schemas.openxmlformats.org/officeDocument/2006/math" xmlns:v="urn:schemas-microsoft-com:vml" xmlns:wp14="http://schemas.microsoft.com/office/word/2010/wordprocessingDrawing" xmlns:wp="http://schemas.openxmlformats.org/drawingml/2006/wordprocessingDrawing" xmlns:w10="urn:schemas-microsoft-com:office:word" xmlns:w="http://schemas.openxmlformats.org/wordprocessingml/2006/main" xmlns:w14="http://schemas.microsoft.com/office/word/2010/wordml" xmlns:wpg="http://schemas.microsoft.com/office/word/2010/wordprocessingGroup" xmlns:wpi="http://schemas.microsoft.com/office/word/2010/wordprocessingInk" xmlns:wne="http://schemas.microsoft.com/office/word/2006/wordml" xmlns:wps="http://schemas.microsoft.com/office/word/2010/wordprocessingShape" xmlns:a14="http://schemas.microsoft.com/office/drawing/2010/main" xmlns:pic="http://schemas.openxmlformats.org/drawingml/2006/picture" xmlns:lc="http://schemas.openxmlformats.org/drawingml/2006/lockedCanvas" val="0"/>
+              </a:ext>
+            </a:extLst>
+          </a:blip>
+          <a:srcRect/>
+          <a:stretch>
+            <a:fillRect/>
+          </a:stretch>
+        </p:blipFill>
+        <p:spPr bwMode="auto">
+          <a:xfrm>
+            <a:off x="6715140" y="1643050"/>
+            <a:ext cx="1429790" cy="773084"/>
+          </a:xfrm>
+          <a:prstGeom prst="rect">
+            <a:avLst/>
+          </a:prstGeom>
+          <a:ln>
+            <a:noFill/>
+          </a:ln>
+          <a:effectLst>
+            <a:outerShdw blurRad="292100" dist="139700" dir="2700000" algn="tl" rotWithShape="0">
+              <a:srgbClr val="333333">
+                <a:alpha val="65000"/>
+              </a:srgbClr>
+            </a:outerShdw>
+          </a:effectLst>
+        </p:spPr>
+      </p:pic>
+      <p:sp>
+        <p:nvSpPr>
+          <p:cNvPr id="17" name="2 Título"/>
+          <p:cNvSpPr txBox="1">
+            <a:spLocks/>
+          </p:cNvSpPr>
+          <p:nvPr/>
+        </p:nvSpPr>
+        <p:spPr>
+          <a:xfrm>
+            <a:off x="609600" y="427038"/>
+            <a:ext cx="8229600" cy="1143000"/>
+          </a:xfrm>
+          <a:prstGeom prst="rect">
+            <a:avLst/>
+          </a:prstGeom>
+        </p:spPr>
+        <p:txBody>
+          <a:bodyPr vert="horz" rtlCol="0" anchor="ctr">
+            <a:normAutofit/>
+            <a:scene3d>
+              <a:camera prst="orthographicFront"/>
+              <a:lightRig rig="soft" dir="t"/>
+            </a:scene3d>
+            <a:sp3d prstMaterial="softEdge">
+              <a:bevelT w="25400" h="25400"/>
+            </a:sp3d>
+          </a:bodyPr>
+          <a:lstStyle/>
+          <a:p>
+            <a:pPr marL="0" marR="0" lvl="0" indent="0" algn="l" defTabSz="914400" rtl="0" eaLnBrk="1" fontAlgn="auto" latinLnBrk="0" hangingPunct="1">
+              <a:lnSpc>
+                <a:spcPct val="100000"/>
+              </a:lnSpc>
+              <a:spcBef>
+                <a:spcPct val="0"/>
+              </a:spcBef>
+              <a:spcAft>
+                <a:spcPts val="0"/>
+              </a:spcAft>
+              <a:buClrTx/>
+              <a:buSzTx/>
+              <a:buFontTx/>
+              <a:buNone/>
+              <a:tabLst/>
+              <a:defRPr/>
+            </a:pPr>
+            <a:r>
+              <a:rPr kumimoji="0" lang="es-CL" sz="3200" b="1" i="0" u="none" strike="noStrike" kern="1200" cap="none" spc="0" normalizeH="0" baseline="0" noProof="0" dirty="0" smtClean="0">
+                <a:ln>
+                  <a:noFill/>
+                </a:ln>
+                <a:solidFill>
+                  <a:schemeClr val="tx2"/>
+                </a:solidFill>
+                <a:effectLst>
+                  <a:outerShdw blurRad="31750" dist="25400" dir="5400000" algn="tl" rotWithShape="0">
+                    <a:srgbClr val="000000">
+                      <a:alpha val="25000"/>
+                    </a:srgbClr>
+                  </a:outerShdw>
+                </a:effectLst>
+                <a:uLnTx/>
+                <a:uFillTx/>
+                <a:latin typeface="+mj-lt"/>
+                <a:ea typeface="+mj-ea"/>
+                <a:cs typeface="+mj-cs"/>
+              </a:rPr>
+              <a:t>Nuestras Referencias.</a:t>
+            </a:r>
+            <a:endParaRPr kumimoji="0" lang="es-CL" sz="3200" b="1" i="0" u="none" strike="noStrike" kern="1200" cap="none" spc="0" normalizeH="0" baseline="0" noProof="0" dirty="0">
+              <a:ln>
+                <a:noFill/>
+              </a:ln>
+              <a:solidFill>
+                <a:schemeClr val="tx2"/>
+              </a:solidFill>
+              <a:effectLst>
+                <a:outerShdw blurRad="31750" dist="25400" dir="5400000" algn="tl" rotWithShape="0">
+                  <a:srgbClr val="000000">
+                    <a:alpha val="25000"/>
+                  </a:srgbClr>
+                </a:outerShdw>
+              </a:effectLst>
+              <a:uLnTx/>
+              <a:uFillTx/>
+              <a:latin typeface="+mj-lt"/>
+              <a:ea typeface="+mj-ea"/>
+              <a:cs typeface="+mj-cs"/>
+            </a:endParaRPr>
+          </a:p>
+        </p:txBody>
+      </p:sp>
+      <p:pic>
+        <p:nvPicPr>
+          <p:cNvPr id="18" name="17 Imagen" descr="boto_part_ibm.gif"/>
+          <p:cNvPicPr>
+            <a:picLocks noChangeAspect="1"/>
+          </p:cNvPicPr>
+          <p:nvPr/>
+        </p:nvPicPr>
+        <p:blipFill>
+          <a:blip r:embed="rId6"/>
+          <a:srcRect l="48530" b="8333"/>
+          <a:stretch>
+            <a:fillRect/>
+          </a:stretch>
+        </p:blipFill>
+        <p:spPr>
+          <a:xfrm>
+            <a:off x="1428728" y="4143380"/>
+            <a:ext cx="1666864" cy="785818"/>
+          </a:xfrm>
+          <a:prstGeom prst="rect">
+            <a:avLst/>
+          </a:prstGeom>
+          <a:ln>
+            <a:noFill/>
+          </a:ln>
+          <a:effectLst>
+            <a:outerShdw blurRad="292100" dist="139700" dir="2700000" algn="tl" rotWithShape="0">
+              <a:srgbClr val="333333">
+                <a:alpha val="65000"/>
+              </a:srgbClr>
+            </a:outerShdw>
+          </a:effectLst>
+        </p:spPr>
+      </p:pic>
+      <p:pic>
+        <p:nvPicPr>
+          <p:cNvPr id="19" name="18 Imagen" descr="boto_part_ingram.gif"/>
+          <p:cNvPicPr>
+            <a:picLocks noChangeAspect="1"/>
+          </p:cNvPicPr>
+          <p:nvPr/>
+        </p:nvPicPr>
+        <p:blipFill>
+          <a:blip r:embed="rId7"/>
+          <a:srcRect l="48530" b="8333"/>
+          <a:stretch>
+            <a:fillRect/>
+          </a:stretch>
+        </p:blipFill>
+        <p:spPr>
+          <a:xfrm>
+            <a:off x="3619516" y="4143380"/>
+            <a:ext cx="1666864" cy="785818"/>
+          </a:xfrm>
+          <a:prstGeom prst="rect">
+            <a:avLst/>
+          </a:prstGeom>
+          <a:ln>
+            <a:noFill/>
+          </a:ln>
+          <a:effectLst>
+            <a:outerShdw blurRad="292100" dist="139700" dir="2700000" algn="tl" rotWithShape="0">
+              <a:srgbClr val="333333">
+                <a:alpha val="65000"/>
+              </a:srgbClr>
+            </a:outerShdw>
+          </a:effectLst>
+        </p:spPr>
+      </p:pic>
+      <p:pic>
+        <p:nvPicPr>
+          <p:cNvPr id="20" name="19 Imagen" descr="boto_part_lenovo.gif"/>
+          <p:cNvPicPr>
+            <a:picLocks noChangeAspect="1"/>
+          </p:cNvPicPr>
+          <p:nvPr/>
+        </p:nvPicPr>
+        <p:blipFill>
+          <a:blip r:embed="rId8"/>
+          <a:srcRect l="48530" b="8333"/>
+          <a:stretch>
+            <a:fillRect/>
+          </a:stretch>
+        </p:blipFill>
+        <p:spPr>
+          <a:xfrm>
+            <a:off x="5834094" y="4143380"/>
+            <a:ext cx="1666864" cy="785818"/>
+          </a:xfrm>
+          <a:prstGeom prst="rect">
+            <a:avLst/>
+          </a:prstGeom>
+          <a:ln>
+            <a:noFill/>
+          </a:ln>
+          <a:effectLst>
+            <a:outerShdw blurRad="292100" dist="139700" dir="2700000" algn="tl" rotWithShape="0">
+              <a:srgbClr val="333333">
+                <a:alpha val="65000"/>
+              </a:srgbClr>
+            </a:outerShdw>
+          </a:effectLst>
+        </p:spPr>
+      </p:pic>
+      <p:pic>
+        <p:nvPicPr>
+          <p:cNvPr id="21" name="20 Imagen" descr="logo_top_byte.gif"/>
+          <p:cNvPicPr>
+            <a:picLocks noChangeAspect="1"/>
+          </p:cNvPicPr>
+          <p:nvPr/>
+        </p:nvPicPr>
+        <p:blipFill>
+          <a:blip r:embed="rId9">
+            <a:duotone>
+              <a:schemeClr val="bg2">
+                <a:shade val="45000"/>
+                <a:satMod val="135000"/>
+              </a:schemeClr>
+              <a:prstClr val="white"/>
+            </a:duotone>
+          </a:blip>
+          <a:stretch>
+            <a:fillRect/>
+          </a:stretch>
+        </p:blipFill>
+        <p:spPr>
+          <a:xfrm>
+            <a:off x="7572396" y="357166"/>
+            <a:ext cx="971550" cy="971550"/>
+          </a:xfrm>
+          <a:prstGeom prst="rect">
+            <a:avLst/>
+          </a:prstGeom>
         </p:spPr>
       </p:pic>
     </p:spTree>
@@ -6171,18 +7611,65 @@
         <p:spPr/>
         <p:txBody>
           <a:bodyPr>
-            <a:normAutofit fontScale="90000"/>
+            <a:noAutofit/>
           </a:bodyPr>
           <a:lstStyle/>
           <a:p>
             <a:r>
-              <a:rPr lang="es-CL" dirty="0" smtClean="0"/>
-              <a:t>El Problema de las Revelaciones, los EE.FF y el XBRL.</a:t>
-            </a:r>
-            <a:endParaRPr lang="es-CL" dirty="0"/>
-          </a:p>
-        </p:txBody>
-      </p:sp>
+              <a:rPr lang="es-CL" sz="3200" dirty="0" smtClean="0"/>
+              <a:t>El Problema de las Revelaciones, </a:t>
+            </a:r>
+            <a:r>
+              <a:rPr lang="es-CL" sz="3200" dirty="0" smtClean="0"/>
+              <a:t/>
+            </a:r>
+            <a:br>
+              <a:rPr lang="es-CL" sz="3200" dirty="0" smtClean="0"/>
+            </a:br>
+            <a:r>
+              <a:rPr lang="es-CL" sz="3200" dirty="0" smtClean="0"/>
+              <a:t>los </a:t>
+            </a:r>
+            <a:r>
+              <a:rPr lang="es-CL" sz="3200" dirty="0" smtClean="0"/>
+              <a:t>EE.FF y el XBRL.</a:t>
+            </a:r>
+            <a:endParaRPr lang="es-CL" sz="3200" dirty="0"/>
+          </a:p>
+        </p:txBody>
+      </p:sp>
+      <p:pic>
+        <p:nvPicPr>
+          <p:cNvPr id="4" name="3 Imagen" descr="logo_top_byte.gif"/>
+          <p:cNvPicPr>
+            <a:picLocks noChangeAspect="1"/>
+          </p:cNvPicPr>
+          <p:nvPr/>
+        </p:nvPicPr>
+        <p:blipFill>
+          <a:blip r:embed="rId2">
+            <a:duotone>
+              <a:schemeClr val="bg2">
+                <a:shade val="45000"/>
+                <a:satMod val="135000"/>
+              </a:schemeClr>
+              <a:prstClr val="white"/>
+            </a:duotone>
+          </a:blip>
+          <a:stretch>
+            <a:fillRect/>
+          </a:stretch>
+        </p:blipFill>
+        <p:spPr>
+          <a:xfrm>
+            <a:off x="7572396" y="357166"/>
+            <a:ext cx="971550" cy="971550"/>
+          </a:xfrm>
+          <a:prstGeom prst="rect">
+            <a:avLst/>
+          </a:prstGeom>
+        </p:spPr>
+      </p:pic>
     </p:spTree>
   </p:cSld>
   <p:clrMapOvr>
@@ -6218,6 +7705,38 @@
           <a:chExt cx="0" cy="0"/>
         </a:xfrm>
       </p:grpSpPr>
+      <p:pic>
+        <p:nvPicPr>
+          <p:cNvPr id="3" name="2 Imagen" descr="logo_top_byte.gif"/>
+          <p:cNvPicPr>
+            <a:picLocks noChangeAspect="1"/>
+          </p:cNvPicPr>
+          <p:nvPr/>
+        </p:nvPicPr>
+        <p:blipFill>
+          <a:blip r:embed="rId2">
+            <a:duotone>
+              <a:schemeClr val="bg2">
+                <a:shade val="45000"/>
+                <a:satMod val="135000"/>
+              </a:schemeClr>
+              <a:prstClr val="white"/>
+            </a:duotone>
+          </a:blip>
+          <a:stretch>
+            <a:fillRect/>
+          </a:stretch>
+        </p:blipFill>
+        <p:spPr>
+          <a:xfrm>
+            <a:off x="7572396" y="357166"/>
+            <a:ext cx="971550" cy="971550"/>
+          </a:xfrm>
+          <a:prstGeom prst="rect">
+            <a:avLst/>
+          </a:prstGeom>
+        </p:spPr>
+      </p:pic>
       <p:sp>
         <p:nvSpPr>
           <p:cNvPr id="2" name="1 Marcador de contenido"/>
@@ -6243,7 +7762,47 @@
             <a:pPr algn="just"/>
             <a:r>
               <a:rPr lang="es-CL" sz="2200" dirty="0" smtClean="0"/>
-              <a:t>Desde el nacimiento de la normativa con la circular 2022 en Mayo del 2011, existen hasta la fecha 3 modificaciones en la definición de la normativa impactando directamente en la estructura y contenido de las Revelaciones. Esto implica un alto porcentaje de variabilidad de la información que se debe preparar y presentar.</a:t>
+              <a:t>Desde el nacimiento de la normativa con la circular 2022 en Mayo del 2011, existen hasta la </a:t>
+            </a:r>
+            <a:r>
+              <a:rPr lang="es-CL" sz="2200" dirty="0" smtClean="0"/>
+              <a:t>fecha, tres </a:t>
+            </a:r>
+            <a:r>
+              <a:rPr lang="es-CL" sz="2200" dirty="0" smtClean="0"/>
+              <a:t>modificaciones en la definición de la </a:t>
+            </a:r>
+            <a:r>
+              <a:rPr lang="es-CL" sz="2200" dirty="0" smtClean="0"/>
+              <a:t>Normativa </a:t>
+            </a:r>
+            <a:r>
+              <a:rPr lang="es-CL" sz="2200" dirty="0" smtClean="0"/>
+              <a:t>impactando directamente en la </a:t>
+            </a:r>
+            <a:r>
+              <a:rPr lang="es-CL" sz="2200" dirty="0" smtClean="0"/>
+              <a:t>Estructura </a:t>
+            </a:r>
+            <a:r>
+              <a:rPr lang="es-CL" sz="2200" dirty="0" smtClean="0"/>
+              <a:t>y </a:t>
+            </a:r>
+            <a:r>
+              <a:rPr lang="es-CL" sz="2200" dirty="0" smtClean="0"/>
+              <a:t>Contenido </a:t>
+            </a:r>
+            <a:r>
+              <a:rPr lang="es-CL" sz="2200" dirty="0" smtClean="0"/>
+              <a:t>de las Revelaciones. Esto implica un alto porcentaje de variabilidad de la </a:t>
+            </a:r>
+            <a:r>
+              <a:rPr lang="es-CL" sz="2200" dirty="0" smtClean="0"/>
+              <a:t>Información </a:t>
+            </a:r>
+            <a:r>
+              <a:rPr lang="es-CL" sz="2200" dirty="0" smtClean="0"/>
+              <a:t>que se debe preparar y presentar.</a:t>
             </a:r>
           </a:p>
           <a:p>
@@ -6262,7 +7821,15 @@
             </a:r>
             <a:r>
               <a:rPr lang="es-CL" sz="2200" dirty="0" smtClean="0"/>
-              <a:t> que se ajusta a todos los posibles escenarios impuestos por la Súper Intendencia de Valores y Seguros, brindando una capacidad de adaptación único a la hora de enfrentar los cambios en los modelos de entrega de la información de Revelaciones, Estados Financieros y Generación de XBRL.</a:t>
+              <a:t> que se ajusta a todos los posibles escenarios impuestos por la Súper Intendencia de Valores y Seguros, brindando una capacidad de adaptación </a:t>
+            </a:r>
+            <a:r>
+              <a:rPr lang="es-CL" sz="2200" dirty="0" smtClean="0"/>
+              <a:t>única </a:t>
+            </a:r>
+            <a:r>
+              <a:rPr lang="es-CL" sz="2200" dirty="0" smtClean="0"/>
+              <a:t>a la hora de enfrentar los cambios en los modelos de entrega de la información de Revelaciones, Estados Financieros y Generación de XBRL.</a:t>
             </a:r>
             <a:endParaRPr lang="es-CL" sz="2200" dirty="0"/>
           </a:p>
@@ -6323,7 +7890,15 @@
             <a:pPr algn="just"/>
             <a:r>
               <a:rPr lang="es-CL" sz="2300" dirty="0" smtClean="0"/>
-              <a:t>Totalmente Versátil, se adapta sin problemas a las distintas especificaciones de la normativa permitiendo superar sin dificultades las problemáticas asociadas los cambios sobre forma y contenido de las Revelaciones.</a:t>
+              <a:t>Totalmente Versátil, se adapta sin problemas a las distintas especificaciones de la normativa permitiendo superar sin dificultades las problemáticas asociadas </a:t>
+            </a:r>
+            <a:r>
+              <a:rPr lang="es-CL" sz="2300" dirty="0" smtClean="0"/>
+              <a:t>a los </a:t>
+            </a:r>
+            <a:r>
+              <a:rPr lang="es-CL" sz="2300" dirty="0" smtClean="0"/>
+              <a:t>cambios sobre forma y contenido de las Revelaciones.</a:t>
             </a:r>
           </a:p>
           <a:p>
@@ -6393,17 +7968,55 @@
         </p:nvSpPr>
         <p:spPr/>
         <p:txBody>
-          <a:bodyPr/>
+          <a:bodyPr>
+            <a:normAutofit/>
+          </a:bodyPr>
           <a:lstStyle/>
           <a:p>
             <a:r>
-              <a:rPr lang="es-CL" dirty="0" smtClean="0"/>
-              <a:t>Principales Características</a:t>
-            </a:r>
-            <a:endParaRPr lang="es-CL" dirty="0"/>
-          </a:p>
-        </p:txBody>
-      </p:sp>
+              <a:rPr lang="es-CL" sz="3200" dirty="0" smtClean="0"/>
+              <a:t>Principales </a:t>
+            </a:r>
+            <a:r>
+              <a:rPr lang="es-CL" sz="3200" dirty="0" smtClean="0"/>
+              <a:t>Características.</a:t>
+            </a:r>
+            <a:endParaRPr lang="es-CL" sz="3200" dirty="0"/>
+          </a:p>
+        </p:txBody>
+      </p:sp>
+      <p:pic>
+        <p:nvPicPr>
+          <p:cNvPr id="4" name="3 Imagen" descr="logo_top_byte.gif"/>
+          <p:cNvPicPr>
+            <a:picLocks noChangeAspect="1"/>
+          </p:cNvPicPr>
+          <p:nvPr/>
+        </p:nvPicPr>
+        <p:blipFill>
+          <a:blip r:embed="rId2">
+            <a:duotone>
+              <a:schemeClr val="bg2">
+                <a:shade val="45000"/>
+                <a:satMod val="135000"/>
+              </a:schemeClr>
+              <a:prstClr val="white"/>
+            </a:duotone>
+          </a:blip>
+          <a:stretch>
+            <a:fillRect/>
+          </a:stretch>
+        </p:blipFill>
+        <p:spPr>
+          <a:xfrm>
+            <a:off x="7572396" y="357166"/>
+            <a:ext cx="971550" cy="971550"/>
+          </a:xfrm>
+          <a:prstGeom prst="rect">
+            <a:avLst/>
+          </a:prstGeom>
+        </p:spPr>
+      </p:pic>
     </p:spTree>
   </p:cSld>
   <p:clrMapOvr>
@@ -6491,6 +8104,38 @@
           </a:p>
         </p:txBody>
       </p:sp>
+      <p:pic>
+        <p:nvPicPr>
+          <p:cNvPr id="3" name="2 Imagen" descr="logo_top_byte.gif"/>
+          <p:cNvPicPr>
+            <a:picLocks noChangeAspect="1"/>
+          </p:cNvPicPr>
+          <p:nvPr/>
+        </p:nvPicPr>
+        <p:blipFill>
+          <a:blip r:embed="rId2">
+            <a:duotone>
+              <a:schemeClr val="bg2">
+                <a:shade val="45000"/>
+                <a:satMod val="135000"/>
+              </a:schemeClr>
+              <a:prstClr val="white"/>
+            </a:duotone>
+          </a:blip>
+          <a:stretch>
+            <a:fillRect/>
+          </a:stretch>
+        </p:blipFill>
+        <p:spPr>
+          <a:xfrm>
+            <a:off x="7572396" y="357166"/>
+            <a:ext cx="971550" cy="971550"/>
+          </a:xfrm>
+          <a:prstGeom prst="rect">
+            <a:avLst/>
+          </a:prstGeom>
+        </p:spPr>
+      </p:pic>
     </p:spTree>
   </p:cSld>
   <p:clrMapOvr>

--- a/docs/comercial/brochure.pptx
+++ b/docs/comercial/brochure.pptx
@@ -12,20 +12,22 @@
     <p:sldId id="264" r:id="rId6"/>
     <p:sldId id="257" r:id="rId7"/>
     <p:sldId id="261" r:id="rId8"/>
-    <p:sldId id="258" r:id="rId9"/>
-    <p:sldId id="259" r:id="rId10"/>
-    <p:sldId id="266" r:id="rId11"/>
-    <p:sldId id="267" r:id="rId12"/>
-    <p:sldId id="268" r:id="rId13"/>
-    <p:sldId id="269" r:id="rId14"/>
-    <p:sldId id="275" r:id="rId15"/>
-    <p:sldId id="270" r:id="rId16"/>
-    <p:sldId id="271" r:id="rId17"/>
-    <p:sldId id="272" r:id="rId18"/>
-    <p:sldId id="273" r:id="rId19"/>
-    <p:sldId id="274" r:id="rId20"/>
-    <p:sldId id="277" r:id="rId21"/>
-    <p:sldId id="260" r:id="rId22"/>
+    <p:sldId id="279" r:id="rId9"/>
+    <p:sldId id="258" r:id="rId10"/>
+    <p:sldId id="259" r:id="rId11"/>
+    <p:sldId id="266" r:id="rId12"/>
+    <p:sldId id="267" r:id="rId13"/>
+    <p:sldId id="268" r:id="rId14"/>
+    <p:sldId id="269" r:id="rId15"/>
+    <p:sldId id="275" r:id="rId16"/>
+    <p:sldId id="270" r:id="rId17"/>
+    <p:sldId id="271" r:id="rId18"/>
+    <p:sldId id="272" r:id="rId19"/>
+    <p:sldId id="273" r:id="rId20"/>
+    <p:sldId id="274" r:id="rId21"/>
+    <p:sldId id="277" r:id="rId22"/>
+    <p:sldId id="260" r:id="rId23"/>
+    <p:sldId id="278" r:id="rId24"/>
   </p:sldIdLst>
   <p:sldSz cx="9144000" cy="6858000" type="screen4x3"/>
   <p:notesSz cx="6858000" cy="9144000"/>
@@ -4714,7 +4716,15 @@
             </a:r>
             <a:r>
               <a:rPr lang="es-CL" sz="2000" dirty="0" smtClean="0"/>
-              <a:t> Data)</a:t>
+              <a:t> Data </a:t>
+            </a:r>
+            <a:r>
+              <a:rPr lang="es-CL" sz="2000" dirty="0" err="1" smtClean="0"/>
+              <a:t>System</a:t>
+            </a:r>
+            <a:r>
+              <a:rPr lang="es-CL" sz="2000" dirty="0" smtClean="0"/>
+              <a:t>)</a:t>
             </a:r>
             <a:r>
               <a:rPr lang="es-CL" sz="5400" dirty="0" smtClean="0"/>
@@ -4725,7 +4735,11 @@
             </a:br>
             <a:r>
               <a:rPr lang="es-CL" sz="2400" dirty="0" smtClean="0"/>
-              <a:t>Software de gestión de Revelaciones y Estados Financieros para Entidades Aseguradoras</a:t>
+              <a:t>Software de gestión de Revelaciones y Estados Financieros para Entidades </a:t>
+            </a:r>
+            <a:r>
+              <a:rPr lang="es-CL" sz="2400" dirty="0" smtClean="0"/>
+              <a:t>Aseguradoras.</a:t>
             </a:r>
             <a:endParaRPr lang="es-CL" dirty="0"/>
           </a:p>
@@ -4748,7 +4762,7 @@
         <p:spPr>
           <a:xfrm>
             <a:off x="571472" y="571480"/>
-            <a:ext cx="971550" cy="971550"/>
+            <a:ext cx="1357322" cy="1357322"/>
           </a:xfrm>
           <a:prstGeom prst="rect">
             <a:avLst/>
@@ -4800,6 +4814,125 @@
             <p:ph idx="1"/>
           </p:nvPr>
         </p:nvSpPr>
+        <p:spPr>
+          <a:xfrm>
+            <a:off x="428596" y="571480"/>
+            <a:ext cx="8229600" cy="4525963"/>
+          </a:xfrm>
+        </p:spPr>
+        <p:txBody>
+          <a:bodyPr>
+            <a:normAutofit/>
+          </a:bodyPr>
+          <a:lstStyle/>
+          <a:p>
+            <a:pPr algn="just"/>
+            <a:r>
+              <a:rPr lang="es-CL" sz="2300" dirty="0" smtClean="0"/>
+              <a:t>Interfaz Amigable y Usable.</a:t>
+            </a:r>
+          </a:p>
+          <a:p>
+            <a:pPr algn="just"/>
+            <a:r>
+              <a:rPr lang="es-CL" sz="2300" dirty="0" smtClean="0"/>
+              <a:t>Configurable y parametrizable.</a:t>
+            </a:r>
+          </a:p>
+          <a:p>
+            <a:pPr algn="just"/>
+            <a:r>
+              <a:rPr lang="es-CL" sz="2300" dirty="0" smtClean="0"/>
+              <a:t>Disponible en Intranet y 100% Web.</a:t>
+            </a:r>
+          </a:p>
+          <a:p>
+            <a:pPr algn="just"/>
+            <a:r>
+              <a:rPr lang="es-CL" sz="2300" dirty="0" smtClean="0"/>
+              <a:t>Este producto entrega una solución concreta a los procesos de obtención, administración, gestión y almacenamiento integral de toda la información involucrada en las Revelaciones según la norma IFRS.</a:t>
+            </a:r>
+            <a:endParaRPr lang="es-CL" sz="2300" dirty="0"/>
+          </a:p>
+        </p:txBody>
+      </p:sp>
+      <p:pic>
+        <p:nvPicPr>
+          <p:cNvPr id="3" name="2 Imagen" descr="logo_top_byte.gif"/>
+          <p:cNvPicPr>
+            <a:picLocks noChangeAspect="1"/>
+          </p:cNvPicPr>
+          <p:nvPr/>
+        </p:nvPicPr>
+        <p:blipFill>
+          <a:blip r:embed="rId2">
+            <a:duotone>
+              <a:schemeClr val="bg2">
+                <a:shade val="45000"/>
+                <a:satMod val="135000"/>
+              </a:schemeClr>
+              <a:prstClr val="white"/>
+            </a:duotone>
+          </a:blip>
+          <a:stretch>
+            <a:fillRect/>
+          </a:stretch>
+        </p:blipFill>
+        <p:spPr>
+          <a:xfrm>
+            <a:off x="7572396" y="357166"/>
+            <a:ext cx="971550" cy="971550"/>
+          </a:xfrm>
+          <a:prstGeom prst="rect">
+            <a:avLst/>
+          </a:prstGeom>
+        </p:spPr>
+      </p:pic>
+    </p:spTree>
+  </p:cSld>
+  <p:clrMapOvr>
+    <a:masterClrMapping/>
+  </p:clrMapOvr>
+  <p:transition spd="slow">
+    <p:fade/>
+  </p:transition>
+  <p:timing>
+    <p:tnLst>
+      <p:par>
+        <p:cTn id="1" dur="indefinite" restart="never" nodeType="tmRoot"/>
+      </p:par>
+    </p:tnLst>
+  </p:timing>
+</p:sld>
+</file>
+
+<file path=ppt/slides/slide11.xml><?xml version="1.0" encoding="utf-8"?>
+<p:sld xmlns:a="http://schemas.openxmlformats.org/drawingml/2006/main" xmlns:r="http://schemas.openxmlformats.org/officeDocument/2006/relationships" xmlns:p="http://schemas.openxmlformats.org/presentationml/2006/main">
+  <p:cSld>
+    <p:spTree>
+      <p:nvGrpSpPr>
+        <p:cNvPr id="1" name=""/>
+        <p:cNvGrpSpPr/>
+        <p:nvPr/>
+      </p:nvGrpSpPr>
+      <p:grpSpPr>
+        <a:xfrm>
+          <a:off x="0" y="0"/>
+          <a:ext cx="0" cy="0"/>
+          <a:chOff x="0" y="0"/>
+          <a:chExt cx="0" cy="0"/>
+        </a:xfrm>
+      </p:grpSpPr>
+      <p:sp>
+        <p:nvSpPr>
+          <p:cNvPr id="2" name="1 Marcador de contenido"/>
+          <p:cNvSpPr>
+            <a:spLocks noGrp="1"/>
+          </p:cNvSpPr>
+          <p:nvPr>
+            <p:ph idx="1"/>
+          </p:nvPr>
+        </p:nvSpPr>
         <p:spPr/>
         <p:txBody>
           <a:bodyPr/>
@@ -4828,7 +4961,15 @@
             </a:r>
             <a:r>
               <a:rPr lang="es-CL" dirty="0" smtClean="0"/>
-              <a:t>la capacidad de configurar dinámicamente las estructuras de Información según la normativa de la SVS.</a:t>
+              <a:t>la capacidad de configurar dinámicamente las estructuras de </a:t>
+            </a:r>
+            <a:r>
+              <a:rPr lang="es-CL" dirty="0" smtClean="0"/>
+              <a:t>Información para las Revelaciones </a:t>
+            </a:r>
+            <a:r>
+              <a:rPr lang="es-CL" dirty="0" smtClean="0"/>
+              <a:t>según la normativa de la SVS.</a:t>
             </a:r>
             <a:endParaRPr lang="es-CL" dirty="0"/>
           </a:p>
@@ -4946,7 +5087,7 @@
 </p:sld>
 </file>
 
-<file path=ppt/slides/slide11.xml><?xml version="1.0" encoding="utf-8"?>
+<file path=ppt/slides/slide12.xml><?xml version="1.0" encoding="utf-8"?>
 <p:sld xmlns:a="http://schemas.openxmlformats.org/drawingml/2006/main" xmlns:r="http://schemas.openxmlformats.org/officeDocument/2006/relationships" xmlns:p="http://schemas.openxmlformats.org/presentationml/2006/main">
   <p:cSld>
     <p:spTree>
@@ -5015,7 +5156,6 @@
           <a:bodyPr/>
           <a:lstStyle/>
           <a:p>
-            <a:pPr algn="just"/>
             <a:r>
               <a:rPr lang="es-CL" dirty="0" smtClean="0">
                 <a:effectLst>
@@ -5026,12 +5166,70 @@
                   </a:outerShdw>
                 </a:effectLst>
               </a:rPr>
-              <a:t>Configurador de Formulas de Calculo</a:t>
+              <a:t>Configurador de </a:t>
+            </a:r>
+            <a:r>
+              <a:rPr lang="es-CL" dirty="0" smtClean="0">
+                <a:effectLst>
+                  <a:outerShdw blurRad="38100" dist="38100" dir="2700000" algn="tl">
+                    <a:srgbClr val="000000">
+                      <a:alpha val="43137"/>
+                    </a:srgbClr>
+                  </a:outerShdw>
+                </a:effectLst>
+              </a:rPr>
+              <a:t>Fórmulas </a:t>
+            </a:r>
+            <a:r>
+              <a:rPr lang="es-CL" dirty="0" smtClean="0">
+                <a:effectLst>
+                  <a:outerShdw blurRad="38100" dist="38100" dir="2700000" algn="tl">
+                    <a:srgbClr val="000000">
+                      <a:alpha val="43137"/>
+                    </a:srgbClr>
+                  </a:outerShdw>
+                </a:effectLst>
+              </a:rPr>
+              <a:t>de </a:t>
+            </a:r>
+            <a:r>
+              <a:rPr lang="es-CL" dirty="0" smtClean="0">
+                <a:effectLst>
+                  <a:outerShdw blurRad="38100" dist="38100" dir="2700000" algn="tl">
+                    <a:srgbClr val="000000">
+                      <a:alpha val="43137"/>
+                    </a:srgbClr>
+                  </a:outerShdw>
+                </a:effectLst>
+              </a:rPr>
+              <a:t>Cálculo</a:t>
+            </a:r>
+            <a:r>
+              <a:rPr lang="es-CL" dirty="0" smtClean="0">
+                <a:effectLst>
+                  <a:outerShdw blurRad="38100" dist="38100" dir="2700000" algn="tl">
+                    <a:srgbClr val="000000">
+                      <a:alpha val="43137"/>
+                    </a:srgbClr>
+                  </a:outerShdw>
+                </a:effectLst>
+              </a:rPr>
+              <a:t>.</a:t>
             </a:r>
             <a:r>
               <a:rPr lang="es-CL" dirty="0" smtClean="0"/>
-              <a:t>: </a:t>
-            </a:r>
+              <a:t> </a:t>
+            </a:r>
+            <a:br>
+              <a:rPr lang="es-CL" dirty="0" smtClean="0"/>
+            </a:br>
+            <a:r>
+              <a:rPr lang="es-CL" dirty="0" smtClean="0"/>
+              <a:t/>
+            </a:r>
+            <a:br>
+              <a:rPr lang="es-CL" dirty="0" smtClean="0"/>
+            </a:br>
             <a:r>
               <a:rPr lang="es-CL" dirty="0" smtClean="0"/>
               <a:t>Permite </a:t>
@@ -5061,8 +5259,8 @@
         </p:blipFill>
         <p:spPr bwMode="auto">
           <a:xfrm>
-            <a:off x="2571736" y="2714620"/>
-            <a:ext cx="5929354" cy="3359081"/>
+            <a:off x="2898014" y="3000372"/>
+            <a:ext cx="5674514" cy="3214710"/>
           </a:xfrm>
           <a:prstGeom prst="rect">
             <a:avLst/>
@@ -5097,7 +5295,7 @@
 </p:sld>
 </file>
 
-<file path=ppt/slides/slide12.xml><?xml version="1.0" encoding="utf-8"?>
+<file path=ppt/slides/slide13.xml><?xml version="1.0" encoding="utf-8"?>
 <p:sld xmlns:a="http://schemas.openxmlformats.org/drawingml/2006/main" xmlns:r="http://schemas.openxmlformats.org/officeDocument/2006/relationships" xmlns:p="http://schemas.openxmlformats.org/presentationml/2006/main">
   <p:cSld>
     <p:spTree>
@@ -5166,7 +5364,6 @@
           <a:bodyPr/>
           <a:lstStyle/>
           <a:p>
-            <a:pPr algn="just"/>
             <a:r>
               <a:rPr lang="es-CL" dirty="0" smtClean="0">
                 <a:effectLst>
@@ -5177,104 +5374,8 @@
                   </a:outerShdw>
                 </a:effectLst>
               </a:rPr>
-              <a:t>Cargador y Validador de Estados Financieros</a:t>
-            </a:r>
-            <a:r>
-              <a:rPr lang="es-CL" dirty="0" smtClean="0"/>
-              <a:t>: El cargador de EE.FF. Esta pensado para Ingresar al Sistema los Estados Financieros correspondientes al periodo y realizar las respectivas validaciones de las Revelaciones contra los valores de los Estados Financieros.</a:t>
-            </a:r>
-            <a:endParaRPr lang="es-CL" dirty="0"/>
-          </a:p>
-        </p:txBody>
-      </p:sp>
-    </p:spTree>
-  </p:cSld>
-  <p:clrMapOvr>
-    <a:masterClrMapping/>
-  </p:clrMapOvr>
-  <p:transition spd="slow">
-    <p:fade/>
-  </p:transition>
-  <p:timing>
-    <p:tnLst>
-      <p:par>
-        <p:cTn id="1" dur="indefinite" restart="never" nodeType="tmRoot"/>
-      </p:par>
-    </p:tnLst>
-  </p:timing>
-</p:sld>
-</file>
-
-<file path=ppt/slides/slide13.xml><?xml version="1.0" encoding="utf-8"?>
-<p:sld xmlns:a="http://schemas.openxmlformats.org/drawingml/2006/main" xmlns:r="http://schemas.openxmlformats.org/officeDocument/2006/relationships" xmlns:p="http://schemas.openxmlformats.org/presentationml/2006/main">
-  <p:cSld>
-    <p:spTree>
-      <p:nvGrpSpPr>
-        <p:cNvPr id="1" name=""/>
-        <p:cNvGrpSpPr/>
-        <p:nvPr/>
-      </p:nvGrpSpPr>
-      <p:grpSpPr>
-        <a:xfrm>
-          <a:off x="0" y="0"/>
-          <a:ext cx="0" cy="0"/>
-          <a:chOff x="0" y="0"/>
-          <a:chExt cx="0" cy="0"/>
-        </a:xfrm>
-      </p:grpSpPr>
-      <p:pic>
-        <p:nvPicPr>
-          <p:cNvPr id="4" name="3 Imagen" descr="logo_top_byte.gif"/>
-          <p:cNvPicPr>
-            <a:picLocks noChangeAspect="1"/>
-          </p:cNvPicPr>
-          <p:nvPr/>
-        </p:nvPicPr>
-        <p:blipFill>
-          <a:blip r:embed="rId2">
-            <a:duotone>
-              <a:schemeClr val="bg2">
-                <a:shade val="45000"/>
-                <a:satMod val="135000"/>
-              </a:schemeClr>
-              <a:prstClr val="white"/>
-            </a:duotone>
-          </a:blip>
-          <a:stretch>
-            <a:fillRect/>
-          </a:stretch>
-        </p:blipFill>
-        <p:spPr>
-          <a:xfrm>
-            <a:off x="7572396" y="357166"/>
-            <a:ext cx="971550" cy="971550"/>
-          </a:xfrm>
-          <a:prstGeom prst="rect">
-            <a:avLst/>
-          </a:prstGeom>
-        </p:spPr>
-      </p:pic>
-      <p:sp>
-        <p:nvSpPr>
-          <p:cNvPr id="2" name="1 Marcador de contenido"/>
-          <p:cNvSpPr>
-            <a:spLocks noGrp="1"/>
-          </p:cNvSpPr>
-          <p:nvPr>
-            <p:ph idx="1"/>
-          </p:nvPr>
-        </p:nvSpPr>
-        <p:spPr>
-          <a:xfrm>
-            <a:off x="428596" y="428604"/>
-            <a:ext cx="8229600" cy="5786478"/>
-          </a:xfrm>
-        </p:spPr>
-        <p:txBody>
-          <a:bodyPr/>
-          <a:lstStyle/>
-          <a:p>
-            <a:pPr algn="just"/>
+              <a:t>Cargador y Validador de Estados </a:t>
+            </a:r>
             <a:r>
               <a:rPr lang="es-CL" dirty="0" smtClean="0">
                 <a:effectLst>
@@ -5285,11 +5386,68 @@
                   </a:outerShdw>
                 </a:effectLst>
               </a:rPr>
-              <a:t>Flujo de Aprobación</a:t>
+              <a:t/>
+            </a:r>
+            <a:br>
+              <a:rPr lang="es-CL" dirty="0" smtClean="0">
+                <a:effectLst>
+                  <a:outerShdw blurRad="38100" dist="38100" dir="2700000" algn="tl">
+                    <a:srgbClr val="000000">
+                      <a:alpha val="43137"/>
+                    </a:srgbClr>
+                  </a:outerShdw>
+                </a:effectLst>
+              </a:rPr>
+            </a:br>
+            <a:r>
+              <a:rPr lang="es-CL" dirty="0" smtClean="0">
+                <a:effectLst>
+                  <a:outerShdw blurRad="38100" dist="38100" dir="2700000" algn="tl">
+                    <a:srgbClr val="000000">
+                      <a:alpha val="43137"/>
+                    </a:srgbClr>
+                  </a:outerShdw>
+                </a:effectLst>
+              </a:rPr>
+              <a:t>Financieros</a:t>
+            </a:r>
+            <a:r>
+              <a:rPr lang="es-CL" dirty="0" smtClean="0">
+                <a:effectLst>
+                  <a:outerShdw blurRad="38100" dist="38100" dir="2700000" algn="tl">
+                    <a:srgbClr val="000000">
+                      <a:alpha val="43137"/>
+                    </a:srgbClr>
+                  </a:outerShdw>
+                </a:effectLst>
+              </a:rPr>
+              <a:t>.</a:t>
             </a:r>
             <a:r>
               <a:rPr lang="es-CL" dirty="0" smtClean="0"/>
-              <a:t>: Permite establecer un Flujo que controla el ingreso de la información para los periodos.</a:t>
+              <a:t/>
+            </a:r>
+            <a:br>
+              <a:rPr lang="es-CL" dirty="0" smtClean="0"/>
+            </a:br>
+            <a:r>
+              <a:rPr lang="es-CL" dirty="0" smtClean="0"/>
+              <a:t/>
+            </a:r>
+            <a:br>
+              <a:rPr lang="es-CL" dirty="0" smtClean="0"/>
+            </a:br>
+            <a:r>
+              <a:rPr lang="es-CL" dirty="0" smtClean="0"/>
+              <a:t>Cargue sus Estados Financieros en el Sistema y valide sus ingresos de </a:t>
+            </a:r>
+            <a:r>
+              <a:rPr lang="es-CL" dirty="0" smtClean="0"/>
+              <a:t>Información</a:t>
+            </a:r>
+            <a:r>
+              <a:rPr lang="es-CL" dirty="0" smtClean="0"/>
+              <a:t> en base a los EE.FF.</a:t>
             </a:r>
             <a:endParaRPr lang="es-CL" dirty="0"/>
           </a:p>
@@ -5297,7 +5455,7 @@
       </p:sp>
       <p:pic>
         <p:nvPicPr>
-          <p:cNvPr id="3" name="Picture 3"/>
+          <p:cNvPr id="8195" name="Picture 3"/>
           <p:cNvPicPr>
             <a:picLocks noChangeAspect="1" noChangeArrowheads="1"/>
           </p:cNvPicPr>
@@ -5305,15 +5463,15 @@
         </p:nvPicPr>
         <p:blipFill>
           <a:blip r:embed="rId3"/>
-          <a:srcRect b="6584"/>
+          <a:srcRect/>
           <a:stretch>
             <a:fillRect/>
           </a:stretch>
         </p:blipFill>
         <p:spPr bwMode="auto">
           <a:xfrm>
-            <a:off x="3643306" y="2357430"/>
-            <a:ext cx="4892051" cy="3857652"/>
+            <a:off x="2500298" y="3001218"/>
+            <a:ext cx="6000792" cy="3142426"/>
           </a:xfrm>
           <a:prstGeom prst="rect">
             <a:avLst/>
@@ -5365,6 +5523,123 @@
           <a:chExt cx="0" cy="0"/>
         </a:xfrm>
       </p:grpSpPr>
+      <p:sp>
+        <p:nvSpPr>
+          <p:cNvPr id="2" name="1 Marcador de contenido"/>
+          <p:cNvSpPr>
+            <a:spLocks noGrp="1"/>
+          </p:cNvSpPr>
+          <p:nvPr>
+            <p:ph idx="1"/>
+          </p:nvPr>
+        </p:nvSpPr>
+        <p:spPr>
+          <a:xfrm>
+            <a:off x="428596" y="428604"/>
+            <a:ext cx="8229600" cy="5786478"/>
+          </a:xfrm>
+        </p:spPr>
+        <p:txBody>
+          <a:bodyPr/>
+          <a:lstStyle/>
+          <a:p>
+            <a:r>
+              <a:rPr lang="es-CL" dirty="0" smtClean="0">
+                <a:effectLst>
+                  <a:outerShdw blurRad="38100" dist="38100" dir="2700000" algn="tl">
+                    <a:srgbClr val="000000">
+                      <a:alpha val="43137"/>
+                    </a:srgbClr>
+                  </a:outerShdw>
+                </a:effectLst>
+              </a:rPr>
+              <a:t>Flujo de </a:t>
+            </a:r>
+            <a:r>
+              <a:rPr lang="es-CL" dirty="0" smtClean="0">
+                <a:effectLst>
+                  <a:outerShdw blurRad="38100" dist="38100" dir="2700000" algn="tl">
+                    <a:srgbClr val="000000">
+                      <a:alpha val="43137"/>
+                    </a:srgbClr>
+                  </a:outerShdw>
+                </a:effectLst>
+              </a:rPr>
+              <a:t>Aprobación</a:t>
+            </a:r>
+            <a:r>
+              <a:rPr lang="es-CL" dirty="0" smtClean="0">
+                <a:effectLst>
+                  <a:outerShdw blurRad="38100" dist="38100" dir="2700000" algn="tl">
+                    <a:srgbClr val="000000">
+                      <a:alpha val="43137"/>
+                    </a:srgbClr>
+                  </a:outerShdw>
+                </a:effectLst>
+              </a:rPr>
+              <a:t>.</a:t>
+            </a:r>
+            <a:r>
+              <a:rPr lang="es-CL" dirty="0" smtClean="0"/>
+              <a:t/>
+            </a:r>
+            <a:br>
+              <a:rPr lang="es-CL" dirty="0" smtClean="0"/>
+            </a:br>
+            <a:r>
+              <a:rPr lang="es-CL" dirty="0" smtClean="0"/>
+              <a:t/>
+            </a:r>
+            <a:br>
+              <a:rPr lang="es-CL" dirty="0" smtClean="0"/>
+            </a:br>
+            <a:r>
+              <a:rPr lang="es-CL" dirty="0" smtClean="0"/>
+              <a:t>Permite </a:t>
+            </a:r>
+            <a:r>
+              <a:rPr lang="es-CL" dirty="0" smtClean="0"/>
+              <a:t>establecer un Flujo que controla el ingreso de la información para los periodos.</a:t>
+            </a:r>
+            <a:endParaRPr lang="es-CL" dirty="0"/>
+          </a:p>
+        </p:txBody>
+      </p:sp>
+      <p:pic>
+        <p:nvPicPr>
+          <p:cNvPr id="3" name="Picture 3"/>
+          <p:cNvPicPr>
+            <a:picLocks noChangeAspect="1" noChangeArrowheads="1"/>
+          </p:cNvPicPr>
+          <p:nvPr/>
+        </p:nvPicPr>
+        <p:blipFill>
+          <a:blip r:embed="rId2"/>
+          <a:srcRect b="6584"/>
+          <a:stretch>
+            <a:fillRect/>
+          </a:stretch>
+        </p:blipFill>
+        <p:spPr bwMode="auto">
+          <a:xfrm>
+            <a:off x="3643306" y="2357430"/>
+            <a:ext cx="4892051" cy="3857652"/>
+          </a:xfrm>
+          <a:prstGeom prst="rect">
+            <a:avLst/>
+          </a:prstGeom>
+          <a:ln>
+            <a:noFill/>
+          </a:ln>
+          <a:effectLst>
+            <a:outerShdw blurRad="292100" dist="139700" dir="2700000" algn="tl" rotWithShape="0">
+              <a:srgbClr val="333333">
+                <a:alpha val="65000"/>
+              </a:srgbClr>
+            </a:outerShdw>
+          </a:effectLst>
+        </p:spPr>
+      </p:pic>
       <p:pic>
         <p:nvPicPr>
           <p:cNvPr id="5" name="4 Imagen" descr="logo_top_byte.gif"/>
@@ -5374,7 +5649,7 @@
           <p:nvPr/>
         </p:nvPicPr>
         <p:blipFill>
-          <a:blip r:embed="rId2">
+          <a:blip r:embed="rId3">
             <a:duotone>
               <a:schemeClr val="bg2">
                 <a:shade val="45000"/>
@@ -5395,84 +5670,6 @@
           <a:prstGeom prst="rect">
             <a:avLst/>
           </a:prstGeom>
-        </p:spPr>
-      </p:pic>
-      <p:sp>
-        <p:nvSpPr>
-          <p:cNvPr id="2" name="1 Marcador de contenido"/>
-          <p:cNvSpPr>
-            <a:spLocks noGrp="1"/>
-          </p:cNvSpPr>
-          <p:nvPr>
-            <p:ph idx="1"/>
-          </p:nvPr>
-        </p:nvSpPr>
-        <p:spPr>
-          <a:xfrm>
-            <a:off x="428596" y="428604"/>
-            <a:ext cx="8229600" cy="5786478"/>
-          </a:xfrm>
-        </p:spPr>
-        <p:txBody>
-          <a:bodyPr/>
-          <a:lstStyle/>
-          <a:p>
-            <a:pPr algn="just"/>
-            <a:r>
-              <a:rPr lang="es-CL" dirty="0" smtClean="0">
-                <a:effectLst>
-                  <a:outerShdw blurRad="38100" dist="38100" dir="2700000" algn="tl">
-                    <a:srgbClr val="000000">
-                      <a:alpha val="43137"/>
-                    </a:srgbClr>
-                  </a:outerShdw>
-                </a:effectLst>
-              </a:rPr>
-              <a:t>Apertura y Cierre de Período</a:t>
-            </a:r>
-            <a:r>
-              <a:rPr lang="es-CL" dirty="0" smtClean="0"/>
-              <a:t>: </a:t>
-            </a:r>
-            <a:r>
-              <a:rPr lang="es-CL" dirty="0" smtClean="0"/>
-              <a:t>Permite establecer un Flujo que controla el ingreso de la información para los periodos.</a:t>
-            </a:r>
-            <a:endParaRPr lang="es-CL" dirty="0"/>
-          </a:p>
-        </p:txBody>
-      </p:sp>
-      <p:pic>
-        <p:nvPicPr>
-          <p:cNvPr id="6146" name="Picture 2"/>
-          <p:cNvPicPr>
-            <a:picLocks noChangeAspect="1" noChangeArrowheads="1"/>
-          </p:cNvPicPr>
-          <p:nvPr/>
-        </p:nvPicPr>
-        <p:blipFill>
-          <a:blip r:embed="rId3"/>
-          <a:srcRect/>
-          <a:stretch>
-            <a:fillRect/>
-          </a:stretch>
-        </p:blipFill>
-        <p:spPr bwMode="auto">
-          <a:xfrm>
-            <a:off x="1000100" y="2143116"/>
-            <a:ext cx="7261160" cy="3386145"/>
-          </a:xfrm>
-          <a:prstGeom prst="rect">
-            <a:avLst/>
-          </a:prstGeom>
-          <a:noFill/>
-          <a:ln w="9525">
-            <a:noFill/>
-            <a:miter lim="800000"/>
-            <a:headEnd/>
-            <a:tailEnd/>
-          </a:ln>
-          <a:effectLst/>
         </p:spPr>
       </p:pic>
     </p:spTree>
@@ -5562,7 +5759,6 @@
           <a:bodyPr/>
           <a:lstStyle/>
           <a:p>
-            <a:pPr algn="just"/>
             <a:r>
               <a:rPr lang="es-CL" dirty="0" smtClean="0">
                 <a:effectLst>
@@ -5573,19 +5769,37 @@
                   </a:outerShdw>
                 </a:effectLst>
               </a:rPr>
-              <a:t>Proceso e Ingreso de Información</a:t>
+              <a:t>Apertura y Cierre de Período</a:t>
+            </a:r>
+            <a:r>
+              <a:rPr lang="es-CL" dirty="0" smtClean="0">
+                <a:effectLst>
+                  <a:outerShdw blurRad="38100" dist="38100" dir="2700000" algn="tl">
+                    <a:srgbClr val="000000">
+                      <a:alpha val="43137"/>
+                    </a:srgbClr>
+                  </a:outerShdw>
+                </a:effectLst>
+              </a:rPr>
+              <a:t>.</a:t>
             </a:r>
             <a:r>
               <a:rPr lang="es-CL" dirty="0" smtClean="0"/>
-              <a:t>: </a:t>
-            </a:r>
-            <a:r>
+              <a:t/>
+            </a:r>
+            <a:br>
               <a:rPr lang="es-CL" dirty="0" smtClean="0"/>
-              <a:t>Permite </a:t>
-            </a:r>
+            </a:br>
             <a:r>
               <a:rPr lang="es-CL" dirty="0" smtClean="0"/>
-              <a:t>Realizar los ingresos de Información de las Revelaciones, validando dichos ingresos contra los estados financieros.</a:t>
+              <a:t/>
+            </a:r>
+            <a:br>
+              <a:rPr lang="es-CL" dirty="0" smtClean="0"/>
+            </a:br>
+            <a:r>
+              <a:rPr lang="es-CL" dirty="0" smtClean="0"/>
+              <a:t>Permite Establecer opciones de Cierre y Apertura de períodos para el Ingreso de Información.</a:t>
             </a:r>
             <a:endParaRPr lang="es-CL" dirty="0"/>
           </a:p>
@@ -5593,7 +5807,7 @@
       </p:sp>
       <p:pic>
         <p:nvPicPr>
-          <p:cNvPr id="1026" name="Picture 2"/>
+          <p:cNvPr id="6146" name="Picture 2"/>
           <p:cNvPicPr>
             <a:picLocks noChangeAspect="1" noChangeArrowheads="1"/>
           </p:cNvPicPr>
@@ -5608,22 +5822,20 @@
         </p:blipFill>
         <p:spPr bwMode="auto">
           <a:xfrm>
-            <a:off x="714348" y="2500306"/>
-            <a:ext cx="7888896" cy="3248029"/>
+            <a:off x="1000100" y="2543185"/>
+            <a:ext cx="7261160" cy="3386145"/>
           </a:xfrm>
           <a:prstGeom prst="rect">
             <a:avLst/>
           </a:prstGeom>
-          <a:ln>
+          <a:noFill/>
+          <a:ln w="9525">
             <a:noFill/>
+            <a:miter lim="800000"/>
+            <a:headEnd/>
+            <a:tailEnd/>
           </a:ln>
-          <a:effectLst>
-            <a:outerShdw blurRad="292100" dist="139700" dir="2700000" algn="tl" rotWithShape="0">
-              <a:srgbClr val="333333">
-                <a:alpha val="65000"/>
-              </a:srgbClr>
-            </a:outerShdw>
-          </a:effectLst>
+          <a:effectLst/>
         </p:spPr>
       </p:pic>
     </p:spTree>
@@ -5663,7 +5875,7 @@
       </p:grpSpPr>
       <p:pic>
         <p:nvPicPr>
-          <p:cNvPr id="6" name="5 Imagen" descr="logo_top_byte.gif"/>
+          <p:cNvPr id="5" name="4 Imagen" descr="logo_top_byte.gif"/>
           <p:cNvPicPr>
             <a:picLocks noChangeAspect="1"/>
           </p:cNvPicPr>
@@ -5713,7 +5925,6 @@
           <a:bodyPr/>
           <a:lstStyle/>
           <a:p>
-            <a:pPr algn="just"/>
             <a:r>
               <a:rPr lang="es-CL" dirty="0" smtClean="0">
                 <a:effectLst>
@@ -5724,33 +5935,45 @@
                   </a:outerShdw>
                 </a:effectLst>
               </a:rPr>
-              <a:t>Perfilamiento</a:t>
+              <a:t>Proceso e Ingreso de Información</a:t>
+            </a:r>
+            <a:r>
+              <a:rPr lang="es-CL" dirty="0" smtClean="0">
+                <a:effectLst>
+                  <a:outerShdw blurRad="38100" dist="38100" dir="2700000" algn="tl">
+                    <a:srgbClr val="000000">
+                      <a:alpha val="43137"/>
+                    </a:srgbClr>
+                  </a:outerShdw>
+                </a:effectLst>
+              </a:rPr>
+              <a:t>.</a:t>
             </a:r>
             <a:r>
               <a:rPr lang="es-CL" dirty="0" smtClean="0"/>
-              <a:t>: Entre las diferentes opciones de perfilamiento se encuentran:</a:t>
-            </a:r>
-          </a:p>
-          <a:p>
-            <a:pPr lvl="1" algn="just"/>
-            <a:r>
+              <a:t/>
+            </a:r>
+            <a:br>
               <a:rPr lang="es-CL" dirty="0" smtClean="0"/>
-              <a:t>Administración de Usuarios, Grupos y Empresa.</a:t>
-            </a:r>
-          </a:p>
-          <a:p>
-            <a:pPr lvl="1" algn="just"/>
+            </a:br>
             <a:r>
               <a:rPr lang="es-CL" dirty="0" smtClean="0"/>
-              <a:t>Accesos y bloqueo de Sistema.</a:t>
-            </a:r>
-            <a:endParaRPr lang="es-CL" dirty="0" smtClean="0"/>
+              <a:t/>
+            </a:r>
+            <a:br>
+              <a:rPr lang="es-CL" dirty="0" smtClean="0"/>
+            </a:br>
+            <a:r>
+              <a:rPr lang="es-CL" dirty="0" smtClean="0"/>
+              <a:t>Permite Realizar los ingresos de Información de las Revelaciones, validando dichos ingresos contra los estados financieros.</a:t>
+            </a:r>
+            <a:endParaRPr lang="es-CL" dirty="0"/>
           </a:p>
         </p:txBody>
       </p:sp>
       <p:pic>
         <p:nvPicPr>
-          <p:cNvPr id="2051" name="Picture 3"/>
+          <p:cNvPr id="1026" name="Picture 2"/>
           <p:cNvPicPr>
             <a:picLocks noChangeAspect="1" noChangeArrowheads="1"/>
           </p:cNvPicPr>
@@ -5765,8 +5988,8 @@
         </p:blipFill>
         <p:spPr bwMode="auto">
           <a:xfrm>
-            <a:off x="1643042" y="2285992"/>
-            <a:ext cx="6886888" cy="3643337"/>
+            <a:off x="642910" y="2609863"/>
+            <a:ext cx="7888896" cy="3248029"/>
           </a:xfrm>
           <a:prstGeom prst="rect">
             <a:avLst/>
@@ -5848,10 +6071,6 @@
           <a:prstGeom prst="rect">
             <a:avLst/>
           </a:prstGeom>
-          <a:noFill/>
-          <a:ln>
-            <a:noFill/>
-          </a:ln>
         </p:spPr>
       </p:pic>
       <p:sp>
@@ -5874,7 +6093,6 @@
           <a:bodyPr/>
           <a:lstStyle/>
           <a:p>
-            <a:pPr algn="just"/>
             <a:r>
               <a:rPr lang="es-CL" dirty="0" smtClean="0">
                 <a:effectLst>
@@ -5885,32 +6103,59 @@
                   </a:outerShdw>
                 </a:effectLst>
               </a:rPr>
-              <a:t>Reportes</a:t>
+              <a:t>Perfilamiento</a:t>
+            </a:r>
+            <a:r>
+              <a:rPr lang="es-CL" dirty="0" smtClean="0">
+                <a:effectLst>
+                  <a:outerShdw blurRad="38100" dist="38100" dir="2700000" algn="tl">
+                    <a:srgbClr val="000000">
+                      <a:alpha val="43137"/>
+                    </a:srgbClr>
+                  </a:outerShdw>
+                </a:effectLst>
+              </a:rPr>
+              <a:t>.</a:t>
             </a:r>
             <a:r>
               <a:rPr lang="es-CL" dirty="0" smtClean="0"/>
-              <a:t>: EXFIDA cuenta con un completo módulo de reportes.</a:t>
-            </a:r>
-          </a:p>
-          <a:p>
-            <a:pPr lvl="2" algn="just"/>
-            <a:r>
+              <a:t/>
+            </a:r>
+            <a:br>
               <a:rPr lang="es-CL" dirty="0" smtClean="0"/>
-              <a:t>Consolidado Total de Revelaciones en MS Word.</a:t>
-            </a:r>
-          </a:p>
-          <a:p>
-            <a:pPr lvl="2" algn="just"/>
+            </a:br>
             <a:r>
               <a:rPr lang="es-CL" dirty="0" smtClean="0"/>
-              <a:t>Revelaciones en Formato MS Excel.</a:t>
-            </a:r>
+              <a:t/>
+            </a:r>
+            <a:br>
+              <a:rPr lang="es-CL" dirty="0" smtClean="0"/>
+            </a:br>
+            <a:r>
+              <a:rPr lang="es-CL" dirty="0" smtClean="0"/>
+              <a:t>Entre las diferentes opciones de perfilamiento se encuentran:</a:t>
+            </a:r>
+          </a:p>
+          <a:p>
+            <a:pPr lvl="1" algn="just"/>
+            <a:r>
+              <a:rPr lang="es-CL" dirty="0" smtClean="0"/>
+              <a:t>Administración de Usuarios, Grupos y Empresa.</a:t>
+            </a:r>
+          </a:p>
+          <a:p>
+            <a:pPr lvl="1" algn="just"/>
+            <a:r>
+              <a:rPr lang="es-CL" dirty="0" smtClean="0"/>
+              <a:t>Accesos y bloqueo de Sistema.</a:t>
+            </a:r>
+            <a:endParaRPr lang="es-CL" dirty="0" smtClean="0"/>
           </a:p>
         </p:txBody>
       </p:sp>
       <p:pic>
         <p:nvPicPr>
-          <p:cNvPr id="3075" name="Picture 3"/>
+          <p:cNvPr id="2051" name="Picture 3"/>
           <p:cNvPicPr>
             <a:picLocks noChangeAspect="1" noChangeArrowheads="1"/>
           </p:cNvPicPr>
@@ -5925,8 +6170,8 @@
         </p:blipFill>
         <p:spPr bwMode="auto">
           <a:xfrm>
-            <a:off x="1071538" y="2486770"/>
-            <a:ext cx="7301984" cy="3228246"/>
+            <a:off x="2500298" y="3000372"/>
+            <a:ext cx="6000792" cy="3174570"/>
           </a:xfrm>
           <a:prstGeom prst="rect">
             <a:avLst/>
@@ -5962,6 +6207,191 @@
 </file>
 
 <file path=ppt/slides/slide18.xml><?xml version="1.0" encoding="utf-8"?>
+<p:sld xmlns:a="http://schemas.openxmlformats.org/drawingml/2006/main" xmlns:r="http://schemas.openxmlformats.org/officeDocument/2006/relationships" xmlns:p="http://schemas.openxmlformats.org/presentationml/2006/main">
+  <p:cSld>
+    <p:spTree>
+      <p:nvGrpSpPr>
+        <p:cNvPr id="1" name=""/>
+        <p:cNvGrpSpPr/>
+        <p:nvPr/>
+      </p:nvGrpSpPr>
+      <p:grpSpPr>
+        <a:xfrm>
+          <a:off x="0" y="0"/>
+          <a:ext cx="0" cy="0"/>
+          <a:chOff x="0" y="0"/>
+          <a:chExt cx="0" cy="0"/>
+        </a:xfrm>
+      </p:grpSpPr>
+      <p:pic>
+        <p:nvPicPr>
+          <p:cNvPr id="6" name="5 Imagen" descr="logo_top_byte.gif"/>
+          <p:cNvPicPr>
+            <a:picLocks noChangeAspect="1"/>
+          </p:cNvPicPr>
+          <p:nvPr/>
+        </p:nvPicPr>
+        <p:blipFill>
+          <a:blip r:embed="rId2">
+            <a:duotone>
+              <a:schemeClr val="bg2">
+                <a:shade val="45000"/>
+                <a:satMod val="135000"/>
+              </a:schemeClr>
+              <a:prstClr val="white"/>
+            </a:duotone>
+          </a:blip>
+          <a:stretch>
+            <a:fillRect/>
+          </a:stretch>
+        </p:blipFill>
+        <p:spPr>
+          <a:xfrm>
+            <a:off x="7572396" y="357166"/>
+            <a:ext cx="971550" cy="971550"/>
+          </a:xfrm>
+          <a:prstGeom prst="rect">
+            <a:avLst/>
+          </a:prstGeom>
+          <a:noFill/>
+          <a:ln>
+            <a:noFill/>
+          </a:ln>
+        </p:spPr>
+      </p:pic>
+      <p:sp>
+        <p:nvSpPr>
+          <p:cNvPr id="2" name="1 Marcador de contenido"/>
+          <p:cNvSpPr>
+            <a:spLocks noGrp="1"/>
+          </p:cNvSpPr>
+          <p:nvPr>
+            <p:ph idx="1"/>
+          </p:nvPr>
+        </p:nvSpPr>
+        <p:spPr>
+          <a:xfrm>
+            <a:off x="428596" y="428604"/>
+            <a:ext cx="8229600" cy="5786478"/>
+          </a:xfrm>
+        </p:spPr>
+        <p:txBody>
+          <a:bodyPr/>
+          <a:lstStyle/>
+          <a:p>
+            <a:r>
+              <a:rPr lang="es-CL" dirty="0" smtClean="0">
+                <a:effectLst>
+                  <a:outerShdw blurRad="38100" dist="38100" dir="2700000" algn="tl">
+                    <a:srgbClr val="000000">
+                      <a:alpha val="43137"/>
+                    </a:srgbClr>
+                  </a:outerShdw>
+                </a:effectLst>
+              </a:rPr>
+              <a:t>Reportes</a:t>
+            </a:r>
+            <a:r>
+              <a:rPr lang="es-CL" dirty="0" smtClean="0">
+                <a:effectLst>
+                  <a:outerShdw blurRad="38100" dist="38100" dir="2700000" algn="tl">
+                    <a:srgbClr val="000000">
+                      <a:alpha val="43137"/>
+                    </a:srgbClr>
+                  </a:outerShdw>
+                </a:effectLst>
+              </a:rPr>
+              <a:t>.</a:t>
+            </a:r>
+            <a:r>
+              <a:rPr lang="es-CL" dirty="0" smtClean="0"/>
+              <a:t/>
+            </a:r>
+            <a:br>
+              <a:rPr lang="es-CL" dirty="0" smtClean="0"/>
+            </a:br>
+            <a:r>
+              <a:rPr lang="es-CL" dirty="0" smtClean="0"/>
+              <a:t/>
+            </a:r>
+            <a:br>
+              <a:rPr lang="es-CL" dirty="0" smtClean="0"/>
+            </a:br>
+            <a:r>
+              <a:rPr lang="es-CL" dirty="0" smtClean="0"/>
+              <a:t>EXFIDA cuenta con un completo módulo de reportes.</a:t>
+            </a:r>
+          </a:p>
+          <a:p>
+            <a:pPr lvl="2" algn="just"/>
+            <a:r>
+              <a:rPr lang="es-CL" dirty="0" smtClean="0"/>
+              <a:t>Consolidado Total de Revelaciones en MS Word.</a:t>
+            </a:r>
+          </a:p>
+          <a:p>
+            <a:pPr lvl="2" algn="just"/>
+            <a:r>
+              <a:rPr lang="es-CL" dirty="0" smtClean="0"/>
+              <a:t>Revelaciones en Formato MS Excel.</a:t>
+            </a:r>
+          </a:p>
+        </p:txBody>
+      </p:sp>
+      <p:pic>
+        <p:nvPicPr>
+          <p:cNvPr id="3075" name="Picture 3"/>
+          <p:cNvPicPr>
+            <a:picLocks noChangeAspect="1" noChangeArrowheads="1"/>
+          </p:cNvPicPr>
+          <p:nvPr/>
+        </p:nvPicPr>
+        <p:blipFill>
+          <a:blip r:embed="rId3"/>
+          <a:srcRect/>
+          <a:stretch>
+            <a:fillRect/>
+          </a:stretch>
+        </p:blipFill>
+        <p:spPr bwMode="auto">
+          <a:xfrm>
+            <a:off x="1857356" y="3214686"/>
+            <a:ext cx="6494054" cy="2871056"/>
+          </a:xfrm>
+          <a:prstGeom prst="rect">
+            <a:avLst/>
+          </a:prstGeom>
+          <a:ln>
+            <a:noFill/>
+          </a:ln>
+          <a:effectLst>
+            <a:outerShdw blurRad="292100" dist="139700" dir="2700000" algn="tl" rotWithShape="0">
+              <a:srgbClr val="333333">
+                <a:alpha val="65000"/>
+              </a:srgbClr>
+            </a:outerShdw>
+          </a:effectLst>
+        </p:spPr>
+      </p:pic>
+    </p:spTree>
+  </p:cSld>
+  <p:clrMapOvr>
+    <a:masterClrMapping/>
+  </p:clrMapOvr>
+  <p:transition spd="slow">
+    <p:fade/>
+  </p:transition>
+  <p:timing>
+    <p:tnLst>
+      <p:par>
+        <p:cTn id="1" dur="indefinite" restart="never" nodeType="tmRoot"/>
+      </p:par>
+    </p:tnLst>
+  </p:timing>
+</p:sld>
+</file>
+
+<file path=ppt/slides/slide19.xml><?xml version="1.0" encoding="utf-8"?>
 <p:sld xmlns:a="http://schemas.openxmlformats.org/drawingml/2006/main" xmlns:r="http://schemas.openxmlformats.org/officeDocument/2006/relationships" xmlns:p="http://schemas.openxmlformats.org/presentationml/2006/main">
   <p:cSld>
     <p:spTree>
@@ -6081,137 +6511,6 @@
     <a:masterClrMapping/>
   </p:clrMapOvr>
   <p:transition spd="slow">
-    <p:fade/>
-  </p:transition>
-  <p:timing>
-    <p:tnLst>
-      <p:par>
-        <p:cTn id="1" dur="indefinite" restart="never" nodeType="tmRoot"/>
-      </p:par>
-    </p:tnLst>
-  </p:timing>
-</p:sld>
-</file>
-
-<file path=ppt/slides/slide19.xml><?xml version="1.0" encoding="utf-8"?>
-<p:sld xmlns:a="http://schemas.openxmlformats.org/drawingml/2006/main" xmlns:r="http://schemas.openxmlformats.org/officeDocument/2006/relationships" xmlns:p="http://schemas.openxmlformats.org/presentationml/2006/main">
-  <p:cSld>
-    <p:spTree>
-      <p:nvGrpSpPr>
-        <p:cNvPr id="1" name=""/>
-        <p:cNvGrpSpPr/>
-        <p:nvPr/>
-      </p:nvGrpSpPr>
-      <p:grpSpPr>
-        <a:xfrm>
-          <a:off x="0" y="0"/>
-          <a:ext cx="0" cy="0"/>
-          <a:chOff x="0" y="0"/>
-          <a:chExt cx="0" cy="0"/>
-        </a:xfrm>
-      </p:grpSpPr>
-      <p:pic>
-        <p:nvPicPr>
-          <p:cNvPr id="5" name="4 Imagen" descr="logo_top_byte.gif"/>
-          <p:cNvPicPr>
-            <a:picLocks noChangeAspect="1"/>
-          </p:cNvPicPr>
-          <p:nvPr/>
-        </p:nvPicPr>
-        <p:blipFill>
-          <a:blip r:embed="rId2">
-            <a:duotone>
-              <a:schemeClr val="bg2">
-                <a:shade val="45000"/>
-                <a:satMod val="135000"/>
-              </a:schemeClr>
-              <a:prstClr val="white"/>
-            </a:duotone>
-          </a:blip>
-          <a:stretch>
-            <a:fillRect/>
-          </a:stretch>
-        </p:blipFill>
-        <p:spPr>
-          <a:xfrm>
-            <a:off x="7572396" y="357166"/>
-            <a:ext cx="971550" cy="971550"/>
-          </a:xfrm>
-          <a:prstGeom prst="rect">
-            <a:avLst/>
-          </a:prstGeom>
-        </p:spPr>
-      </p:pic>
-      <p:sp>
-        <p:nvSpPr>
-          <p:cNvPr id="2" name="1 Marcador de contenido"/>
-          <p:cNvSpPr>
-            <a:spLocks noGrp="1"/>
-          </p:cNvSpPr>
-          <p:nvPr>
-            <p:ph idx="1"/>
-          </p:nvPr>
-        </p:nvSpPr>
-        <p:spPr>
-          <a:xfrm>
-            <a:off x="428596" y="500042"/>
-            <a:ext cx="8229600" cy="5286412"/>
-          </a:xfrm>
-        </p:spPr>
-        <p:txBody>
-          <a:bodyPr/>
-          <a:lstStyle/>
-          <a:p>
-            <a:pPr marL="357188" lvl="2" indent="-271463" algn="just"/>
-            <a:r>
-              <a:rPr lang="es-CL" dirty="0" smtClean="0"/>
-              <a:t>Revelaciones en Formato MS Excel.</a:t>
-            </a:r>
-            <a:endParaRPr lang="es-CL" dirty="0" smtClean="0"/>
-          </a:p>
-        </p:txBody>
-      </p:sp>
-      <p:pic>
-        <p:nvPicPr>
-          <p:cNvPr id="5122" name="Picture 2"/>
-          <p:cNvPicPr>
-            <a:picLocks noChangeAspect="1" noChangeArrowheads="1"/>
-          </p:cNvPicPr>
-          <p:nvPr/>
-        </p:nvPicPr>
-        <p:blipFill>
-          <a:blip r:embed="rId3"/>
-          <a:srcRect/>
-          <a:stretch>
-            <a:fillRect/>
-          </a:stretch>
-        </p:blipFill>
-        <p:spPr bwMode="auto">
-          <a:xfrm>
-            <a:off x="357158" y="1571612"/>
-            <a:ext cx="8297221" cy="3857652"/>
-          </a:xfrm>
-          <a:prstGeom prst="rect">
-            <a:avLst/>
-          </a:prstGeom>
-          <a:ln>
-            <a:noFill/>
-          </a:ln>
-          <a:effectLst>
-            <a:outerShdw blurRad="292100" dist="139700" dir="2700000" algn="tl" rotWithShape="0">
-              <a:srgbClr val="333333">
-                <a:alpha val="65000"/>
-              </a:srgbClr>
-            </a:outerShdw>
-          </a:effectLst>
-        </p:spPr>
-      </p:pic>
-    </p:spTree>
-  </p:cSld>
-  <p:clrMapOvr>
-    <a:masterClrMapping/>
-  </p:clrMapOvr>
-  <p:transition spd="slow" advClick="0">
     <p:fade/>
   </p:transition>
   <p:timing>
@@ -6431,23 +6730,84 @@
       </p:grpSpPr>
       <p:pic>
         <p:nvPicPr>
-          <p:cNvPr id="7171" name="Picture 3"/>
+          <p:cNvPr id="5" name="4 Imagen" descr="logo_top_byte.gif"/>
+          <p:cNvPicPr>
+            <a:picLocks noChangeAspect="1"/>
+          </p:cNvPicPr>
+          <p:nvPr/>
+        </p:nvPicPr>
+        <p:blipFill>
+          <a:blip r:embed="rId2">
+            <a:duotone>
+              <a:schemeClr val="bg2">
+                <a:shade val="45000"/>
+                <a:satMod val="135000"/>
+              </a:schemeClr>
+              <a:prstClr val="white"/>
+            </a:duotone>
+          </a:blip>
+          <a:stretch>
+            <a:fillRect/>
+          </a:stretch>
+        </p:blipFill>
+        <p:spPr>
+          <a:xfrm>
+            <a:off x="7572396" y="357166"/>
+            <a:ext cx="971550" cy="971550"/>
+          </a:xfrm>
+          <a:prstGeom prst="rect">
+            <a:avLst/>
+          </a:prstGeom>
+        </p:spPr>
+      </p:pic>
+      <p:sp>
+        <p:nvSpPr>
+          <p:cNvPr id="2" name="1 Marcador de contenido"/>
+          <p:cNvSpPr>
+            <a:spLocks noGrp="1"/>
+          </p:cNvSpPr>
+          <p:nvPr>
+            <p:ph idx="1"/>
+          </p:nvPr>
+        </p:nvSpPr>
+        <p:spPr>
+          <a:xfrm>
+            <a:off x="428596" y="500042"/>
+            <a:ext cx="8229600" cy="5286412"/>
+          </a:xfrm>
+        </p:spPr>
+        <p:txBody>
+          <a:bodyPr/>
+          <a:lstStyle/>
+          <a:p>
+            <a:pPr marL="357188" lvl="2" indent="-271463" algn="just"/>
+            <a:r>
+              <a:rPr lang="es-CL" dirty="0" smtClean="0"/>
+              <a:t>Revelaciones en Formato MS Excel.</a:t>
+            </a:r>
+            <a:endParaRPr lang="es-CL" dirty="0" smtClean="0"/>
+          </a:p>
+        </p:txBody>
+      </p:sp>
+      <p:pic>
+        <p:nvPicPr>
+          <p:cNvPr id="5122" name="Picture 2"/>
           <p:cNvPicPr>
             <a:picLocks noChangeAspect="1" noChangeArrowheads="1"/>
           </p:cNvPicPr>
           <p:nvPr/>
         </p:nvPicPr>
         <p:blipFill>
-          <a:blip r:embed="rId2"/>
-          <a:srcRect r="37316"/>
+          <a:blip r:embed="rId3"/>
+          <a:srcRect/>
           <a:stretch>
             <a:fillRect/>
           </a:stretch>
         </p:blipFill>
         <p:spPr bwMode="auto">
           <a:xfrm>
-            <a:off x="357158" y="2567004"/>
-            <a:ext cx="8143932" cy="3219450"/>
+            <a:off x="357158" y="1571612"/>
+            <a:ext cx="8297221" cy="3857652"/>
           </a:xfrm>
           <a:prstGeom prst="rect">
             <a:avLst/>
@@ -6464,47 +6824,12 @@
           </a:effectLst>
         </p:spPr>
       </p:pic>
-      <p:pic>
-        <p:nvPicPr>
-          <p:cNvPr id="7173" name="Picture 5"/>
-          <p:cNvPicPr>
-            <a:picLocks noChangeAspect="1" noChangeArrowheads="1"/>
-          </p:cNvPicPr>
-          <p:nvPr/>
-        </p:nvPicPr>
-        <p:blipFill>
-          <a:blip r:embed="rId3"/>
-          <a:srcRect/>
-          <a:stretch>
-            <a:fillRect/>
-          </a:stretch>
-        </p:blipFill>
-        <p:spPr bwMode="auto">
-          <a:xfrm>
-            <a:off x="357158" y="428604"/>
-            <a:ext cx="8072494" cy="1883582"/>
-          </a:xfrm>
-          <a:prstGeom prst="rect">
-            <a:avLst/>
-          </a:prstGeom>
-          <a:ln>
-            <a:noFill/>
-          </a:ln>
-          <a:effectLst>
-            <a:outerShdw blurRad="292100" dist="139700" dir="2700000" algn="tl" rotWithShape="0">
-              <a:srgbClr val="333333">
-                <a:alpha val="65000"/>
-              </a:srgbClr>
-            </a:outerShdw>
-          </a:effectLst>
-        </p:spPr>
-      </p:pic>
     </p:spTree>
   </p:cSld>
   <p:clrMapOvr>
     <a:masterClrMapping/>
   </p:clrMapOvr>
-  <p:transition spd="slow">
+  <p:transition spd="slow" advClick="0">
     <p:fade/>
   </p:transition>
   <p:timing>
@@ -6536,55 +6861,23 @@
       </p:grpSpPr>
       <p:pic>
         <p:nvPicPr>
-          <p:cNvPr id="6" name="5 Imagen" descr="logo_top_byte.gif"/>
-          <p:cNvPicPr>
-            <a:picLocks noChangeAspect="1"/>
-          </p:cNvPicPr>
-          <p:nvPr/>
-        </p:nvPicPr>
-        <p:blipFill>
-          <a:blip r:embed="rId2">
-            <a:duotone>
-              <a:schemeClr val="bg2">
-                <a:shade val="45000"/>
-                <a:satMod val="135000"/>
-              </a:schemeClr>
-              <a:prstClr val="white"/>
-            </a:duotone>
-          </a:blip>
-          <a:stretch>
-            <a:fillRect/>
-          </a:stretch>
-        </p:blipFill>
-        <p:spPr>
-          <a:xfrm>
-            <a:off x="7572396" y="357166"/>
-            <a:ext cx="971550" cy="971550"/>
-          </a:xfrm>
-          <a:prstGeom prst="rect">
-            <a:avLst/>
-          </a:prstGeom>
-        </p:spPr>
-      </p:pic>
-      <p:pic>
-        <p:nvPicPr>
-          <p:cNvPr id="1027" name="Picture 3"/>
+          <p:cNvPr id="7171" name="Picture 3"/>
           <p:cNvPicPr>
             <a:picLocks noChangeAspect="1" noChangeArrowheads="1"/>
           </p:cNvPicPr>
           <p:nvPr/>
         </p:nvPicPr>
         <p:blipFill>
-          <a:blip r:embed="rId3"/>
-          <a:srcRect b="6584"/>
+          <a:blip r:embed="rId2"/>
+          <a:srcRect r="37316"/>
           <a:stretch>
             <a:fillRect/>
           </a:stretch>
         </p:blipFill>
         <p:spPr bwMode="auto">
           <a:xfrm>
-            <a:off x="4067191" y="3286124"/>
-            <a:ext cx="4076709" cy="3214710"/>
+            <a:off x="357158" y="2567004"/>
+            <a:ext cx="8143932" cy="3219450"/>
           </a:xfrm>
           <a:prstGeom prst="rect">
             <a:avLst/>
@@ -6603,14 +6896,14 @@
       </p:pic>
       <p:pic>
         <p:nvPicPr>
-          <p:cNvPr id="1028" name="Picture 4"/>
+          <p:cNvPr id="7173" name="Picture 5"/>
           <p:cNvPicPr>
             <a:picLocks noChangeAspect="1" noChangeArrowheads="1"/>
           </p:cNvPicPr>
           <p:nvPr/>
         </p:nvPicPr>
         <p:blipFill>
-          <a:blip r:embed="rId4"/>
+          <a:blip r:embed="rId3"/>
           <a:srcRect/>
           <a:stretch>
             <a:fillRect/>
@@ -6618,8 +6911,8 @@
         </p:blipFill>
         <p:spPr bwMode="auto">
           <a:xfrm>
-            <a:off x="4714876" y="714356"/>
-            <a:ext cx="4161311" cy="2357454"/>
+            <a:off x="357158" y="428604"/>
+            <a:ext cx="8072494" cy="1883582"/>
           </a:xfrm>
           <a:prstGeom prst="rect">
             <a:avLst/>
@@ -6636,25 +6929,60 @@
           </a:effectLst>
         </p:spPr>
       </p:pic>
+    </p:spTree>
+  </p:cSld>
+  <p:clrMapOvr>
+    <a:masterClrMapping/>
+  </p:clrMapOvr>
+  <p:transition spd="slow">
+    <p:fade/>
+  </p:transition>
+  <p:timing>
+    <p:tnLst>
+      <p:par>
+        <p:cTn id="1" dur="indefinite" restart="never" nodeType="tmRoot"/>
+      </p:par>
+    </p:tnLst>
+  </p:timing>
+</p:sld>
+</file>
+
+<file path=ppt/slides/slide22.xml><?xml version="1.0" encoding="utf-8"?>
+<p:sld xmlns:a="http://schemas.openxmlformats.org/drawingml/2006/main" xmlns:r="http://schemas.openxmlformats.org/officeDocument/2006/relationships" xmlns:p="http://schemas.openxmlformats.org/presentationml/2006/main">
+  <p:cSld>
+    <p:spTree>
+      <p:nvGrpSpPr>
+        <p:cNvPr id="1" name=""/>
+        <p:cNvGrpSpPr/>
+        <p:nvPr/>
+      </p:nvGrpSpPr>
+      <p:grpSpPr>
+        <a:xfrm>
+          <a:off x="0" y="0"/>
+          <a:ext cx="0" cy="0"/>
+          <a:chOff x="0" y="0"/>
+          <a:chExt cx="0" cy="0"/>
+        </a:xfrm>
+      </p:grpSpPr>
       <p:pic>
         <p:nvPicPr>
-          <p:cNvPr id="1029" name="Picture 5"/>
+          <p:cNvPr id="1027" name="Picture 3"/>
           <p:cNvPicPr>
             <a:picLocks noChangeAspect="1" noChangeArrowheads="1"/>
           </p:cNvPicPr>
           <p:nvPr/>
         </p:nvPicPr>
         <p:blipFill>
-          <a:blip r:embed="rId5"/>
-          <a:srcRect r="6000"/>
+          <a:blip r:embed="rId2"/>
+          <a:srcRect b="6584"/>
           <a:stretch>
             <a:fillRect/>
           </a:stretch>
         </p:blipFill>
         <p:spPr bwMode="auto">
           <a:xfrm>
-            <a:off x="357158" y="4143380"/>
-            <a:ext cx="3357586" cy="1434999"/>
+            <a:off x="4067191" y="3286124"/>
+            <a:ext cx="4076709" cy="3214710"/>
           </a:xfrm>
           <a:prstGeom prst="rect">
             <a:avLst/>
@@ -6673,23 +7001,23 @@
       </p:pic>
       <p:pic>
         <p:nvPicPr>
-          <p:cNvPr id="1030" name="Picture 6"/>
+          <p:cNvPr id="1028" name="Picture 4"/>
           <p:cNvPicPr>
             <a:picLocks noChangeAspect="1" noChangeArrowheads="1"/>
           </p:cNvPicPr>
           <p:nvPr/>
         </p:nvPicPr>
         <p:blipFill>
-          <a:blip r:embed="rId6"/>
-          <a:srcRect l="21799" t="2035" b="14518"/>
+          <a:blip r:embed="rId3"/>
+          <a:srcRect/>
           <a:stretch>
             <a:fillRect/>
           </a:stretch>
         </p:blipFill>
         <p:spPr bwMode="auto">
           <a:xfrm>
-            <a:off x="428596" y="285728"/>
-            <a:ext cx="4100391" cy="2928958"/>
+            <a:off x="4714876" y="714356"/>
+            <a:ext cx="4161311" cy="2357454"/>
           </a:xfrm>
           <a:prstGeom prst="rect">
             <a:avLst/>
@@ -6706,6 +7034,147 @@
           </a:effectLst>
         </p:spPr>
       </p:pic>
+      <p:pic>
+        <p:nvPicPr>
+          <p:cNvPr id="1029" name="Picture 5"/>
+          <p:cNvPicPr>
+            <a:picLocks noChangeAspect="1" noChangeArrowheads="1"/>
+          </p:cNvPicPr>
+          <p:nvPr/>
+        </p:nvPicPr>
+        <p:blipFill>
+          <a:blip r:embed="rId4"/>
+          <a:srcRect r="6000"/>
+          <a:stretch>
+            <a:fillRect/>
+          </a:stretch>
+        </p:blipFill>
+        <p:spPr bwMode="auto">
+          <a:xfrm>
+            <a:off x="357158" y="4143380"/>
+            <a:ext cx="3357586" cy="1434999"/>
+          </a:xfrm>
+          <a:prstGeom prst="rect">
+            <a:avLst/>
+          </a:prstGeom>
+          <a:ln>
+            <a:noFill/>
+          </a:ln>
+          <a:effectLst>
+            <a:outerShdw blurRad="292100" dist="139700" dir="2700000" algn="tl" rotWithShape="0">
+              <a:srgbClr val="333333">
+                <a:alpha val="65000"/>
+              </a:srgbClr>
+            </a:outerShdw>
+          </a:effectLst>
+        </p:spPr>
+      </p:pic>
+      <p:pic>
+        <p:nvPicPr>
+          <p:cNvPr id="1030" name="Picture 6"/>
+          <p:cNvPicPr>
+            <a:picLocks noChangeAspect="1" noChangeArrowheads="1"/>
+          </p:cNvPicPr>
+          <p:nvPr/>
+        </p:nvPicPr>
+        <p:blipFill>
+          <a:blip r:embed="rId5"/>
+          <a:srcRect l="21799" t="2035" b="14518"/>
+          <a:stretch>
+            <a:fillRect/>
+          </a:stretch>
+        </p:blipFill>
+        <p:spPr bwMode="auto">
+          <a:xfrm>
+            <a:off x="428596" y="285728"/>
+            <a:ext cx="4100391" cy="2928958"/>
+          </a:xfrm>
+          <a:prstGeom prst="rect">
+            <a:avLst/>
+          </a:prstGeom>
+          <a:ln>
+            <a:noFill/>
+          </a:ln>
+          <a:effectLst>
+            <a:outerShdw blurRad="292100" dist="139700" dir="2700000" algn="tl" rotWithShape="0">
+              <a:srgbClr val="333333">
+                <a:alpha val="65000"/>
+              </a:srgbClr>
+            </a:outerShdw>
+          </a:effectLst>
+        </p:spPr>
+      </p:pic>
+    </p:spTree>
+  </p:cSld>
+  <p:clrMapOvr>
+    <a:masterClrMapping/>
+  </p:clrMapOvr>
+  <p:transition spd="slow">
+    <p:fade/>
+  </p:transition>
+  <p:timing>
+    <p:tnLst>
+      <p:par>
+        <p:cTn id="1" dur="indefinite" restart="never" nodeType="tmRoot"/>
+      </p:par>
+    </p:tnLst>
+  </p:timing>
+</p:sld>
+</file>
+
+<file path=ppt/slides/slide23.xml><?xml version="1.0" encoding="utf-8"?>
+<p:sld xmlns:a="http://schemas.openxmlformats.org/drawingml/2006/main" xmlns:r="http://schemas.openxmlformats.org/officeDocument/2006/relationships" xmlns:p="http://schemas.openxmlformats.org/presentationml/2006/main">
+  <p:cSld>
+    <p:spTree>
+      <p:nvGrpSpPr>
+        <p:cNvPr id="1" name=""/>
+        <p:cNvGrpSpPr/>
+        <p:nvPr/>
+      </p:nvGrpSpPr>
+      <p:grpSpPr>
+        <a:xfrm>
+          <a:off x="0" y="0"/>
+          <a:ext cx="0" cy="0"/>
+          <a:chOff x="0" y="0"/>
+          <a:chExt cx="0" cy="0"/>
+        </a:xfrm>
+      </p:grpSpPr>
+      <p:sp>
+        <p:nvSpPr>
+          <p:cNvPr id="2" name="1 Marcador de contenido"/>
+          <p:cNvSpPr>
+            <a:spLocks noGrp="1"/>
+          </p:cNvSpPr>
+          <p:nvPr>
+            <p:ph idx="1"/>
+          </p:nvPr>
+        </p:nvSpPr>
+        <p:spPr/>
+        <p:txBody>
+          <a:bodyPr/>
+          <a:lstStyle/>
+          <a:p>
+            <a:pPr algn="ctr"/>
+            <a:endParaRPr lang="es-CL" dirty="0" smtClean="0"/>
+          </a:p>
+          <a:p>
+            <a:pPr algn="ctr"/>
+            <a:endParaRPr lang="es-CL" dirty="0" smtClean="0"/>
+          </a:p>
+          <a:p>
+            <a:pPr algn="ctr"/>
+            <a:endParaRPr lang="es-CL" dirty="0" smtClean="0"/>
+          </a:p>
+          <a:p>
+            <a:pPr algn="ctr"/>
+            <a:r>
+              <a:rPr lang="es-CL" dirty="0" smtClean="0"/>
+              <a:t>FIN</a:t>
+            </a:r>
+            <a:endParaRPr lang="es-CL" dirty="0"/>
+          </a:p>
+        </p:txBody>
+      </p:sp>
     </p:spTree>
   </p:cSld>
   <p:clrMapOvr>
@@ -7759,10 +8228,47 @@
           </a:bodyPr>
           <a:lstStyle/>
           <a:p>
+            <a:endParaRPr lang="es-CL" sz="2200" dirty="0" smtClean="0"/>
+          </a:p>
+          <a:p>
+            <a:endParaRPr lang="es-CL" sz="2200" dirty="0" smtClean="0"/>
+          </a:p>
+          <a:p>
             <a:pPr algn="just"/>
+            <a:endParaRPr lang="es-CL" sz="2200" dirty="0" smtClean="0"/>
+          </a:p>
+          <a:p>
+            <a:pPr algn="just"/>
             <a:r>
               <a:rPr lang="es-CL" sz="2200" dirty="0" smtClean="0"/>
-              <a:t>Desde el nacimiento de la normativa con la circular 2022 en Mayo del 2011, existen hasta la </a:t>
+              <a:t>Desde </a:t>
+            </a:r>
+            <a:r>
+              <a:rPr lang="es-CL" sz="2200" dirty="0" smtClean="0"/>
+              <a:t>el nacimiento de la normativa </a:t>
+            </a:r>
+            <a:r>
+              <a:rPr lang="es-CL" sz="2200" dirty="0" smtClean="0"/>
+              <a:t/>
+            </a:r>
+            <a:br>
+              <a:rPr lang="es-CL" sz="2200" dirty="0" smtClean="0"/>
+            </a:br>
+            <a:r>
+              <a:rPr lang="es-CL" sz="2200" dirty="0" smtClean="0"/>
+              <a:t>con </a:t>
+            </a:r>
+            <a:r>
+              <a:rPr lang="es-CL" sz="2200" dirty="0" smtClean="0"/>
+              <a:t>la </a:t>
+            </a:r>
+            <a:r>
+              <a:rPr lang="es-CL" sz="2200" dirty="0" smtClean="0"/>
+              <a:t>circular </a:t>
+            </a:r>
+            <a:r>
+              <a:rPr lang="es-CL" sz="2200" dirty="0" smtClean="0"/>
+              <a:t>2022 en Mayo del 2011, existen hasta la </a:t>
             </a:r>
             <a:r>
               <a:rPr lang="es-CL" sz="2200" dirty="0" smtClean="0"/>
@@ -7802,36 +8308,13 @@
             </a:r>
             <a:r>
               <a:rPr lang="es-CL" sz="2200" dirty="0" smtClean="0"/>
-              <a:t>que se debe preparar y presentar.</a:t>
-            </a:r>
-          </a:p>
-          <a:p>
-            <a:pPr algn="just"/>
+              <a:t>que se debe preparar y presentar</a:t>
+            </a:r>
+            <a:r>
+              <a:rPr lang="es-CL" sz="2200" dirty="0" smtClean="0"/>
+              <a:t>.</a:t>
+            </a:r>
             <a:endParaRPr lang="es-CL" sz="2200" dirty="0" smtClean="0"/>
-          </a:p>
-          <a:p>
-            <a:pPr algn="just"/>
-            <a:r>
-              <a:rPr lang="es-CL" sz="2200" dirty="0" smtClean="0"/>
-              <a:t>Tomando en cuenta esta y otras atenuantes nuestra Compañía ha desarrollado un producto totalmente </a:t>
-            </a:r>
-            <a:r>
-              <a:rPr lang="es-CL" sz="2200" u="sng" dirty="0" smtClean="0"/>
-              <a:t>versátil</a:t>
-            </a:r>
-            <a:r>
-              <a:rPr lang="es-CL" sz="2200" dirty="0" smtClean="0"/>
-              <a:t> que se ajusta a todos los posibles escenarios impuestos por la Súper Intendencia de Valores y Seguros, brindando una capacidad de adaptación </a:t>
-            </a:r>
-            <a:r>
-              <a:rPr lang="es-CL" sz="2200" dirty="0" smtClean="0"/>
-              <a:t>única </a:t>
-            </a:r>
-            <a:r>
-              <a:rPr lang="es-CL" sz="2200" dirty="0" smtClean="0"/>
-              <a:t>a la hora de enfrentar los cambios en los modelos de entrega de la información de Revelaciones, Estados Financieros y Generación de XBRL.</a:t>
-            </a:r>
-            <a:endParaRPr lang="es-CL" sz="2200" dirty="0"/>
           </a:p>
         </p:txBody>
       </p:sp>
@@ -7870,124 +8353,9 @@
           <a:chExt cx="0" cy="0"/>
         </a:xfrm>
       </p:grpSpPr>
-      <p:sp>
-        <p:nvSpPr>
-          <p:cNvPr id="2" name="1 Marcador de contenido"/>
-          <p:cNvSpPr>
-            <a:spLocks noGrp="1"/>
-          </p:cNvSpPr>
-          <p:nvPr>
-            <p:ph idx="1"/>
-          </p:nvPr>
-        </p:nvSpPr>
-        <p:spPr/>
-        <p:txBody>
-          <a:bodyPr>
-            <a:normAutofit lnSpcReduction="10000"/>
-          </a:bodyPr>
-          <a:lstStyle/>
-          <a:p>
-            <a:pPr algn="just"/>
-            <a:r>
-              <a:rPr lang="es-CL" sz="2300" dirty="0" smtClean="0"/>
-              <a:t>Totalmente Versátil, se adapta sin problemas a las distintas especificaciones de la normativa permitiendo superar sin dificultades las problemáticas asociadas </a:t>
-            </a:r>
-            <a:r>
-              <a:rPr lang="es-CL" sz="2300" dirty="0" smtClean="0"/>
-              <a:t>a los </a:t>
-            </a:r>
-            <a:r>
-              <a:rPr lang="es-CL" sz="2300" dirty="0" smtClean="0"/>
-              <a:t>cambios sobre forma y contenido de las Revelaciones.</a:t>
-            </a:r>
-          </a:p>
-          <a:p>
-            <a:pPr algn="just"/>
-            <a:r>
-              <a:rPr lang="es-CL" sz="2300" dirty="0" smtClean="0"/>
-              <a:t>Posee su propio modulo de </a:t>
-            </a:r>
-            <a:r>
-              <a:rPr lang="es-CL" sz="2300" dirty="0" smtClean="0">
-                <a:effectLst>
-                  <a:outerShdw blurRad="38100" dist="38100" dir="2700000" algn="tl">
-                    <a:srgbClr val="000000">
-                      <a:alpha val="43137"/>
-                    </a:srgbClr>
-                  </a:outerShdw>
-                </a:effectLst>
-              </a:rPr>
-              <a:t>Generación de XBRL</a:t>
-            </a:r>
-            <a:r>
-              <a:rPr lang="es-CL" sz="2300" dirty="0" smtClean="0"/>
-              <a:t> el cual independiza a la empresa de los proveedores externos al momento de generar el envió de XBRL a la SVS.</a:t>
-            </a:r>
-          </a:p>
-          <a:p>
-            <a:pPr algn="just"/>
-            <a:r>
-              <a:rPr lang="es-CL" sz="2300" dirty="0" smtClean="0"/>
-              <a:t>Proporciona herramientas de Control que permiten tener una visión amplia sobre el estado del completitud de los datos para los periodos informados.</a:t>
-            </a:r>
-          </a:p>
-          <a:p>
-            <a:endParaRPr lang="es-CL" sz="2300" dirty="0" smtClean="0"/>
-          </a:p>
-          <a:p>
-            <a:pPr algn="just"/>
-            <a:endParaRPr lang="es-CL" sz="2300" dirty="0" smtClean="0"/>
-          </a:p>
-          <a:p>
-            <a:pPr algn="just"/>
-            <a:endParaRPr lang="es-CL" sz="2300" dirty="0" smtClean="0"/>
-          </a:p>
-          <a:p>
-            <a:pPr algn="just"/>
-            <a:endParaRPr lang="es-CL" sz="2300" dirty="0" smtClean="0"/>
-          </a:p>
-          <a:p>
-            <a:pPr algn="just"/>
-            <a:endParaRPr lang="es-CL" sz="2300" dirty="0" smtClean="0"/>
-          </a:p>
-          <a:p>
-            <a:pPr algn="just"/>
-            <a:endParaRPr lang="es-CL" sz="2300" dirty="0" smtClean="0"/>
-          </a:p>
-        </p:txBody>
-      </p:sp>
-      <p:sp>
-        <p:nvSpPr>
-          <p:cNvPr id="3" name="2 Título"/>
-          <p:cNvSpPr>
-            <a:spLocks noGrp="1"/>
-          </p:cNvSpPr>
-          <p:nvPr>
-            <p:ph type="title"/>
-          </p:nvPr>
-        </p:nvSpPr>
-        <p:spPr/>
-        <p:txBody>
-          <a:bodyPr>
-            <a:normAutofit/>
-          </a:bodyPr>
-          <a:lstStyle/>
-          <a:p>
-            <a:r>
-              <a:rPr lang="es-CL" sz="3200" dirty="0" smtClean="0"/>
-              <a:t>Principales </a:t>
-            </a:r>
-            <a:r>
-              <a:rPr lang="es-CL" sz="3200" dirty="0" smtClean="0"/>
-              <a:t>Características.</a:t>
-            </a:r>
-            <a:endParaRPr lang="es-CL" sz="3200" dirty="0"/>
-          </a:p>
-        </p:txBody>
-      </p:sp>
       <p:pic>
         <p:nvPicPr>
-          <p:cNvPr id="4" name="3 Imagen" descr="logo_top_byte.gif"/>
+          <p:cNvPr id="3" name="2 Imagen" descr="logo_top_byte.gif"/>
           <p:cNvPicPr>
             <a:picLocks noChangeAspect="1"/>
           </p:cNvPicPr>
@@ -8017,6 +8385,90 @@
           </a:prstGeom>
         </p:spPr>
       </p:pic>
+      <p:sp>
+        <p:nvSpPr>
+          <p:cNvPr id="2" name="1 Marcador de contenido"/>
+          <p:cNvSpPr>
+            <a:spLocks noGrp="1"/>
+          </p:cNvSpPr>
+          <p:nvPr>
+            <p:ph idx="1"/>
+          </p:nvPr>
+        </p:nvSpPr>
+        <p:spPr>
+          <a:xfrm>
+            <a:off x="428596" y="500042"/>
+            <a:ext cx="8229600" cy="5386603"/>
+          </a:xfrm>
+        </p:spPr>
+        <p:txBody>
+          <a:bodyPr>
+            <a:noAutofit/>
+          </a:bodyPr>
+          <a:lstStyle/>
+          <a:p>
+            <a:endParaRPr lang="es-CL" sz="2200" dirty="0" smtClean="0"/>
+          </a:p>
+          <a:p>
+            <a:endParaRPr lang="es-CL" sz="2200" dirty="0" smtClean="0"/>
+          </a:p>
+          <a:p>
+            <a:pPr algn="just"/>
+            <a:endParaRPr lang="es-CL" sz="2200" dirty="0" smtClean="0"/>
+          </a:p>
+          <a:p>
+            <a:pPr algn="just"/>
+            <a:r>
+              <a:rPr lang="es-CL" sz="2200" dirty="0" smtClean="0"/>
+              <a:t>Tomando en cuenta esta y otras atenuantes nuestra Compañía ha desarrollado un producto totalmente </a:t>
+            </a:r>
+            <a:r>
+              <a:rPr lang="es-CL" sz="2200" u="sng" dirty="0" smtClean="0"/>
+              <a:t>versátil</a:t>
+            </a:r>
+            <a:r>
+              <a:rPr lang="es-CL" sz="2200" dirty="0" smtClean="0"/>
+              <a:t> que se ajusta a todos los posibles escenarios impuestos por la Súper Intendencia de Valores y Seguros, brindando una capacidad de adaptación única a la hora de enfrentar los cambios en los modelos de entrega de la información de Revelaciones, Estados Financieros y Generación de XBRL.</a:t>
+            </a:r>
+          </a:p>
+          <a:p>
+            <a:pPr algn="just">
+              <a:buNone/>
+            </a:pPr>
+            <a:endParaRPr lang="es-CL" sz="2200" dirty="0" smtClean="0"/>
+          </a:p>
+        </p:txBody>
+      </p:sp>
+      <p:sp>
+        <p:nvSpPr>
+          <p:cNvPr id="4" name="2 Título"/>
+          <p:cNvSpPr>
+            <a:spLocks noGrp="1"/>
+          </p:cNvSpPr>
+          <p:nvPr>
+            <p:ph type="title"/>
+          </p:nvPr>
+        </p:nvSpPr>
+        <p:spPr>
+          <a:xfrm>
+            <a:off x="457200" y="274638"/>
+            <a:ext cx="8229600" cy="1143000"/>
+          </a:xfrm>
+        </p:spPr>
+        <p:txBody>
+          <a:bodyPr>
+            <a:normAutofit/>
+          </a:bodyPr>
+          <a:lstStyle/>
+          <a:p>
+            <a:r>
+              <a:rPr lang="es-CL" sz="3200" dirty="0" smtClean="0"/>
+              <a:t>Nuestra Solución.</a:t>
+            </a:r>
+            <a:endParaRPr lang="es-CL" sz="3200" dirty="0"/>
+          </a:p>
+        </p:txBody>
+      </p:sp>
     </p:spTree>
   </p:cSld>
   <p:clrMapOvr>
@@ -8062,51 +8514,121 @@
             <p:ph idx="1"/>
           </p:nvPr>
         </p:nvSpPr>
-        <p:spPr>
-          <a:xfrm>
-            <a:off x="428596" y="571480"/>
-            <a:ext cx="8229600" cy="4525963"/>
-          </a:xfrm>
-        </p:spPr>
+        <p:spPr/>
+        <p:txBody>
+          <a:bodyPr>
+            <a:normAutofit lnSpcReduction="10000"/>
+          </a:bodyPr>
+          <a:lstStyle/>
+          <a:p>
+            <a:pPr algn="just"/>
+            <a:r>
+              <a:rPr lang="es-CL" sz="2300" dirty="0" smtClean="0"/>
+              <a:t>Totalmente Versátil, se adapta sin problemas a las distintas especificaciones de la normativa permitiendo superar sin dificultades las problemáticas asociadas </a:t>
+            </a:r>
+            <a:r>
+              <a:rPr lang="es-CL" sz="2300" dirty="0" smtClean="0"/>
+              <a:t>a los </a:t>
+            </a:r>
+            <a:r>
+              <a:rPr lang="es-CL" sz="2300" dirty="0" smtClean="0"/>
+              <a:t>cambios sobre forma y contenido de las Revelaciones.</a:t>
+            </a:r>
+          </a:p>
+          <a:p>
+            <a:pPr algn="just"/>
+            <a:r>
+              <a:rPr lang="es-CL" sz="2300" dirty="0" smtClean="0"/>
+              <a:t>Posee su propio modulo de </a:t>
+            </a:r>
+            <a:r>
+              <a:rPr lang="es-CL" sz="2300" dirty="0" smtClean="0">
+                <a:effectLst>
+                  <a:outerShdw blurRad="38100" dist="38100" dir="2700000" algn="tl">
+                    <a:srgbClr val="000000">
+                      <a:alpha val="43137"/>
+                    </a:srgbClr>
+                  </a:outerShdw>
+                </a:effectLst>
+              </a:rPr>
+              <a:t>Generación de XBRL</a:t>
+            </a:r>
+            <a:r>
+              <a:rPr lang="es-CL" sz="2300" dirty="0" smtClean="0"/>
+              <a:t> el cual independiza a la empresa de los proveedores externos al momento de generar el envió de XBRL a la SVS.</a:t>
+            </a:r>
+          </a:p>
+          <a:p>
+            <a:pPr algn="just"/>
+            <a:r>
+              <a:rPr lang="es-CL" sz="2300" dirty="0" smtClean="0"/>
+              <a:t>Proporciona herramientas de Control que permiten tener una visión amplia sobre el estado del completitud de los datos para los periodos informados.</a:t>
+            </a:r>
+          </a:p>
+          <a:p>
+            <a:endParaRPr lang="es-CL" sz="2300" dirty="0" smtClean="0"/>
+          </a:p>
+          <a:p>
+            <a:pPr algn="just"/>
+            <a:endParaRPr lang="es-CL" sz="2300" dirty="0" smtClean="0"/>
+          </a:p>
+          <a:p>
+            <a:pPr algn="just"/>
+            <a:endParaRPr lang="es-CL" sz="2300" dirty="0" smtClean="0"/>
+          </a:p>
+          <a:p>
+            <a:pPr algn="just"/>
+            <a:endParaRPr lang="es-CL" sz="2300" dirty="0" smtClean="0"/>
+          </a:p>
+          <a:p>
+            <a:pPr algn="just"/>
+            <a:endParaRPr lang="es-CL" sz="2300" dirty="0" smtClean="0"/>
+          </a:p>
+          <a:p>
+            <a:pPr algn="just"/>
+            <a:endParaRPr lang="es-CL" sz="2300" dirty="0" smtClean="0"/>
+          </a:p>
+        </p:txBody>
+      </p:sp>
+      <p:sp>
+        <p:nvSpPr>
+          <p:cNvPr id="3" name="2 Título"/>
+          <p:cNvSpPr>
+            <a:spLocks noGrp="1"/>
+          </p:cNvSpPr>
+          <p:nvPr>
+            <p:ph type="title"/>
+          </p:nvPr>
+        </p:nvSpPr>
+        <p:spPr/>
         <p:txBody>
           <a:bodyPr>
             <a:normAutofit/>
           </a:bodyPr>
           <a:lstStyle/>
           <a:p>
-            <a:pPr algn="just"/>
-            <a:r>
-              <a:rPr lang="es-CL" sz="2300" dirty="0" smtClean="0"/>
-              <a:t>Interfaz Amigable y Usable.</a:t>
-            </a:r>
-          </a:p>
-          <a:p>
-            <a:pPr algn="just"/>
-            <a:r>
-              <a:rPr lang="es-CL" sz="2300" dirty="0" smtClean="0"/>
-              <a:t>Configurable y parametrizable.</a:t>
-            </a:r>
-          </a:p>
-          <a:p>
-            <a:pPr algn="just"/>
-            <a:r>
-              <a:rPr lang="es-CL" sz="2300" dirty="0" smtClean="0"/>
-              <a:t>Disponible en Intranet y 100% Web.</a:t>
-            </a:r>
-          </a:p>
-          <a:p>
-            <a:pPr algn="just"/>
-            <a:r>
-              <a:rPr lang="es-CL" sz="2300" dirty="0" smtClean="0"/>
-              <a:t>Este producto entrega una solución concreta a los procesos de obtención, administración, gestión y almacenamiento integral de toda la información involucrada en las Revelaciones según la norma IFRS.</a:t>
-            </a:r>
-            <a:endParaRPr lang="es-CL" sz="2300" dirty="0"/>
+            <a:r>
+              <a:rPr lang="es-CL" sz="3200" dirty="0" smtClean="0"/>
+              <a:t>Principales </a:t>
+            </a:r>
+            <a:r>
+              <a:rPr lang="es-CL" sz="3200" dirty="0" smtClean="0"/>
+              <a:t>Características de </a:t>
+            </a:r>
+            <a:br>
+              <a:rPr lang="es-CL" sz="3200" dirty="0" smtClean="0"/>
+            </a:br>
+            <a:r>
+              <a:rPr lang="es-CL" sz="3200" dirty="0" smtClean="0"/>
+              <a:t>Nuestra Solución.</a:t>
+            </a:r>
+            <a:endParaRPr lang="es-CL" sz="3200" dirty="0"/>
           </a:p>
         </p:txBody>
       </p:sp>
       <p:pic>
         <p:nvPicPr>
-          <p:cNvPr id="3" name="2 Imagen" descr="logo_top_byte.gif"/>
+          <p:cNvPr id="4" name="3 Imagen" descr="logo_top_byte.gif"/>
           <p:cNvPicPr>
             <a:picLocks noChangeAspect="1"/>
           </p:cNvPicPr>

--- a/docs/comercial/brochure.pptx
+++ b/docs/comercial/brochure.pptx
@@ -4735,11 +4735,7 @@
             </a:br>
             <a:r>
               <a:rPr lang="es-CL" sz="2400" dirty="0" smtClean="0"/>
-              <a:t>Software de gestión de Revelaciones y Estados Financieros para Entidades </a:t>
-            </a:r>
-            <a:r>
-              <a:rPr lang="es-CL" sz="2400" dirty="0" smtClean="0"/>
-              <a:t>Aseguradoras.</a:t>
+              <a:t>Software de gestión de Revelaciones y Estados Financieros para Entidades Aseguradoras.</a:t>
             </a:r>
             <a:endParaRPr lang="es-CL" dirty="0"/>
           </a:p>
@@ -4938,7 +4934,6 @@
           <a:bodyPr/>
           <a:lstStyle/>
           <a:p>
-            <a:pPr algn="just"/>
             <a:r>
               <a:rPr lang="es-CL" dirty="0" smtClean="0">
                 <a:effectLst>
@@ -4957,19 +4952,15 @@
             </a:r>
             <a:r>
               <a:rPr lang="es-CL" dirty="0" smtClean="0"/>
-              <a:t>Proporciona </a:t>
+              <a:t>Configure </a:t>
             </a:r>
             <a:r>
               <a:rPr lang="es-CL" dirty="0" smtClean="0"/>
-              <a:t>la capacidad de configurar dinámicamente las estructuras de </a:t>
+              <a:t>dinámicamente las estructuras de Información para las Revelaciones según la normativa de la </a:t>
             </a:r>
             <a:r>
               <a:rPr lang="es-CL" dirty="0" smtClean="0"/>
-              <a:t>Información para las Revelaciones </a:t>
-            </a:r>
-            <a:r>
-              <a:rPr lang="es-CL" dirty="0" smtClean="0"/>
-              <a:t>según la normativa de la SVS.</a:t>
+              <a:t>Súper Intendencia de Valores y Seguros.</a:t>
             </a:r>
             <a:endParaRPr lang="es-CL" dirty="0"/>
           </a:p>
@@ -5019,8 +5010,8 @@
         </p:blipFill>
         <p:spPr bwMode="auto">
           <a:xfrm>
-            <a:off x="3786182" y="3357562"/>
-            <a:ext cx="4100391" cy="2928958"/>
+            <a:off x="4211961" y="3418602"/>
+            <a:ext cx="4248472" cy="3034734"/>
           </a:xfrm>
           <a:prstGeom prst="rect">
             <a:avLst/>
@@ -5166,55 +5157,7 @@
                   </a:outerShdw>
                 </a:effectLst>
               </a:rPr>
-              <a:t>Configurador de </a:t>
-            </a:r>
-            <a:r>
-              <a:rPr lang="es-CL" dirty="0" smtClean="0">
-                <a:effectLst>
-                  <a:outerShdw blurRad="38100" dist="38100" dir="2700000" algn="tl">
-                    <a:srgbClr val="000000">
-                      <a:alpha val="43137"/>
-                    </a:srgbClr>
-                  </a:outerShdw>
-                </a:effectLst>
-              </a:rPr>
-              <a:t>Fórmulas </a:t>
-            </a:r>
-            <a:r>
-              <a:rPr lang="es-CL" dirty="0" smtClean="0">
-                <a:effectLst>
-                  <a:outerShdw blurRad="38100" dist="38100" dir="2700000" algn="tl">
-                    <a:srgbClr val="000000">
-                      <a:alpha val="43137"/>
-                    </a:srgbClr>
-                  </a:outerShdw>
-                </a:effectLst>
-              </a:rPr>
-              <a:t>de </a:t>
-            </a:r>
-            <a:r>
-              <a:rPr lang="es-CL" dirty="0" smtClean="0">
-                <a:effectLst>
-                  <a:outerShdw blurRad="38100" dist="38100" dir="2700000" algn="tl">
-                    <a:srgbClr val="000000">
-                      <a:alpha val="43137"/>
-                    </a:srgbClr>
-                  </a:outerShdw>
-                </a:effectLst>
-              </a:rPr>
-              <a:t>Cálculo</a:t>
-            </a:r>
-            <a:r>
-              <a:rPr lang="es-CL" dirty="0" smtClean="0">
-                <a:effectLst>
-                  <a:outerShdw blurRad="38100" dist="38100" dir="2700000" algn="tl">
-                    <a:srgbClr val="000000">
-                      <a:alpha val="43137"/>
-                    </a:srgbClr>
-                  </a:outerShdw>
-                </a:effectLst>
-              </a:rPr>
-              <a:t>.</a:t>
+              <a:t>Configurador de Fórmulas de Cálculo.</a:t>
             </a:r>
             <a:r>
               <a:rPr lang="es-CL" dirty="0" smtClean="0"/>
@@ -5232,11 +5175,23 @@
             </a:br>
             <a:r>
               <a:rPr lang="es-CL" dirty="0" smtClean="0"/>
-              <a:t>Permite </a:t>
+              <a:t>Configure las </a:t>
+            </a:r>
+            <a:r>
+              <a:rPr lang="es-CL" dirty="0"/>
+              <a:t>O</a:t>
             </a:r>
             <a:r>
               <a:rPr lang="es-CL" dirty="0" smtClean="0"/>
-              <a:t>configurar las operatorias necesarias entre los campos de cada Cuadro, esto es necesario para establecer las sumas y restas de cada Revelación.</a:t>
+              <a:t>peratorias </a:t>
+            </a:r>
+            <a:r>
+              <a:rPr lang="es-CL" dirty="0" smtClean="0"/>
+              <a:t>necesarias entre los campos de cada </a:t>
+            </a:r>
+            <a:r>
+              <a:rPr lang="es-CL" dirty="0" smtClean="0"/>
+              <a:t>Cuadro y establezca Sumas y Restas.</a:t>
             </a:r>
             <a:endParaRPr lang="es-CL" dirty="0"/>
           </a:p>
@@ -5259,7 +5214,7 @@
         </p:blipFill>
         <p:spPr bwMode="auto">
           <a:xfrm>
-            <a:off x="2898014" y="3000372"/>
+            <a:off x="2843808" y="2636912"/>
             <a:ext cx="5674514" cy="3214710"/>
           </a:xfrm>
           <a:prstGeom prst="rect">
@@ -5376,18 +5331,6 @@
               </a:rPr>
               <a:t>Cargador y Validador de Estados </a:t>
             </a:r>
-            <a:r>
-              <a:rPr lang="es-CL" dirty="0" smtClean="0">
-                <a:effectLst>
-                  <a:outerShdw blurRad="38100" dist="38100" dir="2700000" algn="tl">
-                    <a:srgbClr val="000000">
-                      <a:alpha val="43137"/>
-                    </a:srgbClr>
-                  </a:outerShdw>
-                </a:effectLst>
-              </a:rPr>
-              <a:t/>
-            </a:r>
             <a:br>
               <a:rPr lang="es-CL" dirty="0" smtClean="0">
                 <a:effectLst>
@@ -5409,19 +5352,7 @@
                   </a:outerShdw>
                 </a:effectLst>
               </a:rPr>
-              <a:t>Financieros</a:t>
-            </a:r>
-            <a:r>
-              <a:rPr lang="es-CL" dirty="0" smtClean="0">
-                <a:effectLst>
-                  <a:outerShdw blurRad="38100" dist="38100" dir="2700000" algn="tl">
-                    <a:srgbClr val="000000">
-                      <a:alpha val="43137"/>
-                    </a:srgbClr>
-                  </a:outerShdw>
-                </a:effectLst>
-              </a:rPr>
-              <a:t>.</a:t>
+              <a:t>Financieros.</a:t>
             </a:r>
             <a:r>
               <a:rPr lang="es-CL" dirty="0" smtClean="0"/>
@@ -5439,15 +5370,7 @@
             </a:br>
             <a:r>
               <a:rPr lang="es-CL" dirty="0" smtClean="0"/>
-              <a:t>Cargue sus Estados Financieros en el Sistema y valide sus ingresos de </a:t>
-            </a:r>
-            <a:r>
-              <a:rPr lang="es-CL" dirty="0" smtClean="0"/>
-              <a:t>Información</a:t>
-            </a:r>
-            <a:r>
-              <a:rPr lang="es-CL" dirty="0" smtClean="0"/>
-              <a:t> en base a los EE.FF.</a:t>
+              <a:t>Cargue sus Estados Financieros en el Sistema y valide sus ingresos de Información en base a los EE.FF.</a:t>
             </a:r>
             <a:endParaRPr lang="es-CL" dirty="0"/>
           </a:p>
@@ -5553,31 +5476,7 @@
                   </a:outerShdw>
                 </a:effectLst>
               </a:rPr>
-              <a:t>Flujo de </a:t>
-            </a:r>
-            <a:r>
-              <a:rPr lang="es-CL" dirty="0" smtClean="0">
-                <a:effectLst>
-                  <a:outerShdw blurRad="38100" dist="38100" dir="2700000" algn="tl">
-                    <a:srgbClr val="000000">
-                      <a:alpha val="43137"/>
-                    </a:srgbClr>
-                  </a:outerShdw>
-                </a:effectLst>
-              </a:rPr>
-              <a:t>Aprobación</a:t>
-            </a:r>
-            <a:r>
-              <a:rPr lang="es-CL" dirty="0" smtClean="0">
-                <a:effectLst>
-                  <a:outerShdw blurRad="38100" dist="38100" dir="2700000" algn="tl">
-                    <a:srgbClr val="000000">
-                      <a:alpha val="43137"/>
-                    </a:srgbClr>
-                  </a:outerShdw>
-                </a:effectLst>
-              </a:rPr>
-              <a:t>.</a:t>
+              <a:t>Flujo de Aprobación.</a:t>
             </a:r>
             <a:r>
               <a:rPr lang="es-CL" dirty="0" smtClean="0"/>
@@ -5595,11 +5494,15 @@
             </a:br>
             <a:r>
               <a:rPr lang="es-CL" dirty="0" smtClean="0"/>
-              <a:t>Permite </a:t>
+              <a:t>Controle el Flujo de </a:t>
             </a:r>
             <a:r>
               <a:rPr lang="es-CL" dirty="0" smtClean="0"/>
-              <a:t>establecer un Flujo que controla el ingreso de la información para los periodos.</a:t>
+              <a:t>la información </a:t>
+            </a:r>
+            <a:r>
+              <a:rPr lang="es-CL" dirty="0" smtClean="0"/>
+              <a:t>de cada Período, visualizando el estado de sus Revelaciones.</a:t>
             </a:r>
             <a:endParaRPr lang="es-CL" dirty="0"/>
           </a:p>
@@ -5622,7 +5525,7 @@
         </p:blipFill>
         <p:spPr bwMode="auto">
           <a:xfrm>
-            <a:off x="3643306" y="2357430"/>
+            <a:off x="3643306" y="2523676"/>
             <a:ext cx="4892051" cy="3857652"/>
           </a:xfrm>
           <a:prstGeom prst="rect">
@@ -5769,19 +5672,7 @@
                   </a:outerShdw>
                 </a:effectLst>
               </a:rPr>
-              <a:t>Apertura y Cierre de Período</a:t>
-            </a:r>
-            <a:r>
-              <a:rPr lang="es-CL" dirty="0" smtClean="0">
-                <a:effectLst>
-                  <a:outerShdw blurRad="38100" dist="38100" dir="2700000" algn="tl">
-                    <a:srgbClr val="000000">
-                      <a:alpha val="43137"/>
-                    </a:srgbClr>
-                  </a:outerShdw>
-                </a:effectLst>
-              </a:rPr>
-              <a:t>.</a:t>
+              <a:t>Apertura y Cierre de Período.</a:t>
             </a:r>
             <a:r>
               <a:rPr lang="es-CL" dirty="0" smtClean="0"/>
@@ -5799,7 +5690,30 @@
             </a:br>
             <a:r>
               <a:rPr lang="es-CL" dirty="0" smtClean="0"/>
-              <a:t>Permite Establecer opciones de Cierre y Apertura de períodos para el Ingreso de Información.</a:t>
+              <a:t/>
+            </a:r>
+            <a:br>
+              <a:rPr lang="es-CL" dirty="0" smtClean="0"/>
+            </a:br>
+            <a:r>
+              <a:rPr lang="es-CL" dirty="0" smtClean="0"/>
+              <a:t>Realice operaciones </a:t>
+            </a:r>
+            <a:r>
+              <a:rPr lang="es-CL" dirty="0" smtClean="0"/>
+              <a:t>de Cierre y Apertura de </a:t>
+            </a:r>
+            <a:r>
+              <a:rPr lang="es-CL" dirty="0" smtClean="0"/>
+              <a:t>período </a:t>
+            </a:r>
+            <a:r>
+              <a:rPr lang="es-CL" dirty="0" smtClean="0"/>
+              <a:t>para el Ingreso de </a:t>
+            </a:r>
+            <a:r>
+              <a:rPr lang="es-CL" dirty="0" smtClean="0"/>
+              <a:t>su Información.</a:t>
             </a:r>
             <a:endParaRPr lang="es-CL" dirty="0"/>
           </a:p>
@@ -5935,19 +5849,7 @@
                   </a:outerShdw>
                 </a:effectLst>
               </a:rPr>
-              <a:t>Proceso e Ingreso de Información</a:t>
-            </a:r>
-            <a:r>
-              <a:rPr lang="es-CL" dirty="0" smtClean="0">
-                <a:effectLst>
-                  <a:outerShdw blurRad="38100" dist="38100" dir="2700000" algn="tl">
-                    <a:srgbClr val="000000">
-                      <a:alpha val="43137"/>
-                    </a:srgbClr>
-                  </a:outerShdw>
-                </a:effectLst>
-              </a:rPr>
-              <a:t>.</a:t>
+              <a:t>Proceso e Ingreso de Información.</a:t>
             </a:r>
             <a:r>
               <a:rPr lang="es-CL" dirty="0" smtClean="0"/>
@@ -5965,7 +5867,35 @@
             </a:br>
             <a:r>
               <a:rPr lang="es-CL" dirty="0" smtClean="0"/>
-              <a:t>Permite Realizar los ingresos de Información de las Revelaciones, validando dichos ingresos contra los estados financieros.</a:t>
+              <a:t>Ingrese su Información </a:t>
+            </a:r>
+            <a:r>
+              <a:rPr lang="es-CL" dirty="0" smtClean="0"/>
+              <a:t>de </a:t>
+            </a:r>
+            <a:r>
+              <a:rPr lang="es-CL" dirty="0" smtClean="0"/>
+              <a:t>Revelaciones</a:t>
+            </a:r>
+            <a:r>
+              <a:rPr lang="es-CL" dirty="0" smtClean="0"/>
+              <a:t>, validando dichos ingresos contra </a:t>
+            </a:r>
+            <a:r>
+              <a:rPr lang="es-CL" dirty="0" smtClean="0"/>
+              <a:t>sus Estados </a:t>
+            </a:r>
+            <a:r>
+              <a:rPr lang="es-CL" dirty="0"/>
+              <a:t>F</a:t>
+            </a:r>
+            <a:r>
+              <a:rPr lang="es-CL" dirty="0" smtClean="0"/>
+              <a:t>inancieros</a:t>
+            </a:r>
+            <a:r>
+              <a:rPr lang="es-CL" dirty="0" smtClean="0"/>
+              <a:t>.</a:t>
             </a:r>
             <a:endParaRPr lang="es-CL" dirty="0"/>
           </a:p>
@@ -6103,19 +6033,7 @@
                   </a:outerShdw>
                 </a:effectLst>
               </a:rPr>
-              <a:t>Perfilamiento</a:t>
-            </a:r>
-            <a:r>
-              <a:rPr lang="es-CL" dirty="0" smtClean="0">
-                <a:effectLst>
-                  <a:outerShdw blurRad="38100" dist="38100" dir="2700000" algn="tl">
-                    <a:srgbClr val="000000">
-                      <a:alpha val="43137"/>
-                    </a:srgbClr>
-                  </a:outerShdw>
-                </a:effectLst>
-              </a:rPr>
-              <a:t>.</a:t>
+              <a:t>Perfilamiento.</a:t>
             </a:r>
             <a:r>
               <a:rPr lang="es-CL" dirty="0" smtClean="0"/>
@@ -6149,7 +6067,6 @@
               <a:rPr lang="es-CL" dirty="0" smtClean="0"/>
               <a:t>Accesos y bloqueo de Sistema.</a:t>
             </a:r>
-            <a:endParaRPr lang="es-CL" dirty="0" smtClean="0"/>
           </a:p>
         </p:txBody>
       </p:sp>
@@ -6289,19 +6206,7 @@
                   </a:outerShdw>
                 </a:effectLst>
               </a:rPr>
-              <a:t>Reportes</a:t>
-            </a:r>
-            <a:r>
-              <a:rPr lang="es-CL" dirty="0" smtClean="0">
-                <a:effectLst>
-                  <a:outerShdw blurRad="38100" dist="38100" dir="2700000" algn="tl">
-                    <a:srgbClr val="000000">
-                      <a:alpha val="43137"/>
-                    </a:srgbClr>
-                  </a:outerShdw>
-                </a:effectLst>
-              </a:rPr>
-              <a:t>.</a:t>
+              <a:t>Reportes.</a:t>
             </a:r>
             <a:r>
               <a:rPr lang="es-CL" dirty="0" smtClean="0"/>
@@ -6319,7 +6224,19 @@
             </a:br>
             <a:r>
               <a:rPr lang="es-CL" dirty="0" smtClean="0"/>
-              <a:t>EXFIDA cuenta con un completo módulo de reportes.</a:t>
+              <a:t>Con EXFIDA cuente con un completo </a:t>
+            </a:r>
+            <a:r>
+              <a:rPr lang="es-CL" dirty="0" smtClean="0"/>
+              <a:t>módulo de </a:t>
+            </a:r>
+            <a:r>
+              <a:rPr lang="es-CL" dirty="0" smtClean="0"/>
+              <a:t>Reportes</a:t>
+            </a:r>
+            <a:r>
+              <a:rPr lang="es-CL" dirty="0" smtClean="0"/>
+              <a:t>.</a:t>
             </a:r>
           </a:p>
           <a:p>
@@ -6591,11 +6508,7 @@
           <a:p>
             <a:r>
               <a:rPr lang="es-CL" sz="2300" dirty="0" smtClean="0"/>
-              <a:t>Somos una empresa chilena con 18 años de experiencia profesional en las áreas de desarrollo de software y consultoría</a:t>
-            </a:r>
-            <a:r>
-              <a:rPr lang="es-CL" sz="2300" dirty="0" smtClean="0"/>
-              <a:t>.</a:t>
+              <a:t>Somos una empresa chilena con 18 años de experiencia profesional en las áreas de desarrollo de software y consultoría.</a:t>
             </a:r>
             <a:endParaRPr lang="es-MX" sz="2300" dirty="0" smtClean="0"/>
           </a:p>
@@ -6621,23 +6534,7 @@
             </a:pPr>
             <a:r>
               <a:rPr lang="es-MX" sz="2300" dirty="0" smtClean="0"/>
-              <a:t>Actualmente, </a:t>
-            </a:r>
-            <a:r>
-              <a:rPr lang="es-MX" sz="2300" dirty="0" smtClean="0"/>
-              <a:t>en nuestra </a:t>
-            </a:r>
-            <a:r>
-              <a:rPr lang="es-MX" sz="2300" dirty="0" smtClean="0"/>
-              <a:t>línea de productos </a:t>
-            </a:r>
-            <a:r>
-              <a:rPr lang="es-MX" sz="2300" dirty="0" smtClean="0"/>
-              <a:t>ofrecemos, </a:t>
-            </a:r>
-            <a:r>
-              <a:rPr lang="es-MX" sz="2300" dirty="0" smtClean="0"/>
-              <a:t>desarrollo de Proyectos de Software específicamente en Arquitecturas JEE (Java Enterprise Edition), Consultoría Tecnológica y Funcional en Módulos SAP R3, Desarrollo de Productos de Software y venta e implementación de Infraestructura, a objeto de </a:t>
+              <a:t>Actualmente, en nuestra línea de productos ofrecemos, desarrollo de Proyectos de Software específicamente en Arquitecturas JEE (Java Enterprise Edition), Consultoría Tecnológica y Funcional en Módulos SAP R3, Desarrollo de Productos de Software y venta e implementación de Infraestructura, a objeto de </a:t>
             </a:r>
             <a:r>
               <a:rPr lang="es-ES" sz="2300" dirty="0" smtClean="0"/>
@@ -6653,11 +6550,7 @@
             </a:r>
             <a:r>
               <a:rPr lang="es-MX" sz="2300" dirty="0" smtClean="0"/>
-              <a:t>tecnología de la Información (TI</a:t>
-            </a:r>
-            <a:r>
-              <a:rPr lang="es-MX" sz="2300" dirty="0" smtClean="0"/>
-              <a:t>).</a:t>
+              <a:t>tecnología de la Información (TI).</a:t>
             </a:r>
             <a:endParaRPr lang="es-ES" sz="2300" dirty="0" smtClean="0"/>
           </a:p>
@@ -6683,11 +6576,7 @@
           <a:p>
             <a:r>
               <a:rPr lang="es-CL" sz="3200" dirty="0" smtClean="0"/>
-              <a:t>Nuestra </a:t>
-            </a:r>
-            <a:r>
-              <a:rPr lang="es-CL" sz="3200" dirty="0" smtClean="0"/>
-              <a:t>Empresa.</a:t>
+              <a:t>Nuestra Empresa.</a:t>
             </a:r>
             <a:endParaRPr lang="es-CL" sz="3200" dirty="0"/>
           </a:p>
@@ -6785,7 +6674,6 @@
               <a:rPr lang="es-CL" dirty="0" smtClean="0"/>
               <a:t>Revelaciones en Formato MS Excel.</a:t>
             </a:r>
-            <a:endParaRPr lang="es-CL" dirty="0" smtClean="0"/>
           </a:p>
         </p:txBody>
       </p:sp>
@@ -7229,27 +7117,7 @@
           <a:p>
             <a:r>
               <a:rPr lang="es-CL" sz="2300" dirty="0" smtClean="0"/>
-              <a:t>Queremos ganarnos su confianza, a través de soluciones tecnológicas que permitan hacer más eficiente la gestión del negocio de </a:t>
-            </a:r>
-            <a:r>
-              <a:rPr lang="es-CL" sz="2300" dirty="0" smtClean="0"/>
-              <a:t>su Empresa </a:t>
-            </a:r>
-            <a:r>
-              <a:rPr lang="es-CL" sz="2300" dirty="0" smtClean="0"/>
-              <a:t>y brindándole a su </a:t>
-            </a:r>
-            <a:r>
-              <a:rPr lang="es-CL" sz="2300" dirty="0" smtClean="0"/>
-              <a:t>Compañía </a:t>
-            </a:r>
-            <a:r>
-              <a:rPr lang="es-CL" sz="2300" dirty="0" smtClean="0"/>
-              <a:t>siempre un </a:t>
-            </a:r>
-            <a:r>
-              <a:rPr lang="es-CL" sz="2300" dirty="0" smtClean="0"/>
-              <a:t>valor agregado.</a:t>
+              <a:t>Queremos ganarnos su confianza, a través de soluciones tecnológicas que permitan hacer más eficiente la gestión del negocio de su Empresa y brindándole a su Compañía siempre un valor agregado.</a:t>
             </a:r>
             <a:r>
               <a:rPr lang="es-CL" sz="2400" dirty="0" smtClean="0"/>
@@ -7278,11 +7146,7 @@
             <a:pPr lvl="2" algn="just"/>
             <a:r>
               <a:rPr lang="es-CL" sz="2000" dirty="0" smtClean="0"/>
-              <a:t>Aumentamos la </a:t>
-            </a:r>
-            <a:r>
-              <a:rPr lang="es-CL" sz="2000" dirty="0" smtClean="0"/>
-              <a:t>productividad derivado del incremento de niveles de servicio.</a:t>
+              <a:t>Aumentamos la productividad derivado del incremento de niveles de servicio.</a:t>
             </a:r>
           </a:p>
           <a:p>
@@ -7460,11 +7324,7 @@
           <a:p>
             <a:r>
               <a:rPr lang="es-CL" sz="3200" dirty="0" smtClean="0"/>
-              <a:t>Nuestra </a:t>
-            </a:r>
-            <a:r>
-              <a:rPr lang="es-CL" sz="3200" dirty="0" smtClean="0"/>
-              <a:t>Fuerza.</a:t>
+              <a:t>Nuestra Fuerza.</a:t>
             </a:r>
             <a:endParaRPr lang="es-CL" sz="3200" dirty="0"/>
           </a:p>
@@ -7584,7 +7444,7 @@
         </p:nvSpPr>
         <p:spPr>
           <a:xfrm>
-            <a:off x="642910" y="2928934"/>
+            <a:off x="642910" y="3798168"/>
             <a:ext cx="8229600" cy="1143000"/>
           </a:xfrm>
         </p:spPr>
@@ -7596,11 +7456,7 @@
           <a:p>
             <a:r>
               <a:rPr lang="es-CL" sz="3200" dirty="0" smtClean="0"/>
-              <a:t>Nuestras </a:t>
-            </a:r>
-            <a:r>
-              <a:rPr lang="es-CL" sz="3200" dirty="0" smtClean="0"/>
-              <a:t>Alianzas.</a:t>
+              <a:t>Nuestras Alianzas.</a:t>
             </a:r>
             <a:endParaRPr lang="es-CL" sz="3200" dirty="0"/>
           </a:p>
@@ -7616,7 +7472,7 @@
           <a:blip r:embed="rId2" cstate="print">
             <a:extLst>
               <a:ext uri="{28A0092B-C50C-407E-A947-70E740481C1C}">
-                <a14:useLocalDpi xmlns="" xmlns:wpc="http://schemas.microsoft.com/office/word/2010/wordprocessingCanvas" xmlns:mc="http://schemas.openxmlformats.org/markup-compatibility/2006" xmlns:o="urn:schemas-microsoft-com:office:office" xmlns:m="http://schemas.openxmlformats.org/officeDocument/2006/math" xmlns:v="urn:schemas-microsoft-com:vml" xmlns:wp14="http://schemas.microsoft.com/office/word/2010/wordprocessingDrawing" xmlns:wp="http://schemas.openxmlformats.org/drawingml/2006/wordprocessingDrawing" xmlns:w10="urn:schemas-microsoft-com:office:word" xmlns:w="http://schemas.openxmlformats.org/wordprocessingml/2006/main" xmlns:w14="http://schemas.microsoft.com/office/word/2010/wordml" xmlns:wpg="http://schemas.microsoft.com/office/word/2010/wordprocessingGroup" xmlns:wpi="http://schemas.microsoft.com/office/word/2010/wordprocessingInk" xmlns:wne="http://schemas.microsoft.com/office/word/2006/wordml" xmlns:wps="http://schemas.microsoft.com/office/word/2010/wordprocessingShape" xmlns:a14="http://schemas.microsoft.com/office/drawing/2010/main" xmlns:pic="http://schemas.openxmlformats.org/drawingml/2006/picture" xmlns:lc="http://schemas.openxmlformats.org/drawingml/2006/lockedCanvas" val="0"/>
+                <a14:useLocalDpi xmlns:a14="http://schemas.microsoft.com/office/drawing/2010/main" val="0"/>
               </a:ext>
             </a:extLst>
           </a:blip>
@@ -7627,27 +7483,46 @@
         </p:blipFill>
         <p:spPr bwMode="auto">
           <a:xfrm>
-            <a:off x="571472" y="1643050"/>
+            <a:off x="571472" y="1659676"/>
             <a:ext cx="1529542" cy="781396"/>
           </a:xfrm>
           <a:prstGeom prst="rect">
             <a:avLst/>
           </a:prstGeom>
-          <a:ln>
-            <a:noFill/>
+          <a:solidFill>
+            <a:srgbClr val="FFFFFF">
+              <a:shade val="85000"/>
+            </a:srgbClr>
+          </a:solidFill>
+          <a:ln w="190500" cap="rnd">
+            <a:solidFill>
+              <a:srgbClr val="FFFFFF"/>
+            </a:solidFill>
           </a:ln>
           <a:effectLst>
-            <a:outerShdw blurRad="292100" dist="139700" dir="2700000" algn="tl" rotWithShape="0">
-              <a:srgbClr val="333333">
-                <a:alpha val="65000"/>
+            <a:outerShdw blurRad="50000" algn="tl" rotWithShape="0">
+              <a:srgbClr val="000000">
+                <a:alpha val="41000"/>
               </a:srgbClr>
             </a:outerShdw>
           </a:effectLst>
+          <a:scene3d>
+            <a:camera prst="orthographicFront"/>
+            <a:lightRig rig="twoPt" dir="t">
+              <a:rot lat="0" lon="0" rev="7800000"/>
+            </a:lightRig>
+          </a:scene3d>
+          <a:sp3d contourW="6350">
+            <a:bevelT w="50800" h="16510"/>
+            <a:contourClr>
+              <a:srgbClr val="C0C0C0"/>
+            </a:contourClr>
+          </a:sp3d>
         </p:spPr>
       </p:pic>
       <p:pic>
         <p:nvPicPr>
-          <p:cNvPr id="14" name="13 Imagen" descr="Ministerio de Educación"/>
+          <p:cNvPr id="15" name="14 Imagen" descr="banco Edwards"/>
           <p:cNvPicPr/>
           <p:nvPr/>
         </p:nvPicPr>
@@ -7655,7 +7530,7 @@
           <a:blip r:embed="rId3" cstate="print">
             <a:extLst>
               <a:ext uri="{28A0092B-C50C-407E-A947-70E740481C1C}">
-                <a14:useLocalDpi xmlns="" xmlns:wpc="http://schemas.microsoft.com/office/word/2010/wordprocessingCanvas" xmlns:mc="http://schemas.openxmlformats.org/markup-compatibility/2006" xmlns:o="urn:schemas-microsoft-com:office:office" xmlns:m="http://schemas.openxmlformats.org/officeDocument/2006/math" xmlns:v="urn:schemas-microsoft-com:vml" xmlns:wp14="http://schemas.microsoft.com/office/word/2010/wordprocessingDrawing" xmlns:wp="http://schemas.openxmlformats.org/drawingml/2006/wordprocessingDrawing" xmlns:w10="urn:schemas-microsoft-com:office:word" xmlns:w="http://schemas.openxmlformats.org/wordprocessingml/2006/main" xmlns:w14="http://schemas.microsoft.com/office/word/2010/wordml" xmlns:wpg="http://schemas.microsoft.com/office/word/2010/wordprocessingGroup" xmlns:wpi="http://schemas.microsoft.com/office/word/2010/wordprocessingInk" xmlns:wne="http://schemas.microsoft.com/office/word/2006/wordml" xmlns:wps="http://schemas.microsoft.com/office/word/2010/wordprocessingShape" xmlns:a14="http://schemas.microsoft.com/office/drawing/2010/main" xmlns:pic="http://schemas.openxmlformats.org/drawingml/2006/picture" xmlns:lc="http://schemas.openxmlformats.org/drawingml/2006/lockedCanvas" val="0"/>
+                <a14:useLocalDpi xmlns:a14="http://schemas.microsoft.com/office/drawing/2010/main" val="0"/>
               </a:ext>
             </a:extLst>
           </a:blip>
@@ -7666,27 +7541,46 @@
         </p:blipFill>
         <p:spPr bwMode="auto">
           <a:xfrm>
-            <a:off x="2571736" y="1643050"/>
-            <a:ext cx="1604356" cy="798022"/>
+            <a:off x="4643438" y="1643050"/>
+            <a:ext cx="1512916" cy="814648"/>
           </a:xfrm>
           <a:prstGeom prst="rect">
             <a:avLst/>
           </a:prstGeom>
-          <a:ln>
-            <a:noFill/>
+          <a:solidFill>
+            <a:srgbClr val="FFFFFF">
+              <a:shade val="85000"/>
+            </a:srgbClr>
+          </a:solidFill>
+          <a:ln w="190500" cap="rnd">
+            <a:solidFill>
+              <a:srgbClr val="FFFFFF"/>
+            </a:solidFill>
           </a:ln>
           <a:effectLst>
-            <a:outerShdw blurRad="292100" dist="139700" dir="2700000" algn="tl" rotWithShape="0">
-              <a:srgbClr val="333333">
-                <a:alpha val="65000"/>
+            <a:outerShdw blurRad="50000" algn="tl" rotWithShape="0">
+              <a:srgbClr val="000000">
+                <a:alpha val="41000"/>
               </a:srgbClr>
             </a:outerShdw>
           </a:effectLst>
+          <a:scene3d>
+            <a:camera prst="orthographicFront"/>
+            <a:lightRig rig="twoPt" dir="t">
+              <a:rot lat="0" lon="0" rev="7800000"/>
+            </a:lightRig>
+          </a:scene3d>
+          <a:sp3d contourW="6350">
+            <a:bevelT w="50800" h="16510"/>
+            <a:contourClr>
+              <a:srgbClr val="C0C0C0"/>
+            </a:contourClr>
+          </a:sp3d>
         </p:spPr>
       </p:pic>
       <p:pic>
         <p:nvPicPr>
-          <p:cNvPr id="15" name="14 Imagen" descr="banco Edwards"/>
+          <p:cNvPr id="16" name="15 Imagen" descr="Italpasta S.A"/>
           <p:cNvPicPr/>
           <p:nvPr/>
         </p:nvPicPr>
@@ -7694,7 +7588,7 @@
           <a:blip r:embed="rId4" cstate="print">
             <a:extLst>
               <a:ext uri="{28A0092B-C50C-407E-A947-70E740481C1C}">
-                <a14:useLocalDpi xmlns="" xmlns:wpc="http://schemas.microsoft.com/office/word/2010/wordprocessingCanvas" xmlns:mc="http://schemas.openxmlformats.org/markup-compatibility/2006" xmlns:o="urn:schemas-microsoft-com:office:office" xmlns:m="http://schemas.openxmlformats.org/officeDocument/2006/math" xmlns:v="urn:schemas-microsoft-com:vml" xmlns:wp14="http://schemas.microsoft.com/office/word/2010/wordprocessingDrawing" xmlns:wp="http://schemas.openxmlformats.org/drawingml/2006/wordprocessingDrawing" xmlns:w10="urn:schemas-microsoft-com:office:word" xmlns:w="http://schemas.openxmlformats.org/wordprocessingml/2006/main" xmlns:w14="http://schemas.microsoft.com/office/word/2010/wordml" xmlns:wpg="http://schemas.microsoft.com/office/word/2010/wordprocessingGroup" xmlns:wpi="http://schemas.microsoft.com/office/word/2010/wordprocessingInk" xmlns:wne="http://schemas.microsoft.com/office/word/2006/wordml" xmlns:wps="http://schemas.microsoft.com/office/word/2010/wordprocessingShape" xmlns:a14="http://schemas.microsoft.com/office/drawing/2010/main" xmlns:pic="http://schemas.openxmlformats.org/drawingml/2006/picture" xmlns:lc="http://schemas.openxmlformats.org/drawingml/2006/lockedCanvas" val="0"/>
+                <a14:useLocalDpi xmlns:a14="http://schemas.microsoft.com/office/drawing/2010/main" val="0"/>
               </a:ext>
             </a:extLst>
           </a:blip>
@@ -7705,61 +7599,41 @@
         </p:blipFill>
         <p:spPr bwMode="auto">
           <a:xfrm>
-            <a:off x="4643438" y="1643050"/>
-            <a:ext cx="1512916" cy="814648"/>
+            <a:off x="6660232" y="1643049"/>
+            <a:ext cx="1605600" cy="799200"/>
           </a:xfrm>
           <a:prstGeom prst="rect">
             <a:avLst/>
           </a:prstGeom>
-          <a:ln>
-            <a:noFill/>
+          <a:solidFill>
+            <a:srgbClr val="FFFFFF">
+              <a:shade val="85000"/>
+            </a:srgbClr>
+          </a:solidFill>
+          <a:ln w="190500" cap="rnd">
+            <a:solidFill>
+              <a:srgbClr val="FFFFFF"/>
+            </a:solidFill>
           </a:ln>
           <a:effectLst>
-            <a:outerShdw blurRad="292100" dist="139700" dir="2700000" algn="tl" rotWithShape="0">
-              <a:srgbClr val="333333">
-                <a:alpha val="65000"/>
+            <a:outerShdw blurRad="50000" algn="tl" rotWithShape="0">
+              <a:srgbClr val="000000">
+                <a:alpha val="41000"/>
               </a:srgbClr>
             </a:outerShdw>
           </a:effectLst>
-        </p:spPr>
-      </p:pic>
-      <p:pic>
-        <p:nvPicPr>
-          <p:cNvPr id="16" name="15 Imagen" descr="Italpasta S.A"/>
-          <p:cNvPicPr/>
-          <p:nvPr/>
-        </p:nvPicPr>
-        <p:blipFill>
-          <a:blip r:embed="rId5" cstate="print">
-            <a:extLst>
-              <a:ext uri="{28A0092B-C50C-407E-A947-70E740481C1C}">
-                <a14:useLocalDpi xmlns="" xmlns:wpc="http://schemas.microsoft.com/office/word/2010/wordprocessingCanvas" xmlns:mc="http://schemas.openxmlformats.org/markup-compatibility/2006" xmlns:o="urn:schemas-microsoft-com:office:office" xmlns:m="http://schemas.openxmlformats.org/officeDocument/2006/math" xmlns:v="urn:schemas-microsoft-com:vml" xmlns:wp14="http://schemas.microsoft.com/office/word/2010/wordprocessingDrawing" xmlns:wp="http://schemas.openxmlformats.org/drawingml/2006/wordprocessingDrawing" xmlns:w10="urn:schemas-microsoft-com:office:word" xmlns:w="http://schemas.openxmlformats.org/wordprocessingml/2006/main" xmlns:w14="http://schemas.microsoft.com/office/word/2010/wordml" xmlns:wpg="http://schemas.microsoft.com/office/word/2010/wordprocessingGroup" xmlns:wpi="http://schemas.microsoft.com/office/word/2010/wordprocessingInk" xmlns:wne="http://schemas.microsoft.com/office/word/2006/wordml" xmlns:wps="http://schemas.microsoft.com/office/word/2010/wordprocessingShape" xmlns:a14="http://schemas.microsoft.com/office/drawing/2010/main" xmlns:pic="http://schemas.openxmlformats.org/drawingml/2006/picture" xmlns:lc="http://schemas.openxmlformats.org/drawingml/2006/lockedCanvas" val="0"/>
-              </a:ext>
-            </a:extLst>
-          </a:blip>
-          <a:srcRect/>
-          <a:stretch>
-            <a:fillRect/>
-          </a:stretch>
-        </p:blipFill>
-        <p:spPr bwMode="auto">
-          <a:xfrm>
-            <a:off x="6715140" y="1643050"/>
-            <a:ext cx="1429790" cy="773084"/>
-          </a:xfrm>
-          <a:prstGeom prst="rect">
-            <a:avLst/>
-          </a:prstGeom>
-          <a:ln>
-            <a:noFill/>
-          </a:ln>
-          <a:effectLst>
-            <a:outerShdw blurRad="292100" dist="139700" dir="2700000" algn="tl" rotWithShape="0">
-              <a:srgbClr val="333333">
-                <a:alpha val="65000"/>
-              </a:srgbClr>
-            </a:outerShdw>
-          </a:effectLst>
+          <a:scene3d>
+            <a:camera prst="orthographicFront"/>
+            <a:lightRig rig="twoPt" dir="t">
+              <a:rot lat="0" lon="0" rev="7800000"/>
+            </a:lightRig>
+          </a:scene3d>
+          <a:sp3d contourW="6350">
+            <a:bevelT w="50800" h="16510"/>
+            <a:contourClr>
+              <a:srgbClr val="C0C0C0"/>
+            </a:contourClr>
+          </a:sp3d>
         </p:spPr>
       </p:pic>
       <p:sp>
@@ -7864,7 +7738,7 @@
           <p:nvPr/>
         </p:nvPicPr>
         <p:blipFill>
-          <a:blip r:embed="rId6"/>
+          <a:blip r:embed="rId5"/>
           <a:srcRect l="48530" b="8333"/>
           <a:stretch>
             <a:fillRect/>
@@ -7872,22 +7746,41 @@
         </p:blipFill>
         <p:spPr>
           <a:xfrm>
-            <a:off x="1428728" y="4143380"/>
+            <a:off x="1428728" y="5091454"/>
             <a:ext cx="1666864" cy="785818"/>
           </a:xfrm>
           <a:prstGeom prst="rect">
             <a:avLst/>
           </a:prstGeom>
-          <a:ln>
-            <a:noFill/>
+          <a:solidFill>
+            <a:srgbClr val="FFFFFF">
+              <a:shade val="85000"/>
+            </a:srgbClr>
+          </a:solidFill>
+          <a:ln w="190500" cap="rnd">
+            <a:solidFill>
+              <a:srgbClr val="FFFFFF"/>
+            </a:solidFill>
           </a:ln>
           <a:effectLst>
-            <a:outerShdw blurRad="292100" dist="139700" dir="2700000" algn="tl" rotWithShape="0">
-              <a:srgbClr val="333333">
-                <a:alpha val="65000"/>
+            <a:outerShdw blurRad="50000" algn="tl" rotWithShape="0">
+              <a:srgbClr val="000000">
+                <a:alpha val="41000"/>
               </a:srgbClr>
             </a:outerShdw>
           </a:effectLst>
+          <a:scene3d>
+            <a:camera prst="orthographicFront"/>
+            <a:lightRig rig="twoPt" dir="t">
+              <a:rot lat="0" lon="0" rev="7800000"/>
+            </a:lightRig>
+          </a:scene3d>
+          <a:sp3d contourW="6350">
+            <a:bevelT w="50800" h="16510"/>
+            <a:contourClr>
+              <a:srgbClr val="C0C0C0"/>
+            </a:contourClr>
+          </a:sp3d>
         </p:spPr>
       </p:pic>
       <p:pic>
@@ -7899,7 +7792,7 @@
           <p:nvPr/>
         </p:nvPicPr>
         <p:blipFill>
-          <a:blip r:embed="rId7"/>
+          <a:blip r:embed="rId6"/>
           <a:srcRect l="48530" b="8333"/>
           <a:stretch>
             <a:fillRect/>
@@ -7907,22 +7800,41 @@
         </p:blipFill>
         <p:spPr>
           <a:xfrm>
-            <a:off x="3619516" y="4143380"/>
+            <a:off x="3619516" y="5091454"/>
             <a:ext cx="1666864" cy="785818"/>
           </a:xfrm>
           <a:prstGeom prst="rect">
             <a:avLst/>
           </a:prstGeom>
-          <a:ln>
-            <a:noFill/>
+          <a:solidFill>
+            <a:srgbClr val="FFFFFF">
+              <a:shade val="85000"/>
+            </a:srgbClr>
+          </a:solidFill>
+          <a:ln w="190500" cap="rnd">
+            <a:solidFill>
+              <a:srgbClr val="FFFFFF"/>
+            </a:solidFill>
           </a:ln>
           <a:effectLst>
-            <a:outerShdw blurRad="292100" dist="139700" dir="2700000" algn="tl" rotWithShape="0">
-              <a:srgbClr val="333333">
-                <a:alpha val="65000"/>
+            <a:outerShdw blurRad="50000" algn="tl" rotWithShape="0">
+              <a:srgbClr val="000000">
+                <a:alpha val="41000"/>
               </a:srgbClr>
             </a:outerShdw>
           </a:effectLst>
+          <a:scene3d>
+            <a:camera prst="orthographicFront"/>
+            <a:lightRig rig="twoPt" dir="t">
+              <a:rot lat="0" lon="0" rev="7800000"/>
+            </a:lightRig>
+          </a:scene3d>
+          <a:sp3d contourW="6350">
+            <a:bevelT w="50800" h="16510"/>
+            <a:contourClr>
+              <a:srgbClr val="C0C0C0"/>
+            </a:contourClr>
+          </a:sp3d>
         </p:spPr>
       </p:pic>
       <p:pic>
@@ -7933,31 +7845,48 @@
           </p:cNvPicPr>
           <p:nvPr/>
         </p:nvPicPr>
-        <p:blipFill>
-          <a:blip r:embed="rId8"/>
+        <p:blipFill rotWithShape="1">
+          <a:blip r:embed="rId7"/>
           <a:srcRect l="48530" b="8333"/>
-          <a:stretch>
-            <a:fillRect/>
-          </a:stretch>
+          <a:stretch/>
         </p:blipFill>
         <p:spPr>
           <a:xfrm>
-            <a:off x="5834094" y="4143380"/>
+            <a:off x="5834094" y="5091454"/>
             <a:ext cx="1666864" cy="785818"/>
           </a:xfrm>
           <a:prstGeom prst="rect">
             <a:avLst/>
           </a:prstGeom>
-          <a:ln>
-            <a:noFill/>
+          <a:solidFill>
+            <a:srgbClr val="FFFFFF">
+              <a:shade val="85000"/>
+            </a:srgbClr>
+          </a:solidFill>
+          <a:ln w="190500" cap="rnd">
+            <a:solidFill>
+              <a:srgbClr val="FFFFFF"/>
+            </a:solidFill>
           </a:ln>
           <a:effectLst>
-            <a:outerShdw blurRad="292100" dist="139700" dir="2700000" algn="tl" rotWithShape="0">
-              <a:srgbClr val="333333">
-                <a:alpha val="65000"/>
+            <a:outerShdw blurRad="50000" algn="tl" rotWithShape="0">
+              <a:srgbClr val="000000">
+                <a:alpha val="41000"/>
               </a:srgbClr>
             </a:outerShdw>
           </a:effectLst>
+          <a:scene3d>
+            <a:camera prst="orthographicFront"/>
+            <a:lightRig rig="twoPt" dir="t">
+              <a:rot lat="0" lon="0" rev="7800000"/>
+            </a:lightRig>
+          </a:scene3d>
+          <a:sp3d contourW="6350">
+            <a:bevelT w="50800" h="16510"/>
+            <a:contourClr>
+              <a:srgbClr val="C0C0C0"/>
+            </a:contourClr>
+          </a:sp3d>
         </p:spPr>
       </p:pic>
       <p:pic>
@@ -7969,7 +7898,7 @@
           <p:nvPr/>
         </p:nvPicPr>
         <p:blipFill>
-          <a:blip r:embed="rId9">
+          <a:blip r:embed="rId8">
             <a:duotone>
               <a:schemeClr val="bg2">
                 <a:shade val="45000"/>
@@ -7990,6 +7919,134 @@
           <a:prstGeom prst="rect">
             <a:avLst/>
           </a:prstGeom>
+        </p:spPr>
+      </p:pic>
+      <p:pic>
+        <p:nvPicPr>
+          <p:cNvPr id="13" name="12 Imagen" descr="Ministerio de Educación"/>
+          <p:cNvPicPr/>
+          <p:nvPr/>
+        </p:nvPicPr>
+        <p:blipFill>
+          <a:blip r:embed="rId9" cstate="print">
+            <a:extLst>
+              <a:ext uri="{28A0092B-C50C-407E-A947-70E740481C1C}">
+                <a14:useLocalDpi xmlns:a14="http://schemas.microsoft.com/office/drawing/2010/main" val="0"/>
+              </a:ext>
+            </a:extLst>
+          </a:blip>
+          <a:srcRect/>
+          <a:stretch>
+            <a:fillRect/>
+          </a:stretch>
+        </p:blipFill>
+        <p:spPr bwMode="auto">
+          <a:xfrm>
+            <a:off x="2595786" y="1676498"/>
+            <a:ext cx="1530000" cy="781200"/>
+          </a:xfrm>
+          <a:prstGeom prst="rect">
+            <a:avLst/>
+          </a:prstGeom>
+          <a:solidFill>
+            <a:srgbClr val="FFFFFF">
+              <a:shade val="85000"/>
+            </a:srgbClr>
+          </a:solidFill>
+          <a:ln w="190500" cap="rnd">
+            <a:solidFill>
+              <a:srgbClr val="FFFFFF"/>
+            </a:solidFill>
+          </a:ln>
+          <a:effectLst>
+            <a:outerShdw blurRad="50000" algn="tl" rotWithShape="0">
+              <a:srgbClr val="000000">
+                <a:alpha val="41000"/>
+              </a:srgbClr>
+            </a:outerShdw>
+          </a:effectLst>
+          <a:scene3d>
+            <a:camera prst="orthographicFront"/>
+            <a:lightRig rig="twoPt" dir="t">
+              <a:rot lat="0" lon="0" rev="7800000"/>
+            </a:lightRig>
+          </a:scene3d>
+          <a:sp3d contourW="6350">
+            <a:bevelT w="50800" h="16510"/>
+            <a:contourClr>
+              <a:srgbClr val="C0C0C0"/>
+            </a:contourClr>
+          </a:sp3d>
+        </p:spPr>
+      </p:pic>
+      <p:pic>
+        <p:nvPicPr>
+          <p:cNvPr id="1028" name="Picture 4" descr="http://t0.gstatic.com/images?q=tbn:ANd9GcRClOeU_gLYdD5Rftv1a1iuMtBlCC1G5cyVg2XZirWPEsgcf7dL"/>
+          <p:cNvPicPr>
+            <a:picLocks noChangeAspect="1" noChangeArrowheads="1"/>
+          </p:cNvPicPr>
+          <p:nvPr/>
+        </p:nvPicPr>
+        <p:blipFill>
+          <a:blip r:embed="rId10">
+            <a:extLst>
+              <a:ext uri="{28A0092B-C50C-407E-A947-70E740481C1C}">
+                <a14:useLocalDpi xmlns:a14="http://schemas.microsoft.com/office/drawing/2010/main" val="0"/>
+              </a:ext>
+            </a:extLst>
+          </a:blip>
+          <a:srcRect/>
+          <a:stretch>
+            <a:fillRect/>
+          </a:stretch>
+        </p:blipFill>
+        <p:spPr bwMode="auto">
+          <a:xfrm>
+            <a:off x="3359675" y="2903432"/>
+            <a:ext cx="2004413" cy="813600"/>
+          </a:xfrm>
+          <a:prstGeom prst="rect">
+            <a:avLst/>
+          </a:prstGeom>
+          <a:solidFill>
+            <a:srgbClr val="FFFFFF">
+              <a:shade val="85000"/>
+            </a:srgbClr>
+          </a:solidFill>
+          <a:ln w="88900" cap="sq">
+            <a:solidFill>
+              <a:srgbClr val="FFFFFF"/>
+            </a:solidFill>
+            <a:miter lim="800000"/>
+          </a:ln>
+          <a:effectLst>
+            <a:outerShdw blurRad="55000" dist="18000" dir="5400000" algn="tl" rotWithShape="0">
+              <a:srgbClr val="000000">
+                <a:alpha val="40000"/>
+              </a:srgbClr>
+            </a:outerShdw>
+          </a:effectLst>
+          <a:scene3d>
+            <a:camera prst="orthographicFront"/>
+            <a:lightRig rig="twoPt" dir="t">
+              <a:rot lat="0" lon="0" rev="7200000"/>
+            </a:lightRig>
+          </a:scene3d>
+          <a:sp3d>
+            <a:bevelT w="25400" h="19050"/>
+            <a:contourClr>
+              <a:srgbClr val="FFFFFF"/>
+            </a:contourClr>
+          </a:sp3d>
+          <a:extLst>
+            <a:ext uri="{909E8E84-426E-40DD-AFC4-6F175D3DCCD1}">
+              <a14:hiddenFill xmlns:a14="http://schemas.microsoft.com/office/drawing/2010/main">
+                <a:solidFill>
+                  <a:srgbClr val="FFFFFF"/>
+                </a:solidFill>
+              </a14:hiddenFill>
+            </a:ext>
+          </a:extLst>
         </p:spPr>
       </p:pic>
     </p:spTree>
@@ -8088,20 +8145,12 @@
               <a:rPr lang="es-CL" sz="3200" dirty="0" smtClean="0"/>
               <a:t>El Problema de las Revelaciones, </a:t>
             </a:r>
-            <a:r>
-              <a:rPr lang="es-CL" sz="3200" dirty="0" smtClean="0"/>
-              <a:t/>
-            </a:r>
             <a:br>
               <a:rPr lang="es-CL" sz="3200" dirty="0" smtClean="0"/>
             </a:br>
             <a:r>
               <a:rPr lang="es-CL" sz="3200" dirty="0" smtClean="0"/>
-              <a:t>los </a:t>
-            </a:r>
-            <a:r>
-              <a:rPr lang="es-CL" sz="3200" dirty="0" smtClean="0"/>
-              <a:t>EE.FF y el XBRL.</a:t>
+              <a:t>los EE.FF y el XBRL.</a:t>
             </a:r>
             <a:endParaRPr lang="es-CL" sz="3200" dirty="0"/>
           </a:p>
@@ -8241,80 +8290,15 @@
             <a:pPr algn="just"/>
             <a:r>
               <a:rPr lang="es-CL" sz="2200" dirty="0" smtClean="0"/>
-              <a:t>Desde </a:t>
-            </a:r>
-            <a:r>
-              <a:rPr lang="es-CL" sz="2200" dirty="0" smtClean="0"/>
-              <a:t>el nacimiento de la normativa </a:t>
-            </a:r>
-            <a:r>
-              <a:rPr lang="es-CL" sz="2200" dirty="0" smtClean="0"/>
-              <a:t/>
+              <a:t>Desde el nacimiento de la normativa </a:t>
             </a:r>
             <a:br>
               <a:rPr lang="es-CL" sz="2200" dirty="0" smtClean="0"/>
             </a:br>
             <a:r>
               <a:rPr lang="es-CL" sz="2200" dirty="0" smtClean="0"/>
-              <a:t>con </a:t>
-            </a:r>
-            <a:r>
-              <a:rPr lang="es-CL" sz="2200" dirty="0" smtClean="0"/>
-              <a:t>la </a:t>
-            </a:r>
-            <a:r>
-              <a:rPr lang="es-CL" sz="2200" dirty="0" smtClean="0"/>
-              <a:t>circular </a:t>
-            </a:r>
-            <a:r>
-              <a:rPr lang="es-CL" sz="2200" dirty="0" smtClean="0"/>
-              <a:t>2022 en Mayo del 2011, existen hasta la </a:t>
-            </a:r>
-            <a:r>
-              <a:rPr lang="es-CL" sz="2200" dirty="0" smtClean="0"/>
-              <a:t>fecha, tres </a:t>
-            </a:r>
-            <a:r>
-              <a:rPr lang="es-CL" sz="2200" dirty="0" smtClean="0"/>
-              <a:t>modificaciones en la definición de la </a:t>
-            </a:r>
-            <a:r>
-              <a:rPr lang="es-CL" sz="2200" dirty="0" smtClean="0"/>
-              <a:t>Normativa </a:t>
-            </a:r>
-            <a:r>
-              <a:rPr lang="es-CL" sz="2200" dirty="0" smtClean="0"/>
-              <a:t>impactando directamente en la </a:t>
-            </a:r>
-            <a:r>
-              <a:rPr lang="es-CL" sz="2200" dirty="0" smtClean="0"/>
-              <a:t>Estructura </a:t>
-            </a:r>
-            <a:r>
-              <a:rPr lang="es-CL" sz="2200" dirty="0" smtClean="0"/>
-              <a:t>y </a:t>
-            </a:r>
-            <a:r>
-              <a:rPr lang="es-CL" sz="2200" dirty="0" smtClean="0"/>
-              <a:t>Contenido </a:t>
-            </a:r>
-            <a:r>
-              <a:rPr lang="es-CL" sz="2200" dirty="0" smtClean="0"/>
-              <a:t>de las Revelaciones. Esto implica un alto porcentaje de variabilidad de la </a:t>
-            </a:r>
-            <a:r>
-              <a:rPr lang="es-CL" sz="2200" dirty="0" smtClean="0"/>
-              <a:t>Información </a:t>
-            </a:r>
-            <a:r>
-              <a:rPr lang="es-CL" sz="2200" dirty="0" smtClean="0"/>
-              <a:t>que se debe preparar y presentar</a:t>
-            </a:r>
-            <a:r>
-              <a:rPr lang="es-CL" sz="2200" dirty="0" smtClean="0"/>
-              <a:t>.</a:t>
-            </a:r>
-            <a:endParaRPr lang="es-CL" sz="2200" dirty="0" smtClean="0"/>
+              <a:t>con la circular 2022 en Mayo del 2011, existen hasta la fecha, tres modificaciones en la definición de la Normativa impactando directamente en la Estructura y Contenido de las Revelaciones. Esto implica un alto porcentaje de variabilidad de la Información que se debe preparar y presentar.</a:t>
+            </a:r>
           </a:p>
         </p:txBody>
       </p:sp>
@@ -8420,15 +8404,39 @@
             <a:pPr algn="just"/>
             <a:r>
               <a:rPr lang="es-CL" sz="2200" dirty="0" smtClean="0"/>
-              <a:t>Tomando en cuenta esta y otras atenuantes nuestra Compañía ha desarrollado un producto totalmente </a:t>
-            </a:r>
-            <a:r>
-              <a:rPr lang="es-CL" sz="2200" u="sng" dirty="0" smtClean="0"/>
-              <a:t>versátil</a:t>
+              <a:t>Tomando en cuenta </a:t>
             </a:r>
             <a:r>
               <a:rPr lang="es-CL" sz="2200" dirty="0" smtClean="0"/>
-              <a:t> que se ajusta a todos los posibles escenarios impuestos por la Súper Intendencia de Valores y Seguros, brindando una capacidad de adaptación única a la hora de enfrentar los cambios en los modelos de entrega de la información de Revelaciones, Estados Financieros y Generación de XBRL.</a:t>
+              <a:t>todas estas problemáticas y pensando en ofrecerle siempre la mejor Solución, hemos </a:t>
+            </a:r>
+            <a:r>
+              <a:rPr lang="es-CL" sz="2200" dirty="0" smtClean="0"/>
+              <a:t>desarrollado un producto totalmente versátil que se ajusta a todos los posibles </a:t>
+            </a:r>
+            <a:r>
+              <a:rPr lang="es-CL" sz="2200" dirty="0" smtClean="0"/>
+              <a:t>Escenarios </a:t>
+            </a:r>
+            <a:r>
+              <a:rPr lang="es-CL" sz="2200" dirty="0" smtClean="0"/>
+              <a:t>impuestos por la Súper Intendencia de Valores y Seguros, brindando una capacidad de adaptación única a la hora de enfrentar los cambios en los </a:t>
+            </a:r>
+            <a:r>
+              <a:rPr lang="es-CL" sz="2200" dirty="0" smtClean="0"/>
+              <a:t>Modelos </a:t>
+            </a:r>
+            <a:r>
+              <a:rPr lang="es-CL" sz="2200" dirty="0" smtClean="0"/>
+              <a:t>de entrega de la información de Revelaciones, Estados Financieros y </a:t>
+            </a:r>
+            <a:r>
+              <a:rPr lang="es-CL" sz="2200" dirty="0" smtClean="0"/>
+              <a:t>la Generación de los Reportes en Formato </a:t>
+            </a:r>
+            <a:r>
+              <a:rPr lang="es-CL" sz="2200" dirty="0" smtClean="0"/>
+              <a:t>XBRL.</a:t>
             </a:r>
           </a:p>
           <a:p>
@@ -8524,15 +8532,7 @@
             <a:pPr algn="just"/>
             <a:r>
               <a:rPr lang="es-CL" sz="2300" dirty="0" smtClean="0"/>
-              <a:t>Totalmente Versátil, se adapta sin problemas a las distintas especificaciones de la normativa permitiendo superar sin dificultades las problemáticas asociadas </a:t>
-            </a:r>
-            <a:r>
-              <a:rPr lang="es-CL" sz="2300" dirty="0" smtClean="0"/>
-              <a:t>a los </a:t>
-            </a:r>
-            <a:r>
-              <a:rPr lang="es-CL" sz="2300" dirty="0" smtClean="0"/>
-              <a:t>cambios sobre forma y contenido de las Revelaciones.</a:t>
+              <a:t>Totalmente Versátil, se adapta sin problemas a las distintas especificaciones de la normativa permitiendo superar sin dificultades las problemáticas asociadas a los cambios sobre forma y contenido de las Revelaciones.</a:t>
             </a:r>
           </a:p>
           <a:p>
@@ -8555,14 +8555,38 @@
             </a:r>
             <a:r>
               <a:rPr lang="es-CL" sz="2300" dirty="0" smtClean="0"/>
-              <a:t> el cual independiza a la empresa de los proveedores externos al momento de generar el envió de XBRL a la SVS.</a:t>
+              <a:t> el cual independiza a </a:t>
+            </a:r>
+            <a:r>
+              <a:rPr lang="es-CL" sz="2300" dirty="0" smtClean="0"/>
+              <a:t>su Empresa </a:t>
+            </a:r>
+            <a:r>
+              <a:rPr lang="es-CL" sz="2300" dirty="0" smtClean="0"/>
+              <a:t>de los proveedores externos al momento de generar el envió de XBRL a la SVS.</a:t>
             </a:r>
           </a:p>
           <a:p>
             <a:pPr algn="just"/>
             <a:r>
               <a:rPr lang="es-CL" sz="2300" dirty="0" smtClean="0"/>
-              <a:t>Proporciona herramientas de Control que permiten tener una visión amplia sobre el estado del completitud de los datos para los periodos informados.</a:t>
+              <a:t>Proporciona herramientas de Control que permiten tener una visión amplia sobre el estado </a:t>
+            </a:r>
+            <a:r>
+              <a:rPr lang="es-CL" sz="2300" dirty="0" smtClean="0"/>
+              <a:t>de </a:t>
+            </a:r>
+            <a:r>
+              <a:rPr lang="es-CL" sz="2300" dirty="0" smtClean="0"/>
+              <a:t>completitud de los datos para los </a:t>
+            </a:r>
+            <a:r>
+              <a:rPr lang="es-CL" sz="2300" dirty="0" smtClean="0"/>
+              <a:t>períodos </a:t>
+            </a:r>
+            <a:r>
+              <a:rPr lang="es-CL" sz="2300" dirty="0" smtClean="0"/>
+              <a:t>informados.</a:t>
             </a:r>
           </a:p>
           <a:p>
@@ -8609,11 +8633,7 @@
           <a:p>
             <a:r>
               <a:rPr lang="es-CL" sz="3200" dirty="0" smtClean="0"/>
-              <a:t>Principales </a:t>
-            </a:r>
-            <a:r>
-              <a:rPr lang="es-CL" sz="3200" dirty="0" smtClean="0"/>
-              <a:t>Características de </a:t>
+              <a:t>Principales Características de </a:t>
             </a:r>
             <a:br>
               <a:rPr lang="es-CL" sz="3200" dirty="0" smtClean="0"/>

--- a/docs/comercial/brochure.pptx
+++ b/docs/comercial/brochure.pptx
@@ -4934,6 +4934,7 @@
           <a:bodyPr/>
           <a:lstStyle/>
           <a:p>
+            <a:pPr algn="just"/>
             <a:r>
               <a:rPr lang="es-CL" dirty="0" smtClean="0">
                 <a:effectLst>
@@ -4948,19 +4949,15 @@
             </a:r>
             <a:r>
               <a:rPr lang="es-CL" dirty="0" smtClean="0"/>
-              <a:t>: </a:t>
+              <a:t>: Configure dinámicamente las estructuras de Información para las Revelaciones según la normativa de la </a:t>
             </a:r>
             <a:r>
               <a:rPr lang="es-CL" dirty="0" smtClean="0"/>
-              <a:t>Configure </a:t>
+              <a:t>Superintendencia </a:t>
             </a:r>
             <a:r>
               <a:rPr lang="es-CL" dirty="0" smtClean="0"/>
-              <a:t>dinámicamente las estructuras de Información para las Revelaciones según la normativa de la </a:t>
-            </a:r>
-            <a:r>
-              <a:rPr lang="es-CL" dirty="0" smtClean="0"/>
-              <a:t>Súper Intendencia de Valores y Seguros.</a:t>
+              <a:t>de Valores y Seguros.</a:t>
             </a:r>
             <a:endParaRPr lang="es-CL" dirty="0"/>
           </a:p>
@@ -5183,15 +5180,7 @@
             </a:r>
             <a:r>
               <a:rPr lang="es-CL" dirty="0" smtClean="0"/>
-              <a:t>peratorias </a:t>
-            </a:r>
-            <a:r>
-              <a:rPr lang="es-CL" dirty="0" smtClean="0"/>
-              <a:t>necesarias entre los campos de cada </a:t>
-            </a:r>
-            <a:r>
-              <a:rPr lang="es-CL" dirty="0" smtClean="0"/>
-              <a:t>Cuadro y establezca Sumas y Restas.</a:t>
+              <a:t>peratorias necesarias entre los campos de cada Cuadro y establezca Sumas y Restas.</a:t>
             </a:r>
             <a:endParaRPr lang="es-CL" dirty="0"/>
           </a:p>
@@ -5476,7 +5465,19 @@
                   </a:outerShdw>
                 </a:effectLst>
               </a:rPr>
-              <a:t>Flujo de Aprobación.</a:t>
+              <a:t>Flujo de Aprobación</a:t>
+            </a:r>
+            <a:r>
+              <a:rPr lang="es-CL" dirty="0" smtClean="0">
+                <a:effectLst>
+                  <a:outerShdw blurRad="38100" dist="38100" dir="2700000" algn="tl">
+                    <a:srgbClr val="000000">
+                      <a:alpha val="43137"/>
+                    </a:srgbClr>
+                  </a:outerShdw>
+                </a:effectLst>
+              </a:rPr>
+              <a:t>.</a:t>
             </a:r>
             <a:r>
               <a:rPr lang="es-CL" dirty="0" smtClean="0"/>
@@ -5485,24 +5486,27 @@
             <a:br>
               <a:rPr lang="es-CL" dirty="0" smtClean="0"/>
             </a:br>
+            <a:endParaRPr lang="es-CL" dirty="0" smtClean="0"/>
+          </a:p>
+          <a:p>
+            <a:pPr algn="just">
+              <a:buNone/>
+            </a:pPr>
             <a:r>
               <a:rPr lang="es-CL" dirty="0" smtClean="0"/>
-              <a:t/>
-            </a:r>
-            <a:br>
+              <a:t>  Controle </a:t>
+            </a:r>
+            <a:r>
               <a:rPr lang="es-CL" dirty="0" smtClean="0"/>
-            </a:br>
+              <a:t>el Flujo de la información de </a:t>
+            </a:r>
             <a:r>
               <a:rPr lang="es-CL" dirty="0" smtClean="0"/>
-              <a:t>Controle el Flujo de </a:t>
+              <a:t>cada Período</a:t>
             </a:r>
             <a:r>
               <a:rPr lang="es-CL" dirty="0" smtClean="0"/>
-              <a:t>la información </a:t>
-            </a:r>
-            <a:r>
-              <a:rPr lang="es-CL" dirty="0" smtClean="0"/>
-              <a:t>de cada Período, visualizando el estado de sus Revelaciones.</a:t>
+              <a:t>, visualizando el estado de sus Revelaciones.</a:t>
             </a:r>
             <a:endParaRPr lang="es-CL" dirty="0"/>
           </a:p>
@@ -5697,23 +5701,7 @@
             </a:br>
             <a:r>
               <a:rPr lang="es-CL" dirty="0" smtClean="0"/>
-              <a:t>Realice operaciones </a:t>
-            </a:r>
-            <a:r>
-              <a:rPr lang="es-CL" dirty="0" smtClean="0"/>
-              <a:t>de Cierre y Apertura de </a:t>
-            </a:r>
-            <a:r>
-              <a:rPr lang="es-CL" dirty="0" smtClean="0"/>
-              <a:t>período </a:t>
-            </a:r>
-            <a:r>
-              <a:rPr lang="es-CL" dirty="0" smtClean="0"/>
-              <a:t>para el Ingreso de </a:t>
-            </a:r>
-            <a:r>
-              <a:rPr lang="es-CL" dirty="0" smtClean="0"/>
-              <a:t>su Información.</a:t>
+              <a:t>Realice operaciones de Cierre y Apertura de período para el Ingreso de su Información.</a:t>
             </a:r>
             <a:endParaRPr lang="es-CL" dirty="0"/>
           </a:p>
@@ -5867,23 +5855,7 @@
             </a:br>
             <a:r>
               <a:rPr lang="es-CL" dirty="0" smtClean="0"/>
-              <a:t>Ingrese su Información </a:t>
-            </a:r>
-            <a:r>
-              <a:rPr lang="es-CL" dirty="0" smtClean="0"/>
-              <a:t>de </a:t>
-            </a:r>
-            <a:r>
-              <a:rPr lang="es-CL" dirty="0" smtClean="0"/>
-              <a:t>Revelaciones</a:t>
-            </a:r>
-            <a:r>
-              <a:rPr lang="es-CL" dirty="0" smtClean="0"/>
-              <a:t>, validando dichos ingresos contra </a:t>
-            </a:r>
-            <a:r>
-              <a:rPr lang="es-CL" dirty="0" smtClean="0"/>
-              <a:t>sus Estados </a:t>
+              <a:t>Ingrese su Información de Revelaciones, validando dichos ingresos contra sus Estados </a:t>
             </a:r>
             <a:r>
               <a:rPr lang="es-CL" dirty="0"/>
@@ -5891,11 +5863,7 @@
             </a:r>
             <a:r>
               <a:rPr lang="es-CL" dirty="0" smtClean="0"/>
-              <a:t>inancieros</a:t>
-            </a:r>
-            <a:r>
-              <a:rPr lang="es-CL" dirty="0" smtClean="0"/>
-              <a:t>.</a:t>
+              <a:t>inancieros.</a:t>
             </a:r>
             <a:endParaRPr lang="es-CL" dirty="0"/>
           </a:p>
@@ -6224,19 +6192,7 @@
             </a:br>
             <a:r>
               <a:rPr lang="es-CL" dirty="0" smtClean="0"/>
-              <a:t>Con EXFIDA cuente con un completo </a:t>
-            </a:r>
-            <a:r>
-              <a:rPr lang="es-CL" dirty="0" smtClean="0"/>
-              <a:t>módulo de </a:t>
-            </a:r>
-            <a:r>
-              <a:rPr lang="es-CL" dirty="0" smtClean="0"/>
-              <a:t>Reportes</a:t>
-            </a:r>
-            <a:r>
-              <a:rPr lang="es-CL" dirty="0" smtClean="0"/>
-              <a:t>.</a:t>
+              <a:t>Con EXFIDA cuente con un completo módulo de Reportes.</a:t>
             </a:r>
           </a:p>
           <a:p>
@@ -7117,7 +7073,15 @@
           <a:p>
             <a:r>
               <a:rPr lang="es-CL" sz="2300" dirty="0" smtClean="0"/>
-              <a:t>Queremos ganarnos su confianza, a través de soluciones tecnológicas que permitan hacer más eficiente la gestión del negocio de su Empresa y brindándole a su Compañía siempre un valor agregado.</a:t>
+              <a:t>Queremos ganarnos su confianza, a través de soluciones tecnológicas que permitan hacer más eficiente la gestión del negocio de su Empresa y brindándole a su Compañía siempre un </a:t>
+            </a:r>
+            <a:r>
+              <a:rPr lang="es-CL" sz="2300" dirty="0" smtClean="0"/>
+              <a:t>valor agregado</a:t>
+            </a:r>
+            <a:r>
+              <a:rPr lang="es-CL" sz="2300" dirty="0" smtClean="0"/>
+              <a:t>.</a:t>
             </a:r>
             <a:r>
               <a:rPr lang="es-CL" sz="2400" dirty="0" smtClean="0"/>
@@ -7472,7 +7436,7 @@
           <a:blip r:embed="rId2" cstate="print">
             <a:extLst>
               <a:ext uri="{28A0092B-C50C-407E-A947-70E740481C1C}">
-                <a14:useLocalDpi xmlns:a14="http://schemas.microsoft.com/office/drawing/2010/main" val="0"/>
+                <a14:useLocalDpi xmlns:a14="http://schemas.microsoft.com/office/drawing/2010/main" xmlns="" val="0"/>
               </a:ext>
             </a:extLst>
           </a:blip>
@@ -7530,7 +7494,7 @@
           <a:blip r:embed="rId3" cstate="print">
             <a:extLst>
               <a:ext uri="{28A0092B-C50C-407E-A947-70E740481C1C}">
-                <a14:useLocalDpi xmlns:a14="http://schemas.microsoft.com/office/drawing/2010/main" val="0"/>
+                <a14:useLocalDpi xmlns:a14="http://schemas.microsoft.com/office/drawing/2010/main" xmlns="" val="0"/>
               </a:ext>
             </a:extLst>
           </a:blip>
@@ -7588,7 +7552,7 @@
           <a:blip r:embed="rId4" cstate="print">
             <a:extLst>
               <a:ext uri="{28A0092B-C50C-407E-A947-70E740481C1C}">
-                <a14:useLocalDpi xmlns:a14="http://schemas.microsoft.com/office/drawing/2010/main" val="0"/>
+                <a14:useLocalDpi xmlns:a14="http://schemas.microsoft.com/office/drawing/2010/main" xmlns="" val="0"/>
               </a:ext>
             </a:extLst>
           </a:blip>
@@ -7931,7 +7895,7 @@
           <a:blip r:embed="rId9" cstate="print">
             <a:extLst>
               <a:ext uri="{28A0092B-C50C-407E-A947-70E740481C1C}">
-                <a14:useLocalDpi xmlns:a14="http://schemas.microsoft.com/office/drawing/2010/main" val="0"/>
+                <a14:useLocalDpi xmlns:a14="http://schemas.microsoft.com/office/drawing/2010/main" xmlns="" val="0"/>
               </a:ext>
             </a:extLst>
           </a:blip>
@@ -7991,7 +7955,7 @@
           <a:blip r:embed="rId10">
             <a:extLst>
               <a:ext uri="{28A0092B-C50C-407E-A947-70E740481C1C}">
-                <a14:useLocalDpi xmlns:a14="http://schemas.microsoft.com/office/drawing/2010/main" val="0"/>
+                <a14:useLocalDpi xmlns:a14="http://schemas.microsoft.com/office/drawing/2010/main" xmlns="" val="0"/>
               </a:ext>
             </a:extLst>
           </a:blip>
@@ -8040,7 +8004,7 @@
           </a:sp3d>
           <a:extLst>
             <a:ext uri="{909E8E84-426E-40DD-AFC4-6F175D3DCCD1}">
-              <a14:hiddenFill xmlns:a14="http://schemas.microsoft.com/office/drawing/2010/main">
+              <a14:hiddenFill xmlns:a14="http://schemas.microsoft.com/office/drawing/2010/main" xmlns="">
                 <a:solidFill>
                   <a:srgbClr val="FFFFFF"/>
                 </a:solidFill>
@@ -8104,7 +8068,15 @@
             <a:pPr algn="just"/>
             <a:r>
               <a:rPr lang="es-CL" sz="2300" dirty="0" smtClean="0"/>
-              <a:t>Según la normativa de la Súper Intendencia de Valores y Seguros. Los estados financieros deberán prepararse de acuerdo a las Normas Internacionales de Información Financiera (IFRS) emitidas por la International Accounting Standard Board (IASB).</a:t>
+              <a:t>Según la normativa de la </a:t>
+            </a:r>
+            <a:r>
+              <a:rPr lang="es-CL" sz="2300" dirty="0" smtClean="0"/>
+              <a:t>Superintendencia </a:t>
+            </a:r>
+            <a:r>
+              <a:rPr lang="es-CL" sz="2300" dirty="0" smtClean="0"/>
+              <a:t>de Valores y Seguros. Los estados financieros deberán prepararse de acuerdo a las Normas Internacionales de Información Financiera (IFRS) emitidas por la International Accounting Standard Board (IASB).</a:t>
             </a:r>
           </a:p>
           <a:p>
@@ -8404,39 +8376,15 @@
             <a:pPr algn="just"/>
             <a:r>
               <a:rPr lang="es-CL" sz="2200" dirty="0" smtClean="0"/>
-              <a:t>Tomando en cuenta </a:t>
+              <a:t>Tomando en cuenta todas estas problemáticas y pensando en ofrecerle siempre la mejor Solución, hemos desarrollado un producto totalmente versátil que se ajusta a todos los posibles Escenarios impuestos por la </a:t>
             </a:r>
             <a:r>
               <a:rPr lang="es-CL" sz="2200" dirty="0" smtClean="0"/>
-              <a:t>todas estas problemáticas y pensando en ofrecerle siempre la mejor Solución, hemos </a:t>
+              <a:t>Superintendencia </a:t>
             </a:r>
             <a:r>
               <a:rPr lang="es-CL" sz="2200" dirty="0" smtClean="0"/>
-              <a:t>desarrollado un producto totalmente versátil que se ajusta a todos los posibles </a:t>
-            </a:r>
-            <a:r>
-              <a:rPr lang="es-CL" sz="2200" dirty="0" smtClean="0"/>
-              <a:t>Escenarios </a:t>
-            </a:r>
-            <a:r>
-              <a:rPr lang="es-CL" sz="2200" dirty="0" smtClean="0"/>
-              <a:t>impuestos por la Súper Intendencia de Valores y Seguros, brindando una capacidad de adaptación única a la hora de enfrentar los cambios en los </a:t>
-            </a:r>
-            <a:r>
-              <a:rPr lang="es-CL" sz="2200" dirty="0" smtClean="0"/>
-              <a:t>Modelos </a:t>
-            </a:r>
-            <a:r>
-              <a:rPr lang="es-CL" sz="2200" dirty="0" smtClean="0"/>
-              <a:t>de entrega de la información de Revelaciones, Estados Financieros y </a:t>
-            </a:r>
-            <a:r>
-              <a:rPr lang="es-CL" sz="2200" dirty="0" smtClean="0"/>
-              <a:t>la Generación de los Reportes en Formato </a:t>
-            </a:r>
-            <a:r>
-              <a:rPr lang="es-CL" sz="2200" dirty="0" smtClean="0"/>
-              <a:t>XBRL.</a:t>
+              <a:t>de Valores y Seguros, brindando una capacidad de adaptación única a la hora de enfrentar los cambios en los Modelos de entrega de la información de Revelaciones, Estados Financieros y la Generación de los Reportes en Formato XBRL.</a:t>
             </a:r>
           </a:p>
           <a:p>
@@ -8555,38 +8503,14 @@
             </a:r>
             <a:r>
               <a:rPr lang="es-CL" sz="2300" dirty="0" smtClean="0"/>
-              <a:t> el cual independiza a </a:t>
-            </a:r>
+              <a:t> el cual independiza a su Empresa de los proveedores externos al momento de generar el envió de XBRL a la SVS.</a:t>
+            </a:r>
+          </a:p>
+          <a:p>
+            <a:pPr algn="just"/>
             <a:r>
               <a:rPr lang="es-CL" sz="2300" dirty="0" smtClean="0"/>
-              <a:t>su Empresa </a:t>
-            </a:r>
-            <a:r>
-              <a:rPr lang="es-CL" sz="2300" dirty="0" smtClean="0"/>
-              <a:t>de los proveedores externos al momento de generar el envió de XBRL a la SVS.</a:t>
-            </a:r>
-          </a:p>
-          <a:p>
-            <a:pPr algn="just"/>
-            <a:r>
-              <a:rPr lang="es-CL" sz="2300" dirty="0" smtClean="0"/>
-              <a:t>Proporciona herramientas de Control que permiten tener una visión amplia sobre el estado </a:t>
-            </a:r>
-            <a:r>
-              <a:rPr lang="es-CL" sz="2300" dirty="0" smtClean="0"/>
-              <a:t>de </a:t>
-            </a:r>
-            <a:r>
-              <a:rPr lang="es-CL" sz="2300" dirty="0" smtClean="0"/>
-              <a:t>completitud de los datos para los </a:t>
-            </a:r>
-            <a:r>
-              <a:rPr lang="es-CL" sz="2300" dirty="0" smtClean="0"/>
-              <a:t>períodos </a:t>
-            </a:r>
-            <a:r>
-              <a:rPr lang="es-CL" sz="2300" dirty="0" smtClean="0"/>
-              <a:t>informados.</a:t>
+              <a:t>Proporciona herramientas de Control que permiten tener una visión amplia sobre el estado de completitud de los datos para los períodos informados.</a:t>
             </a:r>
           </a:p>
           <a:p>
